--- a/TEAM2020.pptx
+++ b/TEAM2020.pptx
@@ -5,30 +5,28 @@
     <p:sldMasterId id="2147483660" r:id="rId4"/>
   </p:sldMasterIdLst>
   <p:notesMasterIdLst>
-    <p:notesMasterId r:id="rId23"/>
+    <p:notesMasterId r:id="rId21"/>
   </p:notesMasterIdLst>
   <p:handoutMasterIdLst>
-    <p:handoutMasterId r:id="rId24"/>
+    <p:handoutMasterId r:id="rId22"/>
   </p:handoutMasterIdLst>
   <p:sldIdLst>
     <p:sldId id="279" r:id="rId5"/>
-    <p:sldId id="287" r:id="rId6"/>
-    <p:sldId id="289" r:id="rId7"/>
-    <p:sldId id="294" r:id="rId8"/>
-    <p:sldId id="270" r:id="rId9"/>
-    <p:sldId id="295" r:id="rId10"/>
-    <p:sldId id="288" r:id="rId11"/>
-    <p:sldId id="271" r:id="rId12"/>
-    <p:sldId id="273" r:id="rId13"/>
-    <p:sldId id="293" r:id="rId14"/>
-    <p:sldId id="290" r:id="rId15"/>
-    <p:sldId id="291" r:id="rId16"/>
-    <p:sldId id="292" r:id="rId17"/>
-    <p:sldId id="278" r:id="rId18"/>
-    <p:sldId id="274" r:id="rId19"/>
-    <p:sldId id="283" r:id="rId20"/>
-    <p:sldId id="282" r:id="rId21"/>
-    <p:sldId id="277" r:id="rId22"/>
+    <p:sldId id="289" r:id="rId6"/>
+    <p:sldId id="294" r:id="rId7"/>
+    <p:sldId id="270" r:id="rId8"/>
+    <p:sldId id="295" r:id="rId9"/>
+    <p:sldId id="288" r:id="rId10"/>
+    <p:sldId id="271" r:id="rId11"/>
+    <p:sldId id="273" r:id="rId12"/>
+    <p:sldId id="293" r:id="rId13"/>
+    <p:sldId id="290" r:id="rId14"/>
+    <p:sldId id="291" r:id="rId15"/>
+    <p:sldId id="292" r:id="rId16"/>
+    <p:sldId id="297" r:id="rId17"/>
+    <p:sldId id="298" r:id="rId18"/>
+    <p:sldId id="278" r:id="rId19"/>
+    <p:sldId id="274" r:id="rId20"/>
   </p:sldIdLst>
   <p:sldSz cx="12188825" cy="6858000"/>
   <p:notesSz cx="6858000" cy="9144000"/>
@@ -250,7 +248,7 @@
                 <a:latin typeface="ＭＳ Ｐ明朝" panose="02020600040205080304" pitchFamily="18" charset="-128"/>
                 <a:ea typeface="ＭＳ Ｐ明朝" panose="02020600040205080304" pitchFamily="18" charset="-128"/>
               </a:rPr>
-              <a:t>2020/1/19</a:t>
+              <a:t>2020/1/22</a:t>
             </a:fld>
             <a:endParaRPr lang="ja-JP" altLang="en-US" dirty="0">
               <a:latin typeface="ＭＳ Ｐ明朝" panose="02020600040205080304" pitchFamily="18" charset="-128"/>
@@ -437,7 +435,7 @@
             <a:fld id="{B0CACAF2-5D36-4D35-B292-223B1677A586}" type="datetime1">
               <a:rPr lang="ja-JP" altLang="en-US" smtClean="0"/>
               <a:pPr/>
-              <a:t>2020/1/19</a:t>
+              <a:t>2020/1/22</a:t>
             </a:fld>
             <a:endParaRPr lang="ja-JP" altLang="en-US" dirty="0"/>
           </a:p>
@@ -924,7 +922,7 @@
     </p:spTree>
     <p:extLst>
       <p:ext uri="{BB962C8B-B14F-4D97-AF65-F5344CB8AC3E}">
-        <p14:creationId xmlns:p14="http://schemas.microsoft.com/office/powerpoint/2010/main" val="2217537545"/>
+        <p14:creationId xmlns:p14="http://schemas.microsoft.com/office/powerpoint/2010/main" val="680975513"/>
       </p:ext>
     </p:extLst>
   </p:cSld>
@@ -1019,7 +1017,7 @@
     </p:spTree>
     <p:extLst>
       <p:ext uri="{BB962C8B-B14F-4D97-AF65-F5344CB8AC3E}">
-        <p14:creationId xmlns:p14="http://schemas.microsoft.com/office/powerpoint/2010/main" val="680975513"/>
+        <p14:creationId xmlns:p14="http://schemas.microsoft.com/office/powerpoint/2010/main" val="3150510642"/>
       </p:ext>
     </p:extLst>
   </p:cSld>
@@ -1114,7 +1112,7 @@
     </p:spTree>
     <p:extLst>
       <p:ext uri="{BB962C8B-B14F-4D97-AF65-F5344CB8AC3E}">
-        <p14:creationId xmlns:p14="http://schemas.microsoft.com/office/powerpoint/2010/main" val="3150510642"/>
+        <p14:creationId xmlns:p14="http://schemas.microsoft.com/office/powerpoint/2010/main" val="3957635697"/>
       </p:ext>
     </p:extLst>
   </p:cSld>
@@ -1209,7 +1207,7 @@
     </p:spTree>
     <p:extLst>
       <p:ext uri="{BB962C8B-B14F-4D97-AF65-F5344CB8AC3E}">
-        <p14:creationId xmlns:p14="http://schemas.microsoft.com/office/powerpoint/2010/main" val="3957635697"/>
+        <p14:creationId xmlns:p14="http://schemas.microsoft.com/office/powerpoint/2010/main" val="2695443374"/>
       </p:ext>
     </p:extLst>
   </p:cSld>
@@ -1304,7 +1302,7 @@
     </p:spTree>
     <p:extLst>
       <p:ext uri="{BB962C8B-B14F-4D97-AF65-F5344CB8AC3E}">
-        <p14:creationId xmlns:p14="http://schemas.microsoft.com/office/powerpoint/2010/main" val="2099858598"/>
+        <p14:creationId xmlns:p14="http://schemas.microsoft.com/office/powerpoint/2010/main" val="3077018246"/>
       </p:ext>
     </p:extLst>
   </p:cSld>
@@ -1399,7 +1397,7 @@
     </p:spTree>
     <p:extLst>
       <p:ext uri="{BB962C8B-B14F-4D97-AF65-F5344CB8AC3E}">
-        <p14:creationId xmlns:p14="http://schemas.microsoft.com/office/powerpoint/2010/main" val="2997711298"/>
+        <p14:creationId xmlns:p14="http://schemas.microsoft.com/office/powerpoint/2010/main" val="2099858598"/>
       </p:ext>
     </p:extLst>
   </p:cSld>
@@ -1494,197 +1492,7 @@
     </p:spTree>
     <p:extLst>
       <p:ext uri="{BB962C8B-B14F-4D97-AF65-F5344CB8AC3E}">
-        <p14:creationId xmlns:p14="http://schemas.microsoft.com/office/powerpoint/2010/main" val="2945355594"/>
-      </p:ext>
-    </p:extLst>
-  </p:cSld>
-  <p:clrMapOvr>
-    <a:masterClrMapping/>
-  </p:clrMapOvr>
-</p:notes>
-</file>
-
-<file path=ppt/notesSlides/notesSlide17.xml><?xml version="1.0" encoding="utf-8"?>
-<p:notes xmlns:a="http://schemas.openxmlformats.org/drawingml/2006/main" xmlns:r="http://schemas.openxmlformats.org/officeDocument/2006/relationships" xmlns:p="http://schemas.openxmlformats.org/presentationml/2006/main">
-  <p:cSld>
-    <p:spTree>
-      <p:nvGrpSpPr>
-        <p:cNvPr id="1" name=""/>
-        <p:cNvGrpSpPr/>
-        <p:nvPr/>
-      </p:nvGrpSpPr>
-      <p:grpSpPr>
-        <a:xfrm>
-          <a:off x="0" y="0"/>
-          <a:ext cx="0" cy="0"/>
-          <a:chOff x="0" y="0"/>
-          <a:chExt cx="0" cy="0"/>
-        </a:xfrm>
-      </p:grpSpPr>
-      <p:sp>
-        <p:nvSpPr>
-          <p:cNvPr id="2" name="スライド イメージ プレースホルダー 1"/>
-          <p:cNvSpPr>
-            <a:spLocks noGrp="1" noRot="1" noChangeAspect="1"/>
-          </p:cNvSpPr>
-          <p:nvPr>
-            <p:ph type="sldImg"/>
-          </p:nvPr>
-        </p:nvSpPr>
-        <p:spPr/>
-      </p:sp>
-      <p:sp>
-        <p:nvSpPr>
-          <p:cNvPr id="3" name="ノート プレースホルダー 2"/>
-          <p:cNvSpPr>
-            <a:spLocks noGrp="1"/>
-          </p:cNvSpPr>
-          <p:nvPr>
-            <p:ph type="body" idx="1"/>
-          </p:nvPr>
-        </p:nvSpPr>
-        <p:spPr/>
-        <p:txBody>
-          <a:bodyPr/>
-          <a:lstStyle/>
-          <a:p>
-            <a:endParaRPr kumimoji="1" lang="ja-JP" altLang="en-US" noProof="0" dirty="0">
-              <a:latin typeface="ＭＳ Ｐ明朝" panose="02020600040205080304" pitchFamily="18" charset="-128"/>
-              <a:ea typeface="ＭＳ Ｐ明朝" panose="02020600040205080304" pitchFamily="18" charset="-128"/>
-            </a:endParaRPr>
-          </a:p>
-        </p:txBody>
-      </p:sp>
-      <p:sp>
-        <p:nvSpPr>
-          <p:cNvPr id="4" name="スライド番号プレースホルダー 3"/>
-          <p:cNvSpPr>
-            <a:spLocks noGrp="1"/>
-          </p:cNvSpPr>
-          <p:nvPr>
-            <p:ph type="sldNum" sz="quarter" idx="10"/>
-          </p:nvPr>
-        </p:nvSpPr>
-        <p:spPr/>
-        <p:txBody>
-          <a:bodyPr/>
-          <a:lstStyle/>
-          <a:p>
-            <a:pPr algn="r" rtl="0"/>
-            <a:fld id="{9E11EC53-F507-411E-9ADC-FBCFECE09D3D}" type="slidenum">
-              <a:rPr lang="en-US" altLang="ja-JP" smtClean="0">
-                <a:latin typeface="ＭＳ Ｐ明朝" panose="02020600040205080304" pitchFamily="18" charset="-128"/>
-                <a:ea typeface="ＭＳ Ｐ明朝" panose="02020600040205080304" pitchFamily="18" charset="-128"/>
-              </a:rPr>
-              <a:pPr algn="r" rtl="0"/>
-              <a:t>17</a:t>
-            </a:fld>
-            <a:endParaRPr lang="en-US" altLang="ja-JP" dirty="0">
-              <a:latin typeface="ＭＳ Ｐ明朝" panose="02020600040205080304" pitchFamily="18" charset="-128"/>
-              <a:ea typeface="ＭＳ Ｐ明朝" panose="02020600040205080304" pitchFamily="18" charset="-128"/>
-            </a:endParaRPr>
-          </a:p>
-        </p:txBody>
-      </p:sp>
-    </p:spTree>
-    <p:extLst>
-      <p:ext uri="{BB962C8B-B14F-4D97-AF65-F5344CB8AC3E}">
-        <p14:creationId xmlns:p14="http://schemas.microsoft.com/office/powerpoint/2010/main" val="2776867657"/>
-      </p:ext>
-    </p:extLst>
-  </p:cSld>
-  <p:clrMapOvr>
-    <a:masterClrMapping/>
-  </p:clrMapOvr>
-</p:notes>
-</file>
-
-<file path=ppt/notesSlides/notesSlide18.xml><?xml version="1.0" encoding="utf-8"?>
-<p:notes xmlns:a="http://schemas.openxmlformats.org/drawingml/2006/main" xmlns:r="http://schemas.openxmlformats.org/officeDocument/2006/relationships" xmlns:p="http://schemas.openxmlformats.org/presentationml/2006/main">
-  <p:cSld>
-    <p:spTree>
-      <p:nvGrpSpPr>
-        <p:cNvPr id="1" name=""/>
-        <p:cNvGrpSpPr/>
-        <p:nvPr/>
-      </p:nvGrpSpPr>
-      <p:grpSpPr>
-        <a:xfrm>
-          <a:off x="0" y="0"/>
-          <a:ext cx="0" cy="0"/>
-          <a:chOff x="0" y="0"/>
-          <a:chExt cx="0" cy="0"/>
-        </a:xfrm>
-      </p:grpSpPr>
-      <p:sp>
-        <p:nvSpPr>
-          <p:cNvPr id="2" name="スライド イメージ プレースホルダー 1"/>
-          <p:cNvSpPr>
-            <a:spLocks noGrp="1" noRot="1" noChangeAspect="1"/>
-          </p:cNvSpPr>
-          <p:nvPr>
-            <p:ph type="sldImg"/>
-          </p:nvPr>
-        </p:nvSpPr>
-        <p:spPr/>
-      </p:sp>
-      <p:sp>
-        <p:nvSpPr>
-          <p:cNvPr id="3" name="ノート プレースホルダー 2"/>
-          <p:cNvSpPr>
-            <a:spLocks noGrp="1"/>
-          </p:cNvSpPr>
-          <p:nvPr>
-            <p:ph type="body" idx="1"/>
-          </p:nvPr>
-        </p:nvSpPr>
-        <p:spPr/>
-        <p:txBody>
-          <a:bodyPr/>
-          <a:lstStyle/>
-          <a:p>
-            <a:endParaRPr kumimoji="1" lang="ja-JP" altLang="en-US" noProof="0" dirty="0">
-              <a:latin typeface="ＭＳ Ｐ明朝" panose="02020600040205080304" pitchFamily="18" charset="-128"/>
-              <a:ea typeface="ＭＳ Ｐ明朝" panose="02020600040205080304" pitchFamily="18" charset="-128"/>
-            </a:endParaRPr>
-          </a:p>
-        </p:txBody>
-      </p:sp>
-      <p:sp>
-        <p:nvSpPr>
-          <p:cNvPr id="4" name="スライド番号プレースホルダー 3"/>
-          <p:cNvSpPr>
-            <a:spLocks noGrp="1"/>
-          </p:cNvSpPr>
-          <p:nvPr>
-            <p:ph type="sldNum" sz="quarter" idx="10"/>
-          </p:nvPr>
-        </p:nvSpPr>
-        <p:spPr/>
-        <p:txBody>
-          <a:bodyPr/>
-          <a:lstStyle/>
-          <a:p>
-            <a:pPr algn="r" rtl="0"/>
-            <a:fld id="{9E11EC53-F507-411E-9ADC-FBCFECE09D3D}" type="slidenum">
-              <a:rPr lang="en-US" altLang="ja-JP" smtClean="0">
-                <a:latin typeface="ＭＳ Ｐ明朝" panose="02020600040205080304" pitchFamily="18" charset="-128"/>
-                <a:ea typeface="ＭＳ Ｐ明朝" panose="02020600040205080304" pitchFamily="18" charset="-128"/>
-              </a:rPr>
-              <a:pPr algn="r" rtl="0"/>
-              <a:t>18</a:t>
-            </a:fld>
-            <a:endParaRPr lang="en-US" altLang="ja-JP" dirty="0">
-              <a:latin typeface="ＭＳ Ｐ明朝" panose="02020600040205080304" pitchFamily="18" charset="-128"/>
-              <a:ea typeface="ＭＳ Ｐ明朝" panose="02020600040205080304" pitchFamily="18" charset="-128"/>
-            </a:endParaRPr>
-          </a:p>
-        </p:txBody>
-      </p:sp>
-    </p:spTree>
-    <p:extLst>
-      <p:ext uri="{BB962C8B-B14F-4D97-AF65-F5344CB8AC3E}">
-        <p14:creationId xmlns:p14="http://schemas.microsoft.com/office/powerpoint/2010/main" val="1898650539"/>
+        <p14:creationId xmlns:p14="http://schemas.microsoft.com/office/powerpoint/2010/main" val="2997711298"/>
       </p:ext>
     </p:extLst>
   </p:cSld>
@@ -1779,7 +1587,7 @@
     </p:spTree>
     <p:extLst>
       <p:ext uri="{BB962C8B-B14F-4D97-AF65-F5344CB8AC3E}">
-        <p14:creationId xmlns:p14="http://schemas.microsoft.com/office/powerpoint/2010/main" val="672857948"/>
+        <p14:creationId xmlns:p14="http://schemas.microsoft.com/office/powerpoint/2010/main" val="3675754626"/>
       </p:ext>
     </p:extLst>
   </p:cSld>
@@ -1874,7 +1682,7 @@
     </p:spTree>
     <p:extLst>
       <p:ext uri="{BB962C8B-B14F-4D97-AF65-F5344CB8AC3E}">
-        <p14:creationId xmlns:p14="http://schemas.microsoft.com/office/powerpoint/2010/main" val="3675754626"/>
+        <p14:creationId xmlns:p14="http://schemas.microsoft.com/office/powerpoint/2010/main" val="724617622"/>
       </p:ext>
     </p:extLst>
   </p:cSld>
@@ -1969,7 +1777,7 @@
     </p:spTree>
     <p:extLst>
       <p:ext uri="{BB962C8B-B14F-4D97-AF65-F5344CB8AC3E}">
-        <p14:creationId xmlns:p14="http://schemas.microsoft.com/office/powerpoint/2010/main" val="724617622"/>
+        <p14:creationId xmlns:p14="http://schemas.microsoft.com/office/powerpoint/2010/main" val="2381724608"/>
       </p:ext>
     </p:extLst>
   </p:cSld>
@@ -2064,7 +1872,7 @@
     </p:spTree>
     <p:extLst>
       <p:ext uri="{BB962C8B-B14F-4D97-AF65-F5344CB8AC3E}">
-        <p14:creationId xmlns:p14="http://schemas.microsoft.com/office/powerpoint/2010/main" val="2381724608"/>
+        <p14:creationId xmlns:p14="http://schemas.microsoft.com/office/powerpoint/2010/main" val="869499230"/>
       </p:ext>
     </p:extLst>
   </p:cSld>
@@ -2159,7 +1967,7 @@
     </p:spTree>
     <p:extLst>
       <p:ext uri="{BB962C8B-B14F-4D97-AF65-F5344CB8AC3E}">
-        <p14:creationId xmlns:p14="http://schemas.microsoft.com/office/powerpoint/2010/main" val="869499230"/>
+        <p14:creationId xmlns:p14="http://schemas.microsoft.com/office/powerpoint/2010/main" val="1423412372"/>
       </p:ext>
     </p:extLst>
   </p:cSld>
@@ -2254,7 +2062,7 @@
     </p:spTree>
     <p:extLst>
       <p:ext uri="{BB962C8B-B14F-4D97-AF65-F5344CB8AC3E}">
-        <p14:creationId xmlns:p14="http://schemas.microsoft.com/office/powerpoint/2010/main" val="1423412372"/>
+        <p14:creationId xmlns:p14="http://schemas.microsoft.com/office/powerpoint/2010/main" val="3979759857"/>
       </p:ext>
     </p:extLst>
   </p:cSld>
@@ -2349,7 +2157,7 @@
     </p:spTree>
     <p:extLst>
       <p:ext uri="{BB962C8B-B14F-4D97-AF65-F5344CB8AC3E}">
-        <p14:creationId xmlns:p14="http://schemas.microsoft.com/office/powerpoint/2010/main" val="3979759857"/>
+        <p14:creationId xmlns:p14="http://schemas.microsoft.com/office/powerpoint/2010/main" val="1136368470"/>
       </p:ext>
     </p:extLst>
   </p:cSld>
@@ -2444,7 +2252,7 @@
     </p:spTree>
     <p:extLst>
       <p:ext uri="{BB962C8B-B14F-4D97-AF65-F5344CB8AC3E}">
-        <p14:creationId xmlns:p14="http://schemas.microsoft.com/office/powerpoint/2010/main" val="1136368470"/>
+        <p14:creationId xmlns:p14="http://schemas.microsoft.com/office/powerpoint/2010/main" val="2217537545"/>
       </p:ext>
     </p:extLst>
   </p:cSld>
@@ -3645,7 +3453,7 @@
             <a:fld id="{0A09C8F3-F189-4BBF-B2D0-D9A5892D2CBC}" type="datetime1">
               <a:rPr lang="ja-JP" altLang="en-US" smtClean="0"/>
               <a:pPr/>
-              <a:t>2020/1/19</a:t>
+              <a:t>2020/1/22</a:t>
             </a:fld>
             <a:endParaRPr lang="ja-JP" altLang="en-US" dirty="0"/>
           </a:p>
@@ -3888,7 +3696,7 @@
             <a:fld id="{E8F4682F-0940-446B-A859-7BC00CAA40C5}" type="datetime1">
               <a:rPr lang="ja-JP" altLang="en-US" smtClean="0"/>
               <a:pPr/>
-              <a:t>2020/1/19</a:t>
+              <a:t>2020/1/22</a:t>
             </a:fld>
             <a:endParaRPr lang="ja-JP" altLang="en-US" dirty="0"/>
           </a:p>
@@ -4121,7 +3929,7 @@
             <a:fld id="{54574E82-5B2C-4720-853D-94BE0439DB84}" type="datetime1">
               <a:rPr lang="ja-JP" altLang="en-US" smtClean="0"/>
               <a:pPr/>
-              <a:t>2020/1/19</a:t>
+              <a:t>2020/1/22</a:t>
             </a:fld>
             <a:endParaRPr lang="ja-JP" altLang="en-US" dirty="0"/>
           </a:p>
@@ -4875,7 +4683,7 @@
             <a:fld id="{C2EB2FC8-8915-498A-A3AE-5C2EECB698AD}" type="datetime1">
               <a:rPr lang="ja-JP" altLang="en-US" smtClean="0"/>
               <a:pPr/>
-              <a:t>2020/1/19</a:t>
+              <a:t>2020/1/22</a:t>
             </a:fld>
             <a:endParaRPr lang="ja-JP" altLang="en-US" dirty="0"/>
           </a:p>
@@ -5246,7 +5054,7 @@
             <a:fld id="{B0B5207B-D956-4B37-ADAD-83FD2C984EAD}" type="datetime1">
               <a:rPr lang="ja-JP" altLang="en-US" smtClean="0"/>
               <a:pPr/>
-              <a:t>2020/1/19</a:t>
+              <a:t>2020/1/22</a:t>
             </a:fld>
             <a:endParaRPr lang="ja-JP" altLang="en-US" dirty="0"/>
           </a:p>
@@ -5775,7 +5583,7 @@
             <a:fld id="{A7903D8E-F9BF-4A62-89BF-9AF45852F0BD}" type="datetime1">
               <a:rPr lang="ja-JP" altLang="en-US" smtClean="0"/>
               <a:pPr/>
-              <a:t>2020/1/19</a:t>
+              <a:t>2020/1/22</a:t>
             </a:fld>
             <a:endParaRPr lang="ja-JP" altLang="en-US" dirty="0"/>
           </a:p>
@@ -5908,7 +5716,7 @@
             <a:fld id="{444C7DC2-313A-46DF-9DEB-40380BB36972}" type="datetime1">
               <a:rPr lang="ja-JP" altLang="en-US" smtClean="0"/>
               <a:pPr/>
-              <a:t>2020/1/19</a:t>
+              <a:t>2020/1/22</a:t>
             </a:fld>
             <a:endParaRPr lang="ja-JP" altLang="en-US" dirty="0"/>
           </a:p>
@@ -7282,7 +7090,7 @@
             <a:fld id="{31F6BA2F-0F2E-441E-9C01-F7BC7C9E84CF}" type="datetime1">
               <a:rPr lang="ja-JP" altLang="en-US" smtClean="0"/>
               <a:pPr/>
-              <a:t>2020/1/19</a:t>
+              <a:t>2020/1/22</a:t>
             </a:fld>
             <a:endParaRPr lang="ja-JP" altLang="en-US" dirty="0"/>
           </a:p>
@@ -7710,38 +7518,6 @@
       </p:grpSpPr>
       <p:sp>
         <p:nvSpPr>
-          <p:cNvPr id="3" name="タイトル 2"/>
-          <p:cNvSpPr>
-            <a:spLocks noGrp="1"/>
-          </p:cNvSpPr>
-          <p:nvPr>
-            <p:ph type="ctrTitle"/>
-          </p:nvPr>
-        </p:nvSpPr>
-        <p:spPr/>
-        <p:txBody>
-          <a:bodyPr rtlCol="0"/>
-          <a:lstStyle/>
-          <a:p>
-            <a:pPr rtl="0"/>
-            <a:r>
-              <a:rPr lang="en-US" altLang="ja-JP" dirty="0">
-                <a:latin typeface="ＭＳ Ｐ明朝" panose="02020600040205080304" pitchFamily="18" charset="-128"/>
-                <a:ea typeface="ＭＳ Ｐ明朝" panose="02020600040205080304" pitchFamily="18" charset="-128"/>
-                <a:sym typeface="ＭＳ Ｐ明朝" panose="02020600040205080304" pitchFamily="18" charset="-128"/>
-              </a:rPr>
-              <a:t>TITLE</a:t>
-            </a:r>
-            <a:endParaRPr lang="ja-JP" altLang="en-US" dirty="0">
-              <a:latin typeface="ＭＳ Ｐ明朝" panose="02020600040205080304" pitchFamily="18" charset="-128"/>
-              <a:ea typeface="ＭＳ Ｐ明朝" panose="02020600040205080304" pitchFamily="18" charset="-128"/>
-              <a:sym typeface="ＭＳ Ｐ明朝" panose="02020600040205080304" pitchFamily="18" charset="-128"/>
-            </a:endParaRPr>
-          </a:p>
-        </p:txBody>
-      </p:sp>
-      <p:sp>
-        <p:nvSpPr>
           <p:cNvPr id="2" name="サブタイトル 1"/>
           <p:cNvSpPr>
             <a:spLocks noGrp="1"/>
@@ -7769,21 +7545,86 @@
                 <a:cs typeface="Microsoft New Tai Lue" panose="020B0502040204020203" pitchFamily="34" charset="0"/>
                 <a:sym typeface="ＭＳ Ｐ明朝" panose="02020600040205080304" pitchFamily="18" charset="-128"/>
               </a:rPr>
-              <a:t>Genre: </a:t>
-            </a:r>
-            <a:r>
-              <a:rPr lang="ja-JP" altLang="en-US" sz="4000" dirty="0">
-                <a:latin typeface="なきむしポルカFREE-flopdesign" panose="02000600000000000000" pitchFamily="50" charset="-128"/>
-                <a:ea typeface="なきむしポルカFREE-flopdesign" panose="02000600000000000000" pitchFamily="50" charset="-128"/>
+              <a:t>Genre:</a:t>
+            </a:r>
+            <a:r>
+              <a:rPr lang="ja-JP" altLang="en-US" sz="6000" dirty="0">
+                <a:latin typeface="Centaur" panose="02030504050205020304" pitchFamily="18" charset="0"/>
                 <a:cs typeface="Microsoft New Tai Lue" panose="020B0502040204020203" pitchFamily="34" charset="0"/>
                 <a:sym typeface="ＭＳ Ｐ明朝" panose="02020600040205080304" pitchFamily="18" charset="-128"/>
               </a:rPr>
-              <a:t>なぞときホラーアクション</a:t>
+              <a:t>　</a:t>
+            </a:r>
+            <a:r>
+              <a:rPr lang="ja-JP" altLang="en-US" sz="6000" dirty="0">
+                <a:latin typeface="しねきゃぷしょん" panose="02000600000000000000" pitchFamily="2" charset="-128"/>
+                <a:ea typeface="しねきゃぷしょん" panose="02000600000000000000" pitchFamily="2" charset="-128"/>
+                <a:cs typeface="Microsoft New Tai Lue" panose="020B0502040204020203" pitchFamily="34" charset="0"/>
+                <a:sym typeface="ＭＳ Ｐ明朝" panose="02020600040205080304" pitchFamily="18" charset="-128"/>
+              </a:rPr>
+              <a:t>脱出ホラー</a:t>
             </a:r>
             <a:endParaRPr lang="ja-JP" altLang="en-US" sz="4000" dirty="0">
-              <a:latin typeface="なきむしポルカFREE-flopdesign" panose="02000600000000000000" pitchFamily="50" charset="-128"/>
-              <a:ea typeface="なきむしポルカFREE-flopdesign" panose="02000600000000000000" pitchFamily="50" charset="-128"/>
+              <a:latin typeface="しねきゃぷしょん" panose="02000600000000000000" pitchFamily="2" charset="-128"/>
+              <a:ea typeface="しねきゃぷしょん" panose="02000600000000000000" pitchFamily="2" charset="-128"/>
               <a:sym typeface="ＭＳ Ｐ明朝" panose="02020600040205080304" pitchFamily="18" charset="-128"/>
+            </a:endParaRPr>
+          </a:p>
+        </p:txBody>
+      </p:sp>
+      <p:sp>
+        <p:nvSpPr>
+          <p:cNvPr id="4" name="テキスト ボックス 3">
+            <a:extLst>
+              <a:ext uri="{FF2B5EF4-FFF2-40B4-BE49-F238E27FC236}">
+                <a16:creationId xmlns:a16="http://schemas.microsoft.com/office/drawing/2014/main" id="{115DCFF0-F784-4DDD-A222-FC147D2272EF}"/>
+              </a:ext>
+            </a:extLst>
+          </p:cNvPr>
+          <p:cNvSpPr txBox="1"/>
+          <p:nvPr/>
+        </p:nvSpPr>
+        <p:spPr>
+          <a:xfrm>
+            <a:off x="2494012" y="2276872"/>
+            <a:ext cx="7704856" cy="1458861"/>
+          </a:xfrm>
+          <a:prstGeom prst="rect">
+            <a:avLst/>
+          </a:prstGeom>
+          <a:noFill/>
+        </p:spPr>
+        <p:txBody>
+          <a:bodyPr wrap="square" rtlCol="0">
+            <a:spAutoFit/>
+          </a:bodyPr>
+          <a:lstStyle/>
+          <a:p>
+            <a:pPr>
+              <a:lnSpc>
+                <a:spcPct val="90000"/>
+              </a:lnSpc>
+            </a:pPr>
+            <a:r>
+              <a:rPr kumimoji="1" lang="en-US" altLang="ja-JP" sz="9600" b="1" dirty="0">
+                <a:solidFill>
+                  <a:schemeClr val="bg2">
+                    <a:lumMod val="60000"/>
+                    <a:lumOff val="40000"/>
+                  </a:schemeClr>
+                </a:solidFill>
+                <a:latin typeface="Chiller" panose="04020404031007020602" pitchFamily="82" charset="0"/>
+              </a:rPr>
+              <a:t>Nameless Nightmare</a:t>
+            </a:r>
+            <a:endParaRPr kumimoji="1" lang="ja-JP" altLang="en-US" sz="9600" b="1" dirty="0">
+              <a:solidFill>
+                <a:schemeClr val="bg2">
+                  <a:lumMod val="60000"/>
+                  <a:lumOff val="40000"/>
+                </a:schemeClr>
+              </a:solidFill>
+              <a:latin typeface="Chiller" panose="04020404031007020602" pitchFamily="82" charset="0"/>
             </a:endParaRPr>
           </a:p>
         </p:txBody>
@@ -7814,6 +7655,4907 @@
 </file>
 
 <file path=ppt/slides/slide10.xml><?xml version="1.0" encoding="utf-8"?>
+<p:sld xmlns:a="http://schemas.openxmlformats.org/drawingml/2006/main" xmlns:r="http://schemas.openxmlformats.org/officeDocument/2006/relationships" xmlns:p="http://schemas.openxmlformats.org/presentationml/2006/main">
+  <p:cSld>
+    <p:spTree>
+      <p:nvGrpSpPr>
+        <p:cNvPr id="1" name=""/>
+        <p:cNvGrpSpPr/>
+        <p:nvPr/>
+      </p:nvGrpSpPr>
+      <p:grpSpPr>
+        <a:xfrm>
+          <a:off x="0" y="0"/>
+          <a:ext cx="0" cy="0"/>
+          <a:chOff x="0" y="0"/>
+          <a:chExt cx="0" cy="0"/>
+        </a:xfrm>
+      </p:grpSpPr>
+      <p:sp>
+        <p:nvSpPr>
+          <p:cNvPr id="2" name="タイトル 1"/>
+          <p:cNvSpPr>
+            <a:spLocks noGrp="1"/>
+          </p:cNvSpPr>
+          <p:nvPr>
+            <p:ph type="title"/>
+          </p:nvPr>
+        </p:nvSpPr>
+        <p:spPr>
+          <a:xfrm>
+            <a:off x="2494012" y="1412776"/>
+            <a:ext cx="7668852" cy="1152128"/>
+          </a:xfrm>
+        </p:spPr>
+        <p:txBody>
+          <a:bodyPr rtlCol="0">
+            <a:normAutofit fontScale="90000"/>
+          </a:bodyPr>
+          <a:lstStyle/>
+          <a:p>
+            <a:pPr rtl="0"/>
+            <a:r>
+              <a:rPr lang="en-US" altLang="ja-JP" sz="7200" dirty="0">
+                <a:latin typeface="Brush Script MT" panose="03060802040406070304" pitchFamily="66" charset="0"/>
+                <a:sym typeface="ＭＳ Ｐ明朝" panose="02020600040205080304" pitchFamily="18" charset="-128"/>
+              </a:rPr>
+              <a:t>        4:   </a:t>
+            </a:r>
+            <a:r>
+              <a:rPr lang="en-US" altLang="ja-JP" sz="7200" dirty="0">
+                <a:latin typeface="DK Face Your Fears" panose="000907010108010A0105" pitchFamily="18" charset="0"/>
+                <a:sym typeface="ＭＳ Ｐ明朝" panose="02020600040205080304" pitchFamily="18" charset="-128"/>
+              </a:rPr>
+              <a:t>ITEMS</a:t>
+            </a:r>
+            <a:br>
+              <a:rPr lang="en-US" altLang="ja-JP" sz="7200" dirty="0">
+                <a:latin typeface="DK Face Your Fears" panose="000907010108010A0105" pitchFamily="18" charset="0"/>
+                <a:sym typeface="ＭＳ Ｐ明朝" panose="02020600040205080304" pitchFamily="18" charset="-128"/>
+              </a:rPr>
+            </a:br>
+            <a:br>
+              <a:rPr lang="en-US" altLang="ja-JP" sz="7200" dirty="0">
+                <a:latin typeface="DK Face Your Fears" panose="000907010108010A0105" pitchFamily="18" charset="0"/>
+                <a:sym typeface="ＭＳ Ｐ明朝" panose="02020600040205080304" pitchFamily="18" charset="-128"/>
+              </a:rPr>
+            </a:br>
+            <a:r>
+              <a:rPr lang="en-US" altLang="ja-JP" sz="7200" dirty="0">
+                <a:latin typeface="DK Face Your Fears" panose="000907010108010A0105" pitchFamily="18" charset="0"/>
+                <a:sym typeface="ＭＳ Ｐ明朝" panose="02020600040205080304" pitchFamily="18" charset="-128"/>
+              </a:rPr>
+              <a:t>      2</a:t>
+            </a:r>
+            <a:r>
+              <a:rPr lang="en-US" altLang="ja-JP" sz="6700" dirty="0">
+                <a:latin typeface="DK Face Your Fears" panose="000907010108010A0105" pitchFamily="18" charset="0"/>
+                <a:sym typeface="ＭＳ Ｐ明朝" panose="02020600040205080304" pitchFamily="18" charset="-128"/>
+              </a:rPr>
+              <a:t>, </a:t>
+            </a:r>
+            <a:r>
+              <a:rPr lang="en-US" altLang="ja-JP" sz="6700" dirty="0">
+                <a:solidFill>
+                  <a:srgbClr val="FFFF00"/>
+                </a:solidFill>
+                <a:latin typeface="Chiller" panose="04020404031007020602" pitchFamily="82" charset="0"/>
+                <a:sym typeface="ＭＳ Ｐ明朝" panose="02020600040205080304" pitchFamily="18" charset="-128"/>
+              </a:rPr>
+              <a:t>LANTERN</a:t>
+            </a:r>
+          </a:p>
+        </p:txBody>
+      </p:sp>
+      <p:sp>
+        <p:nvSpPr>
+          <p:cNvPr id="7" name="テキスト ボックス 6">
+            <a:extLst>
+              <a:ext uri="{FF2B5EF4-FFF2-40B4-BE49-F238E27FC236}">
+                <a16:creationId xmlns:a16="http://schemas.microsoft.com/office/drawing/2014/main" id="{007F6989-FD92-4B89-B7F8-9B4E0DE798BE}"/>
+              </a:ext>
+            </a:extLst>
+          </p:cNvPr>
+          <p:cNvSpPr txBox="1"/>
+          <p:nvPr/>
+        </p:nvSpPr>
+        <p:spPr>
+          <a:xfrm>
+            <a:off x="765820" y="2492896"/>
+            <a:ext cx="9937104" cy="4302716"/>
+          </a:xfrm>
+          <a:prstGeom prst="rect">
+            <a:avLst/>
+          </a:prstGeom>
+          <a:noFill/>
+        </p:spPr>
+        <p:txBody>
+          <a:bodyPr wrap="square" rtlCol="0">
+            <a:spAutoFit/>
+          </a:bodyPr>
+          <a:lstStyle/>
+          <a:p>
+            <a:pPr>
+              <a:lnSpc>
+                <a:spcPct val="90000"/>
+              </a:lnSpc>
+            </a:pPr>
+            <a:r>
+              <a:rPr kumimoji="1" lang="ja-JP" altLang="en-US" sz="4000" dirty="0">
+                <a:latin typeface="g_コミック古印体-教漢(太字)" panose="02000600000000000000" pitchFamily="2" charset="-128"/>
+                <a:ea typeface="g_コミック古印体-教漢(太字)" panose="02000600000000000000" pitchFamily="2" charset="-128"/>
+              </a:rPr>
+              <a:t>“</a:t>
+            </a:r>
+            <a:r>
+              <a:rPr kumimoji="1" lang="ja-JP" altLang="en-US" sz="4000" dirty="0">
+                <a:solidFill>
+                  <a:srgbClr val="FFFF00"/>
+                </a:solidFill>
+                <a:latin typeface="g_コミック古印体-教漢(太字)" panose="02000600000000000000" pitchFamily="2" charset="-128"/>
+                <a:ea typeface="g_コミック古印体-教漢(太字)" panose="02000600000000000000" pitchFamily="2" charset="-128"/>
+              </a:rPr>
+              <a:t>ランタン</a:t>
+            </a:r>
+            <a:r>
+              <a:rPr kumimoji="1" lang="ja-JP" altLang="en-US" sz="4000" dirty="0">
+                <a:latin typeface="g_コミック古印体-教漢(太字)" panose="02000600000000000000" pitchFamily="2" charset="-128"/>
+                <a:ea typeface="g_コミック古印体-教漢(太字)" panose="02000600000000000000" pitchFamily="2" charset="-128"/>
+              </a:rPr>
+              <a:t>”</a:t>
+            </a:r>
+            <a:endParaRPr kumimoji="1" lang="en-US" altLang="ja-JP" sz="4000" dirty="0">
+              <a:latin typeface="g_コミック古印体-教漢(太字)" panose="02000600000000000000" pitchFamily="2" charset="-128"/>
+              <a:ea typeface="g_コミック古印体-教漢(太字)" panose="02000600000000000000" pitchFamily="2" charset="-128"/>
+            </a:endParaRPr>
+          </a:p>
+          <a:p>
+            <a:pPr>
+              <a:lnSpc>
+                <a:spcPct val="90000"/>
+              </a:lnSpc>
+            </a:pPr>
+            <a:endParaRPr kumimoji="1" lang="en-US" altLang="ja-JP" sz="4000" dirty="0">
+              <a:latin typeface="g_コミック古印体-教漢(太字)" panose="02000600000000000000" pitchFamily="2" charset="-128"/>
+              <a:ea typeface="g_コミック古印体-教漢(太字)" panose="02000600000000000000" pitchFamily="2" charset="-128"/>
+            </a:endParaRPr>
+          </a:p>
+          <a:p>
+            <a:pPr>
+              <a:lnSpc>
+                <a:spcPct val="90000"/>
+              </a:lnSpc>
+            </a:pPr>
+            <a:r>
+              <a:rPr kumimoji="1" lang="ja-JP" altLang="en-US" sz="2800" dirty="0">
+                <a:latin typeface="しねきゃぷしょん" panose="02000600000000000000" pitchFamily="2" charset="-128"/>
+                <a:ea typeface="しねきゃぷしょん" panose="02000600000000000000" pitchFamily="2" charset="-128"/>
+              </a:rPr>
+              <a:t>このアイテムはプレイヤーが暗闇のエリアを探索するために必要不可欠なアイテム。</a:t>
+            </a:r>
+            <a:endParaRPr kumimoji="1" lang="en-US" altLang="ja-JP" sz="2800" dirty="0">
+              <a:latin typeface="しねきゃぷしょん" panose="02000600000000000000" pitchFamily="2" charset="-128"/>
+              <a:ea typeface="しねきゃぷしょん" panose="02000600000000000000" pitchFamily="2" charset="-128"/>
+            </a:endParaRPr>
+          </a:p>
+          <a:p>
+            <a:pPr>
+              <a:lnSpc>
+                <a:spcPct val="90000"/>
+              </a:lnSpc>
+            </a:pPr>
+            <a:r>
+              <a:rPr kumimoji="1" lang="ja-JP" altLang="en-US" sz="2800" dirty="0">
+                <a:latin typeface="しねきゃぷしょん" panose="02000600000000000000" pitchFamily="2" charset="-128"/>
+                <a:ea typeface="しねきゃぷしょん" panose="02000600000000000000" pitchFamily="2" charset="-128"/>
+              </a:rPr>
+              <a:t>プレイヤーは初期装備しており、特別に入手するものではない。</a:t>
+            </a:r>
+            <a:endParaRPr kumimoji="1" lang="en-US" altLang="ja-JP" sz="2800" dirty="0">
+              <a:latin typeface="しねきゃぷしょん" panose="02000600000000000000" pitchFamily="2" charset="-128"/>
+              <a:ea typeface="しねきゃぷしょん" panose="02000600000000000000" pitchFamily="2" charset="-128"/>
+            </a:endParaRPr>
+          </a:p>
+          <a:p>
+            <a:pPr>
+              <a:lnSpc>
+                <a:spcPct val="90000"/>
+              </a:lnSpc>
+            </a:pPr>
+            <a:r>
+              <a:rPr kumimoji="1" lang="ja-JP" altLang="en-US" sz="2800" dirty="0">
+                <a:latin typeface="しねきゃぷしょん" panose="02000600000000000000" pitchFamily="2" charset="-128"/>
+                <a:ea typeface="しねきゃぷしょん" panose="02000600000000000000" pitchFamily="2" charset="-128"/>
+              </a:rPr>
+              <a:t>しかし、このランタンは“オイル”で燃えているため、</a:t>
+            </a:r>
+            <a:endParaRPr kumimoji="1" lang="en-US" altLang="ja-JP" sz="2800" dirty="0">
+              <a:latin typeface="しねきゃぷしょん" panose="02000600000000000000" pitchFamily="2" charset="-128"/>
+              <a:ea typeface="しねきゃぷしょん" panose="02000600000000000000" pitchFamily="2" charset="-128"/>
+            </a:endParaRPr>
+          </a:p>
+          <a:p>
+            <a:pPr>
+              <a:lnSpc>
+                <a:spcPct val="90000"/>
+              </a:lnSpc>
+            </a:pPr>
+            <a:r>
+              <a:rPr kumimoji="1" lang="ja-JP" altLang="en-US" sz="2800" dirty="0">
+                <a:latin typeface="しねきゃぷしょん" panose="02000600000000000000" pitchFamily="2" charset="-128"/>
+                <a:ea typeface="しねきゃぷしょん" panose="02000600000000000000" pitchFamily="2" charset="-128"/>
+              </a:rPr>
+              <a:t>“オイル切れ”になると、特定の場所に設置された</a:t>
+            </a:r>
+            <a:endParaRPr kumimoji="1" lang="en-US" altLang="ja-JP" sz="2800" dirty="0">
+              <a:latin typeface="しねきゃぷしょん" panose="02000600000000000000" pitchFamily="2" charset="-128"/>
+              <a:ea typeface="しねきゃぷしょん" panose="02000600000000000000" pitchFamily="2" charset="-128"/>
+            </a:endParaRPr>
+          </a:p>
+          <a:p>
+            <a:pPr>
+              <a:lnSpc>
+                <a:spcPct val="90000"/>
+              </a:lnSpc>
+            </a:pPr>
+            <a:r>
+              <a:rPr kumimoji="1" lang="ja-JP" altLang="en-US" sz="2800" dirty="0">
+                <a:latin typeface="しねきゃぷしょん" panose="02000600000000000000" pitchFamily="2" charset="-128"/>
+                <a:ea typeface="しねきゃぷしょん" panose="02000600000000000000" pitchFamily="2" charset="-128"/>
+              </a:rPr>
+              <a:t>“タンク”まで行き“オイル補給”をしなければならない。</a:t>
+            </a:r>
+            <a:endParaRPr kumimoji="1" lang="en-US" altLang="ja-JP" sz="2800" dirty="0">
+              <a:latin typeface="しねきゃぷしょん" panose="02000600000000000000" pitchFamily="2" charset="-128"/>
+              <a:ea typeface="しねきゃぷしょん" panose="02000600000000000000" pitchFamily="2" charset="-128"/>
+            </a:endParaRPr>
+          </a:p>
+          <a:p>
+            <a:pPr>
+              <a:lnSpc>
+                <a:spcPct val="90000"/>
+              </a:lnSpc>
+            </a:pPr>
+            <a:endParaRPr kumimoji="1" lang="en-US" altLang="ja-JP" sz="2800" dirty="0">
+              <a:latin typeface="g_コミック古印体-教漢(太字)" panose="02000600000000000000" pitchFamily="2" charset="-128"/>
+              <a:ea typeface="g_コミック古印体-教漢(太字)" panose="02000600000000000000" pitchFamily="2" charset="-128"/>
+            </a:endParaRPr>
+          </a:p>
+        </p:txBody>
+      </p:sp>
+      <p:sp>
+        <p:nvSpPr>
+          <p:cNvPr id="3" name="テキスト ボックス 2">
+            <a:extLst>
+              <a:ext uri="{FF2B5EF4-FFF2-40B4-BE49-F238E27FC236}">
+                <a16:creationId xmlns:a16="http://schemas.microsoft.com/office/drawing/2014/main" id="{4C6D6350-FA0B-468D-A0CC-27B245628968}"/>
+              </a:ext>
+            </a:extLst>
+          </p:cNvPr>
+          <p:cNvSpPr txBox="1"/>
+          <p:nvPr/>
+        </p:nvSpPr>
+        <p:spPr>
+          <a:xfrm>
+            <a:off x="7966620" y="188640"/>
+            <a:ext cx="3960440" cy="480131"/>
+          </a:xfrm>
+          <a:prstGeom prst="rect">
+            <a:avLst/>
+          </a:prstGeom>
+          <a:noFill/>
+        </p:spPr>
+        <p:txBody>
+          <a:bodyPr wrap="square" rtlCol="0">
+            <a:spAutoFit/>
+          </a:bodyPr>
+          <a:lstStyle/>
+          <a:p>
+            <a:pPr>
+              <a:lnSpc>
+                <a:spcPct val="90000"/>
+              </a:lnSpc>
+            </a:pPr>
+            <a:r>
+              <a:rPr kumimoji="1" lang="ja-JP" altLang="en-US" sz="2800" dirty="0"/>
+              <a:t>ランタンの画像を追加</a:t>
+            </a:r>
+          </a:p>
+        </p:txBody>
+      </p:sp>
+    </p:spTree>
+    <p:extLst>
+      <p:ext uri="{BB962C8B-B14F-4D97-AF65-F5344CB8AC3E}">
+        <p14:creationId xmlns:p14="http://schemas.microsoft.com/office/powerpoint/2010/main" val="824037611"/>
+      </p:ext>
+    </p:extLst>
+  </p:cSld>
+  <p:clrMapOvr>
+    <a:masterClrMapping/>
+  </p:clrMapOvr>
+  <mc:AlternateContent xmlns:mc="http://schemas.openxmlformats.org/markup-compatibility/2006" xmlns:p14="http://schemas.microsoft.com/office/powerpoint/2010/main">
+    <mc:Choice Requires="p14">
+      <p:transition spd="med" p14:dur="700">
+        <p:fade/>
+      </p:transition>
+    </mc:Choice>
+    <mc:Fallback xmlns="">
+      <p:transition spd="med">
+        <p:fade/>
+      </p:transition>
+    </mc:Fallback>
+  </mc:AlternateContent>
+</p:sld>
+</file>
+
+<file path=ppt/slides/slide11.xml><?xml version="1.0" encoding="utf-8"?>
+<p:sld xmlns:a="http://schemas.openxmlformats.org/drawingml/2006/main" xmlns:r="http://schemas.openxmlformats.org/officeDocument/2006/relationships" xmlns:p="http://schemas.openxmlformats.org/presentationml/2006/main">
+  <p:cSld>
+    <p:spTree>
+      <p:nvGrpSpPr>
+        <p:cNvPr id="1" name=""/>
+        <p:cNvGrpSpPr/>
+        <p:nvPr/>
+      </p:nvGrpSpPr>
+      <p:grpSpPr>
+        <a:xfrm>
+          <a:off x="0" y="0"/>
+          <a:ext cx="0" cy="0"/>
+          <a:chOff x="0" y="0"/>
+          <a:chExt cx="0" cy="0"/>
+        </a:xfrm>
+      </p:grpSpPr>
+      <p:sp>
+        <p:nvSpPr>
+          <p:cNvPr id="2" name="タイトル 1"/>
+          <p:cNvSpPr>
+            <a:spLocks noGrp="1"/>
+          </p:cNvSpPr>
+          <p:nvPr>
+            <p:ph type="title"/>
+          </p:nvPr>
+        </p:nvSpPr>
+        <p:spPr>
+          <a:xfrm>
+            <a:off x="2494012" y="1412776"/>
+            <a:ext cx="7668852" cy="1152128"/>
+          </a:xfrm>
+        </p:spPr>
+        <p:txBody>
+          <a:bodyPr rtlCol="0">
+            <a:normAutofit fontScale="90000"/>
+          </a:bodyPr>
+          <a:lstStyle/>
+          <a:p>
+            <a:pPr rtl="0"/>
+            <a:r>
+              <a:rPr lang="en-US" altLang="ja-JP" sz="7200" dirty="0">
+                <a:latin typeface="Brush Script MT" panose="03060802040406070304" pitchFamily="66" charset="0"/>
+                <a:sym typeface="ＭＳ Ｐ明朝" panose="02020600040205080304" pitchFamily="18" charset="-128"/>
+              </a:rPr>
+              <a:t>        4:   </a:t>
+            </a:r>
+            <a:r>
+              <a:rPr lang="en-US" altLang="ja-JP" sz="7200" dirty="0">
+                <a:latin typeface="DK Face Your Fears" panose="000907010108010A0105" pitchFamily="18" charset="0"/>
+                <a:sym typeface="ＭＳ Ｐ明朝" panose="02020600040205080304" pitchFamily="18" charset="-128"/>
+              </a:rPr>
+              <a:t>ITEMS</a:t>
+            </a:r>
+            <a:br>
+              <a:rPr lang="en-US" altLang="ja-JP" sz="7200" dirty="0">
+                <a:latin typeface="DK Face Your Fears" panose="000907010108010A0105" pitchFamily="18" charset="0"/>
+                <a:sym typeface="ＭＳ Ｐ明朝" panose="02020600040205080304" pitchFamily="18" charset="-128"/>
+              </a:rPr>
+            </a:br>
+            <a:br>
+              <a:rPr lang="en-US" altLang="ja-JP" sz="7200" dirty="0">
+                <a:latin typeface="DK Face Your Fears" panose="000907010108010A0105" pitchFamily="18" charset="0"/>
+                <a:sym typeface="ＭＳ Ｐ明朝" panose="02020600040205080304" pitchFamily="18" charset="-128"/>
+              </a:rPr>
+            </a:br>
+            <a:r>
+              <a:rPr lang="en-US" altLang="ja-JP" sz="7200" dirty="0">
+                <a:latin typeface="DK Face Your Fears" panose="000907010108010A0105" pitchFamily="18" charset="0"/>
+                <a:sym typeface="ＭＳ Ｐ明朝" panose="02020600040205080304" pitchFamily="18" charset="-128"/>
+              </a:rPr>
+              <a:t>      3</a:t>
+            </a:r>
+            <a:r>
+              <a:rPr lang="en-US" altLang="ja-JP" sz="6700" dirty="0">
+                <a:latin typeface="DK Face Your Fears" panose="000907010108010A0105" pitchFamily="18" charset="0"/>
+                <a:sym typeface="ＭＳ Ｐ明朝" panose="02020600040205080304" pitchFamily="18" charset="-128"/>
+              </a:rPr>
+              <a:t>,   </a:t>
+            </a:r>
+            <a:r>
+              <a:rPr lang="en-US" altLang="ja-JP" sz="6700" dirty="0">
+                <a:solidFill>
+                  <a:srgbClr val="00B0F0"/>
+                </a:solidFill>
+                <a:latin typeface="Chiller" panose="04020404031007020602" pitchFamily="82" charset="0"/>
+                <a:sym typeface="ＭＳ Ｐ明朝" panose="02020600040205080304" pitchFamily="18" charset="-128"/>
+              </a:rPr>
+              <a:t>rune</a:t>
+            </a:r>
+          </a:p>
+        </p:txBody>
+      </p:sp>
+      <p:sp>
+        <p:nvSpPr>
+          <p:cNvPr id="7" name="テキスト ボックス 6">
+            <a:extLst>
+              <a:ext uri="{FF2B5EF4-FFF2-40B4-BE49-F238E27FC236}">
+                <a16:creationId xmlns:a16="http://schemas.microsoft.com/office/drawing/2014/main" id="{007F6989-FD92-4B89-B7F8-9B4E0DE798BE}"/>
+              </a:ext>
+            </a:extLst>
+          </p:cNvPr>
+          <p:cNvSpPr txBox="1"/>
+          <p:nvPr/>
+        </p:nvSpPr>
+        <p:spPr>
+          <a:xfrm>
+            <a:off x="765820" y="2608550"/>
+            <a:ext cx="9937104" cy="3139321"/>
+          </a:xfrm>
+          <a:prstGeom prst="rect">
+            <a:avLst/>
+          </a:prstGeom>
+          <a:noFill/>
+        </p:spPr>
+        <p:txBody>
+          <a:bodyPr wrap="square" rtlCol="0">
+            <a:spAutoFit/>
+          </a:bodyPr>
+          <a:lstStyle/>
+          <a:p>
+            <a:pPr>
+              <a:lnSpc>
+                <a:spcPct val="90000"/>
+              </a:lnSpc>
+            </a:pPr>
+            <a:r>
+              <a:rPr kumimoji="1" lang="ja-JP" altLang="en-US" sz="4000" dirty="0">
+                <a:latin typeface="g_コミック古印体-教漢(太字)" panose="02000600000000000000" pitchFamily="2" charset="-128"/>
+                <a:ea typeface="g_コミック古印体-教漢(太字)" panose="02000600000000000000" pitchFamily="2" charset="-128"/>
+              </a:rPr>
+              <a:t>“</a:t>
+            </a:r>
+            <a:r>
+              <a:rPr kumimoji="1" lang="ja-JP" altLang="en-US" sz="4000" dirty="0">
+                <a:solidFill>
+                  <a:srgbClr val="00B0F0"/>
+                </a:solidFill>
+                <a:latin typeface="g_コミック古印体-教漢(太字)" panose="02000600000000000000" pitchFamily="2" charset="-128"/>
+                <a:ea typeface="g_コミック古印体-教漢(太字)" panose="02000600000000000000" pitchFamily="2" charset="-128"/>
+              </a:rPr>
+              <a:t>ルーン</a:t>
+            </a:r>
+            <a:r>
+              <a:rPr kumimoji="1" lang="ja-JP" altLang="en-US" sz="4000" dirty="0">
+                <a:latin typeface="g_コミック古印体-教漢(太字)" panose="02000600000000000000" pitchFamily="2" charset="-128"/>
+                <a:ea typeface="g_コミック古印体-教漢(太字)" panose="02000600000000000000" pitchFamily="2" charset="-128"/>
+              </a:rPr>
+              <a:t>”</a:t>
+            </a:r>
+            <a:endParaRPr kumimoji="1" lang="en-US" altLang="ja-JP" sz="4000" dirty="0">
+              <a:latin typeface="g_コミック古印体-教漢(太字)" panose="02000600000000000000" pitchFamily="2" charset="-128"/>
+              <a:ea typeface="g_コミック古印体-教漢(太字)" panose="02000600000000000000" pitchFamily="2" charset="-128"/>
+            </a:endParaRPr>
+          </a:p>
+          <a:p>
+            <a:pPr>
+              <a:lnSpc>
+                <a:spcPct val="90000"/>
+              </a:lnSpc>
+            </a:pPr>
+            <a:endParaRPr kumimoji="1" lang="en-US" altLang="ja-JP" sz="4000" dirty="0">
+              <a:latin typeface="g_コミック古印体-教漢(太字)" panose="02000600000000000000" pitchFamily="2" charset="-128"/>
+              <a:ea typeface="g_コミック古印体-教漢(太字)" panose="02000600000000000000" pitchFamily="2" charset="-128"/>
+            </a:endParaRPr>
+          </a:p>
+          <a:p>
+            <a:pPr>
+              <a:lnSpc>
+                <a:spcPct val="90000"/>
+              </a:lnSpc>
+            </a:pPr>
+            <a:r>
+              <a:rPr kumimoji="1" lang="ja-JP" altLang="en-US" sz="2800" dirty="0">
+                <a:latin typeface="しねきゃぷしょん" panose="02000600000000000000" pitchFamily="2" charset="-128"/>
+                <a:ea typeface="しねきゃぷしょん" panose="02000600000000000000" pitchFamily="2" charset="-128"/>
+              </a:rPr>
+              <a:t>このアイテムはプレイヤーよりも身体能力が高い“処刑人”から、身を守るためのアイテム。</a:t>
+            </a:r>
+            <a:endParaRPr kumimoji="1" lang="en-US" altLang="ja-JP" sz="2800" dirty="0">
+              <a:latin typeface="しねきゃぷしょん" panose="02000600000000000000" pitchFamily="2" charset="-128"/>
+              <a:ea typeface="しねきゃぷしょん" panose="02000600000000000000" pitchFamily="2" charset="-128"/>
+            </a:endParaRPr>
+          </a:p>
+          <a:p>
+            <a:pPr>
+              <a:lnSpc>
+                <a:spcPct val="90000"/>
+              </a:lnSpc>
+            </a:pPr>
+            <a:r>
+              <a:rPr kumimoji="1" lang="ja-JP" altLang="en-US" sz="2800" dirty="0">
+                <a:latin typeface="しねきゃぷしょん" panose="02000600000000000000" pitchFamily="2" charset="-128"/>
+                <a:ea typeface="しねきゃぷしょん" panose="02000600000000000000" pitchFamily="2" charset="-128"/>
+              </a:rPr>
+              <a:t>ルーンの表示によって効果は異なる。</a:t>
+            </a:r>
+            <a:endParaRPr kumimoji="1" lang="en-US" altLang="ja-JP" sz="2800" dirty="0">
+              <a:latin typeface="しねきゃぷしょん" panose="02000600000000000000" pitchFamily="2" charset="-128"/>
+              <a:ea typeface="しねきゃぷしょん" panose="02000600000000000000" pitchFamily="2" charset="-128"/>
+            </a:endParaRPr>
+          </a:p>
+          <a:p>
+            <a:pPr>
+              <a:lnSpc>
+                <a:spcPct val="90000"/>
+              </a:lnSpc>
+            </a:pPr>
+            <a:r>
+              <a:rPr kumimoji="1" lang="ja-JP" altLang="en-US" sz="2800" dirty="0">
+                <a:latin typeface="しねきゃぷしょん" panose="02000600000000000000" pitchFamily="2" charset="-128"/>
+                <a:ea typeface="しねきゃぷしょん" panose="02000600000000000000" pitchFamily="2" charset="-128"/>
+              </a:rPr>
+              <a:t>エリア内の至るところに落ちている。</a:t>
+            </a:r>
+            <a:endParaRPr kumimoji="1" lang="en-US" altLang="ja-JP" sz="2800" dirty="0">
+              <a:latin typeface="しねきゃぷしょん" panose="02000600000000000000" pitchFamily="2" charset="-128"/>
+              <a:ea typeface="しねきゃぷしょん" panose="02000600000000000000" pitchFamily="2" charset="-128"/>
+            </a:endParaRPr>
+          </a:p>
+          <a:p>
+            <a:pPr>
+              <a:lnSpc>
+                <a:spcPct val="90000"/>
+              </a:lnSpc>
+            </a:pPr>
+            <a:r>
+              <a:rPr kumimoji="1" lang="en-US" altLang="ja-JP" sz="2800" dirty="0">
+                <a:latin typeface="しねきゃぷしょん" panose="02000600000000000000" pitchFamily="2" charset="-128"/>
+                <a:ea typeface="しねきゃぷしょん" panose="02000600000000000000" pitchFamily="2" charset="-128"/>
+              </a:rPr>
+              <a:t>1</a:t>
+            </a:r>
+            <a:r>
+              <a:rPr kumimoji="1" lang="ja-JP" altLang="en-US" sz="2800" dirty="0">
+                <a:latin typeface="しねきゃぷしょん" panose="02000600000000000000" pitchFamily="2" charset="-128"/>
+                <a:ea typeface="しねきゃぷしょん" panose="02000600000000000000" pitchFamily="2" charset="-128"/>
+              </a:rPr>
+              <a:t>回使用すると、無くなる。（説明有）</a:t>
+            </a:r>
+            <a:endParaRPr kumimoji="1" lang="en-US" altLang="ja-JP" sz="2800" dirty="0">
+              <a:latin typeface="g_コミック古印体-教漢(太字)" panose="02000600000000000000" pitchFamily="2" charset="-128"/>
+              <a:ea typeface="g_コミック古印体-教漢(太字)" panose="02000600000000000000" pitchFamily="2" charset="-128"/>
+            </a:endParaRPr>
+          </a:p>
+        </p:txBody>
+      </p:sp>
+    </p:spTree>
+    <p:extLst>
+      <p:ext uri="{BB962C8B-B14F-4D97-AF65-F5344CB8AC3E}">
+        <p14:creationId xmlns:p14="http://schemas.microsoft.com/office/powerpoint/2010/main" val="2610154590"/>
+      </p:ext>
+    </p:extLst>
+  </p:cSld>
+  <p:clrMapOvr>
+    <a:masterClrMapping/>
+  </p:clrMapOvr>
+  <mc:AlternateContent xmlns:mc="http://schemas.openxmlformats.org/markup-compatibility/2006" xmlns:p14="http://schemas.microsoft.com/office/powerpoint/2010/main">
+    <mc:Choice Requires="p14">
+      <p:transition spd="med" p14:dur="700">
+        <p:fade/>
+      </p:transition>
+    </mc:Choice>
+    <mc:Fallback xmlns="">
+      <p:transition spd="med">
+        <p:fade/>
+      </p:transition>
+    </mc:Fallback>
+  </mc:AlternateContent>
+</p:sld>
+</file>
+
+<file path=ppt/slides/slide12.xml><?xml version="1.0" encoding="utf-8"?>
+<p:sld xmlns:a="http://schemas.openxmlformats.org/drawingml/2006/main" xmlns:r="http://schemas.openxmlformats.org/officeDocument/2006/relationships" xmlns:p="http://schemas.openxmlformats.org/presentationml/2006/main">
+  <p:cSld>
+    <p:spTree>
+      <p:nvGrpSpPr>
+        <p:cNvPr id="1" name=""/>
+        <p:cNvGrpSpPr/>
+        <p:nvPr/>
+      </p:nvGrpSpPr>
+      <p:grpSpPr>
+        <a:xfrm>
+          <a:off x="0" y="0"/>
+          <a:ext cx="0" cy="0"/>
+          <a:chOff x="0" y="0"/>
+          <a:chExt cx="0" cy="0"/>
+        </a:xfrm>
+      </p:grpSpPr>
+      <p:sp>
+        <p:nvSpPr>
+          <p:cNvPr id="2" name="タイトル 1"/>
+          <p:cNvSpPr>
+            <a:spLocks noGrp="1"/>
+          </p:cNvSpPr>
+          <p:nvPr>
+            <p:ph type="title"/>
+          </p:nvPr>
+        </p:nvSpPr>
+        <p:spPr>
+          <a:xfrm>
+            <a:off x="2494012" y="1412776"/>
+            <a:ext cx="7668852" cy="1152128"/>
+          </a:xfrm>
+        </p:spPr>
+        <p:txBody>
+          <a:bodyPr rtlCol="0">
+            <a:normAutofit fontScale="90000"/>
+          </a:bodyPr>
+          <a:lstStyle/>
+          <a:p>
+            <a:pPr rtl="0"/>
+            <a:r>
+              <a:rPr lang="en-US" altLang="ja-JP" sz="7200" dirty="0">
+                <a:latin typeface="Brush Script MT" panose="03060802040406070304" pitchFamily="66" charset="0"/>
+                <a:sym typeface="ＭＳ Ｐ明朝" panose="02020600040205080304" pitchFamily="18" charset="-128"/>
+              </a:rPr>
+              <a:t>        4:   </a:t>
+            </a:r>
+            <a:r>
+              <a:rPr lang="en-US" altLang="ja-JP" sz="7200" dirty="0">
+                <a:latin typeface="DK Face Your Fears" panose="000907010108010A0105" pitchFamily="18" charset="0"/>
+                <a:sym typeface="ＭＳ Ｐ明朝" panose="02020600040205080304" pitchFamily="18" charset="-128"/>
+              </a:rPr>
+              <a:t>ITEMS</a:t>
+            </a:r>
+            <a:br>
+              <a:rPr lang="en-US" altLang="ja-JP" sz="7200" dirty="0">
+                <a:latin typeface="DK Face Your Fears" panose="000907010108010A0105" pitchFamily="18" charset="0"/>
+                <a:sym typeface="ＭＳ Ｐ明朝" panose="02020600040205080304" pitchFamily="18" charset="-128"/>
+              </a:rPr>
+            </a:br>
+            <a:br>
+              <a:rPr lang="en-US" altLang="ja-JP" sz="7200" dirty="0">
+                <a:latin typeface="DK Face Your Fears" panose="000907010108010A0105" pitchFamily="18" charset="0"/>
+                <a:sym typeface="ＭＳ Ｐ明朝" panose="02020600040205080304" pitchFamily="18" charset="-128"/>
+              </a:rPr>
+            </a:br>
+            <a:r>
+              <a:rPr lang="en-US" altLang="ja-JP" sz="7200" dirty="0">
+                <a:latin typeface="DK Face Your Fears" panose="000907010108010A0105" pitchFamily="18" charset="0"/>
+                <a:sym typeface="ＭＳ Ｐ明朝" panose="02020600040205080304" pitchFamily="18" charset="-128"/>
+              </a:rPr>
+              <a:t>      3</a:t>
+            </a:r>
+            <a:r>
+              <a:rPr lang="en-US" altLang="ja-JP" sz="6700" dirty="0">
+                <a:latin typeface="DK Face Your Fears" panose="000907010108010A0105" pitchFamily="18" charset="0"/>
+                <a:sym typeface="ＭＳ Ｐ明朝" panose="02020600040205080304" pitchFamily="18" charset="-128"/>
+              </a:rPr>
+              <a:t>,   </a:t>
+            </a:r>
+            <a:r>
+              <a:rPr lang="en-US" altLang="ja-JP" sz="6700" dirty="0">
+                <a:solidFill>
+                  <a:srgbClr val="00B0F0"/>
+                </a:solidFill>
+                <a:latin typeface="Chiller" panose="04020404031007020602" pitchFamily="82" charset="0"/>
+                <a:sym typeface="ＭＳ Ｐ明朝" panose="02020600040205080304" pitchFamily="18" charset="-128"/>
+              </a:rPr>
+              <a:t>rune</a:t>
+            </a:r>
+          </a:p>
+        </p:txBody>
+      </p:sp>
+      <p:sp>
+        <p:nvSpPr>
+          <p:cNvPr id="7" name="テキスト ボックス 6">
+            <a:extLst>
+              <a:ext uri="{FF2B5EF4-FFF2-40B4-BE49-F238E27FC236}">
+                <a16:creationId xmlns:a16="http://schemas.microsoft.com/office/drawing/2014/main" id="{007F6989-FD92-4B89-B7F8-9B4E0DE798BE}"/>
+              </a:ext>
+            </a:extLst>
+          </p:cNvPr>
+          <p:cNvSpPr txBox="1"/>
+          <p:nvPr/>
+        </p:nvSpPr>
+        <p:spPr>
+          <a:xfrm>
+            <a:off x="1359886" y="2564904"/>
+            <a:ext cx="9937104" cy="480131"/>
+          </a:xfrm>
+          <a:prstGeom prst="rect">
+            <a:avLst/>
+          </a:prstGeom>
+          <a:noFill/>
+        </p:spPr>
+        <p:txBody>
+          <a:bodyPr wrap="square" rtlCol="0">
+            <a:spAutoFit/>
+          </a:bodyPr>
+          <a:lstStyle/>
+          <a:p>
+            <a:pPr>
+              <a:lnSpc>
+                <a:spcPct val="90000"/>
+              </a:lnSpc>
+            </a:pPr>
+            <a:r>
+              <a:rPr kumimoji="1" lang="en-US" altLang="ja-JP" sz="2800" dirty="0">
+                <a:latin typeface="g_コミック古印体-教漢(太字)" panose="02000600000000000000" pitchFamily="2" charset="-128"/>
+                <a:ea typeface="g_コミック古印体-教漢(太字)" panose="02000600000000000000" pitchFamily="2" charset="-128"/>
+              </a:rPr>
+              <a:t>Sorry!! We don’t prepare to “Rune’s Illustrations”</a:t>
+            </a:r>
+          </a:p>
+        </p:txBody>
+      </p:sp>
+    </p:spTree>
+    <p:extLst>
+      <p:ext uri="{BB962C8B-B14F-4D97-AF65-F5344CB8AC3E}">
+        <p14:creationId xmlns:p14="http://schemas.microsoft.com/office/powerpoint/2010/main" val="149209299"/>
+      </p:ext>
+    </p:extLst>
+  </p:cSld>
+  <p:clrMapOvr>
+    <a:masterClrMapping/>
+  </p:clrMapOvr>
+  <mc:AlternateContent xmlns:mc="http://schemas.openxmlformats.org/markup-compatibility/2006" xmlns:p14="http://schemas.microsoft.com/office/powerpoint/2010/main">
+    <mc:Choice Requires="p14">
+      <p:transition spd="med" p14:dur="700">
+        <p:fade/>
+      </p:transition>
+    </mc:Choice>
+    <mc:Fallback xmlns="">
+      <p:transition spd="med">
+        <p:fade/>
+      </p:transition>
+    </mc:Fallback>
+  </mc:AlternateContent>
+</p:sld>
+</file>
+
+<file path=ppt/slides/slide13.xml><?xml version="1.0" encoding="utf-8"?>
+<p:sld xmlns:a="http://schemas.openxmlformats.org/drawingml/2006/main" xmlns:r="http://schemas.openxmlformats.org/officeDocument/2006/relationships" xmlns:p="http://schemas.openxmlformats.org/presentationml/2006/main">
+  <p:cSld>
+    <p:spTree>
+      <p:nvGrpSpPr>
+        <p:cNvPr id="1" name=""/>
+        <p:cNvGrpSpPr/>
+        <p:nvPr/>
+      </p:nvGrpSpPr>
+      <p:grpSpPr>
+        <a:xfrm>
+          <a:off x="0" y="0"/>
+          <a:ext cx="0" cy="0"/>
+          <a:chOff x="0" y="0"/>
+          <a:chExt cx="0" cy="0"/>
+        </a:xfrm>
+      </p:grpSpPr>
+      <p:sp>
+        <p:nvSpPr>
+          <p:cNvPr id="2" name="タイトル 1"/>
+          <p:cNvSpPr>
+            <a:spLocks noGrp="1"/>
+          </p:cNvSpPr>
+          <p:nvPr>
+            <p:ph type="title"/>
+          </p:nvPr>
+        </p:nvSpPr>
+        <p:spPr>
+          <a:xfrm>
+            <a:off x="2259986" y="1456422"/>
+            <a:ext cx="7668852" cy="1152128"/>
+          </a:xfrm>
+        </p:spPr>
+        <p:txBody>
+          <a:bodyPr rtlCol="0">
+            <a:normAutofit fontScale="90000"/>
+          </a:bodyPr>
+          <a:lstStyle/>
+          <a:p>
+            <a:pPr rtl="0"/>
+            <a:r>
+              <a:rPr lang="en-US" altLang="ja-JP" sz="7200" dirty="0">
+                <a:latin typeface="Brush Script MT" panose="03060802040406070304" pitchFamily="66" charset="0"/>
+                <a:sym typeface="ＭＳ Ｐ明朝" panose="02020600040205080304" pitchFamily="18" charset="-128"/>
+              </a:rPr>
+              <a:t>        5:   </a:t>
+            </a:r>
+            <a:r>
+              <a:rPr lang="en-US" altLang="ja-JP" sz="7200" dirty="0">
+                <a:latin typeface="DK Face Your Fears" panose="000907010108010A0105" pitchFamily="18" charset="0"/>
+                <a:sym typeface="ＭＳ Ｐ明朝" panose="02020600040205080304" pitchFamily="18" charset="-128"/>
+              </a:rPr>
+              <a:t>Others</a:t>
+            </a:r>
+            <a:br>
+              <a:rPr lang="en-US" altLang="ja-JP" sz="7200" dirty="0">
+                <a:latin typeface="DK Face Your Fears" panose="000907010108010A0105" pitchFamily="18" charset="0"/>
+                <a:sym typeface="ＭＳ Ｐ明朝" panose="02020600040205080304" pitchFamily="18" charset="-128"/>
+              </a:rPr>
+            </a:br>
+            <a:br>
+              <a:rPr lang="en-US" altLang="ja-JP" sz="7200" dirty="0">
+                <a:latin typeface="DK Face Your Fears" panose="000907010108010A0105" pitchFamily="18" charset="0"/>
+                <a:sym typeface="ＭＳ Ｐ明朝" panose="02020600040205080304" pitchFamily="18" charset="-128"/>
+              </a:rPr>
+            </a:br>
+            <a:r>
+              <a:rPr lang="en-US" altLang="ja-JP" sz="7200" dirty="0">
+                <a:latin typeface="DK Face Your Fears" panose="000907010108010A0105" pitchFamily="18" charset="0"/>
+                <a:sym typeface="ＭＳ Ｐ明朝" panose="02020600040205080304" pitchFamily="18" charset="-128"/>
+              </a:rPr>
+              <a:t>      1</a:t>
+            </a:r>
+            <a:r>
+              <a:rPr lang="en-US" altLang="ja-JP" sz="6700" dirty="0">
+                <a:latin typeface="DK Face Your Fears" panose="000907010108010A0105" pitchFamily="18" charset="0"/>
+                <a:sym typeface="ＭＳ Ｐ明朝" panose="02020600040205080304" pitchFamily="18" charset="-128"/>
+              </a:rPr>
+              <a:t>,   </a:t>
+            </a:r>
+            <a:r>
+              <a:rPr lang="en-US" altLang="ja-JP" sz="6700" dirty="0">
+                <a:solidFill>
+                  <a:schemeClr val="accent1"/>
+                </a:solidFill>
+                <a:latin typeface="Chiller" panose="04020404031007020602" pitchFamily="82" charset="0"/>
+                <a:sym typeface="ＭＳ Ｐ明朝" panose="02020600040205080304" pitchFamily="18" charset="-128"/>
+              </a:rPr>
+              <a:t>Oil Tank</a:t>
+            </a:r>
+          </a:p>
+        </p:txBody>
+      </p:sp>
+      <p:sp>
+        <p:nvSpPr>
+          <p:cNvPr id="7" name="テキスト ボックス 6">
+            <a:extLst>
+              <a:ext uri="{FF2B5EF4-FFF2-40B4-BE49-F238E27FC236}">
+                <a16:creationId xmlns:a16="http://schemas.microsoft.com/office/drawing/2014/main" id="{007F6989-FD92-4B89-B7F8-9B4E0DE798BE}"/>
+              </a:ext>
+            </a:extLst>
+          </p:cNvPr>
+          <p:cNvSpPr txBox="1"/>
+          <p:nvPr/>
+        </p:nvSpPr>
+        <p:spPr>
+          <a:xfrm>
+            <a:off x="765820" y="2608550"/>
+            <a:ext cx="9937104" cy="3194721"/>
+          </a:xfrm>
+          <a:prstGeom prst="rect">
+            <a:avLst/>
+          </a:prstGeom>
+          <a:noFill/>
+        </p:spPr>
+        <p:txBody>
+          <a:bodyPr wrap="square" rtlCol="0">
+            <a:spAutoFit/>
+          </a:bodyPr>
+          <a:lstStyle/>
+          <a:p>
+            <a:pPr>
+              <a:lnSpc>
+                <a:spcPct val="90000"/>
+              </a:lnSpc>
+            </a:pPr>
+            <a:r>
+              <a:rPr kumimoji="1" lang="en-US" altLang="ja-JP" sz="2800" dirty="0">
+                <a:latin typeface="g_コミック古印体-教漢(太字)" panose="02000600000000000000" pitchFamily="2" charset="-128"/>
+                <a:ea typeface="g_コミック古印体-教漢(太字)" panose="02000600000000000000" pitchFamily="2" charset="-128"/>
+              </a:rPr>
+              <a:t>“</a:t>
+            </a:r>
+            <a:r>
+              <a:rPr kumimoji="1" lang="ja-JP" altLang="en-US" sz="2800" dirty="0">
+                <a:solidFill>
+                  <a:schemeClr val="accent1"/>
+                </a:solidFill>
+                <a:latin typeface="g_コミック古印体-教漢(太字)" panose="02000600000000000000" pitchFamily="2" charset="-128"/>
+                <a:ea typeface="g_コミック古印体-教漢(太字)" panose="02000600000000000000" pitchFamily="2" charset="-128"/>
+              </a:rPr>
+              <a:t>燃料タンク</a:t>
+            </a:r>
+            <a:r>
+              <a:rPr kumimoji="1" lang="en-US" altLang="ja-JP" sz="2800" dirty="0">
+                <a:latin typeface="g_コミック古印体-教漢(太字)" panose="02000600000000000000" pitchFamily="2" charset="-128"/>
+                <a:ea typeface="g_コミック古印体-教漢(太字)" panose="02000600000000000000" pitchFamily="2" charset="-128"/>
+              </a:rPr>
+              <a:t>”</a:t>
+            </a:r>
+          </a:p>
+          <a:p>
+            <a:pPr>
+              <a:lnSpc>
+                <a:spcPct val="90000"/>
+              </a:lnSpc>
+            </a:pPr>
+            <a:endParaRPr kumimoji="1" lang="en-US" altLang="ja-JP" sz="2800" dirty="0">
+              <a:latin typeface="g_コミック古印体-教漢(太字)" panose="02000600000000000000" pitchFamily="2" charset="-128"/>
+              <a:ea typeface="g_コミック古印体-教漢(太字)" panose="02000600000000000000" pitchFamily="2" charset="-128"/>
+            </a:endParaRPr>
+          </a:p>
+          <a:p>
+            <a:pPr>
+              <a:lnSpc>
+                <a:spcPct val="90000"/>
+              </a:lnSpc>
+            </a:pPr>
+            <a:endParaRPr kumimoji="1" lang="en-US" altLang="ja-JP" sz="2800" dirty="0">
+              <a:latin typeface="g_コミック古印体-教漢(太字)" panose="02000600000000000000" pitchFamily="2" charset="-128"/>
+              <a:ea typeface="g_コミック古印体-教漢(太字)" panose="02000600000000000000" pitchFamily="2" charset="-128"/>
+            </a:endParaRPr>
+          </a:p>
+          <a:p>
+            <a:pPr>
+              <a:lnSpc>
+                <a:spcPct val="90000"/>
+              </a:lnSpc>
+            </a:pPr>
+            <a:r>
+              <a:rPr kumimoji="1" lang="ja-JP" altLang="en-US" sz="2800" dirty="0">
+                <a:latin typeface="g_コミック古印体-教漢(太字)" panose="02000600000000000000" pitchFamily="2" charset="-128"/>
+                <a:ea typeface="g_コミック古印体-教漢(太字)" panose="02000600000000000000" pitchFamily="2" charset="-128"/>
+              </a:rPr>
+              <a:t>・エリアマップの特定の場所に配置</a:t>
+            </a:r>
+            <a:r>
+              <a:rPr kumimoji="1" lang="en-US" altLang="ja-JP" sz="2800" dirty="0">
+                <a:latin typeface="g_コミック古印体-教漢(太字)" panose="02000600000000000000" pitchFamily="2" charset="-128"/>
+                <a:ea typeface="g_コミック古印体-教漢(太字)" panose="02000600000000000000" pitchFamily="2" charset="-128"/>
+              </a:rPr>
+              <a:t>((</a:t>
+            </a:r>
+            <a:r>
+              <a:rPr kumimoji="1" lang="ja-JP" altLang="en-US" sz="2800" dirty="0">
+                <a:latin typeface="g_コミック古印体-教漢(太字)" panose="02000600000000000000" pitchFamily="2" charset="-128"/>
+                <a:ea typeface="g_コミック古印体-教漢(太字)" panose="02000600000000000000" pitchFamily="2" charset="-128"/>
+              </a:rPr>
+              <a:t>現状で</a:t>
+            </a:r>
+            <a:r>
+              <a:rPr kumimoji="1" lang="en-US" altLang="ja-JP" sz="2800" dirty="0">
+                <a:latin typeface="g_コミック古印体-教漢(太字)" panose="02000600000000000000" pitchFamily="2" charset="-128"/>
+                <a:ea typeface="g_コミック古印体-教漢(太字)" panose="02000600000000000000" pitchFamily="2" charset="-128"/>
+              </a:rPr>
+              <a:t>)1</a:t>
+            </a:r>
+            <a:r>
+              <a:rPr kumimoji="1" lang="ja-JP" altLang="en-US" sz="2800" dirty="0">
+                <a:latin typeface="g_コミック古印体-教漢(太字)" panose="02000600000000000000" pitchFamily="2" charset="-128"/>
+                <a:ea typeface="g_コミック古印体-教漢(太字)" panose="02000600000000000000" pitchFamily="2" charset="-128"/>
+              </a:rPr>
+              <a:t>つのみ</a:t>
+            </a:r>
+            <a:r>
+              <a:rPr kumimoji="1" lang="en-US" altLang="ja-JP" sz="2800" dirty="0">
+                <a:latin typeface="g_コミック古印体-教漢(太字)" panose="02000600000000000000" pitchFamily="2" charset="-128"/>
+                <a:ea typeface="g_コミック古印体-教漢(太字)" panose="02000600000000000000" pitchFamily="2" charset="-128"/>
+              </a:rPr>
+              <a:t>)</a:t>
+            </a:r>
+          </a:p>
+          <a:p>
+            <a:pPr>
+              <a:lnSpc>
+                <a:spcPct val="90000"/>
+              </a:lnSpc>
+            </a:pPr>
+            <a:endParaRPr kumimoji="1" lang="en-US" altLang="ja-JP" sz="2800" dirty="0">
+              <a:latin typeface="g_コミック古印体-教漢(太字)" panose="02000600000000000000" pitchFamily="2" charset="-128"/>
+              <a:ea typeface="g_コミック古印体-教漢(太字)" panose="02000600000000000000" pitchFamily="2" charset="-128"/>
+            </a:endParaRPr>
+          </a:p>
+          <a:p>
+            <a:pPr>
+              <a:lnSpc>
+                <a:spcPct val="90000"/>
+              </a:lnSpc>
+            </a:pPr>
+            <a:r>
+              <a:rPr kumimoji="1" lang="ja-JP" altLang="en-US" sz="2800" dirty="0">
+                <a:latin typeface="g_コミック古印体-教漢(太字)" panose="02000600000000000000" pitchFamily="2" charset="-128"/>
+                <a:ea typeface="g_コミック古印体-教漢(太字)" panose="02000600000000000000" pitchFamily="2" charset="-128"/>
+              </a:rPr>
+              <a:t>プレイヤーはそれぞれ“ランタン”を所持している。</a:t>
+            </a:r>
+            <a:endParaRPr kumimoji="1" lang="en-US" altLang="ja-JP" sz="2800" dirty="0">
+              <a:latin typeface="g_コミック古印体-教漢(太字)" panose="02000600000000000000" pitchFamily="2" charset="-128"/>
+              <a:ea typeface="g_コミック古印体-教漢(太字)" panose="02000600000000000000" pitchFamily="2" charset="-128"/>
+            </a:endParaRPr>
+          </a:p>
+          <a:p>
+            <a:pPr>
+              <a:lnSpc>
+                <a:spcPct val="90000"/>
+              </a:lnSpc>
+            </a:pPr>
+            <a:r>
+              <a:rPr kumimoji="1" lang="ja-JP" altLang="en-US" sz="2800" dirty="0">
+                <a:latin typeface="g_コミック古印体-教漢(太字)" panose="02000600000000000000" pitchFamily="2" charset="-128"/>
+                <a:ea typeface="g_コミック古印体-教漢(太字)" panose="02000600000000000000" pitchFamily="2" charset="-128"/>
+              </a:rPr>
+              <a:t>それが光を放つには燃料が必要。</a:t>
+            </a:r>
+            <a:endParaRPr kumimoji="1" lang="en-US" altLang="ja-JP" sz="2800" dirty="0">
+              <a:latin typeface="g_コミック古印体-教漢(太字)" panose="02000600000000000000" pitchFamily="2" charset="-128"/>
+              <a:ea typeface="g_コミック古印体-教漢(太字)" panose="02000600000000000000" pitchFamily="2" charset="-128"/>
+            </a:endParaRPr>
+          </a:p>
+          <a:p>
+            <a:pPr>
+              <a:lnSpc>
+                <a:spcPct val="90000"/>
+              </a:lnSpc>
+            </a:pPr>
+            <a:r>
+              <a:rPr kumimoji="1" lang="ja-JP" altLang="en-US" sz="2800" dirty="0">
+                <a:latin typeface="g_コミック古印体-教漢(太字)" panose="02000600000000000000" pitchFamily="2" charset="-128"/>
+                <a:ea typeface="g_コミック古印体-教漢(太字)" panose="02000600000000000000" pitchFamily="2" charset="-128"/>
+              </a:rPr>
+              <a:t>その燃料を補給するための場所。</a:t>
+            </a:r>
+            <a:endParaRPr kumimoji="1" lang="en-US" altLang="ja-JP" sz="2800" dirty="0">
+              <a:latin typeface="g_コミック古印体-教漢(太字)" panose="02000600000000000000" pitchFamily="2" charset="-128"/>
+              <a:ea typeface="g_コミック古印体-教漢(太字)" panose="02000600000000000000" pitchFamily="2" charset="-128"/>
+            </a:endParaRPr>
+          </a:p>
+        </p:txBody>
+      </p:sp>
+    </p:spTree>
+    <p:extLst>
+      <p:ext uri="{BB962C8B-B14F-4D97-AF65-F5344CB8AC3E}">
+        <p14:creationId xmlns:p14="http://schemas.microsoft.com/office/powerpoint/2010/main" val="2834173616"/>
+      </p:ext>
+    </p:extLst>
+  </p:cSld>
+  <p:clrMapOvr>
+    <a:masterClrMapping/>
+  </p:clrMapOvr>
+  <mc:AlternateContent xmlns:mc="http://schemas.openxmlformats.org/markup-compatibility/2006" xmlns:p14="http://schemas.microsoft.com/office/powerpoint/2010/main">
+    <mc:Choice Requires="p14">
+      <p:transition spd="med" p14:dur="700">
+        <p:fade/>
+      </p:transition>
+    </mc:Choice>
+    <mc:Fallback xmlns="">
+      <p:transition spd="med">
+        <p:fade/>
+      </p:transition>
+    </mc:Fallback>
+  </mc:AlternateContent>
+</p:sld>
+</file>
+
+<file path=ppt/slides/slide14.xml><?xml version="1.0" encoding="utf-8"?>
+<p:sld xmlns:a="http://schemas.openxmlformats.org/drawingml/2006/main" xmlns:r="http://schemas.openxmlformats.org/officeDocument/2006/relationships" xmlns:p="http://schemas.openxmlformats.org/presentationml/2006/main">
+  <p:cSld>
+    <p:spTree>
+      <p:nvGrpSpPr>
+        <p:cNvPr id="1" name=""/>
+        <p:cNvGrpSpPr/>
+        <p:nvPr/>
+      </p:nvGrpSpPr>
+      <p:grpSpPr>
+        <a:xfrm>
+          <a:off x="0" y="0"/>
+          <a:ext cx="0" cy="0"/>
+          <a:chOff x="0" y="0"/>
+          <a:chExt cx="0" cy="0"/>
+        </a:xfrm>
+      </p:grpSpPr>
+      <p:sp>
+        <p:nvSpPr>
+          <p:cNvPr id="2" name="タイトル 1"/>
+          <p:cNvSpPr>
+            <a:spLocks noGrp="1"/>
+          </p:cNvSpPr>
+          <p:nvPr>
+            <p:ph type="title"/>
+          </p:nvPr>
+        </p:nvSpPr>
+        <p:spPr>
+          <a:xfrm>
+            <a:off x="2205980" y="1456422"/>
+            <a:ext cx="7668852" cy="1152128"/>
+          </a:xfrm>
+        </p:spPr>
+        <p:txBody>
+          <a:bodyPr rtlCol="0">
+            <a:normAutofit fontScale="90000"/>
+          </a:bodyPr>
+          <a:lstStyle/>
+          <a:p>
+            <a:pPr rtl="0"/>
+            <a:r>
+              <a:rPr lang="en-US" altLang="ja-JP" sz="7200" dirty="0">
+                <a:latin typeface="Brush Script MT" panose="03060802040406070304" pitchFamily="66" charset="0"/>
+                <a:sym typeface="ＭＳ Ｐ明朝" panose="02020600040205080304" pitchFamily="18" charset="-128"/>
+              </a:rPr>
+              <a:t>        5:   </a:t>
+            </a:r>
+            <a:r>
+              <a:rPr lang="en-US" altLang="ja-JP" sz="7200" dirty="0">
+                <a:latin typeface="DK Face Your Fears" panose="000907010108010A0105" pitchFamily="18" charset="0"/>
+                <a:sym typeface="ＭＳ Ｐ明朝" panose="02020600040205080304" pitchFamily="18" charset="-128"/>
+              </a:rPr>
+              <a:t>Others</a:t>
+            </a:r>
+            <a:br>
+              <a:rPr lang="en-US" altLang="ja-JP" sz="7200" dirty="0">
+                <a:latin typeface="DK Face Your Fears" panose="000907010108010A0105" pitchFamily="18" charset="0"/>
+                <a:sym typeface="ＭＳ Ｐ明朝" panose="02020600040205080304" pitchFamily="18" charset="-128"/>
+              </a:rPr>
+            </a:br>
+            <a:br>
+              <a:rPr lang="en-US" altLang="ja-JP" sz="7200" dirty="0">
+                <a:latin typeface="DK Face Your Fears" panose="000907010108010A0105" pitchFamily="18" charset="0"/>
+                <a:sym typeface="ＭＳ Ｐ明朝" panose="02020600040205080304" pitchFamily="18" charset="-128"/>
+              </a:rPr>
+            </a:br>
+            <a:r>
+              <a:rPr lang="en-US" altLang="ja-JP" sz="7200" dirty="0">
+                <a:latin typeface="DK Face Your Fears" panose="000907010108010A0105" pitchFamily="18" charset="0"/>
+                <a:sym typeface="ＭＳ Ｐ明朝" panose="02020600040205080304" pitchFamily="18" charset="-128"/>
+              </a:rPr>
+              <a:t>      2</a:t>
+            </a:r>
+            <a:r>
+              <a:rPr lang="en-US" altLang="ja-JP" sz="6700" dirty="0">
+                <a:latin typeface="DK Face Your Fears" panose="000907010108010A0105" pitchFamily="18" charset="0"/>
+                <a:sym typeface="ＭＳ Ｐ明朝" panose="02020600040205080304" pitchFamily="18" charset="-128"/>
+              </a:rPr>
+              <a:t>,  Insanity</a:t>
+            </a:r>
+            <a:endParaRPr lang="en-US" altLang="ja-JP" sz="6700" dirty="0">
+              <a:solidFill>
+                <a:schemeClr val="accent1"/>
+              </a:solidFill>
+              <a:latin typeface="Chiller" panose="04020404031007020602" pitchFamily="82" charset="0"/>
+              <a:sym typeface="ＭＳ Ｐ明朝" panose="02020600040205080304" pitchFamily="18" charset="-128"/>
+            </a:endParaRPr>
+          </a:p>
+        </p:txBody>
+      </p:sp>
+      <p:sp>
+        <p:nvSpPr>
+          <p:cNvPr id="7" name="テキスト ボックス 6">
+            <a:extLst>
+              <a:ext uri="{FF2B5EF4-FFF2-40B4-BE49-F238E27FC236}">
+                <a16:creationId xmlns:a16="http://schemas.microsoft.com/office/drawing/2014/main" id="{007F6989-FD92-4B89-B7F8-9B4E0DE798BE}"/>
+              </a:ext>
+            </a:extLst>
+          </p:cNvPr>
+          <p:cNvSpPr txBox="1"/>
+          <p:nvPr/>
+        </p:nvSpPr>
+        <p:spPr>
+          <a:xfrm>
+            <a:off x="477788" y="2608550"/>
+            <a:ext cx="11593288" cy="3582519"/>
+          </a:xfrm>
+          <a:prstGeom prst="rect">
+            <a:avLst/>
+          </a:prstGeom>
+          <a:noFill/>
+        </p:spPr>
+        <p:txBody>
+          <a:bodyPr wrap="square" rtlCol="0">
+            <a:spAutoFit/>
+          </a:bodyPr>
+          <a:lstStyle/>
+          <a:p>
+            <a:pPr>
+              <a:lnSpc>
+                <a:spcPct val="90000"/>
+              </a:lnSpc>
+            </a:pPr>
+            <a:r>
+              <a:rPr kumimoji="1" lang="en-US" altLang="ja-JP" sz="2800" dirty="0">
+                <a:latin typeface="g_コミック古印体-教漢(太字)" panose="02000600000000000000" pitchFamily="2" charset="-128"/>
+                <a:ea typeface="g_コミック古印体-教漢(太字)" panose="02000600000000000000" pitchFamily="2" charset="-128"/>
+              </a:rPr>
+              <a:t>“</a:t>
+            </a:r>
+            <a:r>
+              <a:rPr kumimoji="1" lang="ja-JP" altLang="en-US" sz="2800" dirty="0">
+                <a:solidFill>
+                  <a:schemeClr val="accent1"/>
+                </a:solidFill>
+                <a:latin typeface="g_コミック古印体-教漢(太字)" panose="02000600000000000000" pitchFamily="2" charset="-128"/>
+                <a:ea typeface="g_コミック古印体-教漢(太字)" panose="02000600000000000000" pitchFamily="2" charset="-128"/>
+              </a:rPr>
+              <a:t>きょうき度</a:t>
+            </a:r>
+            <a:r>
+              <a:rPr kumimoji="1" lang="ja-JP" altLang="en-US" sz="2800" dirty="0">
+                <a:latin typeface="g_コミック古印体-教漢(太字)" panose="02000600000000000000" pitchFamily="2" charset="-128"/>
+                <a:ea typeface="g_コミック古印体-教漢(太字)" panose="02000600000000000000" pitchFamily="2" charset="-128"/>
+              </a:rPr>
+              <a:t>（フォントの関係で変わらなかったのでひらがな）</a:t>
+            </a:r>
+            <a:r>
+              <a:rPr kumimoji="1" lang="en-US" altLang="ja-JP" sz="2800" dirty="0">
+                <a:latin typeface="g_コミック古印体-教漢(太字)" panose="02000600000000000000" pitchFamily="2" charset="-128"/>
+                <a:ea typeface="g_コミック古印体-教漢(太字)" panose="02000600000000000000" pitchFamily="2" charset="-128"/>
+              </a:rPr>
+              <a:t>”</a:t>
+            </a:r>
+          </a:p>
+          <a:p>
+            <a:pPr>
+              <a:lnSpc>
+                <a:spcPct val="90000"/>
+              </a:lnSpc>
+            </a:pPr>
+            <a:endParaRPr kumimoji="1" lang="en-US" altLang="ja-JP" sz="2800" dirty="0">
+              <a:latin typeface="g_コミック古印体-教漢(太字)" panose="02000600000000000000" pitchFamily="2" charset="-128"/>
+              <a:ea typeface="g_コミック古印体-教漢(太字)" panose="02000600000000000000" pitchFamily="2" charset="-128"/>
+            </a:endParaRPr>
+          </a:p>
+          <a:p>
+            <a:pPr>
+              <a:lnSpc>
+                <a:spcPct val="90000"/>
+              </a:lnSpc>
+            </a:pPr>
+            <a:r>
+              <a:rPr kumimoji="1" lang="ja-JP" altLang="en-US" sz="2800" dirty="0">
+                <a:latin typeface="g_コミック古印体-教漢(太字)" panose="02000600000000000000" pitchFamily="2" charset="-128"/>
+                <a:ea typeface="g_コミック古印体-教漢(太字)" panose="02000600000000000000" pitchFamily="2" charset="-128"/>
+              </a:rPr>
+              <a:t>プレイヤーはそれぞれ、自身の“ランタン”の光が消えてしまうと</a:t>
+            </a:r>
+            <a:endParaRPr kumimoji="1" lang="en-US" altLang="ja-JP" sz="2800" dirty="0">
+              <a:latin typeface="g_コミック古印体-教漢(太字)" panose="02000600000000000000" pitchFamily="2" charset="-128"/>
+              <a:ea typeface="g_コミック古印体-教漢(太字)" panose="02000600000000000000" pitchFamily="2" charset="-128"/>
+            </a:endParaRPr>
+          </a:p>
+          <a:p>
+            <a:pPr>
+              <a:lnSpc>
+                <a:spcPct val="90000"/>
+              </a:lnSpc>
+            </a:pPr>
+            <a:r>
+              <a:rPr kumimoji="1" lang="ja-JP" altLang="en-US" sz="2800" dirty="0">
+                <a:latin typeface="g_コミック古印体-教漢(太字)" panose="02000600000000000000" pitchFamily="2" charset="-128"/>
+                <a:ea typeface="g_コミック古印体-教漢(太字)" panose="02000600000000000000" pitchFamily="2" charset="-128"/>
+              </a:rPr>
+              <a:t>この割合が増していく。</a:t>
+            </a:r>
+            <a:endParaRPr kumimoji="1" lang="en-US" altLang="ja-JP" sz="2800" dirty="0">
+              <a:latin typeface="g_コミック古印体-教漢(太字)" panose="02000600000000000000" pitchFamily="2" charset="-128"/>
+              <a:ea typeface="g_コミック古印体-教漢(太字)" panose="02000600000000000000" pitchFamily="2" charset="-128"/>
+            </a:endParaRPr>
+          </a:p>
+          <a:p>
+            <a:pPr>
+              <a:lnSpc>
+                <a:spcPct val="90000"/>
+              </a:lnSpc>
+            </a:pPr>
+            <a:endParaRPr kumimoji="1" lang="en-US" altLang="ja-JP" sz="2800" dirty="0">
+              <a:latin typeface="g_コミック古印体-教漢(太字)" panose="02000600000000000000" pitchFamily="2" charset="-128"/>
+              <a:ea typeface="g_コミック古印体-教漢(太字)" panose="02000600000000000000" pitchFamily="2" charset="-128"/>
+            </a:endParaRPr>
+          </a:p>
+          <a:p>
+            <a:pPr>
+              <a:lnSpc>
+                <a:spcPct val="90000"/>
+              </a:lnSpc>
+            </a:pPr>
+            <a:r>
+              <a:rPr kumimoji="1" lang="ja-JP" altLang="en-US" sz="2800" dirty="0">
+                <a:latin typeface="g_コミック古印体-教漢(太字)" panose="02000600000000000000" pitchFamily="2" charset="-128"/>
+                <a:ea typeface="g_コミック古印体-教漢(太字)" panose="02000600000000000000" pitchFamily="2" charset="-128"/>
+              </a:rPr>
+              <a:t>この割合が増す毎に、プレイヤーの息が激しくなり、“処刑人”から</a:t>
+            </a:r>
+            <a:endParaRPr kumimoji="1" lang="en-US" altLang="ja-JP" sz="2800" dirty="0">
+              <a:latin typeface="g_コミック古印体-教漢(太字)" panose="02000600000000000000" pitchFamily="2" charset="-128"/>
+              <a:ea typeface="g_コミック古印体-教漢(太字)" panose="02000600000000000000" pitchFamily="2" charset="-128"/>
+            </a:endParaRPr>
+          </a:p>
+          <a:p>
+            <a:pPr>
+              <a:lnSpc>
+                <a:spcPct val="90000"/>
+              </a:lnSpc>
+            </a:pPr>
+            <a:r>
+              <a:rPr kumimoji="1" lang="ja-JP" altLang="en-US" sz="2800" dirty="0">
+                <a:latin typeface="g_コミック古印体-教漢(太字)" panose="02000600000000000000" pitchFamily="2" charset="-128"/>
+                <a:ea typeface="g_コミック古印体-教漢(太字)" panose="02000600000000000000" pitchFamily="2" charset="-128"/>
+              </a:rPr>
+              <a:t>プレイヤーの場所が特定されやすくなる。</a:t>
+            </a:r>
+            <a:endParaRPr kumimoji="1" lang="en-US" altLang="ja-JP" sz="2800" dirty="0">
+              <a:latin typeface="g_コミック古印体-教漢(太字)" panose="02000600000000000000" pitchFamily="2" charset="-128"/>
+              <a:ea typeface="g_コミック古印体-教漢(太字)" panose="02000600000000000000" pitchFamily="2" charset="-128"/>
+            </a:endParaRPr>
+          </a:p>
+          <a:p>
+            <a:pPr>
+              <a:lnSpc>
+                <a:spcPct val="90000"/>
+              </a:lnSpc>
+            </a:pPr>
+            <a:r>
+              <a:rPr kumimoji="1" lang="ja-JP" altLang="en-US" sz="2800" dirty="0">
+                <a:latin typeface="g_コミック古印体-教漢(太字)" panose="02000600000000000000" pitchFamily="2" charset="-128"/>
+                <a:ea typeface="g_コミック古印体-教漢(太字)" panose="02000600000000000000" pitchFamily="2" charset="-128"/>
+              </a:rPr>
+              <a:t>また、画面も見づらくなるので、注意が必要だ。</a:t>
+            </a:r>
+            <a:endParaRPr kumimoji="1" lang="en-US" altLang="ja-JP" sz="2800" dirty="0">
+              <a:latin typeface="g_コミック古印体-教漢(太字)" panose="02000600000000000000" pitchFamily="2" charset="-128"/>
+              <a:ea typeface="g_コミック古印体-教漢(太字)" panose="02000600000000000000" pitchFamily="2" charset="-128"/>
+            </a:endParaRPr>
+          </a:p>
+          <a:p>
+            <a:pPr>
+              <a:lnSpc>
+                <a:spcPct val="90000"/>
+              </a:lnSpc>
+            </a:pPr>
+            <a:endParaRPr kumimoji="1" lang="en-US" altLang="ja-JP" sz="2800" dirty="0">
+              <a:latin typeface="g_コミック古印体-教漢(太字)" panose="02000600000000000000" pitchFamily="2" charset="-128"/>
+              <a:ea typeface="g_コミック古印体-教漢(太字)" panose="02000600000000000000" pitchFamily="2" charset="-128"/>
+            </a:endParaRPr>
+          </a:p>
+        </p:txBody>
+      </p:sp>
+    </p:spTree>
+    <p:extLst>
+      <p:ext uri="{BB962C8B-B14F-4D97-AF65-F5344CB8AC3E}">
+        <p14:creationId xmlns:p14="http://schemas.microsoft.com/office/powerpoint/2010/main" val="2949577424"/>
+      </p:ext>
+    </p:extLst>
+  </p:cSld>
+  <p:clrMapOvr>
+    <a:masterClrMapping/>
+  </p:clrMapOvr>
+  <mc:AlternateContent xmlns:mc="http://schemas.openxmlformats.org/markup-compatibility/2006" xmlns:p14="http://schemas.microsoft.com/office/powerpoint/2010/main">
+    <mc:Choice Requires="p14">
+      <p:transition spd="med" p14:dur="700">
+        <p:fade/>
+      </p:transition>
+    </mc:Choice>
+    <mc:Fallback xmlns="">
+      <p:transition spd="med">
+        <p:fade/>
+      </p:transition>
+    </mc:Fallback>
+  </mc:AlternateContent>
+</p:sld>
+</file>
+
+<file path=ppt/slides/slide15.xml><?xml version="1.0" encoding="utf-8"?>
+<p:sld xmlns:a="http://schemas.openxmlformats.org/drawingml/2006/main" xmlns:r="http://schemas.openxmlformats.org/officeDocument/2006/relationships" xmlns:p="http://schemas.openxmlformats.org/presentationml/2006/main">
+  <p:cSld>
+    <p:spTree>
+      <p:nvGrpSpPr>
+        <p:cNvPr id="1" name=""/>
+        <p:cNvGrpSpPr/>
+        <p:nvPr/>
+      </p:nvGrpSpPr>
+      <p:grpSpPr>
+        <a:xfrm>
+          <a:off x="0" y="0"/>
+          <a:ext cx="0" cy="0"/>
+          <a:chOff x="0" y="0"/>
+          <a:chExt cx="0" cy="0"/>
+        </a:xfrm>
+      </p:grpSpPr>
+      <p:sp>
+        <p:nvSpPr>
+          <p:cNvPr id="2" name="テキスト ボックス 1">
+            <a:extLst>
+              <a:ext uri="{FF2B5EF4-FFF2-40B4-BE49-F238E27FC236}">
+                <a16:creationId xmlns:a16="http://schemas.microsoft.com/office/drawing/2014/main" id="{4CE22599-8A41-41DE-BED3-21BE7B0FCB81}"/>
+              </a:ext>
+            </a:extLst>
+          </p:cNvPr>
+          <p:cNvSpPr txBox="1"/>
+          <p:nvPr/>
+        </p:nvSpPr>
+        <p:spPr>
+          <a:xfrm>
+            <a:off x="4870276" y="0"/>
+            <a:ext cx="3672408" cy="861005"/>
+          </a:xfrm>
+          <a:prstGeom prst="rect">
+            <a:avLst/>
+          </a:prstGeom>
+          <a:noFill/>
+        </p:spPr>
+        <p:txBody>
+          <a:bodyPr wrap="square" rtlCol="0">
+            <a:spAutoFit/>
+          </a:bodyPr>
+          <a:lstStyle/>
+          <a:p>
+            <a:pPr>
+              <a:lnSpc>
+                <a:spcPct val="90000"/>
+              </a:lnSpc>
+            </a:pPr>
+            <a:r>
+              <a:rPr kumimoji="1" lang="en-US" altLang="ja-JP" sz="5400" dirty="0">
+                <a:latin typeface="Brush Script MT" panose="03060802040406070304" pitchFamily="66" charset="0"/>
+              </a:rPr>
+              <a:t>5:  </a:t>
+            </a:r>
+            <a:r>
+              <a:rPr kumimoji="1" lang="en-US" altLang="ja-JP" sz="5400" dirty="0">
+                <a:latin typeface="DK Face Your Fears" panose="000907010108010A0105" pitchFamily="18" charset="0"/>
+              </a:rPr>
+              <a:t>End</a:t>
+            </a:r>
+          </a:p>
+        </p:txBody>
+      </p:sp>
+      <p:sp>
+        <p:nvSpPr>
+          <p:cNvPr id="3" name="テキスト ボックス 2">
+            <a:extLst>
+              <a:ext uri="{FF2B5EF4-FFF2-40B4-BE49-F238E27FC236}">
+                <a16:creationId xmlns:a16="http://schemas.microsoft.com/office/drawing/2014/main" id="{17D9965A-5243-41F6-AB49-D319A565BF80}"/>
+              </a:ext>
+            </a:extLst>
+          </p:cNvPr>
+          <p:cNvSpPr txBox="1"/>
+          <p:nvPr/>
+        </p:nvSpPr>
+        <p:spPr>
+          <a:xfrm>
+            <a:off x="1341884" y="620688"/>
+            <a:ext cx="10513168" cy="7848302"/>
+          </a:xfrm>
+          <a:prstGeom prst="rect">
+            <a:avLst/>
+          </a:prstGeom>
+          <a:noFill/>
+        </p:spPr>
+        <p:txBody>
+          <a:bodyPr wrap="square" rtlCol="0">
+            <a:spAutoFit/>
+          </a:bodyPr>
+          <a:lstStyle/>
+          <a:p>
+            <a:pPr>
+              <a:lnSpc>
+                <a:spcPct val="90000"/>
+              </a:lnSpc>
+            </a:pPr>
+            <a:r>
+              <a:rPr kumimoji="1" lang="en-US" altLang="ja-JP" sz="2800" dirty="0">
+                <a:latin typeface="g_コミック古印体-教漢(太字)" panose="02000600000000000000" pitchFamily="2" charset="-128"/>
+                <a:ea typeface="g_コミック古印体-教漢(太字)" panose="02000600000000000000" pitchFamily="2" charset="-128"/>
+              </a:rPr>
+              <a:t>Development</a:t>
+            </a:r>
+            <a:r>
+              <a:rPr kumimoji="1" lang="ja-JP" altLang="en-US" sz="2800" dirty="0">
+                <a:latin typeface="g_コミック古印体-教漢(太字)" panose="02000600000000000000" pitchFamily="2" charset="-128"/>
+                <a:ea typeface="g_コミック古印体-教漢(太字)" panose="02000600000000000000" pitchFamily="2" charset="-128"/>
+              </a:rPr>
+              <a:t> </a:t>
+            </a:r>
+            <a:r>
+              <a:rPr kumimoji="1" lang="en-US" altLang="ja-JP" sz="2800" dirty="0">
+                <a:latin typeface="g_コミック古印体-教漢(太字)" panose="02000600000000000000" pitchFamily="2" charset="-128"/>
+                <a:ea typeface="g_コミック古印体-教漢(太字)" panose="02000600000000000000" pitchFamily="2" charset="-128"/>
+              </a:rPr>
+              <a:t>environment</a:t>
+            </a:r>
+            <a:r>
+              <a:rPr kumimoji="1" lang="ja-JP" altLang="en-US" sz="2800" dirty="0"/>
+              <a:t>：　</a:t>
+            </a:r>
+            <a:r>
+              <a:rPr kumimoji="1" lang="en-US" altLang="ja-JP" sz="2800" dirty="0">
+                <a:latin typeface="g_コミック古印体-教漢(太字)" panose="02000600000000000000" pitchFamily="2" charset="-128"/>
+                <a:ea typeface="g_コミック古印体-教漢(太字)" panose="02000600000000000000" pitchFamily="2" charset="-128"/>
+              </a:rPr>
+              <a:t>UnrealEngine4(Ver.4.20.9)</a:t>
+            </a:r>
+          </a:p>
+          <a:p>
+            <a:pPr>
+              <a:lnSpc>
+                <a:spcPct val="90000"/>
+              </a:lnSpc>
+            </a:pPr>
+            <a:endParaRPr kumimoji="1" lang="en-US" altLang="ja-JP" sz="2800" dirty="0"/>
+          </a:p>
+          <a:p>
+            <a:pPr>
+              <a:lnSpc>
+                <a:spcPct val="90000"/>
+              </a:lnSpc>
+            </a:pPr>
+            <a:r>
+              <a:rPr kumimoji="1" lang="en-US" altLang="ja-JP" sz="2800" dirty="0">
+                <a:latin typeface="g_コミック古印体-教漢(太字)" panose="02000600000000000000" pitchFamily="2" charset="-128"/>
+                <a:ea typeface="g_コミック古印体-教漢(太字)" panose="02000600000000000000" pitchFamily="2" charset="-128"/>
+              </a:rPr>
+              <a:t>Team Member : Yuya Tokuda, Hiromu Nitta, Takuya Hara</a:t>
+            </a:r>
+          </a:p>
+          <a:p>
+            <a:pPr>
+              <a:lnSpc>
+                <a:spcPct val="90000"/>
+              </a:lnSpc>
+            </a:pPr>
+            <a:endParaRPr kumimoji="1" lang="en-US" altLang="ja-JP" sz="2800" dirty="0">
+              <a:latin typeface="g_コミック古印体-教漢(太字)" panose="02000600000000000000" pitchFamily="2" charset="-128"/>
+              <a:ea typeface="g_コミック古印体-教漢(太字)" panose="02000600000000000000" pitchFamily="2" charset="-128"/>
+            </a:endParaRPr>
+          </a:p>
+          <a:p>
+            <a:pPr>
+              <a:lnSpc>
+                <a:spcPct val="90000"/>
+              </a:lnSpc>
+            </a:pPr>
+            <a:r>
+              <a:rPr kumimoji="1" lang="en-US" altLang="ja-JP" sz="2800" dirty="0">
+                <a:latin typeface="g_コミック古印体-教漢(太字)" panose="02000600000000000000" pitchFamily="2" charset="-128"/>
+                <a:ea typeface="g_コミック古印体-教漢(太字)" panose="02000600000000000000" pitchFamily="2" charset="-128"/>
+              </a:rPr>
+              <a:t>Individual Rolls : </a:t>
+            </a:r>
+          </a:p>
+          <a:p>
+            <a:pPr>
+              <a:lnSpc>
+                <a:spcPct val="90000"/>
+              </a:lnSpc>
+            </a:pPr>
+            <a:endParaRPr kumimoji="1" lang="en-US" altLang="ja-JP" sz="2800" dirty="0">
+              <a:latin typeface="g_コミック古印体-教漢(太字)" panose="02000600000000000000" pitchFamily="2" charset="-128"/>
+              <a:ea typeface="g_コミック古印体-教漢(太字)" panose="02000600000000000000" pitchFamily="2" charset="-128"/>
+            </a:endParaRPr>
+          </a:p>
+          <a:p>
+            <a:pPr>
+              <a:lnSpc>
+                <a:spcPct val="90000"/>
+              </a:lnSpc>
+            </a:pPr>
+            <a:r>
+              <a:rPr kumimoji="1" lang="en-US" altLang="ja-JP" sz="2800" dirty="0">
+                <a:latin typeface="g_コミック古印体-教漢(太字)" panose="02000600000000000000" pitchFamily="2" charset="-128"/>
+                <a:ea typeface="g_コミック古印体-教漢(太字)" panose="02000600000000000000" pitchFamily="2" charset="-128"/>
+              </a:rPr>
+              <a:t> Yuya Tokuda  : Build NetWork System.</a:t>
+            </a:r>
+          </a:p>
+          <a:p>
+            <a:pPr>
+              <a:lnSpc>
+                <a:spcPct val="90000"/>
+              </a:lnSpc>
+            </a:pPr>
+            <a:endParaRPr kumimoji="1" lang="en-US" altLang="ja-JP" sz="2800" dirty="0">
+              <a:latin typeface="g_コミック古印体-教漢(太字)" panose="02000600000000000000" pitchFamily="2" charset="-128"/>
+              <a:ea typeface="g_コミック古印体-教漢(太字)" panose="02000600000000000000" pitchFamily="2" charset="-128"/>
+            </a:endParaRPr>
+          </a:p>
+          <a:p>
+            <a:pPr>
+              <a:lnSpc>
+                <a:spcPct val="90000"/>
+              </a:lnSpc>
+            </a:pPr>
+            <a:r>
+              <a:rPr kumimoji="1" lang="en-US" altLang="ja-JP" sz="2800" dirty="0">
+                <a:latin typeface="g_コミック古印体-教漢(太字)" panose="02000600000000000000" pitchFamily="2" charset="-128"/>
+                <a:ea typeface="g_コミック古印体-教漢(太字)" panose="02000600000000000000" pitchFamily="2" charset="-128"/>
+              </a:rPr>
+              <a:t> Hiromu Nitta : Made 3D Models(Lantern,Rune)</a:t>
+            </a:r>
+          </a:p>
+          <a:p>
+            <a:pPr>
+              <a:lnSpc>
+                <a:spcPct val="90000"/>
+              </a:lnSpc>
+            </a:pPr>
+            <a:r>
+              <a:rPr kumimoji="1" lang="en-US" altLang="ja-JP" sz="2800" dirty="0">
+                <a:latin typeface="g_コミック古印体-教漢(太字)" panose="02000600000000000000" pitchFamily="2" charset="-128"/>
+                <a:ea typeface="g_コミック古印体-教漢(太字)" panose="02000600000000000000" pitchFamily="2" charset="-128"/>
+              </a:rPr>
+              <a:t> 		   &amp; Main System of this Game</a:t>
+            </a:r>
+          </a:p>
+          <a:p>
+            <a:pPr>
+              <a:lnSpc>
+                <a:spcPct val="90000"/>
+              </a:lnSpc>
+            </a:pPr>
+            <a:r>
+              <a:rPr kumimoji="1" lang="en-US" altLang="ja-JP" sz="2800" dirty="0">
+                <a:latin typeface="g_コミック古印体-教漢(太字)" panose="02000600000000000000" pitchFamily="2" charset="-128"/>
+                <a:ea typeface="g_コミック古印体-教漢(太字)" panose="02000600000000000000" pitchFamily="2" charset="-128"/>
+              </a:rPr>
+              <a:t>		   &amp; Made Map(b).</a:t>
+            </a:r>
+          </a:p>
+          <a:p>
+            <a:pPr>
+              <a:lnSpc>
+                <a:spcPct val="90000"/>
+              </a:lnSpc>
+            </a:pPr>
+            <a:endParaRPr kumimoji="1" lang="en-US" altLang="ja-JP" sz="2800" dirty="0">
+              <a:latin typeface="g_コミック古印体-教漢(太字)" panose="02000600000000000000" pitchFamily="2" charset="-128"/>
+              <a:ea typeface="g_コミック古印体-教漢(太字)" panose="02000600000000000000" pitchFamily="2" charset="-128"/>
+            </a:endParaRPr>
+          </a:p>
+          <a:p>
+            <a:pPr>
+              <a:lnSpc>
+                <a:spcPct val="90000"/>
+              </a:lnSpc>
+            </a:pPr>
+            <a:r>
+              <a:rPr kumimoji="1" lang="en-US" altLang="ja-JP" sz="2800" dirty="0">
+                <a:latin typeface="g_コミック古印体-教漢(太字)" panose="02000600000000000000" pitchFamily="2" charset="-128"/>
+                <a:ea typeface="g_コミック古印体-教漢(太字)" panose="02000600000000000000" pitchFamily="2" charset="-128"/>
+              </a:rPr>
+              <a:t> Takuya Hara  : Made 3D Models</a:t>
+            </a:r>
+          </a:p>
+          <a:p>
+            <a:pPr>
+              <a:lnSpc>
+                <a:spcPct val="90000"/>
+              </a:lnSpc>
+            </a:pPr>
+            <a:r>
+              <a:rPr kumimoji="1" lang="en-US" altLang="ja-JP" sz="2800" dirty="0">
+                <a:latin typeface="g_コミック古印体-教漢(太字)" panose="02000600000000000000" pitchFamily="2" charset="-128"/>
+                <a:ea typeface="g_コミック古印体-教漢(太字)" panose="02000600000000000000" pitchFamily="2" charset="-128"/>
+              </a:rPr>
+              <a:t>		  (Five Stone slabs,slabs frame)</a:t>
+            </a:r>
+          </a:p>
+          <a:p>
+            <a:pPr>
+              <a:lnSpc>
+                <a:spcPct val="90000"/>
+              </a:lnSpc>
+            </a:pPr>
+            <a:r>
+              <a:rPr kumimoji="1" lang="en-US" altLang="ja-JP" sz="2800" dirty="0">
+                <a:latin typeface="g_コミック古印体-教漢(太字)" panose="02000600000000000000" pitchFamily="2" charset="-128"/>
+                <a:ea typeface="g_コミック古印体-教漢(太字)" panose="02000600000000000000" pitchFamily="2" charset="-128"/>
+              </a:rPr>
+              <a:t>                 &amp; Build AI System(Enemy)</a:t>
+            </a:r>
+          </a:p>
+          <a:p>
+            <a:pPr>
+              <a:lnSpc>
+                <a:spcPct val="90000"/>
+              </a:lnSpc>
+            </a:pPr>
+            <a:r>
+              <a:rPr kumimoji="1" lang="en-US" altLang="ja-JP" sz="2800" dirty="0">
+                <a:latin typeface="g_コミック古印体-教漢(太字)" panose="02000600000000000000" pitchFamily="2" charset="-128"/>
+                <a:ea typeface="g_コミック古印体-教漢(太字)" panose="02000600000000000000" pitchFamily="2" charset="-128"/>
+              </a:rPr>
+              <a:t>		   &amp; Made Map(a) &amp; Sound Effect </a:t>
+            </a:r>
+          </a:p>
+          <a:p>
+            <a:pPr>
+              <a:lnSpc>
+                <a:spcPct val="90000"/>
+              </a:lnSpc>
+            </a:pPr>
+            <a:endParaRPr kumimoji="1" lang="en-US" altLang="ja-JP" sz="2800" dirty="0">
+              <a:latin typeface="g_コミック古印体-教漢(太字)" panose="02000600000000000000" pitchFamily="2" charset="-128"/>
+              <a:ea typeface="g_コミック古印体-教漢(太字)" panose="02000600000000000000" pitchFamily="2" charset="-128"/>
+            </a:endParaRPr>
+          </a:p>
+          <a:p>
+            <a:pPr>
+              <a:lnSpc>
+                <a:spcPct val="90000"/>
+              </a:lnSpc>
+            </a:pPr>
+            <a:endParaRPr kumimoji="1" lang="en-US" altLang="ja-JP" sz="2800" dirty="0">
+              <a:latin typeface="g_コミック古印体-教漢(太字)" panose="02000600000000000000" pitchFamily="2" charset="-128"/>
+              <a:ea typeface="g_コミック古印体-教漢(太字)" panose="02000600000000000000" pitchFamily="2" charset="-128"/>
+            </a:endParaRPr>
+          </a:p>
+          <a:p>
+            <a:pPr>
+              <a:lnSpc>
+                <a:spcPct val="90000"/>
+              </a:lnSpc>
+            </a:pPr>
+            <a:endParaRPr kumimoji="1" lang="en-US" altLang="ja-JP" sz="2800" dirty="0"/>
+          </a:p>
+          <a:p>
+            <a:pPr>
+              <a:lnSpc>
+                <a:spcPct val="90000"/>
+              </a:lnSpc>
+            </a:pPr>
+            <a:endParaRPr kumimoji="1" lang="ja-JP" altLang="en-US" sz="2800" dirty="0"/>
+          </a:p>
+        </p:txBody>
+      </p:sp>
+    </p:spTree>
+    <p:extLst>
+      <p:ext uri="{BB962C8B-B14F-4D97-AF65-F5344CB8AC3E}">
+        <p14:creationId xmlns:p14="http://schemas.microsoft.com/office/powerpoint/2010/main" val="1336900524"/>
+      </p:ext>
+    </p:extLst>
+  </p:cSld>
+  <p:clrMapOvr>
+    <a:masterClrMapping/>
+  </p:clrMapOvr>
+  <mc:AlternateContent xmlns:mc="http://schemas.openxmlformats.org/markup-compatibility/2006" xmlns:p14="http://schemas.microsoft.com/office/powerpoint/2010/main">
+    <mc:Choice Requires="p14">
+      <p:transition spd="med" p14:dur="700">
+        <p:fade/>
+      </p:transition>
+    </mc:Choice>
+    <mc:Fallback xmlns="">
+      <p:transition spd="med">
+        <p:fade/>
+      </p:transition>
+    </mc:Fallback>
+  </mc:AlternateContent>
+</p:sld>
+</file>
+
+<file path=ppt/slides/slide16.xml><?xml version="1.0" encoding="utf-8"?>
+<p:sld xmlns:a="http://schemas.openxmlformats.org/drawingml/2006/main" xmlns:r="http://schemas.openxmlformats.org/officeDocument/2006/relationships" xmlns:p="http://schemas.openxmlformats.org/presentationml/2006/main">
+  <p:cSld>
+    <p:spTree>
+      <p:nvGrpSpPr>
+        <p:cNvPr id="1" name=""/>
+        <p:cNvGrpSpPr/>
+        <p:nvPr/>
+      </p:nvGrpSpPr>
+      <p:grpSpPr>
+        <a:xfrm>
+          <a:off x="0" y="0"/>
+          <a:ext cx="0" cy="0"/>
+          <a:chOff x="0" y="0"/>
+          <a:chExt cx="0" cy="0"/>
+        </a:xfrm>
+      </p:grpSpPr>
+      <p:sp>
+        <p:nvSpPr>
+          <p:cNvPr id="3" name="テキスト ボックス 2">
+            <a:extLst>
+              <a:ext uri="{FF2B5EF4-FFF2-40B4-BE49-F238E27FC236}">
+                <a16:creationId xmlns:a16="http://schemas.microsoft.com/office/drawing/2014/main" id="{2C9D65FA-22BD-401E-A403-FBC5D282AC3E}"/>
+              </a:ext>
+            </a:extLst>
+          </p:cNvPr>
+          <p:cNvSpPr txBox="1"/>
+          <p:nvPr/>
+        </p:nvSpPr>
+        <p:spPr>
+          <a:xfrm>
+            <a:off x="3574132" y="5517232"/>
+            <a:ext cx="4320480" cy="840230"/>
+          </a:xfrm>
+          <a:prstGeom prst="rect">
+            <a:avLst/>
+          </a:prstGeom>
+          <a:noFill/>
+        </p:spPr>
+        <p:txBody>
+          <a:bodyPr wrap="square" rtlCol="0">
+            <a:spAutoFit/>
+          </a:bodyPr>
+          <a:lstStyle/>
+          <a:p>
+            <a:pPr>
+              <a:lnSpc>
+                <a:spcPct val="90000"/>
+              </a:lnSpc>
+            </a:pPr>
+            <a:r>
+              <a:rPr kumimoji="1" lang="en-US" altLang="ja-JP" sz="5400" dirty="0">
+                <a:latin typeface="g_コミック古印体-教漢(太字)" panose="02000600000000000000" pitchFamily="2" charset="-128"/>
+                <a:ea typeface="g_コミック古印体-教漢(太字)" panose="02000600000000000000" pitchFamily="2" charset="-128"/>
+              </a:rPr>
+              <a:t>By Team  TNT </a:t>
+            </a:r>
+            <a:endParaRPr kumimoji="1" lang="ja-JP" altLang="en-US" sz="5400" dirty="0">
+              <a:latin typeface="g_コミック古印体-教漢(太字)" panose="02000600000000000000" pitchFamily="2" charset="-128"/>
+              <a:ea typeface="g_コミック古印体-教漢(太字)" panose="02000600000000000000" pitchFamily="2" charset="-128"/>
+            </a:endParaRPr>
+          </a:p>
+        </p:txBody>
+      </p:sp>
+      <p:sp>
+        <p:nvSpPr>
+          <p:cNvPr id="6" name="テキスト ボックス 5">
+            <a:extLst>
+              <a:ext uri="{FF2B5EF4-FFF2-40B4-BE49-F238E27FC236}">
+                <a16:creationId xmlns:a16="http://schemas.microsoft.com/office/drawing/2014/main" id="{95168986-1F3F-4070-ADA7-8DBB84FF2265}"/>
+              </a:ext>
+            </a:extLst>
+          </p:cNvPr>
+          <p:cNvSpPr txBox="1"/>
+          <p:nvPr/>
+        </p:nvSpPr>
+        <p:spPr>
+          <a:xfrm>
+            <a:off x="477788" y="1556792"/>
+            <a:ext cx="11593288" cy="3416320"/>
+          </a:xfrm>
+          <a:prstGeom prst="rect">
+            <a:avLst/>
+          </a:prstGeom>
+          <a:noFill/>
+        </p:spPr>
+        <p:txBody>
+          <a:bodyPr wrap="square" rtlCol="0">
+            <a:spAutoFit/>
+          </a:bodyPr>
+          <a:lstStyle/>
+          <a:p>
+            <a:pPr>
+              <a:lnSpc>
+                <a:spcPct val="90000"/>
+              </a:lnSpc>
+            </a:pPr>
+            <a:r>
+              <a:rPr kumimoji="1" lang="en-US" altLang="ja-JP" sz="4000" dirty="0">
+                <a:latin typeface="g_コミック古印体-教漢(太字)" panose="02000600000000000000" pitchFamily="2" charset="-128"/>
+                <a:ea typeface="g_コミック古印体-教漢(太字)" panose="02000600000000000000" pitchFamily="2" charset="-128"/>
+              </a:rPr>
+              <a:t>Thank you so much to hear our Presentation!!</a:t>
+            </a:r>
+          </a:p>
+          <a:p>
+            <a:pPr>
+              <a:lnSpc>
+                <a:spcPct val="90000"/>
+              </a:lnSpc>
+            </a:pPr>
+            <a:endParaRPr kumimoji="1" lang="en-US" altLang="ja-JP" sz="4000" dirty="0">
+              <a:latin typeface="g_コミック古印体-教漢(太字)" panose="02000600000000000000" pitchFamily="2" charset="-128"/>
+              <a:ea typeface="g_コミック古印体-教漢(太字)" panose="02000600000000000000" pitchFamily="2" charset="-128"/>
+            </a:endParaRPr>
+          </a:p>
+          <a:p>
+            <a:pPr>
+              <a:lnSpc>
+                <a:spcPct val="90000"/>
+              </a:lnSpc>
+            </a:pPr>
+            <a:r>
+              <a:rPr kumimoji="1" lang="en-US" altLang="ja-JP" sz="4000" dirty="0">
+                <a:latin typeface="g_コミック古印体-教漢(太字)" panose="02000600000000000000" pitchFamily="2" charset="-128"/>
+                <a:ea typeface="g_コミック古印体-教漢(太字)" panose="02000600000000000000" pitchFamily="2" charset="-128"/>
+              </a:rPr>
+              <a:t>We hope you will come INTO</a:t>
+            </a:r>
+          </a:p>
+          <a:p>
+            <a:pPr>
+              <a:lnSpc>
+                <a:spcPct val="90000"/>
+              </a:lnSpc>
+            </a:pPr>
+            <a:endParaRPr kumimoji="1" lang="en-US" altLang="ja-JP" sz="4000" dirty="0">
+              <a:latin typeface="g_コミック古印体-教漢(太字)" panose="02000600000000000000" pitchFamily="2" charset="-128"/>
+              <a:ea typeface="g_コミック古印体-教漢(太字)" panose="02000600000000000000" pitchFamily="2" charset="-128"/>
+            </a:endParaRPr>
+          </a:p>
+          <a:p>
+            <a:pPr>
+              <a:lnSpc>
+                <a:spcPct val="90000"/>
+              </a:lnSpc>
+            </a:pPr>
+            <a:endParaRPr kumimoji="1" lang="en-US" altLang="ja-JP" sz="4000" dirty="0">
+              <a:latin typeface="g_コミック古印体-教漢(太字)" panose="02000600000000000000" pitchFamily="2" charset="-128"/>
+              <a:ea typeface="g_コミック古印体-教漢(太字)" panose="02000600000000000000" pitchFamily="2" charset="-128"/>
+            </a:endParaRPr>
+          </a:p>
+          <a:p>
+            <a:pPr>
+              <a:lnSpc>
+                <a:spcPct val="90000"/>
+              </a:lnSpc>
+            </a:pPr>
+            <a:r>
+              <a:rPr kumimoji="1" lang="en-US" altLang="ja-JP" sz="4000" dirty="0">
+                <a:latin typeface="g_コミック古印体-教漢(太字)" panose="02000600000000000000" pitchFamily="2" charset="-128"/>
+                <a:ea typeface="g_コミック古印体-教漢(太字)" panose="02000600000000000000" pitchFamily="2" charset="-128"/>
+              </a:rPr>
+              <a:t> this “NIGHTMARE”………          Fin.</a:t>
+            </a:r>
+            <a:endParaRPr kumimoji="1" lang="ja-JP" altLang="en-US" sz="4000" dirty="0">
+              <a:latin typeface="g_コミック古印体-教漢(太字)" panose="02000600000000000000" pitchFamily="2" charset="-128"/>
+              <a:ea typeface="g_コミック古印体-教漢(太字)" panose="02000600000000000000" pitchFamily="2" charset="-128"/>
+            </a:endParaRPr>
+          </a:p>
+        </p:txBody>
+      </p:sp>
+    </p:spTree>
+    <p:extLst>
+      <p:ext uri="{BB962C8B-B14F-4D97-AF65-F5344CB8AC3E}">
+        <p14:creationId xmlns:p14="http://schemas.microsoft.com/office/powerpoint/2010/main" val="3287000155"/>
+      </p:ext>
+    </p:extLst>
+  </p:cSld>
+  <p:clrMapOvr>
+    <a:masterClrMapping/>
+  </p:clrMapOvr>
+  <mc:AlternateContent xmlns:mc="http://schemas.openxmlformats.org/markup-compatibility/2006" xmlns:p14="http://schemas.microsoft.com/office/powerpoint/2010/main">
+    <mc:Choice Requires="p14">
+      <p:transition spd="med" p14:dur="700">
+        <p:fade/>
+      </p:transition>
+    </mc:Choice>
+    <mc:Fallback xmlns="">
+      <p:transition spd="med">
+        <p:fade/>
+      </p:transition>
+    </mc:Fallback>
+  </mc:AlternateContent>
+</p:sld>
+</file>
+
+<file path=ppt/slides/slide2.xml><?xml version="1.0" encoding="utf-8"?>
+<p:sld xmlns:a="http://schemas.openxmlformats.org/drawingml/2006/main" xmlns:r="http://schemas.openxmlformats.org/officeDocument/2006/relationships" xmlns:p="http://schemas.openxmlformats.org/presentationml/2006/main">
+  <p:cSld>
+    <p:spTree>
+      <p:nvGrpSpPr>
+        <p:cNvPr id="1" name=""/>
+        <p:cNvGrpSpPr/>
+        <p:nvPr/>
+      </p:nvGrpSpPr>
+      <p:grpSpPr>
+        <a:xfrm>
+          <a:off x="0" y="0"/>
+          <a:ext cx="0" cy="0"/>
+          <a:chOff x="0" y="0"/>
+          <a:chExt cx="0" cy="0"/>
+        </a:xfrm>
+      </p:grpSpPr>
+      <p:sp>
+        <p:nvSpPr>
+          <p:cNvPr id="37" name="正方形/長方形 36">
+            <a:extLst>
+              <a:ext uri="{FF2B5EF4-FFF2-40B4-BE49-F238E27FC236}">
+                <a16:creationId xmlns:a16="http://schemas.microsoft.com/office/drawing/2014/main" id="{B21F044B-6CA3-41CF-89BB-6A5E477E4C83}"/>
+              </a:ext>
+            </a:extLst>
+          </p:cNvPr>
+          <p:cNvSpPr/>
+          <p:nvPr/>
+        </p:nvSpPr>
+        <p:spPr>
+          <a:xfrm>
+            <a:off x="2744557" y="1392311"/>
+            <a:ext cx="3096342" cy="4181370"/>
+          </a:xfrm>
+          <a:prstGeom prst="rect">
+            <a:avLst/>
+          </a:prstGeom>
+          <a:solidFill>
+            <a:schemeClr val="accent3">
+              <a:alpha val="50000"/>
+            </a:schemeClr>
+          </a:solidFill>
+          <a:ln>
+            <a:noFill/>
+          </a:ln>
+        </p:spPr>
+        <p:style>
+          <a:lnRef idx="0">
+            <a:scrgbClr r="0" g="0" b="0"/>
+          </a:lnRef>
+          <a:fillRef idx="0">
+            <a:scrgbClr r="0" g="0" b="0"/>
+          </a:fillRef>
+          <a:effectRef idx="0">
+            <a:scrgbClr r="0" g="0" b="0"/>
+          </a:effectRef>
+          <a:fontRef idx="minor">
+            <a:schemeClr val="lt1"/>
+          </a:fontRef>
+        </p:style>
+        <p:txBody>
+          <a:bodyPr rtlCol="0" anchor="ctr"/>
+          <a:lstStyle/>
+          <a:p>
+            <a:pPr algn="ctr"/>
+            <a:endParaRPr kumimoji="1" lang="ja-JP" altLang="en-US"/>
+          </a:p>
+        </p:txBody>
+      </p:sp>
+      <p:sp>
+        <p:nvSpPr>
+          <p:cNvPr id="2" name="タイトル 1"/>
+          <p:cNvSpPr>
+            <a:spLocks noGrp="1"/>
+          </p:cNvSpPr>
+          <p:nvPr>
+            <p:ph type="title"/>
+          </p:nvPr>
+        </p:nvSpPr>
+        <p:spPr>
+          <a:xfrm>
+            <a:off x="914161" y="173111"/>
+            <a:ext cx="10360501" cy="1219200"/>
+          </a:xfrm>
+          <a:effectLst/>
+        </p:spPr>
+        <p:txBody>
+          <a:bodyPr rtlCol="0">
+            <a:normAutofit/>
+          </a:bodyPr>
+          <a:lstStyle/>
+          <a:p>
+            <a:pPr rtl="0"/>
+            <a:r>
+              <a:rPr lang="en-US" altLang="ja-JP" sz="7200" dirty="0">
+                <a:latin typeface="Brush Script MT" panose="03060802040406070304" pitchFamily="66" charset="0"/>
+                <a:sym typeface="ＭＳ Ｐ明朝" panose="02020600040205080304" pitchFamily="18" charset="-128"/>
+              </a:rPr>
+              <a:t>       1:    </a:t>
+            </a:r>
+            <a:r>
+              <a:rPr lang="en-US" altLang="ja-JP" sz="7200" dirty="0">
+                <a:latin typeface="DK Face Your Fears" panose="000907010108010A0105" pitchFamily="18" charset="0"/>
+                <a:sym typeface="ＭＳ Ｐ明朝" panose="02020600040205080304" pitchFamily="18" charset="-128"/>
+              </a:rPr>
+              <a:t>GAMESYSTEM</a:t>
+            </a:r>
+            <a:endParaRPr lang="ja-JP" altLang="en-US" sz="7200" dirty="0">
+              <a:latin typeface="DK Face Your Fears" panose="000907010108010A0105" pitchFamily="18" charset="0"/>
+              <a:sym typeface="ＭＳ Ｐ明朝" panose="02020600040205080304" pitchFamily="18" charset="-128"/>
+            </a:endParaRPr>
+          </a:p>
+        </p:txBody>
+      </p:sp>
+      <p:sp>
+        <p:nvSpPr>
+          <p:cNvPr id="9" name="正方形/長方形 8">
+            <a:extLst>
+              <a:ext uri="{FF2B5EF4-FFF2-40B4-BE49-F238E27FC236}">
+                <a16:creationId xmlns:a16="http://schemas.microsoft.com/office/drawing/2014/main" id="{D0CD292B-3638-4D57-9015-A4FDFBEC0809}"/>
+              </a:ext>
+            </a:extLst>
+          </p:cNvPr>
+          <p:cNvSpPr/>
+          <p:nvPr/>
+        </p:nvSpPr>
+        <p:spPr>
+          <a:xfrm>
+            <a:off x="168405" y="1619327"/>
+            <a:ext cx="2232248" cy="576057"/>
+          </a:xfrm>
+          <a:prstGeom prst="rect">
+            <a:avLst/>
+          </a:prstGeom>
+          <a:solidFill>
+            <a:srgbClr val="00B0F0"/>
+          </a:solidFill>
+          <a:ln/>
+          <a:scene3d>
+            <a:camera prst="orthographicFront"/>
+            <a:lightRig rig="threePt" dir="t"/>
+          </a:scene3d>
+          <a:sp3d>
+            <a:bevelT w="139700" h="139700" prst="divot"/>
+          </a:sp3d>
+        </p:spPr>
+        <p:style>
+          <a:lnRef idx="3">
+            <a:schemeClr val="lt1"/>
+          </a:lnRef>
+          <a:fillRef idx="1">
+            <a:schemeClr val="accent5"/>
+          </a:fillRef>
+          <a:effectRef idx="1">
+            <a:schemeClr val="accent5"/>
+          </a:effectRef>
+          <a:fontRef idx="minor">
+            <a:schemeClr val="lt1"/>
+          </a:fontRef>
+        </p:style>
+        <p:txBody>
+          <a:bodyPr rtlCol="0" anchor="ctr"/>
+          <a:lstStyle/>
+          <a:p>
+            <a:pPr algn="ctr"/>
+            <a:r>
+              <a:rPr kumimoji="1" lang="ja-JP" altLang="en-US" sz="2000" dirty="0">
+                <a:solidFill>
+                  <a:schemeClr val="bg1"/>
+                </a:solidFill>
+                <a:latin typeface="g_コミック古印体-教漢(太字)" panose="02000600000000000000" pitchFamily="2" charset="-128"/>
+                <a:ea typeface="g_コミック古印体-教漢(太字)" panose="02000600000000000000" pitchFamily="2" charset="-128"/>
+              </a:rPr>
+              <a:t>ゲームスタート</a:t>
+            </a:r>
+          </a:p>
+        </p:txBody>
+      </p:sp>
+      <p:cxnSp>
+        <p:nvCxnSpPr>
+          <p:cNvPr id="15" name="直線コネクタ 14">
+            <a:extLst>
+              <a:ext uri="{FF2B5EF4-FFF2-40B4-BE49-F238E27FC236}">
+                <a16:creationId xmlns:a16="http://schemas.microsoft.com/office/drawing/2014/main" id="{44B334BE-5B53-4115-A07C-93BE08D70E71}"/>
+              </a:ext>
+            </a:extLst>
+          </p:cNvPr>
+          <p:cNvCxnSpPr>
+            <a:cxnSpLocks/>
+          </p:cNvCxnSpPr>
+          <p:nvPr/>
+        </p:nvCxnSpPr>
+        <p:spPr>
+          <a:xfrm>
+            <a:off x="549796" y="2195384"/>
+            <a:ext cx="0" cy="1728202"/>
+          </a:xfrm>
+          <a:prstGeom prst="line">
+            <a:avLst/>
+          </a:prstGeom>
+          <a:ln w="19050">
+            <a:miter lim="800000"/>
+          </a:ln>
+        </p:spPr>
+        <p:style>
+          <a:lnRef idx="1">
+            <a:schemeClr val="accent1"/>
+          </a:lnRef>
+          <a:fillRef idx="0">
+            <a:schemeClr val="accent1"/>
+          </a:fillRef>
+          <a:effectRef idx="0">
+            <a:schemeClr val="accent1"/>
+          </a:effectRef>
+          <a:fontRef idx="minor">
+            <a:schemeClr val="tx1"/>
+          </a:fontRef>
+        </p:style>
+      </p:cxnSp>
+      <p:cxnSp>
+        <p:nvCxnSpPr>
+          <p:cNvPr id="17" name="直線矢印コネクタ 16">
+            <a:extLst>
+              <a:ext uri="{FF2B5EF4-FFF2-40B4-BE49-F238E27FC236}">
+                <a16:creationId xmlns:a16="http://schemas.microsoft.com/office/drawing/2014/main" id="{118A44F9-CEB5-40CE-8D4D-78957B8FB5AA}"/>
+              </a:ext>
+            </a:extLst>
+          </p:cNvPr>
+          <p:cNvCxnSpPr>
+            <a:cxnSpLocks/>
+          </p:cNvCxnSpPr>
+          <p:nvPr/>
+        </p:nvCxnSpPr>
+        <p:spPr>
+          <a:xfrm>
+            <a:off x="560600" y="3915940"/>
+            <a:ext cx="2232248" cy="0"/>
+          </a:xfrm>
+          <a:prstGeom prst="straightConnector1">
+            <a:avLst/>
+          </a:prstGeom>
+          <a:ln w="19050">
+            <a:miter lim="800000"/>
+            <a:tailEnd type="triangle"/>
+          </a:ln>
+        </p:spPr>
+        <p:style>
+          <a:lnRef idx="1">
+            <a:schemeClr val="accent1"/>
+          </a:lnRef>
+          <a:fillRef idx="0">
+            <a:schemeClr val="accent1"/>
+          </a:fillRef>
+          <a:effectRef idx="0">
+            <a:schemeClr val="accent1"/>
+          </a:effectRef>
+          <a:fontRef idx="minor">
+            <a:schemeClr val="tx1"/>
+          </a:fontRef>
+        </p:style>
+      </p:cxnSp>
+      <p:sp>
+        <p:nvSpPr>
+          <p:cNvPr id="18" name="正方形/長方形 17">
+            <a:extLst>
+              <a:ext uri="{FF2B5EF4-FFF2-40B4-BE49-F238E27FC236}">
+                <a16:creationId xmlns:a16="http://schemas.microsoft.com/office/drawing/2014/main" id="{1CBCD2C1-9126-4D10-A481-447BECFF9C62}"/>
+              </a:ext>
+            </a:extLst>
+          </p:cNvPr>
+          <p:cNvSpPr/>
+          <p:nvPr/>
+        </p:nvSpPr>
+        <p:spPr>
+          <a:xfrm>
+            <a:off x="2926164" y="2541874"/>
+            <a:ext cx="2736302" cy="2880327"/>
+          </a:xfrm>
+          <a:prstGeom prst="rect">
+            <a:avLst/>
+          </a:prstGeom>
+          <a:ln>
+            <a:miter lim="800000"/>
+          </a:ln>
+          <a:effectLst/>
+          <a:scene3d>
+            <a:camera prst="orthographicFront"/>
+            <a:lightRig rig="threePt" dir="t"/>
+          </a:scene3d>
+          <a:sp3d>
+            <a:bevelT/>
+          </a:sp3d>
+        </p:spPr>
+        <p:style>
+          <a:lnRef idx="2">
+            <a:schemeClr val="accent1">
+              <a:shade val="50000"/>
+            </a:schemeClr>
+          </a:lnRef>
+          <a:fillRef idx="1">
+            <a:schemeClr val="accent1"/>
+          </a:fillRef>
+          <a:effectRef idx="0">
+            <a:schemeClr val="accent1"/>
+          </a:effectRef>
+          <a:fontRef idx="minor">
+            <a:schemeClr val="lt1"/>
+          </a:fontRef>
+        </p:style>
+        <p:txBody>
+          <a:bodyPr rtlCol="0" anchor="ctr"/>
+          <a:lstStyle/>
+          <a:p>
+            <a:pPr algn="ctr"/>
+            <a:r>
+              <a:rPr kumimoji="1" lang="ja-JP" altLang="en-US" dirty="0">
+                <a:latin typeface="しねきゃぷしょん" panose="02000600000000000000" pitchFamily="2" charset="-128"/>
+                <a:ea typeface="しねきゃぷしょん" panose="02000600000000000000" pitchFamily="2" charset="-128"/>
+              </a:rPr>
+              <a:t>敵を避けながら</a:t>
+            </a:r>
+            <a:endParaRPr kumimoji="1" lang="en-US" altLang="ja-JP" dirty="0">
+              <a:latin typeface="しねきゃぷしょん" panose="02000600000000000000" pitchFamily="2" charset="-128"/>
+              <a:ea typeface="しねきゃぷしょん" panose="02000600000000000000" pitchFamily="2" charset="-128"/>
+            </a:endParaRPr>
+          </a:p>
+          <a:p>
+            <a:pPr algn="ctr"/>
+            <a:r>
+              <a:rPr kumimoji="1" lang="ja-JP" altLang="en-US" dirty="0">
+                <a:latin typeface="しねきゃぷしょん" panose="02000600000000000000" pitchFamily="2" charset="-128"/>
+                <a:ea typeface="しねきゃぷしょん" panose="02000600000000000000" pitchFamily="2" charset="-128"/>
+              </a:rPr>
+              <a:t>ゴールに必要な</a:t>
+            </a:r>
+            <a:endParaRPr kumimoji="1" lang="en-US" altLang="ja-JP" dirty="0">
+              <a:latin typeface="しねきゃぷしょん" panose="02000600000000000000" pitchFamily="2" charset="-128"/>
+              <a:ea typeface="しねきゃぷしょん" panose="02000600000000000000" pitchFamily="2" charset="-128"/>
+            </a:endParaRPr>
+          </a:p>
+          <a:p>
+            <a:pPr algn="ctr"/>
+            <a:r>
+              <a:rPr kumimoji="1" lang="ja-JP" altLang="en-US" dirty="0">
+                <a:latin typeface="しねきゃぷしょん" panose="02000600000000000000" pitchFamily="2" charset="-128"/>
+                <a:ea typeface="しねきゃぷしょん" panose="02000600000000000000" pitchFamily="2" charset="-128"/>
+              </a:rPr>
+              <a:t>アイテムを</a:t>
+            </a:r>
+            <a:endParaRPr kumimoji="1" lang="en-US" altLang="ja-JP" dirty="0">
+              <a:latin typeface="しねきゃぷしょん" panose="02000600000000000000" pitchFamily="2" charset="-128"/>
+              <a:ea typeface="しねきゃぷしょん" panose="02000600000000000000" pitchFamily="2" charset="-128"/>
+            </a:endParaRPr>
+          </a:p>
+          <a:p>
+            <a:pPr algn="ctr"/>
+            <a:r>
+              <a:rPr kumimoji="1" lang="ja-JP" altLang="en-US" dirty="0">
+                <a:latin typeface="しねきゃぷしょん" panose="02000600000000000000" pitchFamily="2" charset="-128"/>
+                <a:ea typeface="しねきゃぷしょん" panose="02000600000000000000" pitchFamily="2" charset="-128"/>
+              </a:rPr>
+              <a:t>　取得していく。</a:t>
+            </a:r>
+          </a:p>
+        </p:txBody>
+      </p:sp>
+      <p:sp>
+        <p:nvSpPr>
+          <p:cNvPr id="24" name="矢印: 右 23">
+            <a:extLst>
+              <a:ext uri="{FF2B5EF4-FFF2-40B4-BE49-F238E27FC236}">
+                <a16:creationId xmlns:a16="http://schemas.microsoft.com/office/drawing/2014/main" id="{9F974D64-2E14-459C-91FB-2DB7A50B607E}"/>
+              </a:ext>
+            </a:extLst>
+          </p:cNvPr>
+          <p:cNvSpPr/>
+          <p:nvPr/>
+        </p:nvSpPr>
+        <p:spPr>
+          <a:xfrm>
+            <a:off x="6341762" y="1611052"/>
+            <a:ext cx="3053448" cy="504056"/>
+          </a:xfrm>
+          <a:prstGeom prst="rightArrow">
+            <a:avLst/>
+          </a:prstGeom>
+          <a:solidFill>
+            <a:schemeClr val="accent5">
+              <a:lumMod val="60000"/>
+              <a:lumOff val="40000"/>
+            </a:schemeClr>
+          </a:solidFill>
+          <a:ln>
+            <a:noFill/>
+          </a:ln>
+        </p:spPr>
+        <p:style>
+          <a:lnRef idx="0">
+            <a:scrgbClr r="0" g="0" b="0"/>
+          </a:lnRef>
+          <a:fillRef idx="0">
+            <a:scrgbClr r="0" g="0" b="0"/>
+          </a:fillRef>
+          <a:effectRef idx="0">
+            <a:scrgbClr r="0" g="0" b="0"/>
+          </a:effectRef>
+          <a:fontRef idx="minor">
+            <a:schemeClr val="lt1"/>
+          </a:fontRef>
+        </p:style>
+        <p:txBody>
+          <a:bodyPr rtlCol="0" anchor="ctr"/>
+          <a:lstStyle/>
+          <a:p>
+            <a:pPr algn="ctr"/>
+            <a:endParaRPr kumimoji="1" lang="ja-JP" altLang="en-US"/>
+          </a:p>
+        </p:txBody>
+      </p:sp>
+      <p:sp>
+        <p:nvSpPr>
+          <p:cNvPr id="25" name="矢印: 右 24">
+            <a:extLst>
+              <a:ext uri="{FF2B5EF4-FFF2-40B4-BE49-F238E27FC236}">
+                <a16:creationId xmlns:a16="http://schemas.microsoft.com/office/drawing/2014/main" id="{200120B7-2A94-4E60-9A14-5F7C01E6FDBE}"/>
+              </a:ext>
+            </a:extLst>
+          </p:cNvPr>
+          <p:cNvSpPr/>
+          <p:nvPr/>
+        </p:nvSpPr>
+        <p:spPr>
+          <a:xfrm>
+            <a:off x="7318548" y="6079257"/>
+            <a:ext cx="1130228" cy="504056"/>
+          </a:xfrm>
+          <a:prstGeom prst="rightArrow">
+            <a:avLst/>
+          </a:prstGeom>
+          <a:solidFill>
+            <a:schemeClr val="tx1"/>
+          </a:solidFill>
+          <a:ln>
+            <a:noFill/>
+          </a:ln>
+        </p:spPr>
+        <p:style>
+          <a:lnRef idx="0">
+            <a:scrgbClr r="0" g="0" b="0"/>
+          </a:lnRef>
+          <a:fillRef idx="0">
+            <a:scrgbClr r="0" g="0" b="0"/>
+          </a:fillRef>
+          <a:effectRef idx="0">
+            <a:scrgbClr r="0" g="0" b="0"/>
+          </a:effectRef>
+          <a:fontRef idx="minor">
+            <a:schemeClr val="lt1"/>
+          </a:fontRef>
+        </p:style>
+        <p:txBody>
+          <a:bodyPr rtlCol="0" anchor="ctr"/>
+          <a:lstStyle/>
+          <a:p>
+            <a:pPr algn="ctr"/>
+            <a:endParaRPr kumimoji="1" lang="ja-JP" altLang="en-US"/>
+          </a:p>
+        </p:txBody>
+      </p:sp>
+      <p:sp>
+        <p:nvSpPr>
+          <p:cNvPr id="26" name="テキスト ボックス 25">
+            <a:extLst>
+              <a:ext uri="{FF2B5EF4-FFF2-40B4-BE49-F238E27FC236}">
+                <a16:creationId xmlns:a16="http://schemas.microsoft.com/office/drawing/2014/main" id="{758CB738-131B-4C03-92D9-B52F16250A31}"/>
+              </a:ext>
+            </a:extLst>
+          </p:cNvPr>
+          <p:cNvSpPr txBox="1"/>
+          <p:nvPr/>
+        </p:nvSpPr>
+        <p:spPr>
+          <a:xfrm>
+            <a:off x="6386996" y="1266003"/>
+            <a:ext cx="2736302" cy="424732"/>
+          </a:xfrm>
+          <a:prstGeom prst="rect">
+            <a:avLst/>
+          </a:prstGeom>
+          <a:noFill/>
+        </p:spPr>
+        <p:txBody>
+          <a:bodyPr wrap="square" rtlCol="0">
+            <a:spAutoFit/>
+          </a:bodyPr>
+          <a:lstStyle/>
+          <a:p>
+            <a:pPr>
+              <a:lnSpc>
+                <a:spcPct val="90000"/>
+              </a:lnSpc>
+            </a:pPr>
+            <a:r>
+              <a:rPr kumimoji="1" lang="ja-JP" altLang="en-US" dirty="0">
+                <a:latin typeface="しねきゃぷしょん" panose="02000600000000000000" pitchFamily="2" charset="-128"/>
+                <a:ea typeface="しねきゃぷしょん" panose="02000600000000000000" pitchFamily="2" charset="-128"/>
+              </a:rPr>
+              <a:t>敵に捕まった場合。</a:t>
+            </a:r>
+          </a:p>
+        </p:txBody>
+      </p:sp>
+      <p:sp>
+        <p:nvSpPr>
+          <p:cNvPr id="28" name="テキスト ボックス 27">
+            <a:extLst>
+              <a:ext uri="{FF2B5EF4-FFF2-40B4-BE49-F238E27FC236}">
+                <a16:creationId xmlns:a16="http://schemas.microsoft.com/office/drawing/2014/main" id="{A476408E-134D-4AEB-8E6F-AB1324314878}"/>
+              </a:ext>
+            </a:extLst>
+          </p:cNvPr>
+          <p:cNvSpPr txBox="1"/>
+          <p:nvPr/>
+        </p:nvSpPr>
+        <p:spPr>
+          <a:xfrm>
+            <a:off x="2792848" y="5526852"/>
+            <a:ext cx="4525700" cy="480131"/>
+          </a:xfrm>
+          <a:prstGeom prst="rect">
+            <a:avLst/>
+          </a:prstGeom>
+          <a:noFill/>
+        </p:spPr>
+        <p:txBody>
+          <a:bodyPr wrap="square" rtlCol="0">
+            <a:spAutoFit/>
+          </a:bodyPr>
+          <a:lstStyle/>
+          <a:p>
+            <a:pPr>
+              <a:lnSpc>
+                <a:spcPct val="90000"/>
+              </a:lnSpc>
+            </a:pPr>
+            <a:r>
+              <a:rPr kumimoji="1" lang="ja-JP" altLang="en-US" sz="2800" dirty="0">
+                <a:latin typeface="しねきゃぷしょん" panose="02000600000000000000" pitchFamily="2" charset="-128"/>
+                <a:ea typeface="しねきゃぷしょん" panose="02000600000000000000" pitchFamily="2" charset="-128"/>
+              </a:rPr>
+              <a:t>アイテムを全て揃えた場合。</a:t>
+            </a:r>
+          </a:p>
+        </p:txBody>
+      </p:sp>
+      <p:sp>
+        <p:nvSpPr>
+          <p:cNvPr id="30" name="正方形/長方形 29">
+            <a:extLst>
+              <a:ext uri="{FF2B5EF4-FFF2-40B4-BE49-F238E27FC236}">
+                <a16:creationId xmlns:a16="http://schemas.microsoft.com/office/drawing/2014/main" id="{2B074B88-AEF8-4A53-9F91-9DFD66AEBA93}"/>
+              </a:ext>
+            </a:extLst>
+          </p:cNvPr>
+          <p:cNvSpPr/>
+          <p:nvPr/>
+        </p:nvSpPr>
+        <p:spPr>
+          <a:xfrm>
+            <a:off x="8470874" y="5526852"/>
+            <a:ext cx="3550292" cy="1219200"/>
+          </a:xfrm>
+          <a:prstGeom prst="rect">
+            <a:avLst/>
+          </a:prstGeom>
+          <a:solidFill>
+            <a:srgbClr val="FFFF00"/>
+          </a:solidFill>
+          <a:ln/>
+        </p:spPr>
+        <p:style>
+          <a:lnRef idx="3">
+            <a:schemeClr val="lt1"/>
+          </a:lnRef>
+          <a:fillRef idx="1">
+            <a:schemeClr val="accent2"/>
+          </a:fillRef>
+          <a:effectRef idx="1">
+            <a:schemeClr val="accent2"/>
+          </a:effectRef>
+          <a:fontRef idx="minor">
+            <a:schemeClr val="lt1"/>
+          </a:fontRef>
+        </p:style>
+        <p:txBody>
+          <a:bodyPr rtlCol="0" anchor="ctr"/>
+          <a:lstStyle/>
+          <a:p>
+            <a:pPr algn="ctr"/>
+            <a:r>
+              <a:rPr kumimoji="1" lang="en-US" altLang="ja-JP" sz="4400" dirty="0">
+                <a:solidFill>
+                  <a:schemeClr val="bg1"/>
+                </a:solidFill>
+                <a:latin typeface="Impact" panose="020B0806030902050204" pitchFamily="34" charset="0"/>
+              </a:rPr>
+              <a:t>GAME CLEAR!!</a:t>
+            </a:r>
+            <a:endParaRPr kumimoji="1" lang="ja-JP" altLang="en-US" sz="4400" dirty="0">
+              <a:solidFill>
+                <a:schemeClr val="bg1"/>
+              </a:solidFill>
+              <a:latin typeface="Impact" panose="020B0806030902050204" pitchFamily="34" charset="0"/>
+            </a:endParaRPr>
+          </a:p>
+        </p:txBody>
+      </p:sp>
+      <p:sp>
+        <p:nvSpPr>
+          <p:cNvPr id="33" name="正方形/長方形 32">
+            <a:extLst>
+              <a:ext uri="{FF2B5EF4-FFF2-40B4-BE49-F238E27FC236}">
+                <a16:creationId xmlns:a16="http://schemas.microsoft.com/office/drawing/2014/main" id="{4F2DEEAD-6212-4113-9712-A9CB8F30E883}"/>
+              </a:ext>
+            </a:extLst>
+          </p:cNvPr>
+          <p:cNvSpPr/>
+          <p:nvPr/>
+        </p:nvSpPr>
+        <p:spPr>
+          <a:xfrm>
+            <a:off x="9838828" y="1411182"/>
+            <a:ext cx="1974355" cy="3962034"/>
+          </a:xfrm>
+          <a:prstGeom prst="rect">
+            <a:avLst/>
+          </a:prstGeom>
+          <a:solidFill>
+            <a:srgbClr val="FF0000"/>
+          </a:solidFill>
+          <a:ln/>
+        </p:spPr>
+        <p:style>
+          <a:lnRef idx="3">
+            <a:schemeClr val="lt1"/>
+          </a:lnRef>
+          <a:fillRef idx="1">
+            <a:schemeClr val="accent3"/>
+          </a:fillRef>
+          <a:effectRef idx="1">
+            <a:schemeClr val="accent3"/>
+          </a:effectRef>
+          <a:fontRef idx="minor">
+            <a:schemeClr val="lt1"/>
+          </a:fontRef>
+        </p:style>
+        <p:txBody>
+          <a:bodyPr rtlCol="0" anchor="ctr"/>
+          <a:lstStyle/>
+          <a:p>
+            <a:pPr algn="ctr"/>
+            <a:r>
+              <a:rPr kumimoji="1" lang="en-US" altLang="ja-JP" sz="5400" dirty="0">
+                <a:solidFill>
+                  <a:schemeClr val="bg1">
+                    <a:lumMod val="95000"/>
+                    <a:lumOff val="5000"/>
+                  </a:schemeClr>
+                </a:solidFill>
+                <a:latin typeface="g_コミック古印体-教漢(太字)" panose="02000600000000000000" pitchFamily="2" charset="-128"/>
+                <a:ea typeface="g_コミック古印体-教漢(太字)" panose="02000600000000000000" pitchFamily="2" charset="-128"/>
+              </a:rPr>
+              <a:t>GAME OVER</a:t>
+            </a:r>
+            <a:endParaRPr kumimoji="1" lang="ja-JP" altLang="en-US" sz="5400" dirty="0">
+              <a:solidFill>
+                <a:schemeClr val="bg1">
+                  <a:lumMod val="95000"/>
+                  <a:lumOff val="5000"/>
+                </a:schemeClr>
+              </a:solidFill>
+              <a:latin typeface="g_コミック古印体-教漢(太字)" panose="02000600000000000000" pitchFamily="2" charset="-128"/>
+              <a:ea typeface="g_コミック古印体-教漢(太字)" panose="02000600000000000000" pitchFamily="2" charset="-128"/>
+            </a:endParaRPr>
+          </a:p>
+        </p:txBody>
+      </p:sp>
+      <p:sp>
+        <p:nvSpPr>
+          <p:cNvPr id="34" name="テキスト ボックス 33">
+            <a:extLst>
+              <a:ext uri="{FF2B5EF4-FFF2-40B4-BE49-F238E27FC236}">
+                <a16:creationId xmlns:a16="http://schemas.microsoft.com/office/drawing/2014/main" id="{879E4FFE-A8AF-4D5B-B724-1A2C1814FAF7}"/>
+              </a:ext>
+            </a:extLst>
+          </p:cNvPr>
+          <p:cNvSpPr txBox="1"/>
+          <p:nvPr/>
+        </p:nvSpPr>
+        <p:spPr>
+          <a:xfrm>
+            <a:off x="460414" y="6078557"/>
+            <a:ext cx="7007046" cy="480131"/>
+          </a:xfrm>
+          <a:prstGeom prst="rect">
+            <a:avLst/>
+          </a:prstGeom>
+          <a:noFill/>
+        </p:spPr>
+        <p:txBody>
+          <a:bodyPr wrap="none" rtlCol="0">
+            <a:spAutoFit/>
+          </a:bodyPr>
+          <a:lstStyle/>
+          <a:p>
+            <a:pPr>
+              <a:lnSpc>
+                <a:spcPct val="90000"/>
+              </a:lnSpc>
+            </a:pPr>
+            <a:r>
+              <a:rPr kumimoji="1" lang="ja-JP" altLang="en-US" sz="2800" dirty="0"/>
+              <a:t>そのアイテムを持ってゴール地点に向かう</a:t>
+            </a:r>
+          </a:p>
+        </p:txBody>
+      </p:sp>
+      <p:sp>
+        <p:nvSpPr>
+          <p:cNvPr id="41" name="テキスト ボックス 40">
+            <a:extLst>
+              <a:ext uri="{FF2B5EF4-FFF2-40B4-BE49-F238E27FC236}">
+                <a16:creationId xmlns:a16="http://schemas.microsoft.com/office/drawing/2014/main" id="{AFC35099-B398-40F8-9122-44E08F3B2FC3}"/>
+              </a:ext>
+            </a:extLst>
+          </p:cNvPr>
+          <p:cNvSpPr txBox="1"/>
+          <p:nvPr/>
+        </p:nvSpPr>
+        <p:spPr>
+          <a:xfrm>
+            <a:off x="3417161" y="1411182"/>
+            <a:ext cx="2736302" cy="1200329"/>
+          </a:xfrm>
+          <a:prstGeom prst="rect">
+            <a:avLst/>
+          </a:prstGeom>
+          <a:noFill/>
+        </p:spPr>
+        <p:txBody>
+          <a:bodyPr wrap="square" rtlCol="0">
+            <a:spAutoFit/>
+          </a:bodyPr>
+          <a:lstStyle/>
+          <a:p>
+            <a:pPr>
+              <a:lnSpc>
+                <a:spcPct val="90000"/>
+              </a:lnSpc>
+            </a:pPr>
+            <a:r>
+              <a:rPr kumimoji="1" lang="en-US" altLang="ja-JP" sz="8000" dirty="0">
+                <a:latin typeface="Juice ITC" panose="04040403040A02020202" pitchFamily="82" charset="0"/>
+              </a:rPr>
+              <a:t>MAIN</a:t>
+            </a:r>
+            <a:endParaRPr kumimoji="1" lang="ja-JP" altLang="en-US" sz="8000" dirty="0">
+              <a:latin typeface="Juice ITC" panose="04040403040A02020202" pitchFamily="82" charset="0"/>
+            </a:endParaRPr>
+          </a:p>
+        </p:txBody>
+      </p:sp>
+      <p:sp>
+        <p:nvSpPr>
+          <p:cNvPr id="5" name="テキスト ボックス 4">
+            <a:extLst>
+              <a:ext uri="{FF2B5EF4-FFF2-40B4-BE49-F238E27FC236}">
+                <a16:creationId xmlns:a16="http://schemas.microsoft.com/office/drawing/2014/main" id="{0809EFE7-538E-446D-AC4A-8F0FDD0CF083}"/>
+              </a:ext>
+            </a:extLst>
+          </p:cNvPr>
+          <p:cNvSpPr txBox="1"/>
+          <p:nvPr/>
+        </p:nvSpPr>
+        <p:spPr>
+          <a:xfrm>
+            <a:off x="5881559" y="2171616"/>
+            <a:ext cx="2629975" cy="757130"/>
+          </a:xfrm>
+          <a:prstGeom prst="rect">
+            <a:avLst/>
+          </a:prstGeom>
+          <a:noFill/>
+        </p:spPr>
+        <p:txBody>
+          <a:bodyPr wrap="square" rtlCol="0">
+            <a:spAutoFit/>
+          </a:bodyPr>
+          <a:lstStyle/>
+          <a:p>
+            <a:pPr>
+              <a:lnSpc>
+                <a:spcPct val="90000"/>
+              </a:lnSpc>
+            </a:pPr>
+            <a:r>
+              <a:rPr kumimoji="1" lang="ja-JP" altLang="en-US" dirty="0">
+                <a:latin typeface="しねきゃぷしょん" panose="02000600000000000000" pitchFamily="2" charset="-128"/>
+                <a:ea typeface="しねきゃぷしょん" panose="02000600000000000000" pitchFamily="2" charset="-128"/>
+              </a:rPr>
+              <a:t>ランタンのオイル</a:t>
+            </a:r>
+            <a:endParaRPr kumimoji="1" lang="en-US" altLang="ja-JP" dirty="0">
+              <a:latin typeface="しねきゃぷしょん" panose="02000600000000000000" pitchFamily="2" charset="-128"/>
+              <a:ea typeface="しねきゃぷしょん" panose="02000600000000000000" pitchFamily="2" charset="-128"/>
+            </a:endParaRPr>
+          </a:p>
+          <a:p>
+            <a:pPr>
+              <a:lnSpc>
+                <a:spcPct val="90000"/>
+              </a:lnSpc>
+            </a:pPr>
+            <a:r>
+              <a:rPr kumimoji="1" lang="ja-JP" altLang="en-US" dirty="0">
+                <a:latin typeface="しねきゃぷしょん" panose="02000600000000000000" pitchFamily="2" charset="-128"/>
+                <a:ea typeface="しねきゃぷしょん" panose="02000600000000000000" pitchFamily="2" charset="-128"/>
+              </a:rPr>
+              <a:t>が無くなったら</a:t>
+            </a:r>
+          </a:p>
+        </p:txBody>
+      </p:sp>
+      <p:sp>
+        <p:nvSpPr>
+          <p:cNvPr id="19" name="矢印: 右 18">
+            <a:extLst>
+              <a:ext uri="{FF2B5EF4-FFF2-40B4-BE49-F238E27FC236}">
+                <a16:creationId xmlns:a16="http://schemas.microsoft.com/office/drawing/2014/main" id="{78316B13-B2A0-4FC0-B415-CE8F5CB6982E}"/>
+              </a:ext>
+            </a:extLst>
+          </p:cNvPr>
+          <p:cNvSpPr/>
+          <p:nvPr/>
+        </p:nvSpPr>
+        <p:spPr>
+          <a:xfrm>
+            <a:off x="5848814" y="2928270"/>
+            <a:ext cx="816870" cy="504056"/>
+          </a:xfrm>
+          <a:prstGeom prst="rightArrow">
+            <a:avLst/>
+          </a:prstGeom>
+          <a:solidFill>
+            <a:schemeClr val="bg2">
+              <a:lumMod val="20000"/>
+              <a:lumOff val="80000"/>
+            </a:schemeClr>
+          </a:solidFill>
+          <a:ln>
+            <a:noFill/>
+          </a:ln>
+        </p:spPr>
+        <p:style>
+          <a:lnRef idx="0">
+            <a:scrgbClr r="0" g="0" b="0"/>
+          </a:lnRef>
+          <a:fillRef idx="0">
+            <a:scrgbClr r="0" g="0" b="0"/>
+          </a:fillRef>
+          <a:effectRef idx="0">
+            <a:scrgbClr r="0" g="0" b="0"/>
+          </a:effectRef>
+          <a:fontRef idx="minor">
+            <a:schemeClr val="lt1"/>
+          </a:fontRef>
+        </p:style>
+        <p:txBody>
+          <a:bodyPr rtlCol="0" anchor="ctr"/>
+          <a:lstStyle/>
+          <a:p>
+            <a:pPr algn="ctr"/>
+            <a:endParaRPr kumimoji="1" lang="ja-JP" altLang="en-US"/>
+          </a:p>
+        </p:txBody>
+      </p:sp>
+      <p:sp>
+        <p:nvSpPr>
+          <p:cNvPr id="7" name="テキスト ボックス 6">
+            <a:extLst>
+              <a:ext uri="{FF2B5EF4-FFF2-40B4-BE49-F238E27FC236}">
+                <a16:creationId xmlns:a16="http://schemas.microsoft.com/office/drawing/2014/main" id="{756BFCB4-43D3-4132-8130-BA86C97B6D4F}"/>
+              </a:ext>
+            </a:extLst>
+          </p:cNvPr>
+          <p:cNvSpPr txBox="1"/>
+          <p:nvPr/>
+        </p:nvSpPr>
+        <p:spPr>
+          <a:xfrm>
+            <a:off x="6584184" y="2970532"/>
+            <a:ext cx="2934191" cy="757130"/>
+          </a:xfrm>
+          <a:prstGeom prst="rect">
+            <a:avLst/>
+          </a:prstGeom>
+          <a:noFill/>
+        </p:spPr>
+        <p:txBody>
+          <a:bodyPr wrap="square" rtlCol="0">
+            <a:spAutoFit/>
+          </a:bodyPr>
+          <a:lstStyle/>
+          <a:p>
+            <a:pPr>
+              <a:lnSpc>
+                <a:spcPct val="90000"/>
+              </a:lnSpc>
+            </a:pPr>
+            <a:r>
+              <a:rPr kumimoji="1" lang="ja-JP" altLang="en-US" dirty="0">
+                <a:latin typeface="しねきゃぷしょん" panose="02000600000000000000" pitchFamily="2" charset="-128"/>
+                <a:ea typeface="しねきゃぷしょん" panose="02000600000000000000" pitchFamily="2" charset="-128"/>
+              </a:rPr>
+              <a:t>プレイヤー自身の</a:t>
+            </a:r>
+            <a:r>
+              <a:rPr kumimoji="1" lang="en-US" altLang="ja-JP" dirty="0">
+                <a:latin typeface="しねきゃぷしょん" panose="02000600000000000000" pitchFamily="2" charset="-128"/>
+                <a:ea typeface="しねきゃぷしょん" panose="02000600000000000000" pitchFamily="2" charset="-128"/>
+              </a:rPr>
+              <a:t>※</a:t>
+            </a:r>
+            <a:r>
+              <a:rPr kumimoji="1" lang="ja-JP" altLang="en-US" dirty="0">
+                <a:latin typeface="しねきゃぷしょん" panose="02000600000000000000" pitchFamily="2" charset="-128"/>
+                <a:ea typeface="しねきゃぷしょん" panose="02000600000000000000" pitchFamily="2" charset="-128"/>
+              </a:rPr>
+              <a:t>“</a:t>
+            </a:r>
+            <a:r>
+              <a:rPr kumimoji="1" lang="ja-JP" altLang="en-US" dirty="0">
+                <a:solidFill>
+                  <a:srgbClr val="FFFF00"/>
+                </a:solidFill>
+                <a:latin typeface="しねきゃぷしょん" panose="02000600000000000000" pitchFamily="2" charset="-128"/>
+                <a:ea typeface="しねきゃぷしょん" panose="02000600000000000000" pitchFamily="2" charset="-128"/>
+              </a:rPr>
+              <a:t>狂気度</a:t>
+            </a:r>
+            <a:r>
+              <a:rPr kumimoji="1" lang="ja-JP" altLang="en-US" dirty="0">
+                <a:latin typeface="しねきゃぷしょん" panose="02000600000000000000" pitchFamily="2" charset="-128"/>
+                <a:ea typeface="しねきゃぷしょん" panose="02000600000000000000" pitchFamily="2" charset="-128"/>
+              </a:rPr>
+              <a:t>”が増す。</a:t>
+            </a:r>
+          </a:p>
+        </p:txBody>
+      </p:sp>
+      <p:sp>
+        <p:nvSpPr>
+          <p:cNvPr id="8" name="矢印: 下 7">
+            <a:extLst>
+              <a:ext uri="{FF2B5EF4-FFF2-40B4-BE49-F238E27FC236}">
+                <a16:creationId xmlns:a16="http://schemas.microsoft.com/office/drawing/2014/main" id="{324F086E-3A36-46D3-B25F-87AAADD04788}"/>
+              </a:ext>
+            </a:extLst>
+          </p:cNvPr>
+          <p:cNvSpPr/>
+          <p:nvPr/>
+        </p:nvSpPr>
+        <p:spPr>
+          <a:xfrm>
+            <a:off x="6697636" y="3706436"/>
+            <a:ext cx="432046" cy="678277"/>
+          </a:xfrm>
+          <a:prstGeom prst="downArrow">
+            <a:avLst/>
+          </a:prstGeom>
+          <a:solidFill>
+            <a:schemeClr val="bg2">
+              <a:lumMod val="20000"/>
+              <a:lumOff val="80000"/>
+            </a:schemeClr>
+          </a:solidFill>
+          <a:ln>
+            <a:noFill/>
+            <a:miter lim="800000"/>
+          </a:ln>
+        </p:spPr>
+        <p:style>
+          <a:lnRef idx="2">
+            <a:schemeClr val="accent1">
+              <a:shade val="50000"/>
+            </a:schemeClr>
+          </a:lnRef>
+          <a:fillRef idx="1">
+            <a:schemeClr val="accent1"/>
+          </a:fillRef>
+          <a:effectRef idx="0">
+            <a:schemeClr val="accent1"/>
+          </a:effectRef>
+          <a:fontRef idx="minor">
+            <a:schemeClr val="lt1"/>
+          </a:fontRef>
+        </p:style>
+        <p:txBody>
+          <a:bodyPr rtlCol="0" anchor="ctr"/>
+          <a:lstStyle/>
+          <a:p>
+            <a:pPr algn="ctr"/>
+            <a:endParaRPr kumimoji="1" lang="ja-JP" altLang="en-US"/>
+          </a:p>
+        </p:txBody>
+      </p:sp>
+      <p:sp>
+        <p:nvSpPr>
+          <p:cNvPr id="10" name="テキスト ボックス 9">
+            <a:extLst>
+              <a:ext uri="{FF2B5EF4-FFF2-40B4-BE49-F238E27FC236}">
+                <a16:creationId xmlns:a16="http://schemas.microsoft.com/office/drawing/2014/main" id="{31BC3AEF-9519-4C1E-8699-9E96F2A1A645}"/>
+              </a:ext>
+            </a:extLst>
+          </p:cNvPr>
+          <p:cNvSpPr txBox="1"/>
+          <p:nvPr/>
+        </p:nvSpPr>
+        <p:spPr>
+          <a:xfrm>
+            <a:off x="5899382" y="4383673"/>
+            <a:ext cx="2788268" cy="867930"/>
+          </a:xfrm>
+          <a:prstGeom prst="rect">
+            <a:avLst/>
+          </a:prstGeom>
+          <a:noFill/>
+        </p:spPr>
+        <p:txBody>
+          <a:bodyPr wrap="square" rtlCol="0">
+            <a:spAutoFit/>
+          </a:bodyPr>
+          <a:lstStyle/>
+          <a:p>
+            <a:pPr>
+              <a:lnSpc>
+                <a:spcPct val="90000"/>
+              </a:lnSpc>
+            </a:pPr>
+            <a:r>
+              <a:rPr kumimoji="1" lang="ja-JP" altLang="en-US" sz="2800" dirty="0">
+                <a:latin typeface="しねきゃぷしょん" panose="02000600000000000000" pitchFamily="2" charset="-128"/>
+                <a:ea typeface="しねきゃぷしょん" panose="02000600000000000000" pitchFamily="2" charset="-128"/>
+              </a:rPr>
+              <a:t>“</a:t>
+            </a:r>
+            <a:r>
+              <a:rPr kumimoji="1" lang="ja-JP" altLang="en-US" sz="2800" dirty="0">
+                <a:solidFill>
+                  <a:srgbClr val="FFFF00"/>
+                </a:solidFill>
+                <a:latin typeface="しねきゃぷしょん" panose="02000600000000000000" pitchFamily="2" charset="-128"/>
+                <a:ea typeface="しねきゃぷしょん" panose="02000600000000000000" pitchFamily="2" charset="-128"/>
+              </a:rPr>
+              <a:t>狂気度</a:t>
+            </a:r>
+            <a:r>
+              <a:rPr kumimoji="1" lang="ja-JP" altLang="en-US" sz="2800" dirty="0">
+                <a:latin typeface="しねきゃぷしょん" panose="02000600000000000000" pitchFamily="2" charset="-128"/>
+                <a:ea typeface="しねきゃぷしょん" panose="02000600000000000000" pitchFamily="2" charset="-128"/>
+              </a:rPr>
+              <a:t>”が一定値になったら</a:t>
+            </a:r>
+          </a:p>
+        </p:txBody>
+      </p:sp>
+      <p:sp>
+        <p:nvSpPr>
+          <p:cNvPr id="27" name="矢印: 右 26">
+            <a:extLst>
+              <a:ext uri="{FF2B5EF4-FFF2-40B4-BE49-F238E27FC236}">
+                <a16:creationId xmlns:a16="http://schemas.microsoft.com/office/drawing/2014/main" id="{1D6F1ECE-ECFD-4F65-B91A-A7679467A5DF}"/>
+              </a:ext>
+            </a:extLst>
+          </p:cNvPr>
+          <p:cNvSpPr/>
+          <p:nvPr/>
+        </p:nvSpPr>
+        <p:spPr>
+          <a:xfrm>
+            <a:off x="8835610" y="4535432"/>
+            <a:ext cx="816870" cy="504056"/>
+          </a:xfrm>
+          <a:prstGeom prst="rightArrow">
+            <a:avLst/>
+          </a:prstGeom>
+          <a:solidFill>
+            <a:schemeClr val="bg2">
+              <a:lumMod val="20000"/>
+              <a:lumOff val="80000"/>
+            </a:schemeClr>
+          </a:solidFill>
+          <a:ln>
+            <a:noFill/>
+          </a:ln>
+        </p:spPr>
+        <p:style>
+          <a:lnRef idx="0">
+            <a:scrgbClr r="0" g="0" b="0"/>
+          </a:lnRef>
+          <a:fillRef idx="0">
+            <a:scrgbClr r="0" g="0" b="0"/>
+          </a:fillRef>
+          <a:effectRef idx="0">
+            <a:scrgbClr r="0" g="0" b="0"/>
+          </a:effectRef>
+          <a:fontRef idx="minor">
+            <a:schemeClr val="lt1"/>
+          </a:fontRef>
+        </p:style>
+        <p:txBody>
+          <a:bodyPr rtlCol="0" anchor="ctr"/>
+          <a:lstStyle/>
+          <a:p>
+            <a:pPr algn="ctr"/>
+            <a:endParaRPr kumimoji="1" lang="ja-JP" altLang="en-US"/>
+          </a:p>
+        </p:txBody>
+      </p:sp>
+      <p:sp>
+        <p:nvSpPr>
+          <p:cNvPr id="11" name="テキスト ボックス 10">
+            <a:extLst>
+              <a:ext uri="{FF2B5EF4-FFF2-40B4-BE49-F238E27FC236}">
+                <a16:creationId xmlns:a16="http://schemas.microsoft.com/office/drawing/2014/main" id="{36065721-7646-467A-AB01-D225A8D4DF4B}"/>
+              </a:ext>
+            </a:extLst>
+          </p:cNvPr>
+          <p:cNvSpPr txBox="1"/>
+          <p:nvPr/>
+        </p:nvSpPr>
+        <p:spPr>
+          <a:xfrm>
+            <a:off x="7196546" y="3706436"/>
+            <a:ext cx="2334395" cy="341632"/>
+          </a:xfrm>
+          <a:prstGeom prst="rect">
+            <a:avLst/>
+          </a:prstGeom>
+          <a:noFill/>
+        </p:spPr>
+        <p:txBody>
+          <a:bodyPr wrap="square" rtlCol="0">
+            <a:spAutoFit/>
+          </a:bodyPr>
+          <a:lstStyle/>
+          <a:p>
+            <a:pPr>
+              <a:lnSpc>
+                <a:spcPct val="90000"/>
+              </a:lnSpc>
+            </a:pPr>
+            <a:r>
+              <a:rPr kumimoji="1" lang="en-US" altLang="ja-JP" sz="1800" dirty="0">
+                <a:latin typeface="しねきゃぷしょん" panose="02000600000000000000" pitchFamily="2" charset="-128"/>
+                <a:ea typeface="しねきゃぷしょん" panose="02000600000000000000" pitchFamily="2" charset="-128"/>
+              </a:rPr>
+              <a:t>※</a:t>
+            </a:r>
+            <a:r>
+              <a:rPr kumimoji="1" lang="ja-JP" altLang="en-US" sz="1800" dirty="0">
+                <a:latin typeface="しねきゃぷしょん" panose="02000600000000000000" pitchFamily="2" charset="-128"/>
+                <a:ea typeface="しねきゃぷしょん" panose="02000600000000000000" pitchFamily="2" charset="-128"/>
+              </a:rPr>
+              <a:t>後に説明有</a:t>
+            </a:r>
+          </a:p>
+        </p:txBody>
+      </p:sp>
+    </p:spTree>
+    <p:extLst>
+      <p:ext uri="{BB962C8B-B14F-4D97-AF65-F5344CB8AC3E}">
+        <p14:creationId xmlns:p14="http://schemas.microsoft.com/office/powerpoint/2010/main" val="471475862"/>
+      </p:ext>
+    </p:extLst>
+  </p:cSld>
+  <p:clrMapOvr>
+    <a:masterClrMapping/>
+  </p:clrMapOvr>
+  <mc:AlternateContent xmlns:mc="http://schemas.openxmlformats.org/markup-compatibility/2006" xmlns:p14="http://schemas.microsoft.com/office/powerpoint/2010/main">
+    <mc:Choice Requires="p14">
+      <p:transition spd="med" p14:dur="700">
+        <p:fade/>
+      </p:transition>
+    </mc:Choice>
+    <mc:Fallback xmlns="">
+      <p:transition spd="med">
+        <p:fade/>
+      </p:transition>
+    </mc:Fallback>
+  </mc:AlternateContent>
+</p:sld>
+</file>
+
+<file path=ppt/slides/slide3.xml><?xml version="1.0" encoding="utf-8"?>
+<p:sld xmlns:a="http://schemas.openxmlformats.org/drawingml/2006/main" xmlns:r="http://schemas.openxmlformats.org/officeDocument/2006/relationships" xmlns:p="http://schemas.openxmlformats.org/presentationml/2006/main">
+  <p:cSld>
+    <p:spTree>
+      <p:nvGrpSpPr>
+        <p:cNvPr id="1" name=""/>
+        <p:cNvGrpSpPr/>
+        <p:nvPr/>
+      </p:nvGrpSpPr>
+      <p:grpSpPr>
+        <a:xfrm>
+          <a:off x="0" y="0"/>
+          <a:ext cx="0" cy="0"/>
+          <a:chOff x="0" y="0"/>
+          <a:chExt cx="0" cy="0"/>
+        </a:xfrm>
+      </p:grpSpPr>
+      <p:sp>
+        <p:nvSpPr>
+          <p:cNvPr id="2" name="タイトル 1"/>
+          <p:cNvSpPr>
+            <a:spLocks noGrp="1"/>
+          </p:cNvSpPr>
+          <p:nvPr>
+            <p:ph type="title"/>
+          </p:nvPr>
+        </p:nvSpPr>
+        <p:spPr>
+          <a:xfrm>
+            <a:off x="1086797" y="260648"/>
+            <a:ext cx="10360501" cy="1080120"/>
+          </a:xfrm>
+        </p:spPr>
+        <p:txBody>
+          <a:bodyPr rtlCol="0">
+            <a:normAutofit/>
+          </a:bodyPr>
+          <a:lstStyle/>
+          <a:p>
+            <a:pPr rtl="0"/>
+            <a:r>
+              <a:rPr lang="ja-JP" altLang="en-US" sz="7200" dirty="0">
+                <a:latin typeface="Brush Script MT" panose="03060802040406070304" pitchFamily="66" charset="0"/>
+                <a:sym typeface="ＭＳ Ｐ明朝" panose="02020600040205080304" pitchFamily="18" charset="-128"/>
+              </a:rPr>
+              <a:t>　　 </a:t>
+            </a:r>
+            <a:r>
+              <a:rPr lang="en-US" altLang="ja-JP" sz="7200" dirty="0">
+                <a:latin typeface="Brush Script MT" panose="03060802040406070304" pitchFamily="66" charset="0"/>
+                <a:sym typeface="ＭＳ Ｐ明朝" panose="02020600040205080304" pitchFamily="18" charset="-128"/>
+              </a:rPr>
+              <a:t>2:      </a:t>
+            </a:r>
+            <a:r>
+              <a:rPr lang="en-US" altLang="ja-JP" sz="7200" dirty="0">
+                <a:latin typeface="DK Face Your Fears" panose="000907010108010A0105" pitchFamily="18" charset="0"/>
+                <a:sym typeface="ＭＳ Ｐ明朝" panose="02020600040205080304" pitchFamily="18" charset="-128"/>
+              </a:rPr>
+              <a:t>NetWork</a:t>
+            </a:r>
+            <a:endParaRPr lang="en-US" altLang="ja-JP" sz="6000" dirty="0">
+              <a:latin typeface="Chiller" panose="04020404031007020602" pitchFamily="82" charset="0"/>
+              <a:ea typeface="なきむしポルカFREE-flopdesign" panose="02000600000000000000" pitchFamily="50" charset="-128"/>
+              <a:sym typeface="ＭＳ Ｐ明朝" panose="02020600040205080304" pitchFamily="18" charset="-128"/>
+            </a:endParaRPr>
+          </a:p>
+        </p:txBody>
+      </p:sp>
+      <p:sp>
+        <p:nvSpPr>
+          <p:cNvPr id="4" name="コンテンツ プレースホルダー 3">
+            <a:extLst>
+              <a:ext uri="{FF2B5EF4-FFF2-40B4-BE49-F238E27FC236}">
+                <a16:creationId xmlns:a16="http://schemas.microsoft.com/office/drawing/2014/main" id="{FDA85A48-A83F-494C-9B68-E945C1BA58E8}"/>
+              </a:ext>
+            </a:extLst>
+          </p:cNvPr>
+          <p:cNvSpPr>
+            <a:spLocks noGrp="1"/>
+          </p:cNvSpPr>
+          <p:nvPr>
+            <p:ph idx="1"/>
+          </p:nvPr>
+        </p:nvSpPr>
+        <p:spPr>
+          <a:xfrm>
+            <a:off x="914161" y="1340768"/>
+            <a:ext cx="10360501" cy="4464496"/>
+          </a:xfrm>
+        </p:spPr>
+        <p:txBody>
+          <a:bodyPr>
+            <a:normAutofit lnSpcReduction="10000"/>
+          </a:bodyPr>
+          <a:lstStyle/>
+          <a:p>
+            <a:pPr marL="0" indent="0">
+              <a:buNone/>
+            </a:pPr>
+            <a:r>
+              <a:rPr lang="ja-JP" altLang="en-US" dirty="0">
+                <a:latin typeface="しねきゃぷしょん" panose="02000600000000000000" pitchFamily="2" charset="-128"/>
+                <a:ea typeface="しねきゃぷしょん" panose="02000600000000000000" pitchFamily="2" charset="-128"/>
+              </a:rPr>
+              <a:t>このゲームはネット接続で、</a:t>
+            </a:r>
+            <a:r>
+              <a:rPr lang="en-US" altLang="ja-JP" dirty="0">
+                <a:latin typeface="しねきゃぷしょん" panose="02000600000000000000" pitchFamily="2" charset="-128"/>
+                <a:ea typeface="しねきゃぷしょん" panose="02000600000000000000" pitchFamily="2" charset="-128"/>
+              </a:rPr>
+              <a:t>2</a:t>
+            </a:r>
+            <a:r>
+              <a:rPr lang="ja-JP" altLang="en-US" dirty="0">
+                <a:latin typeface="しねきゃぷしょん" panose="02000600000000000000" pitchFamily="2" charset="-128"/>
+                <a:ea typeface="しねきゃぷしょん" panose="02000600000000000000" pitchFamily="2" charset="-128"/>
+              </a:rPr>
+              <a:t>人で協力してゴールに向かう。</a:t>
+            </a:r>
+            <a:endParaRPr lang="en-US" altLang="ja-JP" dirty="0">
+              <a:latin typeface="しねきゃぷしょん" panose="02000600000000000000" pitchFamily="2" charset="-128"/>
+              <a:ea typeface="しねきゃぷしょん" panose="02000600000000000000" pitchFamily="2" charset="-128"/>
+            </a:endParaRPr>
+          </a:p>
+          <a:p>
+            <a:pPr marL="0" indent="0">
+              <a:buNone/>
+            </a:pPr>
+            <a:r>
+              <a:rPr lang="ja-JP" altLang="en-US" dirty="0">
+                <a:latin typeface="しねきゃぷしょん" panose="02000600000000000000" pitchFamily="2" charset="-128"/>
+                <a:ea typeface="しねきゃぷしょん" panose="02000600000000000000" pitchFamily="2" charset="-128"/>
+              </a:rPr>
+              <a:t>接続された</a:t>
+            </a:r>
+            <a:r>
+              <a:rPr lang="en-US" altLang="ja-JP" dirty="0">
+                <a:latin typeface="しねきゃぷしょん" panose="02000600000000000000" pitchFamily="2" charset="-128"/>
+                <a:ea typeface="しねきゃぷしょん" panose="02000600000000000000" pitchFamily="2" charset="-128"/>
+              </a:rPr>
+              <a:t>2</a:t>
+            </a:r>
+            <a:r>
+              <a:rPr lang="ja-JP" altLang="en-US" dirty="0">
+                <a:latin typeface="しねきゃぷしょん" panose="02000600000000000000" pitchFamily="2" charset="-128"/>
+                <a:ea typeface="しねきゃぷしょん" panose="02000600000000000000" pitchFamily="2" charset="-128"/>
+              </a:rPr>
+              <a:t>人は同じエリアを探索し、共に脱出を目指す。</a:t>
+            </a:r>
+            <a:endParaRPr lang="en-US" altLang="ja-JP" dirty="0">
+              <a:latin typeface="しねきゃぷしょん" panose="02000600000000000000" pitchFamily="2" charset="-128"/>
+              <a:ea typeface="しねきゃぷしょん" panose="02000600000000000000" pitchFamily="2" charset="-128"/>
+            </a:endParaRPr>
+          </a:p>
+          <a:p>
+            <a:pPr marL="0" indent="0">
+              <a:buNone/>
+            </a:pPr>
+            <a:endParaRPr lang="en-US" altLang="ja-JP" dirty="0">
+              <a:latin typeface="しねきゃぷしょん" panose="02000600000000000000" pitchFamily="2" charset="-128"/>
+              <a:ea typeface="しねきゃぷしょん" panose="02000600000000000000" pitchFamily="2" charset="-128"/>
+            </a:endParaRPr>
+          </a:p>
+          <a:p>
+            <a:pPr marL="0" indent="0">
+              <a:buNone/>
+            </a:pPr>
+            <a:r>
+              <a:rPr lang="en-US" altLang="ja-JP" dirty="0">
+                <a:latin typeface="しねきゃぷしょん" panose="02000600000000000000" pitchFamily="2" charset="-128"/>
+                <a:ea typeface="しねきゃぷしょん" panose="02000600000000000000" pitchFamily="2" charset="-128"/>
+              </a:rPr>
+              <a:t>2</a:t>
+            </a:r>
+            <a:r>
+              <a:rPr lang="ja-JP" altLang="en-US" dirty="0">
+                <a:latin typeface="しねきゃぷしょん" panose="02000600000000000000" pitchFamily="2" charset="-128"/>
+                <a:ea typeface="しねきゃぷしょん" panose="02000600000000000000" pitchFamily="2" charset="-128"/>
+              </a:rPr>
+              <a:t>人の目的は“</a:t>
+            </a:r>
+            <a:r>
+              <a:rPr lang="ja-JP" altLang="en-US" dirty="0">
+                <a:solidFill>
+                  <a:srgbClr val="FFFF00"/>
+                </a:solidFill>
+                <a:latin typeface="しねきゃぷしょん" panose="02000600000000000000" pitchFamily="2" charset="-128"/>
+                <a:ea typeface="しねきゃぷしょん" panose="02000600000000000000" pitchFamily="2" charset="-128"/>
+              </a:rPr>
+              <a:t>この悪魔の館から</a:t>
+            </a:r>
+            <a:r>
+              <a:rPr lang="en-US" altLang="ja-JP" dirty="0">
+                <a:solidFill>
+                  <a:srgbClr val="FFFF00"/>
+                </a:solidFill>
+                <a:latin typeface="しねきゃぷしょん" panose="02000600000000000000" pitchFamily="2" charset="-128"/>
+                <a:ea typeface="しねきゃぷしょん" panose="02000600000000000000" pitchFamily="2" charset="-128"/>
+              </a:rPr>
+              <a:t>2</a:t>
+            </a:r>
+            <a:r>
+              <a:rPr lang="ja-JP" altLang="en-US" dirty="0">
+                <a:solidFill>
+                  <a:srgbClr val="FFFF00"/>
+                </a:solidFill>
+                <a:latin typeface="しねきゃぷしょん" panose="02000600000000000000" pitchFamily="2" charset="-128"/>
+                <a:ea typeface="しねきゃぷしょん" panose="02000600000000000000" pitchFamily="2" charset="-128"/>
+              </a:rPr>
+              <a:t>人共の脱出</a:t>
+            </a:r>
+            <a:r>
+              <a:rPr lang="ja-JP" altLang="en-US" dirty="0">
+                <a:latin typeface="しねきゃぷしょん" panose="02000600000000000000" pitchFamily="2" charset="-128"/>
+                <a:ea typeface="しねきゃぷしょん" panose="02000600000000000000" pitchFamily="2" charset="-128"/>
+              </a:rPr>
+              <a:t>”だ。</a:t>
+            </a:r>
+            <a:endParaRPr lang="en-US" altLang="ja-JP" dirty="0">
+              <a:latin typeface="しねきゃぷしょん" panose="02000600000000000000" pitchFamily="2" charset="-128"/>
+              <a:ea typeface="しねきゃぷしょん" panose="02000600000000000000" pitchFamily="2" charset="-128"/>
+            </a:endParaRPr>
+          </a:p>
+          <a:p>
+            <a:pPr marL="0" indent="0">
+              <a:buNone/>
+            </a:pPr>
+            <a:r>
+              <a:rPr lang="en-US" altLang="ja-JP" dirty="0">
+                <a:latin typeface="しねきゃぷしょん" panose="02000600000000000000" pitchFamily="2" charset="-128"/>
+                <a:ea typeface="しねきゃぷしょん" panose="02000600000000000000" pitchFamily="2" charset="-128"/>
+              </a:rPr>
+              <a:t>2</a:t>
+            </a:r>
+            <a:r>
+              <a:rPr lang="ja-JP" altLang="en-US" dirty="0">
+                <a:latin typeface="しねきゃぷしょん" panose="02000600000000000000" pitchFamily="2" charset="-128"/>
+                <a:ea typeface="しねきゃぷしょん" panose="02000600000000000000" pitchFamily="2" charset="-128"/>
+              </a:rPr>
+              <a:t>人は共に“処刑人”に捕まらないように脱出に必要なアイテムを見つけ出し、時には協力し“処刑人”を惑わし、</a:t>
+            </a:r>
+            <a:endParaRPr lang="en-US" altLang="ja-JP" dirty="0">
+              <a:latin typeface="しねきゃぷしょん" panose="02000600000000000000" pitchFamily="2" charset="-128"/>
+              <a:ea typeface="しねきゃぷしょん" panose="02000600000000000000" pitchFamily="2" charset="-128"/>
+            </a:endParaRPr>
+          </a:p>
+          <a:p>
+            <a:pPr marL="0" indent="0">
+              <a:buNone/>
+            </a:pPr>
+            <a:endParaRPr lang="en-US" altLang="ja-JP" dirty="0">
+              <a:latin typeface="しねきゃぷしょん" panose="02000600000000000000" pitchFamily="2" charset="-128"/>
+              <a:ea typeface="しねきゃぷしょん" panose="02000600000000000000" pitchFamily="2" charset="-128"/>
+            </a:endParaRPr>
+          </a:p>
+          <a:p>
+            <a:pPr marL="0" indent="0">
+              <a:buNone/>
+            </a:pPr>
+            <a:r>
+              <a:rPr lang="ja-JP" altLang="en-US" sz="4800" dirty="0">
+                <a:latin typeface="しねきゃぷしょん" panose="02000600000000000000" pitchFamily="2" charset="-128"/>
+                <a:ea typeface="しねきゃぷしょん" panose="02000600000000000000" pitchFamily="2" charset="-128"/>
+              </a:rPr>
+              <a:t>誰</a:t>
+            </a:r>
+            <a:r>
+              <a:rPr lang="en-US" altLang="ja-JP" sz="4800" dirty="0">
+                <a:latin typeface="しねきゃぷしょん" panose="02000600000000000000" pitchFamily="2" charset="-128"/>
+                <a:ea typeface="しねきゃぷしょん" panose="02000600000000000000" pitchFamily="2" charset="-128"/>
+              </a:rPr>
+              <a:t>1</a:t>
+            </a:r>
+            <a:r>
+              <a:rPr lang="ja-JP" altLang="en-US" sz="4800" dirty="0">
+                <a:latin typeface="しねきゃぷしょん" panose="02000600000000000000" pitchFamily="2" charset="-128"/>
+                <a:ea typeface="しねきゃぷしょん" panose="02000600000000000000" pitchFamily="2" charset="-128"/>
+              </a:rPr>
+              <a:t>人欠けることなく</a:t>
+            </a:r>
+            <a:r>
+              <a:rPr lang="ja-JP" altLang="en-US" dirty="0">
+                <a:latin typeface="しねきゃぷしょん" panose="02000600000000000000" pitchFamily="2" charset="-128"/>
+                <a:ea typeface="しねきゃぷしょん" panose="02000600000000000000" pitchFamily="2" charset="-128"/>
+              </a:rPr>
+              <a:t>脱出を目指して欲しい</a:t>
+            </a:r>
+            <a:r>
+              <a:rPr lang="en-US" altLang="ja-JP" dirty="0">
+                <a:latin typeface="しねきゃぷしょん" panose="02000600000000000000" pitchFamily="2" charset="-128"/>
+                <a:ea typeface="しねきゃぷしょん" panose="02000600000000000000" pitchFamily="2" charset="-128"/>
+              </a:rPr>
+              <a:t>…</a:t>
+            </a:r>
+          </a:p>
+        </p:txBody>
+      </p:sp>
+    </p:spTree>
+    <p:extLst>
+      <p:ext uri="{BB962C8B-B14F-4D97-AF65-F5344CB8AC3E}">
+        <p14:creationId xmlns:p14="http://schemas.microsoft.com/office/powerpoint/2010/main" val="4182371509"/>
+      </p:ext>
+    </p:extLst>
+  </p:cSld>
+  <p:clrMapOvr>
+    <a:masterClrMapping/>
+  </p:clrMapOvr>
+  <mc:AlternateContent xmlns:mc="http://schemas.openxmlformats.org/markup-compatibility/2006" xmlns:p14="http://schemas.microsoft.com/office/powerpoint/2010/main">
+    <mc:Choice Requires="p14">
+      <p:transition spd="med" p14:dur="700">
+        <p:fade/>
+      </p:transition>
+    </mc:Choice>
+    <mc:Fallback xmlns="">
+      <p:transition spd="med">
+        <p:fade/>
+      </p:transition>
+    </mc:Fallback>
+  </mc:AlternateContent>
+</p:sld>
+</file>
+
+<file path=ppt/slides/slide4.xml><?xml version="1.0" encoding="utf-8"?>
+<p:sld xmlns:a="http://schemas.openxmlformats.org/drawingml/2006/main" xmlns:r="http://schemas.openxmlformats.org/officeDocument/2006/relationships" xmlns:p="http://schemas.openxmlformats.org/presentationml/2006/main">
+  <p:cSld>
+    <p:spTree>
+      <p:nvGrpSpPr>
+        <p:cNvPr id="1" name=""/>
+        <p:cNvGrpSpPr/>
+        <p:nvPr/>
+      </p:nvGrpSpPr>
+      <p:grpSpPr>
+        <a:xfrm>
+          <a:off x="0" y="0"/>
+          <a:ext cx="0" cy="0"/>
+          <a:chOff x="0" y="0"/>
+          <a:chExt cx="0" cy="0"/>
+        </a:xfrm>
+      </p:grpSpPr>
+      <p:sp>
+        <p:nvSpPr>
+          <p:cNvPr id="2" name="タイトル 1"/>
+          <p:cNvSpPr>
+            <a:spLocks noGrp="1"/>
+          </p:cNvSpPr>
+          <p:nvPr>
+            <p:ph type="title"/>
+          </p:nvPr>
+        </p:nvSpPr>
+        <p:spPr>
+          <a:xfrm>
+            <a:off x="1197868" y="1417712"/>
+            <a:ext cx="10360501" cy="1219200"/>
+          </a:xfrm>
+        </p:spPr>
+        <p:txBody>
+          <a:bodyPr rtlCol="0">
+            <a:normAutofit fontScale="90000"/>
+          </a:bodyPr>
+          <a:lstStyle/>
+          <a:p>
+            <a:pPr rtl="0"/>
+            <a:r>
+              <a:rPr lang="ja-JP" altLang="en-US" sz="7200" dirty="0">
+                <a:latin typeface="Brush Script MT" panose="03060802040406070304" pitchFamily="66" charset="0"/>
+                <a:sym typeface="ＭＳ Ｐ明朝" panose="02020600040205080304" pitchFamily="18" charset="-128"/>
+              </a:rPr>
+              <a:t>　　</a:t>
+            </a:r>
+            <a:r>
+              <a:rPr lang="en-US" altLang="ja-JP" sz="7200" dirty="0">
+                <a:latin typeface="Brush Script MT" panose="03060802040406070304" pitchFamily="66" charset="0"/>
+                <a:sym typeface="ＭＳ Ｐ明朝" panose="02020600040205080304" pitchFamily="18" charset="-128"/>
+              </a:rPr>
+              <a:t>2:   </a:t>
+            </a:r>
+            <a:r>
+              <a:rPr lang="en-US" altLang="ja-JP" sz="7200" dirty="0">
+                <a:latin typeface="DK Face Your Fears" panose="000907010108010A0105" pitchFamily="18" charset="0"/>
+                <a:sym typeface="ＭＳ Ｐ明朝" panose="02020600040205080304" pitchFamily="18" charset="-128"/>
+              </a:rPr>
+              <a:t>PLAYER and ENEMY</a:t>
+            </a:r>
+            <a:br>
+              <a:rPr lang="en-US" altLang="ja-JP" sz="7200" dirty="0">
+                <a:latin typeface="DK Face Your Fears" panose="000907010108010A0105" pitchFamily="18" charset="0"/>
+                <a:sym typeface="ＭＳ Ｐ明朝" panose="02020600040205080304" pitchFamily="18" charset="-128"/>
+              </a:rPr>
+            </a:br>
+            <a:br>
+              <a:rPr lang="en-US" altLang="ja-JP" sz="7200" dirty="0">
+                <a:latin typeface="DK Face Your Fears" panose="000907010108010A0105" pitchFamily="18" charset="0"/>
+                <a:sym typeface="ＭＳ Ｐ明朝" panose="02020600040205080304" pitchFamily="18" charset="-128"/>
+              </a:rPr>
+            </a:br>
+            <a:r>
+              <a:rPr lang="en-US" altLang="ja-JP" sz="7200" dirty="0">
+                <a:latin typeface="DK Face Your Fears" panose="000907010108010A0105" pitchFamily="18" charset="0"/>
+                <a:sym typeface="ＭＳ Ｐ明朝" panose="02020600040205080304" pitchFamily="18" charset="-128"/>
+              </a:rPr>
+              <a:t>		   </a:t>
+            </a:r>
+            <a:r>
+              <a:rPr lang="en-US" altLang="ja-JP" sz="6000" dirty="0">
+                <a:latin typeface="Chiller" panose="04020404031007020602" pitchFamily="82" charset="0"/>
+                <a:ea typeface="なきむしポルカFREE-flopdesign" panose="02000600000000000000" pitchFamily="50" charset="-128"/>
+                <a:sym typeface="ＭＳ Ｐ明朝" panose="02020600040205080304" pitchFamily="18" charset="-128"/>
+              </a:rPr>
+              <a:t>1, PLAYER(1P)</a:t>
+            </a:r>
+          </a:p>
+        </p:txBody>
+      </p:sp>
+      <p:sp>
+        <p:nvSpPr>
+          <p:cNvPr id="4" name="コンテンツ プレースホルダー 3">
+            <a:extLst>
+              <a:ext uri="{FF2B5EF4-FFF2-40B4-BE49-F238E27FC236}">
+                <a16:creationId xmlns:a16="http://schemas.microsoft.com/office/drawing/2014/main" id="{FDA85A48-A83F-494C-9B68-E945C1BA58E8}"/>
+              </a:ext>
+            </a:extLst>
+          </p:cNvPr>
+          <p:cNvSpPr>
+            <a:spLocks noGrp="1"/>
+          </p:cNvSpPr>
+          <p:nvPr>
+            <p:ph idx="1"/>
+          </p:nvPr>
+        </p:nvSpPr>
+        <p:spPr>
+          <a:xfrm>
+            <a:off x="914161" y="3068960"/>
+            <a:ext cx="10360501" cy="1473448"/>
+          </a:xfrm>
+        </p:spPr>
+        <p:txBody>
+          <a:bodyPr>
+            <a:normAutofit lnSpcReduction="10000"/>
+          </a:bodyPr>
+          <a:lstStyle/>
+          <a:p>
+            <a:pPr marL="0" indent="0">
+              <a:buNone/>
+            </a:pPr>
+            <a:r>
+              <a:rPr lang="ja-JP" altLang="en-US" dirty="0">
+                <a:latin typeface="しねきゃぷしょん" panose="02000600000000000000" pitchFamily="2" charset="-128"/>
+                <a:ea typeface="しねきゃぷしょん" panose="02000600000000000000" pitchFamily="2" charset="-128"/>
+              </a:rPr>
+              <a:t>エリアの中を巡回している敵を避けつつ、エリアに散らばったアイテムを拾って、ゴールの扉に向かう（脱出）。</a:t>
+            </a:r>
+            <a:endParaRPr lang="en-US" altLang="ja-JP" dirty="0">
+              <a:latin typeface="しねきゃぷしょん" panose="02000600000000000000" pitchFamily="2" charset="-128"/>
+              <a:ea typeface="しねきゃぷしょん" panose="02000600000000000000" pitchFamily="2" charset="-128"/>
+            </a:endParaRPr>
+          </a:p>
+          <a:p>
+            <a:pPr marL="0" indent="0">
+              <a:buNone/>
+            </a:pPr>
+            <a:r>
+              <a:rPr lang="ja-JP" altLang="en-US" dirty="0">
+                <a:latin typeface="しねきゃぷしょん" panose="02000600000000000000" pitchFamily="2" charset="-128"/>
+                <a:ea typeface="しねきゃぷしょん" panose="02000600000000000000" pitchFamily="2" charset="-128"/>
+              </a:rPr>
+              <a:t>動きについては、スニーク、通常の歩き、走りの</a:t>
+            </a:r>
+            <a:r>
+              <a:rPr lang="en-US" altLang="ja-JP" dirty="0">
+                <a:latin typeface="しねきゃぷしょん" panose="02000600000000000000" pitchFamily="2" charset="-128"/>
+                <a:ea typeface="しねきゃぷしょん" panose="02000600000000000000" pitchFamily="2" charset="-128"/>
+              </a:rPr>
+              <a:t>3</a:t>
+            </a:r>
+            <a:r>
+              <a:rPr lang="ja-JP" altLang="en-US" dirty="0">
+                <a:latin typeface="しねきゃぷしょん" panose="02000600000000000000" pitchFamily="2" charset="-128"/>
+                <a:ea typeface="しねきゃぷしょん" panose="02000600000000000000" pitchFamily="2" charset="-128"/>
+              </a:rPr>
+              <a:t>パターン。</a:t>
+            </a:r>
+            <a:endParaRPr lang="en-US" altLang="ja-JP" dirty="0">
+              <a:latin typeface="しねきゃぷしょん" panose="02000600000000000000" pitchFamily="2" charset="-128"/>
+              <a:ea typeface="しねきゃぷしょん" panose="02000600000000000000" pitchFamily="2" charset="-128"/>
+            </a:endParaRPr>
+          </a:p>
+          <a:p>
+            <a:pPr marL="0" indent="0">
+              <a:buNone/>
+            </a:pPr>
+            <a:endParaRPr lang="en-US" altLang="ja-JP" dirty="0"/>
+          </a:p>
+          <a:p>
+            <a:pPr marL="0" indent="0">
+              <a:buNone/>
+            </a:pPr>
+            <a:endParaRPr lang="en-US" altLang="ja-JP" dirty="0"/>
+          </a:p>
+          <a:p>
+            <a:pPr marL="0" indent="0">
+              <a:buNone/>
+            </a:pPr>
+            <a:endParaRPr lang="en-US" altLang="ja-JP" dirty="0"/>
+          </a:p>
+        </p:txBody>
+      </p:sp>
+    </p:spTree>
+    <p:extLst>
+      <p:ext uri="{BB962C8B-B14F-4D97-AF65-F5344CB8AC3E}">
+        <p14:creationId xmlns:p14="http://schemas.microsoft.com/office/powerpoint/2010/main" val="1640185142"/>
+      </p:ext>
+    </p:extLst>
+  </p:cSld>
+  <p:clrMapOvr>
+    <a:masterClrMapping/>
+  </p:clrMapOvr>
+  <mc:AlternateContent xmlns:mc="http://schemas.openxmlformats.org/markup-compatibility/2006" xmlns:p14="http://schemas.microsoft.com/office/powerpoint/2010/main">
+    <mc:Choice Requires="p14">
+      <p:transition spd="med" p14:dur="700">
+        <p:fade/>
+      </p:transition>
+    </mc:Choice>
+    <mc:Fallback xmlns="">
+      <p:transition spd="med">
+        <p:fade/>
+      </p:transition>
+    </mc:Fallback>
+  </mc:AlternateContent>
+</p:sld>
+</file>
+
+<file path=ppt/slides/slide5.xml><?xml version="1.0" encoding="utf-8"?>
+<p:sld xmlns:a="http://schemas.openxmlformats.org/drawingml/2006/main" xmlns:r="http://schemas.openxmlformats.org/officeDocument/2006/relationships" xmlns:p="http://schemas.openxmlformats.org/presentationml/2006/main">
+  <p:cSld>
+    <p:spTree>
+      <p:nvGrpSpPr>
+        <p:cNvPr id="1" name=""/>
+        <p:cNvGrpSpPr/>
+        <p:nvPr/>
+      </p:nvGrpSpPr>
+      <p:grpSpPr>
+        <a:xfrm>
+          <a:off x="0" y="0"/>
+          <a:ext cx="0" cy="0"/>
+          <a:chOff x="0" y="0"/>
+          <a:chExt cx="0" cy="0"/>
+        </a:xfrm>
+      </p:grpSpPr>
+      <p:sp>
+        <p:nvSpPr>
+          <p:cNvPr id="2" name="タイトル 1"/>
+          <p:cNvSpPr>
+            <a:spLocks noGrp="1"/>
+          </p:cNvSpPr>
+          <p:nvPr>
+            <p:ph type="title"/>
+          </p:nvPr>
+        </p:nvSpPr>
+        <p:spPr>
+          <a:xfrm>
+            <a:off x="1197868" y="1417712"/>
+            <a:ext cx="10360501" cy="1219200"/>
+          </a:xfrm>
+        </p:spPr>
+        <p:txBody>
+          <a:bodyPr rtlCol="0">
+            <a:normAutofit fontScale="90000"/>
+          </a:bodyPr>
+          <a:lstStyle/>
+          <a:p>
+            <a:pPr rtl="0"/>
+            <a:r>
+              <a:rPr lang="ja-JP" altLang="en-US" sz="7200" dirty="0">
+                <a:latin typeface="Brush Script MT" panose="03060802040406070304" pitchFamily="66" charset="0"/>
+                <a:sym typeface="ＭＳ Ｐ明朝" panose="02020600040205080304" pitchFamily="18" charset="-128"/>
+              </a:rPr>
+              <a:t>　　</a:t>
+            </a:r>
+            <a:r>
+              <a:rPr lang="en-US" altLang="ja-JP" sz="7200" dirty="0">
+                <a:latin typeface="Brush Script MT" panose="03060802040406070304" pitchFamily="66" charset="0"/>
+                <a:sym typeface="ＭＳ Ｐ明朝" panose="02020600040205080304" pitchFamily="18" charset="-128"/>
+              </a:rPr>
+              <a:t>2:   </a:t>
+            </a:r>
+            <a:r>
+              <a:rPr lang="en-US" altLang="ja-JP" sz="7200" dirty="0">
+                <a:latin typeface="DK Face Your Fears" panose="000907010108010A0105" pitchFamily="18" charset="0"/>
+                <a:sym typeface="ＭＳ Ｐ明朝" panose="02020600040205080304" pitchFamily="18" charset="-128"/>
+              </a:rPr>
+              <a:t>PLAYER and ENEMY</a:t>
+            </a:r>
+            <a:br>
+              <a:rPr lang="en-US" altLang="ja-JP" sz="7200" dirty="0">
+                <a:latin typeface="DK Face Your Fears" panose="000907010108010A0105" pitchFamily="18" charset="0"/>
+                <a:sym typeface="ＭＳ Ｐ明朝" panose="02020600040205080304" pitchFamily="18" charset="-128"/>
+              </a:rPr>
+            </a:br>
+            <a:br>
+              <a:rPr lang="en-US" altLang="ja-JP" sz="7200" dirty="0">
+                <a:latin typeface="DK Face Your Fears" panose="000907010108010A0105" pitchFamily="18" charset="0"/>
+                <a:sym typeface="ＭＳ Ｐ明朝" panose="02020600040205080304" pitchFamily="18" charset="-128"/>
+              </a:rPr>
+            </a:br>
+            <a:r>
+              <a:rPr lang="en-US" altLang="ja-JP" sz="7200" dirty="0">
+                <a:latin typeface="DK Face Your Fears" panose="000907010108010A0105" pitchFamily="18" charset="0"/>
+                <a:sym typeface="ＭＳ Ｐ明朝" panose="02020600040205080304" pitchFamily="18" charset="-128"/>
+              </a:rPr>
+              <a:t>		   </a:t>
+            </a:r>
+            <a:r>
+              <a:rPr lang="en-US" altLang="ja-JP" sz="6000" dirty="0">
+                <a:latin typeface="Chiller" panose="04020404031007020602" pitchFamily="82" charset="0"/>
+                <a:ea typeface="なきむしポルカFREE-flopdesign" panose="02000600000000000000" pitchFamily="50" charset="-128"/>
+                <a:sym typeface="ＭＳ Ｐ明朝" panose="02020600040205080304" pitchFamily="18" charset="-128"/>
+              </a:rPr>
+              <a:t>2, PLAYER(2P)</a:t>
+            </a:r>
+          </a:p>
+        </p:txBody>
+      </p:sp>
+      <p:sp>
+        <p:nvSpPr>
+          <p:cNvPr id="3" name="テキスト ボックス 2">
+            <a:extLst>
+              <a:ext uri="{FF2B5EF4-FFF2-40B4-BE49-F238E27FC236}">
+                <a16:creationId xmlns:a16="http://schemas.microsoft.com/office/drawing/2014/main" id="{484FF620-9A39-403E-B242-73D612F0151F}"/>
+              </a:ext>
+            </a:extLst>
+          </p:cNvPr>
+          <p:cNvSpPr txBox="1"/>
+          <p:nvPr/>
+        </p:nvSpPr>
+        <p:spPr>
+          <a:xfrm>
+            <a:off x="3790156" y="3395848"/>
+            <a:ext cx="5760640" cy="701731"/>
+          </a:xfrm>
+          <a:prstGeom prst="rect">
+            <a:avLst/>
+          </a:prstGeom>
+          <a:noFill/>
+        </p:spPr>
+        <p:txBody>
+          <a:bodyPr wrap="square" rtlCol="0">
+            <a:spAutoFit/>
+          </a:bodyPr>
+          <a:lstStyle/>
+          <a:p>
+            <a:pPr>
+              <a:lnSpc>
+                <a:spcPct val="90000"/>
+              </a:lnSpc>
+            </a:pPr>
+            <a:r>
+              <a:rPr kumimoji="1" lang="en-US" altLang="ja-JP" sz="4400" dirty="0">
+                <a:latin typeface="しねきゃぷしょん" panose="02000600000000000000" pitchFamily="2" charset="-128"/>
+                <a:ea typeface="しねきゃぷしょん" panose="02000600000000000000" pitchFamily="2" charset="-128"/>
+              </a:rPr>
+              <a:t>2P</a:t>
+            </a:r>
+            <a:r>
+              <a:rPr kumimoji="1" lang="ja-JP" altLang="en-US" sz="4400" dirty="0">
+                <a:latin typeface="しねきゃぷしょん" panose="02000600000000000000" pitchFamily="2" charset="-128"/>
+                <a:ea typeface="しねきゃぷしょん" panose="02000600000000000000" pitchFamily="2" charset="-128"/>
+              </a:rPr>
+              <a:t>も</a:t>
+            </a:r>
+            <a:r>
+              <a:rPr kumimoji="1" lang="en-US" altLang="ja-JP" sz="4400" dirty="0">
+                <a:latin typeface="しねきゃぷしょん" panose="02000600000000000000" pitchFamily="2" charset="-128"/>
+                <a:ea typeface="しねきゃぷしょん" panose="02000600000000000000" pitchFamily="2" charset="-128"/>
+              </a:rPr>
+              <a:t>1P</a:t>
+            </a:r>
+            <a:r>
+              <a:rPr kumimoji="1" lang="ja-JP" altLang="en-US" sz="4400" dirty="0">
+                <a:latin typeface="しねきゃぷしょん" panose="02000600000000000000" pitchFamily="2" charset="-128"/>
+                <a:ea typeface="しねきゃぷしょん" panose="02000600000000000000" pitchFamily="2" charset="-128"/>
+              </a:rPr>
+              <a:t>と同様の操作。</a:t>
+            </a:r>
+          </a:p>
+        </p:txBody>
+      </p:sp>
+    </p:spTree>
+    <p:extLst>
+      <p:ext uri="{BB962C8B-B14F-4D97-AF65-F5344CB8AC3E}">
+        <p14:creationId xmlns:p14="http://schemas.microsoft.com/office/powerpoint/2010/main" val="4006018440"/>
+      </p:ext>
+    </p:extLst>
+  </p:cSld>
+  <p:clrMapOvr>
+    <a:masterClrMapping/>
+  </p:clrMapOvr>
+  <mc:AlternateContent xmlns:mc="http://schemas.openxmlformats.org/markup-compatibility/2006" xmlns:p14="http://schemas.microsoft.com/office/powerpoint/2010/main">
+    <mc:Choice Requires="p14">
+      <p:transition spd="med" p14:dur="700">
+        <p:fade/>
+      </p:transition>
+    </mc:Choice>
+    <mc:Fallback xmlns="">
+      <p:transition spd="med">
+        <p:fade/>
+      </p:transition>
+    </mc:Fallback>
+  </mc:AlternateContent>
+</p:sld>
+</file>
+
+<file path=ppt/slides/slide6.xml><?xml version="1.0" encoding="utf-8"?>
+<p:sld xmlns:a="http://schemas.openxmlformats.org/drawingml/2006/main" xmlns:r="http://schemas.openxmlformats.org/officeDocument/2006/relationships" xmlns:p="http://schemas.openxmlformats.org/presentationml/2006/main">
+  <p:cSld>
+    <p:spTree>
+      <p:nvGrpSpPr>
+        <p:cNvPr id="1" name=""/>
+        <p:cNvGrpSpPr/>
+        <p:nvPr/>
+      </p:nvGrpSpPr>
+      <p:grpSpPr>
+        <a:xfrm>
+          <a:off x="0" y="0"/>
+          <a:ext cx="0" cy="0"/>
+          <a:chOff x="0" y="0"/>
+          <a:chExt cx="0" cy="0"/>
+        </a:xfrm>
+      </p:grpSpPr>
+      <p:sp>
+        <p:nvSpPr>
+          <p:cNvPr id="2" name="タイトル 1"/>
+          <p:cNvSpPr>
+            <a:spLocks noGrp="1"/>
+          </p:cNvSpPr>
+          <p:nvPr>
+            <p:ph type="title"/>
+          </p:nvPr>
+        </p:nvSpPr>
+        <p:spPr>
+          <a:xfrm>
+            <a:off x="1413892" y="1340768"/>
+            <a:ext cx="10360501" cy="1219200"/>
+          </a:xfrm>
+        </p:spPr>
+        <p:txBody>
+          <a:bodyPr rtlCol="0">
+            <a:normAutofit fontScale="90000"/>
+          </a:bodyPr>
+          <a:lstStyle/>
+          <a:p>
+            <a:pPr rtl="0"/>
+            <a:r>
+              <a:rPr lang="en-US" altLang="ja-JP" sz="7200" dirty="0">
+                <a:latin typeface="Brush Script MT" panose="03060802040406070304" pitchFamily="66" charset="0"/>
+                <a:sym typeface="ＭＳ Ｐ明朝" panose="02020600040205080304" pitchFamily="18" charset="-128"/>
+              </a:rPr>
+              <a:t>    3:   </a:t>
+            </a:r>
+            <a:r>
+              <a:rPr lang="en-US" altLang="ja-JP" sz="7200" dirty="0">
+                <a:latin typeface="DK Face Your Fears" panose="000907010108010A0105" pitchFamily="18" charset="0"/>
+                <a:sym typeface="ＭＳ Ｐ明朝" panose="02020600040205080304" pitchFamily="18" charset="-128"/>
+              </a:rPr>
+              <a:t>PLAYER AND ENEMY</a:t>
+            </a:r>
+            <a:br>
+              <a:rPr lang="en-US" altLang="ja-JP" sz="7200" dirty="0">
+                <a:latin typeface="DK Face Your Fears" panose="000907010108010A0105" pitchFamily="18" charset="0"/>
+                <a:sym typeface="ＭＳ Ｐ明朝" panose="02020600040205080304" pitchFamily="18" charset="-128"/>
+              </a:rPr>
+            </a:br>
+            <a:br>
+              <a:rPr lang="en-US" altLang="ja-JP" sz="7200" dirty="0">
+                <a:latin typeface="DK Face Your Fears" panose="000907010108010A0105" pitchFamily="18" charset="0"/>
+                <a:sym typeface="ＭＳ Ｐ明朝" panose="02020600040205080304" pitchFamily="18" charset="-128"/>
+              </a:rPr>
+            </a:br>
+            <a:r>
+              <a:rPr lang="en-US" altLang="ja-JP" sz="6000" dirty="0">
+                <a:latin typeface="DK Face Your Fears" panose="000907010108010A0105" pitchFamily="18" charset="0"/>
+                <a:sym typeface="ＭＳ Ｐ明朝" panose="02020600040205080304" pitchFamily="18" charset="-128"/>
+              </a:rPr>
+              <a:t>             </a:t>
+            </a:r>
+            <a:r>
+              <a:rPr lang="en-US" altLang="ja-JP" sz="6000" dirty="0">
+                <a:latin typeface="Chiller" panose="04020404031007020602" pitchFamily="82" charset="0"/>
+                <a:sym typeface="ＭＳ Ｐ明朝" panose="02020600040205080304" pitchFamily="18" charset="-128"/>
+              </a:rPr>
+              <a:t>3, ENEMY</a:t>
+            </a:r>
+            <a:endParaRPr lang="ja-JP" altLang="en-US" sz="6000" dirty="0">
+              <a:latin typeface="Chiller" panose="04020404031007020602" pitchFamily="82" charset="0"/>
+              <a:sym typeface="ＭＳ Ｐ明朝" panose="02020600040205080304" pitchFamily="18" charset="-128"/>
+            </a:endParaRPr>
+          </a:p>
+        </p:txBody>
+      </p:sp>
+      <p:sp>
+        <p:nvSpPr>
+          <p:cNvPr id="7" name="テキスト ボックス 6">
+            <a:extLst>
+              <a:ext uri="{FF2B5EF4-FFF2-40B4-BE49-F238E27FC236}">
+                <a16:creationId xmlns:a16="http://schemas.microsoft.com/office/drawing/2014/main" id="{CCC66221-7F5B-403B-AD92-CC1F84529C16}"/>
+              </a:ext>
+            </a:extLst>
+          </p:cNvPr>
+          <p:cNvSpPr txBox="1"/>
+          <p:nvPr/>
+        </p:nvSpPr>
+        <p:spPr>
+          <a:xfrm>
+            <a:off x="1161864" y="2492896"/>
+            <a:ext cx="9865096" cy="2806922"/>
+          </a:xfrm>
+          <a:prstGeom prst="rect">
+            <a:avLst/>
+          </a:prstGeom>
+          <a:noFill/>
+        </p:spPr>
+        <p:txBody>
+          <a:bodyPr wrap="square" rtlCol="0">
+            <a:spAutoFit/>
+          </a:bodyPr>
+          <a:lstStyle/>
+          <a:p>
+            <a:pPr>
+              <a:lnSpc>
+                <a:spcPct val="90000"/>
+              </a:lnSpc>
+            </a:pPr>
+            <a:r>
+              <a:rPr kumimoji="1" lang="ja-JP" altLang="en-US" sz="2800" dirty="0">
+                <a:latin typeface="しねきゃぷしょん" panose="02000600000000000000" pitchFamily="2" charset="-128"/>
+                <a:ea typeface="しねきゃぷしょん" panose="02000600000000000000" pitchFamily="2" charset="-128"/>
+              </a:rPr>
+              <a:t>エリア内をランダムに巡回している</a:t>
+            </a:r>
+            <a:r>
+              <a:rPr kumimoji="1" lang="en-US" altLang="ja-JP" sz="2800" dirty="0">
+                <a:latin typeface="しねきゃぷしょん" panose="02000600000000000000" pitchFamily="2" charset="-128"/>
+                <a:ea typeface="しねきゃぷしょん" panose="02000600000000000000" pitchFamily="2" charset="-128"/>
+              </a:rPr>
+              <a:t>AI</a:t>
+            </a:r>
+            <a:r>
+              <a:rPr kumimoji="1" lang="ja-JP" altLang="en-US" sz="2800" dirty="0">
+                <a:latin typeface="しねきゃぷしょん" panose="02000600000000000000" pitchFamily="2" charset="-128"/>
+                <a:ea typeface="しねきゃぷしょん" panose="02000600000000000000" pitchFamily="2" charset="-128"/>
+              </a:rPr>
+              <a:t>。</a:t>
+            </a:r>
+            <a:endParaRPr kumimoji="1" lang="en-US" altLang="ja-JP" sz="2800" dirty="0">
+              <a:latin typeface="しねきゃぷしょん" panose="02000600000000000000" pitchFamily="2" charset="-128"/>
+              <a:ea typeface="しねきゃぷしょん" panose="02000600000000000000" pitchFamily="2" charset="-128"/>
+            </a:endParaRPr>
+          </a:p>
+          <a:p>
+            <a:pPr>
+              <a:lnSpc>
+                <a:spcPct val="90000"/>
+              </a:lnSpc>
+            </a:pPr>
+            <a:r>
+              <a:rPr kumimoji="1" lang="ja-JP" altLang="en-US" sz="2800" dirty="0">
+                <a:latin typeface="しねきゃぷしょん" panose="02000600000000000000" pitchFamily="2" charset="-128"/>
+                <a:ea typeface="しねきゃぷしょん" panose="02000600000000000000" pitchFamily="2" charset="-128"/>
+              </a:rPr>
+              <a:t>聴覚と触覚以外はない。</a:t>
+            </a:r>
+            <a:endParaRPr kumimoji="1" lang="en-US" altLang="ja-JP" sz="2800" dirty="0">
+              <a:latin typeface="しねきゃぷしょん" panose="02000600000000000000" pitchFamily="2" charset="-128"/>
+              <a:ea typeface="しねきゃぷしょん" panose="02000600000000000000" pitchFamily="2" charset="-128"/>
+            </a:endParaRPr>
+          </a:p>
+          <a:p>
+            <a:pPr>
+              <a:lnSpc>
+                <a:spcPct val="90000"/>
+              </a:lnSpc>
+            </a:pPr>
+            <a:endParaRPr kumimoji="1" lang="en-US" altLang="ja-JP" sz="2800" dirty="0">
+              <a:latin typeface="しねきゃぷしょん" panose="02000600000000000000" pitchFamily="2" charset="-128"/>
+              <a:ea typeface="しねきゃぷしょん" panose="02000600000000000000" pitchFamily="2" charset="-128"/>
+            </a:endParaRPr>
+          </a:p>
+          <a:p>
+            <a:pPr>
+              <a:lnSpc>
+                <a:spcPct val="90000"/>
+              </a:lnSpc>
+            </a:pPr>
+            <a:r>
+              <a:rPr kumimoji="1" lang="ja-JP" altLang="en-US" sz="2800" dirty="0">
+                <a:latin typeface="しねきゃぷしょん" panose="02000600000000000000" pitchFamily="2" charset="-128"/>
+                <a:ea typeface="しねきゃぷしょん" panose="02000600000000000000" pitchFamily="2" charset="-128"/>
+              </a:rPr>
+              <a:t>なので、敵が追いかけてくる条件は</a:t>
+            </a:r>
+            <a:endParaRPr kumimoji="1" lang="en-US" altLang="ja-JP" sz="2800" dirty="0">
+              <a:latin typeface="しねきゃぷしょん" panose="02000600000000000000" pitchFamily="2" charset="-128"/>
+              <a:ea typeface="しねきゃぷしょん" panose="02000600000000000000" pitchFamily="2" charset="-128"/>
+            </a:endParaRPr>
+          </a:p>
+          <a:p>
+            <a:pPr>
+              <a:lnSpc>
+                <a:spcPct val="90000"/>
+              </a:lnSpc>
+            </a:pPr>
+            <a:r>
+              <a:rPr kumimoji="1" lang="ja-JP" altLang="en-US" sz="2800" dirty="0">
+                <a:latin typeface="しねきゃぷしょん" panose="02000600000000000000" pitchFamily="2" charset="-128"/>
+                <a:ea typeface="しねきゃぷしょん" panose="02000600000000000000" pitchFamily="2" charset="-128"/>
+              </a:rPr>
+              <a:t>プレイヤーがある一定距離敵に近づいた時のみ。</a:t>
+            </a:r>
+            <a:endParaRPr kumimoji="1" lang="en-US" altLang="ja-JP" sz="2800" dirty="0">
+              <a:latin typeface="しねきゃぷしょん" panose="02000600000000000000" pitchFamily="2" charset="-128"/>
+              <a:ea typeface="しねきゃぷしょん" panose="02000600000000000000" pitchFamily="2" charset="-128"/>
+            </a:endParaRPr>
+          </a:p>
+          <a:p>
+            <a:pPr>
+              <a:lnSpc>
+                <a:spcPct val="90000"/>
+              </a:lnSpc>
+            </a:pPr>
+            <a:endParaRPr kumimoji="1" lang="en-US" altLang="ja-JP" sz="2800" dirty="0">
+              <a:latin typeface="しねきゃぷしょん" panose="02000600000000000000" pitchFamily="2" charset="-128"/>
+              <a:ea typeface="しねきゃぷしょん" panose="02000600000000000000" pitchFamily="2" charset="-128"/>
+            </a:endParaRPr>
+          </a:p>
+          <a:p>
+            <a:pPr>
+              <a:lnSpc>
+                <a:spcPct val="90000"/>
+              </a:lnSpc>
+            </a:pPr>
+            <a:r>
+              <a:rPr kumimoji="1" lang="ja-JP" altLang="en-US" sz="2800" dirty="0">
+                <a:latin typeface="しねきゃぷしょん" panose="02000600000000000000" pitchFamily="2" charset="-128"/>
+                <a:ea typeface="しねきゃぷしょん" panose="02000600000000000000" pitchFamily="2" charset="-128"/>
+              </a:rPr>
+              <a:t>動きは通常の歩き、追いかけてくる際の走りの</a:t>
+            </a:r>
+            <a:r>
+              <a:rPr kumimoji="1" lang="en-US" altLang="ja-JP" sz="2800" dirty="0">
+                <a:latin typeface="しねきゃぷしょん" panose="02000600000000000000" pitchFamily="2" charset="-128"/>
+                <a:ea typeface="しねきゃぷしょん" panose="02000600000000000000" pitchFamily="2" charset="-128"/>
+              </a:rPr>
+              <a:t>2</a:t>
+            </a:r>
+            <a:r>
+              <a:rPr kumimoji="1" lang="ja-JP" altLang="en-US" sz="2800" dirty="0">
+                <a:latin typeface="しねきゃぷしょん" panose="02000600000000000000" pitchFamily="2" charset="-128"/>
+                <a:ea typeface="しねきゃぷしょん" panose="02000600000000000000" pitchFamily="2" charset="-128"/>
+              </a:rPr>
+              <a:t>パターン。</a:t>
+            </a:r>
+          </a:p>
+        </p:txBody>
+      </p:sp>
+    </p:spTree>
+    <p:extLst>
+      <p:ext uri="{BB962C8B-B14F-4D97-AF65-F5344CB8AC3E}">
+        <p14:creationId xmlns:p14="http://schemas.microsoft.com/office/powerpoint/2010/main" val="2693084093"/>
+      </p:ext>
+    </p:extLst>
+  </p:cSld>
+  <p:clrMapOvr>
+    <a:masterClrMapping/>
+  </p:clrMapOvr>
+  <mc:AlternateContent xmlns:mc="http://schemas.openxmlformats.org/markup-compatibility/2006" xmlns:p14="http://schemas.microsoft.com/office/powerpoint/2010/main">
+    <mc:Choice Requires="p14">
+      <p:transition spd="med" p14:dur="700">
+        <p:fade/>
+      </p:transition>
+    </mc:Choice>
+    <mc:Fallback xmlns="">
+      <p:transition spd="med">
+        <p:fade/>
+      </p:transition>
+    </mc:Fallback>
+  </mc:AlternateContent>
+</p:sld>
+</file>
+
+<file path=ppt/slides/slide7.xml><?xml version="1.0" encoding="utf-8"?>
+<p:sld xmlns:a="http://schemas.openxmlformats.org/drawingml/2006/main" xmlns:r="http://schemas.openxmlformats.org/officeDocument/2006/relationships" xmlns:p="http://schemas.openxmlformats.org/presentationml/2006/main">
+  <p:cSld>
+    <p:spTree>
+      <p:nvGrpSpPr>
+        <p:cNvPr id="1" name=""/>
+        <p:cNvGrpSpPr/>
+        <p:nvPr/>
+      </p:nvGrpSpPr>
+      <p:grpSpPr>
+        <a:xfrm>
+          <a:off x="0" y="0"/>
+          <a:ext cx="0" cy="0"/>
+          <a:chOff x="0" y="0"/>
+          <a:chExt cx="0" cy="0"/>
+        </a:xfrm>
+      </p:grpSpPr>
+      <p:sp>
+        <p:nvSpPr>
+          <p:cNvPr id="2" name="タイトル 1"/>
+          <p:cNvSpPr>
+            <a:spLocks noGrp="1"/>
+          </p:cNvSpPr>
+          <p:nvPr>
+            <p:ph type="title"/>
+          </p:nvPr>
+        </p:nvSpPr>
+        <p:spPr>
+          <a:xfrm>
+            <a:off x="1218883" y="188640"/>
+            <a:ext cx="9751060" cy="1992597"/>
+          </a:xfrm>
+        </p:spPr>
+        <p:txBody>
+          <a:bodyPr rtlCol="0"/>
+          <a:lstStyle/>
+          <a:p>
+            <a:pPr rtl="0"/>
+            <a:r>
+              <a:rPr lang="en-US" altLang="ja-JP" sz="7200" dirty="0">
+                <a:latin typeface="Brush Script MT" panose="03060802040406070304" pitchFamily="66" charset="0"/>
+                <a:sym typeface="ＭＳ Ｐ明朝" panose="02020600040205080304" pitchFamily="18" charset="-128"/>
+              </a:rPr>
+              <a:t>3:   </a:t>
+            </a:r>
+            <a:r>
+              <a:rPr lang="en-US" altLang="ja-JP" sz="7200" dirty="0">
+                <a:latin typeface="DK Face Your Fears" panose="000907010108010A0105" pitchFamily="18" charset="0"/>
+                <a:sym typeface="ＭＳ Ｐ明朝" panose="02020600040205080304" pitchFamily="18" charset="-128"/>
+              </a:rPr>
+              <a:t>ITEMS</a:t>
+            </a:r>
+          </a:p>
+        </p:txBody>
+      </p:sp>
+      <p:sp>
+        <p:nvSpPr>
+          <p:cNvPr id="3" name="テキスト プレースホルダー 2"/>
+          <p:cNvSpPr>
+            <a:spLocks noGrp="1"/>
+          </p:cNvSpPr>
+          <p:nvPr>
+            <p:ph type="body" idx="1"/>
+          </p:nvPr>
+        </p:nvSpPr>
+        <p:spPr>
+          <a:xfrm>
+            <a:off x="13613" y="2420888"/>
+            <a:ext cx="12185462" cy="3960440"/>
+          </a:xfrm>
+        </p:spPr>
+        <p:txBody>
+          <a:bodyPr rtlCol="0"/>
+          <a:lstStyle/>
+          <a:p>
+            <a:pPr rtl="0"/>
+            <a:r>
+              <a:rPr lang="ja-JP" altLang="en-US" dirty="0">
+                <a:latin typeface="しねきゃぷしょん" panose="02000600000000000000" pitchFamily="2" charset="-128"/>
+                <a:ea typeface="しねきゃぷしょん" panose="02000600000000000000" pitchFamily="2" charset="-128"/>
+                <a:sym typeface="ＭＳ Ｐ明朝" panose="02020600040205080304" pitchFamily="18" charset="-128"/>
+              </a:rPr>
+              <a:t>ゲーム中のアイテムは大きく分けて</a:t>
+            </a:r>
+            <a:r>
+              <a:rPr lang="en-US" altLang="ja-JP" dirty="0">
+                <a:latin typeface="しねきゃぷしょん" panose="02000600000000000000" pitchFamily="2" charset="-128"/>
+                <a:ea typeface="しねきゃぷしょん" panose="02000600000000000000" pitchFamily="2" charset="-128"/>
+                <a:sym typeface="ＭＳ Ｐ明朝" panose="02020600040205080304" pitchFamily="18" charset="-128"/>
+              </a:rPr>
+              <a:t>3</a:t>
+            </a:r>
+            <a:r>
+              <a:rPr lang="ja-JP" altLang="en-US" dirty="0">
+                <a:latin typeface="しねきゃぷしょん" panose="02000600000000000000" pitchFamily="2" charset="-128"/>
+                <a:ea typeface="しねきゃぷしょん" panose="02000600000000000000" pitchFamily="2" charset="-128"/>
+                <a:sym typeface="ＭＳ Ｐ明朝" panose="02020600040205080304" pitchFamily="18" charset="-128"/>
+              </a:rPr>
+              <a:t>つ。</a:t>
+            </a:r>
+            <a:endParaRPr lang="en-US" altLang="ja-JP" dirty="0">
+              <a:latin typeface="しねきゃぷしょん" panose="02000600000000000000" pitchFamily="2" charset="-128"/>
+              <a:ea typeface="しねきゃぷしょん" panose="02000600000000000000" pitchFamily="2" charset="-128"/>
+              <a:sym typeface="ＭＳ Ｐ明朝" panose="02020600040205080304" pitchFamily="18" charset="-128"/>
+            </a:endParaRPr>
+          </a:p>
+          <a:p>
+            <a:pPr rtl="0"/>
+            <a:endParaRPr lang="en-US" altLang="ja-JP" dirty="0">
+              <a:latin typeface="しねきゃぷしょん" panose="02000600000000000000" pitchFamily="2" charset="-128"/>
+              <a:ea typeface="しねきゃぷしょん" panose="02000600000000000000" pitchFamily="2" charset="-128"/>
+              <a:sym typeface="ＭＳ Ｐ明朝" panose="02020600040205080304" pitchFamily="18" charset="-128"/>
+            </a:endParaRPr>
+          </a:p>
+          <a:p>
+            <a:pPr rtl="0"/>
+            <a:endParaRPr lang="en-US" altLang="ja-JP" dirty="0">
+              <a:latin typeface="しねきゃぷしょん" panose="02000600000000000000" pitchFamily="2" charset="-128"/>
+              <a:ea typeface="しねきゃぷしょん" panose="02000600000000000000" pitchFamily="2" charset="-128"/>
+              <a:sym typeface="ＭＳ Ｐ明朝" panose="02020600040205080304" pitchFamily="18" charset="-128"/>
+            </a:endParaRPr>
+          </a:p>
+          <a:p>
+            <a:pPr rtl="0"/>
+            <a:r>
+              <a:rPr lang="ja-JP" altLang="en-US" dirty="0">
+                <a:latin typeface="しねきゃぷしょん" panose="02000600000000000000" pitchFamily="2" charset="-128"/>
+                <a:ea typeface="しねきゃぷしょん" panose="02000600000000000000" pitchFamily="2" charset="-128"/>
+                <a:sym typeface="ＭＳ Ｐ明朝" panose="02020600040205080304" pitchFamily="18" charset="-128"/>
+              </a:rPr>
+              <a:t>１、ゴールに必要不可欠なアイテム</a:t>
+            </a:r>
+            <a:r>
+              <a:rPr lang="en-US" altLang="ja-JP" dirty="0">
+                <a:latin typeface="しねきゃぷしょん" panose="02000600000000000000" pitchFamily="2" charset="-128"/>
+                <a:ea typeface="しねきゃぷしょん" panose="02000600000000000000" pitchFamily="2" charset="-128"/>
+                <a:sym typeface="ＭＳ Ｐ明朝" panose="02020600040205080304" pitchFamily="18" charset="-128"/>
+              </a:rPr>
+              <a:t>-</a:t>
+            </a:r>
+            <a:r>
+              <a:rPr lang="ja-JP" altLang="en-US" dirty="0">
+                <a:latin typeface="しねきゃぷしょん" panose="02000600000000000000" pitchFamily="2" charset="-128"/>
+                <a:ea typeface="しねきゃぷしょん" panose="02000600000000000000" pitchFamily="2" charset="-128"/>
+                <a:sym typeface="ＭＳ Ｐ明朝" panose="02020600040205080304" pitchFamily="18" charset="-128"/>
+              </a:rPr>
+              <a:t>“</a:t>
+            </a:r>
+            <a:r>
+              <a:rPr lang="en-US" altLang="ja-JP" dirty="0">
+                <a:solidFill>
+                  <a:schemeClr val="accent2"/>
+                </a:solidFill>
+                <a:latin typeface="しねきゃぷしょん" panose="02000600000000000000" pitchFamily="2" charset="-128"/>
+                <a:ea typeface="しねきゃぷしょん" panose="02000600000000000000" pitchFamily="2" charset="-128"/>
+                <a:sym typeface="ＭＳ Ｐ明朝" panose="02020600040205080304" pitchFamily="18" charset="-128"/>
+              </a:rPr>
+              <a:t>3</a:t>
+            </a:r>
+            <a:r>
+              <a:rPr lang="ja-JP" altLang="en-US" dirty="0">
+                <a:solidFill>
+                  <a:schemeClr val="accent2"/>
+                </a:solidFill>
+                <a:latin typeface="しねきゃぷしょん" panose="02000600000000000000" pitchFamily="2" charset="-128"/>
+                <a:ea typeface="しねきゃぷしょん" panose="02000600000000000000" pitchFamily="2" charset="-128"/>
+                <a:sym typeface="ＭＳ Ｐ明朝" panose="02020600040205080304" pitchFamily="18" charset="-128"/>
+              </a:rPr>
+              <a:t>つの石板</a:t>
+            </a:r>
+            <a:r>
+              <a:rPr lang="en-US" altLang="ja-JP" dirty="0">
+                <a:latin typeface="しねきゃぷしょん" panose="02000600000000000000" pitchFamily="2" charset="-128"/>
+                <a:ea typeface="しねきゃぷしょん" panose="02000600000000000000" pitchFamily="2" charset="-128"/>
+                <a:sym typeface="ＭＳ Ｐ明朝" panose="02020600040205080304" pitchFamily="18" charset="-128"/>
+              </a:rPr>
+              <a:t>”</a:t>
+            </a:r>
+          </a:p>
+          <a:p>
+            <a:pPr rtl="0"/>
+            <a:endParaRPr lang="en-US" altLang="ja-JP" dirty="0">
+              <a:latin typeface="しねきゃぷしょん" panose="02000600000000000000" pitchFamily="2" charset="-128"/>
+              <a:ea typeface="しねきゃぷしょん" panose="02000600000000000000" pitchFamily="2" charset="-128"/>
+              <a:sym typeface="ＭＳ Ｐ明朝" panose="02020600040205080304" pitchFamily="18" charset="-128"/>
+            </a:endParaRPr>
+          </a:p>
+          <a:p>
+            <a:pPr rtl="0"/>
+            <a:r>
+              <a:rPr lang="en-US" altLang="ja-JP" dirty="0">
+                <a:latin typeface="しねきゃぷしょん" panose="02000600000000000000" pitchFamily="2" charset="-128"/>
+                <a:ea typeface="しねきゃぷしょん" panose="02000600000000000000" pitchFamily="2" charset="-128"/>
+                <a:sym typeface="ＭＳ Ｐ明朝" panose="02020600040205080304" pitchFamily="18" charset="-128"/>
+              </a:rPr>
+              <a:t>2,</a:t>
+            </a:r>
+            <a:r>
+              <a:rPr lang="ja-JP" altLang="en-US" dirty="0">
+                <a:latin typeface="しねきゃぷしょん" panose="02000600000000000000" pitchFamily="2" charset="-128"/>
+                <a:ea typeface="しねきゃぷしょん" panose="02000600000000000000" pitchFamily="2" charset="-128"/>
+                <a:sym typeface="ＭＳ Ｐ明朝" panose="02020600040205080304" pitchFamily="18" charset="-128"/>
+              </a:rPr>
+              <a:t>プレイヤーが闇を探索するのに必要不可欠なアイテム</a:t>
+            </a:r>
+            <a:r>
+              <a:rPr lang="en-US" altLang="ja-JP" dirty="0">
+                <a:latin typeface="しねきゃぷしょん" panose="02000600000000000000" pitchFamily="2" charset="-128"/>
+                <a:ea typeface="しねきゃぷしょん" panose="02000600000000000000" pitchFamily="2" charset="-128"/>
+                <a:sym typeface="ＭＳ Ｐ明朝" panose="02020600040205080304" pitchFamily="18" charset="-128"/>
+              </a:rPr>
+              <a:t>-</a:t>
+            </a:r>
+            <a:r>
+              <a:rPr lang="ja-JP" altLang="en-US" dirty="0">
+                <a:latin typeface="しねきゃぷしょん" panose="02000600000000000000" pitchFamily="2" charset="-128"/>
+                <a:ea typeface="しねきゃぷしょん" panose="02000600000000000000" pitchFamily="2" charset="-128"/>
+                <a:sym typeface="ＭＳ Ｐ明朝" panose="02020600040205080304" pitchFamily="18" charset="-128"/>
+              </a:rPr>
+              <a:t>“</a:t>
+            </a:r>
+            <a:r>
+              <a:rPr lang="ja-JP" altLang="en-US" dirty="0">
+                <a:solidFill>
+                  <a:srgbClr val="FFFF00"/>
+                </a:solidFill>
+                <a:latin typeface="しねきゃぷしょん" panose="02000600000000000000" pitchFamily="2" charset="-128"/>
+                <a:ea typeface="しねきゃぷしょん" panose="02000600000000000000" pitchFamily="2" charset="-128"/>
+                <a:sym typeface="ＭＳ Ｐ明朝" panose="02020600040205080304" pitchFamily="18" charset="-128"/>
+              </a:rPr>
+              <a:t>ランタン</a:t>
+            </a:r>
+            <a:r>
+              <a:rPr lang="ja-JP" altLang="en-US" dirty="0">
+                <a:latin typeface="しねきゃぷしょん" panose="02000600000000000000" pitchFamily="2" charset="-128"/>
+                <a:ea typeface="しねきゃぷしょん" panose="02000600000000000000" pitchFamily="2" charset="-128"/>
+                <a:sym typeface="ＭＳ Ｐ明朝" panose="02020600040205080304" pitchFamily="18" charset="-128"/>
+              </a:rPr>
+              <a:t>”</a:t>
+            </a:r>
+            <a:endParaRPr lang="en-US" altLang="ja-JP" dirty="0">
+              <a:latin typeface="しねきゃぷしょん" panose="02000600000000000000" pitchFamily="2" charset="-128"/>
+              <a:ea typeface="しねきゃぷしょん" panose="02000600000000000000" pitchFamily="2" charset="-128"/>
+              <a:sym typeface="ＭＳ Ｐ明朝" panose="02020600040205080304" pitchFamily="18" charset="-128"/>
+            </a:endParaRPr>
+          </a:p>
+          <a:p>
+            <a:pPr rtl="0"/>
+            <a:endParaRPr lang="en-US" altLang="ja-JP" dirty="0">
+              <a:latin typeface="しねきゃぷしょん" panose="02000600000000000000" pitchFamily="2" charset="-128"/>
+              <a:ea typeface="しねきゃぷしょん" panose="02000600000000000000" pitchFamily="2" charset="-128"/>
+              <a:sym typeface="ＭＳ Ｐ明朝" panose="02020600040205080304" pitchFamily="18" charset="-128"/>
+            </a:endParaRPr>
+          </a:p>
+          <a:p>
+            <a:pPr rtl="0"/>
+            <a:r>
+              <a:rPr lang="ja-JP" altLang="en-US" dirty="0">
+                <a:latin typeface="しねきゃぷしょん" panose="02000600000000000000" pitchFamily="2" charset="-128"/>
+                <a:ea typeface="しねきゃぷしょん" panose="02000600000000000000" pitchFamily="2" charset="-128"/>
+                <a:sym typeface="ＭＳ Ｐ明朝" panose="02020600040205080304" pitchFamily="18" charset="-128"/>
+              </a:rPr>
+              <a:t>３、敵から逃げる手段になるアイテム</a:t>
+            </a:r>
+            <a:r>
+              <a:rPr lang="en-US" altLang="ja-JP" dirty="0">
+                <a:latin typeface="しねきゃぷしょん" panose="02000600000000000000" pitchFamily="2" charset="-128"/>
+                <a:ea typeface="しねきゃぷしょん" panose="02000600000000000000" pitchFamily="2" charset="-128"/>
+                <a:sym typeface="ＭＳ Ｐ明朝" panose="02020600040205080304" pitchFamily="18" charset="-128"/>
+              </a:rPr>
+              <a:t>-</a:t>
+            </a:r>
+            <a:r>
+              <a:rPr lang="ja-JP" altLang="en-US" dirty="0">
+                <a:latin typeface="しねきゃぷしょん" panose="02000600000000000000" pitchFamily="2" charset="-128"/>
+                <a:ea typeface="しねきゃぷしょん" panose="02000600000000000000" pitchFamily="2" charset="-128"/>
+                <a:sym typeface="ＭＳ Ｐ明朝" panose="02020600040205080304" pitchFamily="18" charset="-128"/>
+              </a:rPr>
+              <a:t>“</a:t>
+            </a:r>
+            <a:r>
+              <a:rPr lang="ja-JP" altLang="en-US" dirty="0">
+                <a:solidFill>
+                  <a:srgbClr val="00B0F0"/>
+                </a:solidFill>
+                <a:latin typeface="しねきゃぷしょん" panose="02000600000000000000" pitchFamily="2" charset="-128"/>
+                <a:ea typeface="しねきゃぷしょん" panose="02000600000000000000" pitchFamily="2" charset="-128"/>
+                <a:sym typeface="ＭＳ Ｐ明朝" panose="02020600040205080304" pitchFamily="18" charset="-128"/>
+              </a:rPr>
+              <a:t>ルーン</a:t>
+            </a:r>
+            <a:r>
+              <a:rPr lang="ja-JP" altLang="en-US" dirty="0">
+                <a:latin typeface="しねきゃぷしょん" panose="02000600000000000000" pitchFamily="2" charset="-128"/>
+                <a:ea typeface="しねきゃぷしょん" panose="02000600000000000000" pitchFamily="2" charset="-128"/>
+                <a:sym typeface="ＭＳ Ｐ明朝" panose="02020600040205080304" pitchFamily="18" charset="-128"/>
+              </a:rPr>
+              <a:t>”</a:t>
+            </a:r>
+          </a:p>
+        </p:txBody>
+      </p:sp>
+    </p:spTree>
+    <p:extLst>
+      <p:ext uri="{BB962C8B-B14F-4D97-AF65-F5344CB8AC3E}">
+        <p14:creationId xmlns:p14="http://schemas.microsoft.com/office/powerpoint/2010/main" val="3969558106"/>
+      </p:ext>
+    </p:extLst>
+  </p:cSld>
+  <p:clrMapOvr>
+    <a:masterClrMapping/>
+  </p:clrMapOvr>
+  <mc:AlternateContent xmlns:mc="http://schemas.openxmlformats.org/markup-compatibility/2006" xmlns:p14="http://schemas.microsoft.com/office/powerpoint/2010/main">
+    <mc:Choice Requires="p14">
+      <p:transition spd="med" p14:dur="700">
+        <p:fade/>
+      </p:transition>
+    </mc:Choice>
+    <mc:Fallback xmlns="">
+      <p:transition spd="med">
+        <p:fade/>
+      </p:transition>
+    </mc:Fallback>
+  </mc:AlternateContent>
+</p:sld>
+</file>
+
+<file path=ppt/slides/slide8.xml><?xml version="1.0" encoding="utf-8"?>
+<p:sld xmlns:a="http://schemas.openxmlformats.org/drawingml/2006/main" xmlns:r="http://schemas.openxmlformats.org/officeDocument/2006/relationships" xmlns:p="http://schemas.openxmlformats.org/presentationml/2006/main">
+  <p:cSld>
+    <p:spTree>
+      <p:nvGrpSpPr>
+        <p:cNvPr id="1" name=""/>
+        <p:cNvGrpSpPr/>
+        <p:nvPr/>
+      </p:nvGrpSpPr>
+      <p:grpSpPr>
+        <a:xfrm>
+          <a:off x="0" y="0"/>
+          <a:ext cx="0" cy="0"/>
+          <a:chOff x="0" y="0"/>
+          <a:chExt cx="0" cy="0"/>
+        </a:xfrm>
+      </p:grpSpPr>
+      <p:sp>
+        <p:nvSpPr>
+          <p:cNvPr id="8" name="四角形: 角を丸くする 7">
+            <a:extLst>
+              <a:ext uri="{FF2B5EF4-FFF2-40B4-BE49-F238E27FC236}">
+                <a16:creationId xmlns:a16="http://schemas.microsoft.com/office/drawing/2014/main" id="{6CBC0903-C767-4C35-B499-2CE0B6A6BBCB}"/>
+              </a:ext>
+            </a:extLst>
+          </p:cNvPr>
+          <p:cNvSpPr/>
+          <p:nvPr/>
+        </p:nvSpPr>
+        <p:spPr>
+          <a:xfrm>
+            <a:off x="9766820" y="4797152"/>
+            <a:ext cx="2088232" cy="2060848"/>
+          </a:xfrm>
+          <a:prstGeom prst="roundRect">
+            <a:avLst/>
+          </a:prstGeom>
+          <a:solidFill>
+            <a:schemeClr val="accent3">
+              <a:lumMod val="60000"/>
+              <a:lumOff val="40000"/>
+            </a:schemeClr>
+          </a:solidFill>
+          <a:ln/>
+        </p:spPr>
+        <p:style>
+          <a:lnRef idx="3">
+            <a:schemeClr val="lt1"/>
+          </a:lnRef>
+          <a:fillRef idx="1">
+            <a:schemeClr val="dk1"/>
+          </a:fillRef>
+          <a:effectRef idx="1">
+            <a:schemeClr val="dk1"/>
+          </a:effectRef>
+          <a:fontRef idx="minor">
+            <a:schemeClr val="lt1"/>
+          </a:fontRef>
+        </p:style>
+        <p:txBody>
+          <a:bodyPr rtlCol="0" anchor="ctr"/>
+          <a:lstStyle/>
+          <a:p>
+            <a:pPr algn="ctr"/>
+            <a:endParaRPr kumimoji="1" lang="ja-JP" altLang="en-US"/>
+          </a:p>
+        </p:txBody>
+      </p:sp>
+      <p:sp>
+        <p:nvSpPr>
+          <p:cNvPr id="2" name="タイトル 1"/>
+          <p:cNvSpPr>
+            <a:spLocks noGrp="1"/>
+          </p:cNvSpPr>
+          <p:nvPr>
+            <p:ph type="title"/>
+          </p:nvPr>
+        </p:nvSpPr>
+        <p:spPr>
+          <a:xfrm>
+            <a:off x="2494012" y="1484784"/>
+            <a:ext cx="7668852" cy="1152128"/>
+          </a:xfrm>
+        </p:spPr>
+        <p:txBody>
+          <a:bodyPr rtlCol="0">
+            <a:normAutofit fontScale="90000"/>
+          </a:bodyPr>
+          <a:lstStyle/>
+          <a:p>
+            <a:pPr rtl="0"/>
+            <a:r>
+              <a:rPr lang="en-US" altLang="ja-JP" sz="7200" dirty="0">
+                <a:latin typeface="Brush Script MT" panose="03060802040406070304" pitchFamily="66" charset="0"/>
+                <a:sym typeface="ＭＳ Ｐ明朝" panose="02020600040205080304" pitchFamily="18" charset="-128"/>
+              </a:rPr>
+              <a:t>        3:   </a:t>
+            </a:r>
+            <a:r>
+              <a:rPr lang="en-US" altLang="ja-JP" sz="7200" dirty="0">
+                <a:latin typeface="DK Face Your Fears" panose="000907010108010A0105" pitchFamily="18" charset="0"/>
+                <a:sym typeface="ＭＳ Ｐ明朝" panose="02020600040205080304" pitchFamily="18" charset="-128"/>
+              </a:rPr>
+              <a:t>ITEMS</a:t>
+            </a:r>
+            <a:br>
+              <a:rPr lang="en-US" altLang="ja-JP" sz="7200" dirty="0">
+                <a:latin typeface="DK Face Your Fears" panose="000907010108010A0105" pitchFamily="18" charset="0"/>
+                <a:sym typeface="ＭＳ Ｐ明朝" panose="02020600040205080304" pitchFamily="18" charset="-128"/>
+              </a:rPr>
+            </a:br>
+            <a:br>
+              <a:rPr lang="en-US" altLang="ja-JP" sz="7200" dirty="0">
+                <a:latin typeface="DK Face Your Fears" panose="000907010108010A0105" pitchFamily="18" charset="0"/>
+                <a:sym typeface="ＭＳ Ｐ明朝" panose="02020600040205080304" pitchFamily="18" charset="-128"/>
+              </a:rPr>
+            </a:br>
+            <a:r>
+              <a:rPr lang="en-US" altLang="ja-JP" sz="7200" dirty="0">
+                <a:latin typeface="DK Face Your Fears" panose="000907010108010A0105" pitchFamily="18" charset="0"/>
+                <a:sym typeface="ＭＳ Ｐ明朝" panose="02020600040205080304" pitchFamily="18" charset="-128"/>
+              </a:rPr>
+              <a:t>   </a:t>
+            </a:r>
+            <a:r>
+              <a:rPr lang="en-US" altLang="ja-JP" sz="6700" dirty="0">
+                <a:latin typeface="DK Face Your Fears" panose="000907010108010A0105" pitchFamily="18" charset="0"/>
+                <a:sym typeface="ＭＳ Ｐ明朝" panose="02020600040205080304" pitchFamily="18" charset="-128"/>
+              </a:rPr>
+              <a:t>1, </a:t>
+            </a:r>
+            <a:r>
+              <a:rPr lang="en-US" altLang="ja-JP" sz="6700" dirty="0">
+                <a:solidFill>
+                  <a:schemeClr val="tx1">
+                    <a:lumMod val="65000"/>
+                  </a:schemeClr>
+                </a:solidFill>
+                <a:latin typeface="Chiller" panose="04020404031007020602" pitchFamily="82" charset="0"/>
+                <a:sym typeface="ＭＳ Ｐ明朝" panose="02020600040205080304" pitchFamily="18" charset="-128"/>
+              </a:rPr>
+              <a:t>FIVE Stone Slabs</a:t>
+            </a:r>
+          </a:p>
+        </p:txBody>
+      </p:sp>
+      <p:sp>
+        <p:nvSpPr>
+          <p:cNvPr id="7" name="テキスト ボックス 6">
+            <a:extLst>
+              <a:ext uri="{FF2B5EF4-FFF2-40B4-BE49-F238E27FC236}">
+                <a16:creationId xmlns:a16="http://schemas.microsoft.com/office/drawing/2014/main" id="{007F6989-FD92-4B89-B7F8-9B4E0DE798BE}"/>
+              </a:ext>
+            </a:extLst>
+          </p:cNvPr>
+          <p:cNvSpPr txBox="1"/>
+          <p:nvPr/>
+        </p:nvSpPr>
+        <p:spPr>
+          <a:xfrm>
+            <a:off x="621804" y="2780928"/>
+            <a:ext cx="9937104" cy="3139321"/>
+          </a:xfrm>
+          <a:prstGeom prst="rect">
+            <a:avLst/>
+          </a:prstGeom>
+          <a:noFill/>
+        </p:spPr>
+        <p:txBody>
+          <a:bodyPr wrap="square" rtlCol="0">
+            <a:spAutoFit/>
+          </a:bodyPr>
+          <a:lstStyle/>
+          <a:p>
+            <a:pPr>
+              <a:lnSpc>
+                <a:spcPct val="90000"/>
+              </a:lnSpc>
+            </a:pPr>
+            <a:r>
+              <a:rPr kumimoji="1" lang="ja-JP" altLang="en-US" sz="4000" dirty="0">
+                <a:latin typeface="g_コミック古印体-教漢(太字)" panose="02000600000000000000" pitchFamily="2" charset="-128"/>
+                <a:ea typeface="g_コミック古印体-教漢(太字)" panose="02000600000000000000" pitchFamily="2" charset="-128"/>
+              </a:rPr>
+              <a:t>“</a:t>
+            </a:r>
+            <a:r>
+              <a:rPr kumimoji="1" lang="en-US" altLang="ja-JP" sz="4000" dirty="0">
+                <a:solidFill>
+                  <a:schemeClr val="tx1">
+                    <a:lumMod val="65000"/>
+                  </a:schemeClr>
+                </a:solidFill>
+                <a:latin typeface="g_コミック古印体-教漢(太字)" panose="02000600000000000000" pitchFamily="2" charset="-128"/>
+                <a:ea typeface="g_コミック古印体-教漢(太字)" panose="02000600000000000000" pitchFamily="2" charset="-128"/>
+              </a:rPr>
+              <a:t>5</a:t>
+            </a:r>
+            <a:r>
+              <a:rPr kumimoji="1" lang="ja-JP" altLang="en-US" sz="4000" dirty="0">
+                <a:solidFill>
+                  <a:schemeClr val="tx1">
+                    <a:lumMod val="65000"/>
+                  </a:schemeClr>
+                </a:solidFill>
+                <a:latin typeface="g_コミック古印体-教漢(太字)" panose="02000600000000000000" pitchFamily="2" charset="-128"/>
+                <a:ea typeface="g_コミック古印体-教漢(太字)" panose="02000600000000000000" pitchFamily="2" charset="-128"/>
+              </a:rPr>
+              <a:t>つの石板</a:t>
+            </a:r>
+            <a:r>
+              <a:rPr kumimoji="1" lang="ja-JP" altLang="en-US" sz="4000" dirty="0">
+                <a:latin typeface="g_コミック古印体-教漢(太字)" panose="02000600000000000000" pitchFamily="2" charset="-128"/>
+                <a:ea typeface="g_コミック古印体-教漢(太字)" panose="02000600000000000000" pitchFamily="2" charset="-128"/>
+              </a:rPr>
+              <a:t>”</a:t>
+            </a:r>
+            <a:endParaRPr kumimoji="1" lang="en-US" altLang="ja-JP" sz="4000" dirty="0">
+              <a:latin typeface="g_コミック古印体-教漢(太字)" panose="02000600000000000000" pitchFamily="2" charset="-128"/>
+              <a:ea typeface="g_コミック古印体-教漢(太字)" panose="02000600000000000000" pitchFamily="2" charset="-128"/>
+            </a:endParaRPr>
+          </a:p>
+          <a:p>
+            <a:pPr>
+              <a:lnSpc>
+                <a:spcPct val="90000"/>
+              </a:lnSpc>
+            </a:pPr>
+            <a:endParaRPr kumimoji="1" lang="en-US" altLang="ja-JP" sz="4000" dirty="0">
+              <a:latin typeface="g_コミック古印体-教漢(太字)" panose="02000600000000000000" pitchFamily="2" charset="-128"/>
+              <a:ea typeface="g_コミック古印体-教漢(太字)" panose="02000600000000000000" pitchFamily="2" charset="-128"/>
+            </a:endParaRPr>
+          </a:p>
+          <a:p>
+            <a:pPr>
+              <a:lnSpc>
+                <a:spcPct val="90000"/>
+              </a:lnSpc>
+            </a:pPr>
+            <a:r>
+              <a:rPr kumimoji="1" lang="ja-JP" altLang="en-US" sz="2800" dirty="0">
+                <a:latin typeface="しねきゃぷしょん" panose="02000600000000000000" pitchFamily="2" charset="-128"/>
+                <a:ea typeface="しねきゃぷしょん" panose="02000600000000000000" pitchFamily="2" charset="-128"/>
+              </a:rPr>
+              <a:t>このアイテムはゴールに必要不可欠なアイテム。</a:t>
+            </a:r>
+            <a:endParaRPr kumimoji="1" lang="en-US" altLang="ja-JP" sz="2800" dirty="0">
+              <a:latin typeface="しねきゃぷしょん" panose="02000600000000000000" pitchFamily="2" charset="-128"/>
+              <a:ea typeface="しねきゃぷしょん" panose="02000600000000000000" pitchFamily="2" charset="-128"/>
+            </a:endParaRPr>
+          </a:p>
+          <a:p>
+            <a:pPr>
+              <a:lnSpc>
+                <a:spcPct val="90000"/>
+              </a:lnSpc>
+            </a:pPr>
+            <a:r>
+              <a:rPr kumimoji="1" lang="ja-JP" altLang="en-US" sz="2800" dirty="0">
+                <a:latin typeface="しねきゃぷしょん" panose="02000600000000000000" pitchFamily="2" charset="-128"/>
+                <a:ea typeface="しねきゃぷしょん" panose="02000600000000000000" pitchFamily="2" charset="-128"/>
+              </a:rPr>
+              <a:t>プレイヤーは脱出が目的だが、エリア内に散らばったこれらのアイテムを全て揃えないと、目的達成にならない。</a:t>
+            </a:r>
+            <a:endParaRPr kumimoji="1" lang="en-US" altLang="ja-JP" sz="2800" dirty="0">
+              <a:latin typeface="しねきゃぷしょん" panose="02000600000000000000" pitchFamily="2" charset="-128"/>
+              <a:ea typeface="しねきゃぷしょん" panose="02000600000000000000" pitchFamily="2" charset="-128"/>
+            </a:endParaRPr>
+          </a:p>
+          <a:p>
+            <a:pPr>
+              <a:lnSpc>
+                <a:spcPct val="90000"/>
+              </a:lnSpc>
+            </a:pPr>
+            <a:endParaRPr kumimoji="1" lang="en-US" altLang="ja-JP" sz="2800" b="1" dirty="0">
+              <a:latin typeface="しねきゃぷしょん" panose="02000600000000000000" pitchFamily="2" charset="-128"/>
+              <a:ea typeface="しねきゃぷしょん" panose="02000600000000000000" pitchFamily="2" charset="-128"/>
+            </a:endParaRPr>
+          </a:p>
+          <a:p>
+            <a:pPr>
+              <a:lnSpc>
+                <a:spcPct val="90000"/>
+              </a:lnSpc>
+            </a:pPr>
+            <a:r>
+              <a:rPr kumimoji="1" lang="ja-JP" altLang="en-US" sz="2800" dirty="0">
+                <a:latin typeface="しねきゃぷしょん" panose="02000600000000000000" pitchFamily="2" charset="-128"/>
+                <a:ea typeface="しねきゃぷしょん" panose="02000600000000000000" pitchFamily="2" charset="-128"/>
+              </a:rPr>
+              <a:t>これらをはめ込む土台はゴールの扉に設置されている。</a:t>
+            </a:r>
+            <a:endParaRPr kumimoji="1" lang="en-US" altLang="ja-JP" sz="2800" dirty="0">
+              <a:latin typeface="しねきゃぷしょん" panose="02000600000000000000" pitchFamily="2" charset="-128"/>
+              <a:ea typeface="しねきゃぷしょん" panose="02000600000000000000" pitchFamily="2" charset="-128"/>
+            </a:endParaRPr>
+          </a:p>
+        </p:txBody>
+      </p:sp>
+      <p:pic>
+        <p:nvPicPr>
+          <p:cNvPr id="4" name="図 3">
+            <a:extLst>
+              <a:ext uri="{FF2B5EF4-FFF2-40B4-BE49-F238E27FC236}">
+                <a16:creationId xmlns:a16="http://schemas.microsoft.com/office/drawing/2014/main" id="{61A540B1-CDC1-43B6-82AE-BF889405FD1F}"/>
+              </a:ext>
+            </a:extLst>
+          </p:cNvPr>
+          <p:cNvPicPr>
+            <a:picLocks noChangeAspect="1"/>
+          </p:cNvPicPr>
+          <p:nvPr/>
+        </p:nvPicPr>
+        <p:blipFill>
+          <a:blip r:embed="rId3">
+            <a:extLst>
+              <a:ext uri="{28A0092B-C50C-407E-A947-70E740481C1C}">
+                <a14:useLocalDpi xmlns:a14="http://schemas.microsoft.com/office/drawing/2010/main" val="0"/>
+              </a:ext>
+            </a:extLst>
+          </a:blip>
+          <a:stretch>
+            <a:fillRect/>
+          </a:stretch>
+        </p:blipFill>
+        <p:spPr>
+          <a:xfrm rot="1374824">
+            <a:off x="10107917" y="4814633"/>
+            <a:ext cx="1350589" cy="2025884"/>
+          </a:xfrm>
+          <a:prstGeom prst="rect">
+            <a:avLst/>
+          </a:prstGeom>
+        </p:spPr>
+      </p:pic>
+      <p:sp>
+        <p:nvSpPr>
+          <p:cNvPr id="12" name="矢印: 右 11">
+            <a:extLst>
+              <a:ext uri="{FF2B5EF4-FFF2-40B4-BE49-F238E27FC236}">
+                <a16:creationId xmlns:a16="http://schemas.microsoft.com/office/drawing/2014/main" id="{86B31C1C-623A-430E-B069-69E1E647AF40}"/>
+              </a:ext>
+            </a:extLst>
+          </p:cNvPr>
+          <p:cNvSpPr/>
+          <p:nvPr/>
+        </p:nvSpPr>
+        <p:spPr>
+          <a:xfrm>
+            <a:off x="7822603" y="6039832"/>
+            <a:ext cx="1888767" cy="432048"/>
+          </a:xfrm>
+          <a:prstGeom prst="rightArrow">
+            <a:avLst/>
+          </a:prstGeom>
+          <a:solidFill>
+            <a:schemeClr val="bg1"/>
+          </a:solidFill>
+          <a:ln/>
+        </p:spPr>
+        <p:style>
+          <a:lnRef idx="3">
+            <a:schemeClr val="lt1"/>
+          </a:lnRef>
+          <a:fillRef idx="1">
+            <a:schemeClr val="accent1"/>
+          </a:fillRef>
+          <a:effectRef idx="1">
+            <a:schemeClr val="accent1"/>
+          </a:effectRef>
+          <a:fontRef idx="minor">
+            <a:schemeClr val="lt1"/>
+          </a:fontRef>
+        </p:style>
+        <p:txBody>
+          <a:bodyPr rtlCol="0" anchor="ctr"/>
+          <a:lstStyle/>
+          <a:p>
+            <a:pPr algn="ctr"/>
+            <a:endParaRPr kumimoji="1" lang="ja-JP" altLang="en-US"/>
+          </a:p>
+        </p:txBody>
+      </p:sp>
+    </p:spTree>
+    <p:extLst>
+      <p:ext uri="{BB962C8B-B14F-4D97-AF65-F5344CB8AC3E}">
+        <p14:creationId xmlns:p14="http://schemas.microsoft.com/office/powerpoint/2010/main" val="1816923565"/>
+      </p:ext>
+    </p:extLst>
+  </p:cSld>
+  <p:clrMapOvr>
+    <a:masterClrMapping/>
+  </p:clrMapOvr>
+  <mc:AlternateContent xmlns:mc="http://schemas.openxmlformats.org/markup-compatibility/2006" xmlns:p14="http://schemas.microsoft.com/office/powerpoint/2010/main">
+    <mc:Choice Requires="p14">
+      <p:transition spd="med" p14:dur="700">
+        <p:fade/>
+      </p:transition>
+    </mc:Choice>
+    <mc:Fallback xmlns="">
+      <p:transition spd="med">
+        <p:fade/>
+      </p:transition>
+    </mc:Fallback>
+  </mc:AlternateContent>
+</p:sld>
+</file>
+
+<file path=ppt/slides/slide9.xml><?xml version="1.0" encoding="utf-8"?>
 <p:sld xmlns:a="http://schemas.openxmlformats.org/drawingml/2006/main" xmlns:r="http://schemas.openxmlformats.org/officeDocument/2006/relationships" xmlns:p="http://schemas.openxmlformats.org/presentationml/2006/main">
   <p:cSld>
     <p:spTree>
@@ -8529,4164 +13271,6 @@
     <p:extLst>
       <p:ext uri="{BB962C8B-B14F-4D97-AF65-F5344CB8AC3E}">
         <p14:creationId xmlns:p14="http://schemas.microsoft.com/office/powerpoint/2010/main" val="2285298257"/>
-      </p:ext>
-    </p:extLst>
-  </p:cSld>
-  <p:clrMapOvr>
-    <a:masterClrMapping/>
-  </p:clrMapOvr>
-  <mc:AlternateContent xmlns:mc="http://schemas.openxmlformats.org/markup-compatibility/2006" xmlns:p14="http://schemas.microsoft.com/office/powerpoint/2010/main">
-    <mc:Choice Requires="p14">
-      <p:transition spd="med" p14:dur="700">
-        <p:fade/>
-      </p:transition>
-    </mc:Choice>
-    <mc:Fallback xmlns="">
-      <p:transition spd="med">
-        <p:fade/>
-      </p:transition>
-    </mc:Fallback>
-  </mc:AlternateContent>
-</p:sld>
-</file>
-
-<file path=ppt/slides/slide11.xml><?xml version="1.0" encoding="utf-8"?>
-<p:sld xmlns:a="http://schemas.openxmlformats.org/drawingml/2006/main" xmlns:r="http://schemas.openxmlformats.org/officeDocument/2006/relationships" xmlns:p="http://schemas.openxmlformats.org/presentationml/2006/main">
-  <p:cSld>
-    <p:spTree>
-      <p:nvGrpSpPr>
-        <p:cNvPr id="1" name=""/>
-        <p:cNvGrpSpPr/>
-        <p:nvPr/>
-      </p:nvGrpSpPr>
-      <p:grpSpPr>
-        <a:xfrm>
-          <a:off x="0" y="0"/>
-          <a:ext cx="0" cy="0"/>
-          <a:chOff x="0" y="0"/>
-          <a:chExt cx="0" cy="0"/>
-        </a:xfrm>
-      </p:grpSpPr>
-      <p:sp>
-        <p:nvSpPr>
-          <p:cNvPr id="2" name="タイトル 1"/>
-          <p:cNvSpPr>
-            <a:spLocks noGrp="1"/>
-          </p:cNvSpPr>
-          <p:nvPr>
-            <p:ph type="title"/>
-          </p:nvPr>
-        </p:nvSpPr>
-        <p:spPr>
-          <a:xfrm>
-            <a:off x="2494012" y="1412776"/>
-            <a:ext cx="7668852" cy="1152128"/>
-          </a:xfrm>
-        </p:spPr>
-        <p:txBody>
-          <a:bodyPr rtlCol="0">
-            <a:normAutofit fontScale="90000"/>
-          </a:bodyPr>
-          <a:lstStyle/>
-          <a:p>
-            <a:pPr rtl="0"/>
-            <a:r>
-              <a:rPr lang="en-US" altLang="ja-JP" sz="7200" dirty="0">
-                <a:latin typeface="Brush Script MT" panose="03060802040406070304" pitchFamily="66" charset="0"/>
-                <a:sym typeface="ＭＳ Ｐ明朝" panose="02020600040205080304" pitchFamily="18" charset="-128"/>
-              </a:rPr>
-              <a:t>        4:   </a:t>
-            </a:r>
-            <a:r>
-              <a:rPr lang="en-US" altLang="ja-JP" sz="7200" dirty="0">
-                <a:latin typeface="DK Face Your Fears" panose="000907010108010A0105" pitchFamily="18" charset="0"/>
-                <a:sym typeface="ＭＳ Ｐ明朝" panose="02020600040205080304" pitchFamily="18" charset="-128"/>
-              </a:rPr>
-              <a:t>ITEMS</a:t>
-            </a:r>
-            <a:br>
-              <a:rPr lang="en-US" altLang="ja-JP" sz="7200" dirty="0">
-                <a:latin typeface="DK Face Your Fears" panose="000907010108010A0105" pitchFamily="18" charset="0"/>
-                <a:sym typeface="ＭＳ Ｐ明朝" panose="02020600040205080304" pitchFamily="18" charset="-128"/>
-              </a:rPr>
-            </a:br>
-            <a:br>
-              <a:rPr lang="en-US" altLang="ja-JP" sz="7200" dirty="0">
-                <a:latin typeface="DK Face Your Fears" panose="000907010108010A0105" pitchFamily="18" charset="0"/>
-                <a:sym typeface="ＭＳ Ｐ明朝" panose="02020600040205080304" pitchFamily="18" charset="-128"/>
-              </a:rPr>
-            </a:br>
-            <a:r>
-              <a:rPr lang="en-US" altLang="ja-JP" sz="7200" dirty="0">
-                <a:latin typeface="DK Face Your Fears" panose="000907010108010A0105" pitchFamily="18" charset="0"/>
-                <a:sym typeface="ＭＳ Ｐ明朝" panose="02020600040205080304" pitchFamily="18" charset="-128"/>
-              </a:rPr>
-              <a:t>      2</a:t>
-            </a:r>
-            <a:r>
-              <a:rPr lang="en-US" altLang="ja-JP" sz="6700" dirty="0">
-                <a:latin typeface="DK Face Your Fears" panose="000907010108010A0105" pitchFamily="18" charset="0"/>
-                <a:sym typeface="ＭＳ Ｐ明朝" panose="02020600040205080304" pitchFamily="18" charset="-128"/>
-              </a:rPr>
-              <a:t>, </a:t>
-            </a:r>
-            <a:r>
-              <a:rPr lang="en-US" altLang="ja-JP" sz="6700" dirty="0">
-                <a:solidFill>
-                  <a:srgbClr val="FFFF00"/>
-                </a:solidFill>
-                <a:latin typeface="Chiller" panose="04020404031007020602" pitchFamily="82" charset="0"/>
-                <a:sym typeface="ＭＳ Ｐ明朝" panose="02020600040205080304" pitchFamily="18" charset="-128"/>
-              </a:rPr>
-              <a:t>LANTERN</a:t>
-            </a:r>
-          </a:p>
-        </p:txBody>
-      </p:sp>
-      <p:sp>
-        <p:nvSpPr>
-          <p:cNvPr id="7" name="テキスト ボックス 6">
-            <a:extLst>
-              <a:ext uri="{FF2B5EF4-FFF2-40B4-BE49-F238E27FC236}">
-                <a16:creationId xmlns:a16="http://schemas.microsoft.com/office/drawing/2014/main" id="{007F6989-FD92-4B89-B7F8-9B4E0DE798BE}"/>
-              </a:ext>
-            </a:extLst>
-          </p:cNvPr>
-          <p:cNvSpPr txBox="1"/>
-          <p:nvPr/>
-        </p:nvSpPr>
-        <p:spPr>
-          <a:xfrm>
-            <a:off x="765820" y="2492896"/>
-            <a:ext cx="9937104" cy="4302716"/>
-          </a:xfrm>
-          <a:prstGeom prst="rect">
-            <a:avLst/>
-          </a:prstGeom>
-          <a:noFill/>
-        </p:spPr>
-        <p:txBody>
-          <a:bodyPr wrap="square" rtlCol="0">
-            <a:spAutoFit/>
-          </a:bodyPr>
-          <a:lstStyle/>
-          <a:p>
-            <a:pPr>
-              <a:lnSpc>
-                <a:spcPct val="90000"/>
-              </a:lnSpc>
-            </a:pPr>
-            <a:r>
-              <a:rPr kumimoji="1" lang="ja-JP" altLang="en-US" sz="4000" dirty="0">
-                <a:latin typeface="g_コミック古印体-教漢(太字)" panose="02000600000000000000" pitchFamily="2" charset="-128"/>
-                <a:ea typeface="g_コミック古印体-教漢(太字)" panose="02000600000000000000" pitchFamily="2" charset="-128"/>
-              </a:rPr>
-              <a:t>“</a:t>
-            </a:r>
-            <a:r>
-              <a:rPr kumimoji="1" lang="ja-JP" altLang="en-US" sz="4000" dirty="0">
-                <a:solidFill>
-                  <a:srgbClr val="FFFF00"/>
-                </a:solidFill>
-                <a:latin typeface="g_コミック古印体-教漢(太字)" panose="02000600000000000000" pitchFamily="2" charset="-128"/>
-                <a:ea typeface="g_コミック古印体-教漢(太字)" panose="02000600000000000000" pitchFamily="2" charset="-128"/>
-              </a:rPr>
-              <a:t>ランタン</a:t>
-            </a:r>
-            <a:r>
-              <a:rPr kumimoji="1" lang="ja-JP" altLang="en-US" sz="4000" dirty="0">
-                <a:latin typeface="g_コミック古印体-教漢(太字)" panose="02000600000000000000" pitchFamily="2" charset="-128"/>
-                <a:ea typeface="g_コミック古印体-教漢(太字)" panose="02000600000000000000" pitchFamily="2" charset="-128"/>
-              </a:rPr>
-              <a:t>”</a:t>
-            </a:r>
-            <a:endParaRPr kumimoji="1" lang="en-US" altLang="ja-JP" sz="4000" dirty="0">
-              <a:latin typeface="g_コミック古印体-教漢(太字)" panose="02000600000000000000" pitchFamily="2" charset="-128"/>
-              <a:ea typeface="g_コミック古印体-教漢(太字)" panose="02000600000000000000" pitchFamily="2" charset="-128"/>
-            </a:endParaRPr>
-          </a:p>
-          <a:p>
-            <a:pPr>
-              <a:lnSpc>
-                <a:spcPct val="90000"/>
-              </a:lnSpc>
-            </a:pPr>
-            <a:endParaRPr kumimoji="1" lang="en-US" altLang="ja-JP" sz="4000" dirty="0">
-              <a:latin typeface="g_コミック古印体-教漢(太字)" panose="02000600000000000000" pitchFamily="2" charset="-128"/>
-              <a:ea typeface="g_コミック古印体-教漢(太字)" panose="02000600000000000000" pitchFamily="2" charset="-128"/>
-            </a:endParaRPr>
-          </a:p>
-          <a:p>
-            <a:pPr>
-              <a:lnSpc>
-                <a:spcPct val="90000"/>
-              </a:lnSpc>
-            </a:pPr>
-            <a:r>
-              <a:rPr kumimoji="1" lang="ja-JP" altLang="en-US" sz="2800" dirty="0">
-                <a:latin typeface="しねきゃぷしょん" panose="02000600000000000000" pitchFamily="2" charset="-128"/>
-                <a:ea typeface="しねきゃぷしょん" panose="02000600000000000000" pitchFamily="2" charset="-128"/>
-              </a:rPr>
-              <a:t>このアイテムはプレイヤーが暗闇のエリアを探索するために必要不可欠なアイテム。</a:t>
-            </a:r>
-            <a:endParaRPr kumimoji="1" lang="en-US" altLang="ja-JP" sz="2800" dirty="0">
-              <a:latin typeface="しねきゃぷしょん" panose="02000600000000000000" pitchFamily="2" charset="-128"/>
-              <a:ea typeface="しねきゃぷしょん" panose="02000600000000000000" pitchFamily="2" charset="-128"/>
-            </a:endParaRPr>
-          </a:p>
-          <a:p>
-            <a:pPr>
-              <a:lnSpc>
-                <a:spcPct val="90000"/>
-              </a:lnSpc>
-            </a:pPr>
-            <a:r>
-              <a:rPr kumimoji="1" lang="ja-JP" altLang="en-US" sz="2800" dirty="0">
-                <a:latin typeface="しねきゃぷしょん" panose="02000600000000000000" pitchFamily="2" charset="-128"/>
-                <a:ea typeface="しねきゃぷしょん" panose="02000600000000000000" pitchFamily="2" charset="-128"/>
-              </a:rPr>
-              <a:t>プレイヤーは初期装備しており、特別に入手するものではない。</a:t>
-            </a:r>
-            <a:endParaRPr kumimoji="1" lang="en-US" altLang="ja-JP" sz="2800" dirty="0">
-              <a:latin typeface="しねきゃぷしょん" panose="02000600000000000000" pitchFamily="2" charset="-128"/>
-              <a:ea typeface="しねきゃぷしょん" panose="02000600000000000000" pitchFamily="2" charset="-128"/>
-            </a:endParaRPr>
-          </a:p>
-          <a:p>
-            <a:pPr>
-              <a:lnSpc>
-                <a:spcPct val="90000"/>
-              </a:lnSpc>
-            </a:pPr>
-            <a:r>
-              <a:rPr kumimoji="1" lang="ja-JP" altLang="en-US" sz="2800" dirty="0">
-                <a:latin typeface="しねきゃぷしょん" panose="02000600000000000000" pitchFamily="2" charset="-128"/>
-                <a:ea typeface="しねきゃぷしょん" panose="02000600000000000000" pitchFamily="2" charset="-128"/>
-              </a:rPr>
-              <a:t>しかし、このランタンは“オイル”で燃えているため、</a:t>
-            </a:r>
-            <a:endParaRPr kumimoji="1" lang="en-US" altLang="ja-JP" sz="2800" dirty="0">
-              <a:latin typeface="しねきゃぷしょん" panose="02000600000000000000" pitchFamily="2" charset="-128"/>
-              <a:ea typeface="しねきゃぷしょん" panose="02000600000000000000" pitchFamily="2" charset="-128"/>
-            </a:endParaRPr>
-          </a:p>
-          <a:p>
-            <a:pPr>
-              <a:lnSpc>
-                <a:spcPct val="90000"/>
-              </a:lnSpc>
-            </a:pPr>
-            <a:r>
-              <a:rPr kumimoji="1" lang="ja-JP" altLang="en-US" sz="2800" dirty="0">
-                <a:latin typeface="しねきゃぷしょん" panose="02000600000000000000" pitchFamily="2" charset="-128"/>
-                <a:ea typeface="しねきゃぷしょん" panose="02000600000000000000" pitchFamily="2" charset="-128"/>
-              </a:rPr>
-              <a:t>“オイル切れ”になると、特定の場所に設置された</a:t>
-            </a:r>
-            <a:endParaRPr kumimoji="1" lang="en-US" altLang="ja-JP" sz="2800" dirty="0">
-              <a:latin typeface="しねきゃぷしょん" panose="02000600000000000000" pitchFamily="2" charset="-128"/>
-              <a:ea typeface="しねきゃぷしょん" panose="02000600000000000000" pitchFamily="2" charset="-128"/>
-            </a:endParaRPr>
-          </a:p>
-          <a:p>
-            <a:pPr>
-              <a:lnSpc>
-                <a:spcPct val="90000"/>
-              </a:lnSpc>
-            </a:pPr>
-            <a:r>
-              <a:rPr kumimoji="1" lang="ja-JP" altLang="en-US" sz="2800" dirty="0">
-                <a:latin typeface="しねきゃぷしょん" panose="02000600000000000000" pitchFamily="2" charset="-128"/>
-                <a:ea typeface="しねきゃぷしょん" panose="02000600000000000000" pitchFamily="2" charset="-128"/>
-              </a:rPr>
-              <a:t>“タンク”まで行き“オイル補給”をしなければならない。</a:t>
-            </a:r>
-            <a:endParaRPr kumimoji="1" lang="en-US" altLang="ja-JP" sz="2800" dirty="0">
-              <a:latin typeface="しねきゃぷしょん" panose="02000600000000000000" pitchFamily="2" charset="-128"/>
-              <a:ea typeface="しねきゃぷしょん" panose="02000600000000000000" pitchFamily="2" charset="-128"/>
-            </a:endParaRPr>
-          </a:p>
-          <a:p>
-            <a:pPr>
-              <a:lnSpc>
-                <a:spcPct val="90000"/>
-              </a:lnSpc>
-            </a:pPr>
-            <a:endParaRPr kumimoji="1" lang="en-US" altLang="ja-JP" sz="2800" dirty="0">
-              <a:latin typeface="g_コミック古印体-教漢(太字)" panose="02000600000000000000" pitchFamily="2" charset="-128"/>
-              <a:ea typeface="g_コミック古印体-教漢(太字)" panose="02000600000000000000" pitchFamily="2" charset="-128"/>
-            </a:endParaRPr>
-          </a:p>
-        </p:txBody>
-      </p:sp>
-      <p:sp>
-        <p:nvSpPr>
-          <p:cNvPr id="3" name="テキスト ボックス 2">
-            <a:extLst>
-              <a:ext uri="{FF2B5EF4-FFF2-40B4-BE49-F238E27FC236}">
-                <a16:creationId xmlns:a16="http://schemas.microsoft.com/office/drawing/2014/main" id="{4C6D6350-FA0B-468D-A0CC-27B245628968}"/>
-              </a:ext>
-            </a:extLst>
-          </p:cNvPr>
-          <p:cNvSpPr txBox="1"/>
-          <p:nvPr/>
-        </p:nvSpPr>
-        <p:spPr>
-          <a:xfrm>
-            <a:off x="7966620" y="188640"/>
-            <a:ext cx="3960440" cy="480131"/>
-          </a:xfrm>
-          <a:prstGeom prst="rect">
-            <a:avLst/>
-          </a:prstGeom>
-          <a:noFill/>
-        </p:spPr>
-        <p:txBody>
-          <a:bodyPr wrap="square" rtlCol="0">
-            <a:spAutoFit/>
-          </a:bodyPr>
-          <a:lstStyle/>
-          <a:p>
-            <a:pPr>
-              <a:lnSpc>
-                <a:spcPct val="90000"/>
-              </a:lnSpc>
-            </a:pPr>
-            <a:r>
-              <a:rPr kumimoji="1" lang="ja-JP" altLang="en-US" sz="2800" dirty="0"/>
-              <a:t>ランタンの画像を追加</a:t>
-            </a:r>
-          </a:p>
-        </p:txBody>
-      </p:sp>
-    </p:spTree>
-    <p:extLst>
-      <p:ext uri="{BB962C8B-B14F-4D97-AF65-F5344CB8AC3E}">
-        <p14:creationId xmlns:p14="http://schemas.microsoft.com/office/powerpoint/2010/main" val="824037611"/>
-      </p:ext>
-    </p:extLst>
-  </p:cSld>
-  <p:clrMapOvr>
-    <a:masterClrMapping/>
-  </p:clrMapOvr>
-  <mc:AlternateContent xmlns:mc="http://schemas.openxmlformats.org/markup-compatibility/2006" xmlns:p14="http://schemas.microsoft.com/office/powerpoint/2010/main">
-    <mc:Choice Requires="p14">
-      <p:transition spd="med" p14:dur="700">
-        <p:fade/>
-      </p:transition>
-    </mc:Choice>
-    <mc:Fallback xmlns="">
-      <p:transition spd="med">
-        <p:fade/>
-      </p:transition>
-    </mc:Fallback>
-  </mc:AlternateContent>
-</p:sld>
-</file>
-
-<file path=ppt/slides/slide12.xml><?xml version="1.0" encoding="utf-8"?>
-<p:sld xmlns:a="http://schemas.openxmlformats.org/drawingml/2006/main" xmlns:r="http://schemas.openxmlformats.org/officeDocument/2006/relationships" xmlns:p="http://schemas.openxmlformats.org/presentationml/2006/main">
-  <p:cSld>
-    <p:spTree>
-      <p:nvGrpSpPr>
-        <p:cNvPr id="1" name=""/>
-        <p:cNvGrpSpPr/>
-        <p:nvPr/>
-      </p:nvGrpSpPr>
-      <p:grpSpPr>
-        <a:xfrm>
-          <a:off x="0" y="0"/>
-          <a:ext cx="0" cy="0"/>
-          <a:chOff x="0" y="0"/>
-          <a:chExt cx="0" cy="0"/>
-        </a:xfrm>
-      </p:grpSpPr>
-      <p:sp>
-        <p:nvSpPr>
-          <p:cNvPr id="2" name="タイトル 1"/>
-          <p:cNvSpPr>
-            <a:spLocks noGrp="1"/>
-          </p:cNvSpPr>
-          <p:nvPr>
-            <p:ph type="title"/>
-          </p:nvPr>
-        </p:nvSpPr>
-        <p:spPr>
-          <a:xfrm>
-            <a:off x="2494012" y="1412776"/>
-            <a:ext cx="7668852" cy="1152128"/>
-          </a:xfrm>
-        </p:spPr>
-        <p:txBody>
-          <a:bodyPr rtlCol="0">
-            <a:normAutofit fontScale="90000"/>
-          </a:bodyPr>
-          <a:lstStyle/>
-          <a:p>
-            <a:pPr rtl="0"/>
-            <a:r>
-              <a:rPr lang="en-US" altLang="ja-JP" sz="7200" dirty="0">
-                <a:latin typeface="Brush Script MT" panose="03060802040406070304" pitchFamily="66" charset="0"/>
-                <a:sym typeface="ＭＳ Ｐ明朝" panose="02020600040205080304" pitchFamily="18" charset="-128"/>
-              </a:rPr>
-              <a:t>        4:   </a:t>
-            </a:r>
-            <a:r>
-              <a:rPr lang="en-US" altLang="ja-JP" sz="7200" dirty="0">
-                <a:latin typeface="DK Face Your Fears" panose="000907010108010A0105" pitchFamily="18" charset="0"/>
-                <a:sym typeface="ＭＳ Ｐ明朝" panose="02020600040205080304" pitchFamily="18" charset="-128"/>
-              </a:rPr>
-              <a:t>ITEMS</a:t>
-            </a:r>
-            <a:br>
-              <a:rPr lang="en-US" altLang="ja-JP" sz="7200" dirty="0">
-                <a:latin typeface="DK Face Your Fears" panose="000907010108010A0105" pitchFamily="18" charset="0"/>
-                <a:sym typeface="ＭＳ Ｐ明朝" panose="02020600040205080304" pitchFamily="18" charset="-128"/>
-              </a:rPr>
-            </a:br>
-            <a:br>
-              <a:rPr lang="en-US" altLang="ja-JP" sz="7200" dirty="0">
-                <a:latin typeface="DK Face Your Fears" panose="000907010108010A0105" pitchFamily="18" charset="0"/>
-                <a:sym typeface="ＭＳ Ｐ明朝" panose="02020600040205080304" pitchFamily="18" charset="-128"/>
-              </a:rPr>
-            </a:br>
-            <a:r>
-              <a:rPr lang="en-US" altLang="ja-JP" sz="7200" dirty="0">
-                <a:latin typeface="DK Face Your Fears" panose="000907010108010A0105" pitchFamily="18" charset="0"/>
-                <a:sym typeface="ＭＳ Ｐ明朝" panose="02020600040205080304" pitchFamily="18" charset="-128"/>
-              </a:rPr>
-              <a:t>      3</a:t>
-            </a:r>
-            <a:r>
-              <a:rPr lang="en-US" altLang="ja-JP" sz="6700" dirty="0">
-                <a:latin typeface="DK Face Your Fears" panose="000907010108010A0105" pitchFamily="18" charset="0"/>
-                <a:sym typeface="ＭＳ Ｐ明朝" panose="02020600040205080304" pitchFamily="18" charset="-128"/>
-              </a:rPr>
-              <a:t>,   </a:t>
-            </a:r>
-            <a:r>
-              <a:rPr lang="en-US" altLang="ja-JP" sz="6700" dirty="0">
-                <a:solidFill>
-                  <a:srgbClr val="00B0F0"/>
-                </a:solidFill>
-                <a:latin typeface="Chiller" panose="04020404031007020602" pitchFamily="82" charset="0"/>
-                <a:sym typeface="ＭＳ Ｐ明朝" panose="02020600040205080304" pitchFamily="18" charset="-128"/>
-              </a:rPr>
-              <a:t>rune</a:t>
-            </a:r>
-          </a:p>
-        </p:txBody>
-      </p:sp>
-      <p:sp>
-        <p:nvSpPr>
-          <p:cNvPr id="7" name="テキスト ボックス 6">
-            <a:extLst>
-              <a:ext uri="{FF2B5EF4-FFF2-40B4-BE49-F238E27FC236}">
-                <a16:creationId xmlns:a16="http://schemas.microsoft.com/office/drawing/2014/main" id="{007F6989-FD92-4B89-B7F8-9B4E0DE798BE}"/>
-              </a:ext>
-            </a:extLst>
-          </p:cNvPr>
-          <p:cNvSpPr txBox="1"/>
-          <p:nvPr/>
-        </p:nvSpPr>
-        <p:spPr>
-          <a:xfrm>
-            <a:off x="765820" y="2608550"/>
-            <a:ext cx="9937104" cy="3139321"/>
-          </a:xfrm>
-          <a:prstGeom prst="rect">
-            <a:avLst/>
-          </a:prstGeom>
-          <a:noFill/>
-        </p:spPr>
-        <p:txBody>
-          <a:bodyPr wrap="square" rtlCol="0">
-            <a:spAutoFit/>
-          </a:bodyPr>
-          <a:lstStyle/>
-          <a:p>
-            <a:pPr>
-              <a:lnSpc>
-                <a:spcPct val="90000"/>
-              </a:lnSpc>
-            </a:pPr>
-            <a:r>
-              <a:rPr kumimoji="1" lang="ja-JP" altLang="en-US" sz="4000" dirty="0">
-                <a:latin typeface="g_コミック古印体-教漢(太字)" panose="02000600000000000000" pitchFamily="2" charset="-128"/>
-                <a:ea typeface="g_コミック古印体-教漢(太字)" panose="02000600000000000000" pitchFamily="2" charset="-128"/>
-              </a:rPr>
-              <a:t>“</a:t>
-            </a:r>
-            <a:r>
-              <a:rPr kumimoji="1" lang="ja-JP" altLang="en-US" sz="4000" dirty="0">
-                <a:solidFill>
-                  <a:srgbClr val="00B0F0"/>
-                </a:solidFill>
-                <a:latin typeface="g_コミック古印体-教漢(太字)" panose="02000600000000000000" pitchFamily="2" charset="-128"/>
-                <a:ea typeface="g_コミック古印体-教漢(太字)" panose="02000600000000000000" pitchFamily="2" charset="-128"/>
-              </a:rPr>
-              <a:t>ルーン</a:t>
-            </a:r>
-            <a:r>
-              <a:rPr kumimoji="1" lang="ja-JP" altLang="en-US" sz="4000" dirty="0">
-                <a:latin typeface="g_コミック古印体-教漢(太字)" panose="02000600000000000000" pitchFamily="2" charset="-128"/>
-                <a:ea typeface="g_コミック古印体-教漢(太字)" panose="02000600000000000000" pitchFamily="2" charset="-128"/>
-              </a:rPr>
-              <a:t>”</a:t>
-            </a:r>
-            <a:endParaRPr kumimoji="1" lang="en-US" altLang="ja-JP" sz="4000" dirty="0">
-              <a:latin typeface="g_コミック古印体-教漢(太字)" panose="02000600000000000000" pitchFamily="2" charset="-128"/>
-              <a:ea typeface="g_コミック古印体-教漢(太字)" panose="02000600000000000000" pitchFamily="2" charset="-128"/>
-            </a:endParaRPr>
-          </a:p>
-          <a:p>
-            <a:pPr>
-              <a:lnSpc>
-                <a:spcPct val="90000"/>
-              </a:lnSpc>
-            </a:pPr>
-            <a:endParaRPr kumimoji="1" lang="en-US" altLang="ja-JP" sz="4000" dirty="0">
-              <a:latin typeface="g_コミック古印体-教漢(太字)" panose="02000600000000000000" pitchFamily="2" charset="-128"/>
-              <a:ea typeface="g_コミック古印体-教漢(太字)" panose="02000600000000000000" pitchFamily="2" charset="-128"/>
-            </a:endParaRPr>
-          </a:p>
-          <a:p>
-            <a:pPr>
-              <a:lnSpc>
-                <a:spcPct val="90000"/>
-              </a:lnSpc>
-            </a:pPr>
-            <a:r>
-              <a:rPr kumimoji="1" lang="ja-JP" altLang="en-US" sz="2800" dirty="0">
-                <a:latin typeface="しねきゃぷしょん" panose="02000600000000000000" pitchFamily="2" charset="-128"/>
-                <a:ea typeface="しねきゃぷしょん" panose="02000600000000000000" pitchFamily="2" charset="-128"/>
-              </a:rPr>
-              <a:t>このアイテムはプレイヤーよりも身体能力が高い“処刑人”から、身を守るためのアイテム。</a:t>
-            </a:r>
-            <a:endParaRPr kumimoji="1" lang="en-US" altLang="ja-JP" sz="2800" dirty="0">
-              <a:latin typeface="しねきゃぷしょん" panose="02000600000000000000" pitchFamily="2" charset="-128"/>
-              <a:ea typeface="しねきゃぷしょん" panose="02000600000000000000" pitchFamily="2" charset="-128"/>
-            </a:endParaRPr>
-          </a:p>
-          <a:p>
-            <a:pPr>
-              <a:lnSpc>
-                <a:spcPct val="90000"/>
-              </a:lnSpc>
-            </a:pPr>
-            <a:r>
-              <a:rPr kumimoji="1" lang="ja-JP" altLang="en-US" sz="2800" dirty="0">
-                <a:latin typeface="しねきゃぷしょん" panose="02000600000000000000" pitchFamily="2" charset="-128"/>
-                <a:ea typeface="しねきゃぷしょん" panose="02000600000000000000" pitchFamily="2" charset="-128"/>
-              </a:rPr>
-              <a:t>ルーンの表示によって効果は異なる。</a:t>
-            </a:r>
-            <a:endParaRPr kumimoji="1" lang="en-US" altLang="ja-JP" sz="2800" dirty="0">
-              <a:latin typeface="しねきゃぷしょん" panose="02000600000000000000" pitchFamily="2" charset="-128"/>
-              <a:ea typeface="しねきゃぷしょん" panose="02000600000000000000" pitchFamily="2" charset="-128"/>
-            </a:endParaRPr>
-          </a:p>
-          <a:p>
-            <a:pPr>
-              <a:lnSpc>
-                <a:spcPct val="90000"/>
-              </a:lnSpc>
-            </a:pPr>
-            <a:r>
-              <a:rPr kumimoji="1" lang="ja-JP" altLang="en-US" sz="2800" dirty="0">
-                <a:latin typeface="しねきゃぷしょん" panose="02000600000000000000" pitchFamily="2" charset="-128"/>
-                <a:ea typeface="しねきゃぷしょん" panose="02000600000000000000" pitchFamily="2" charset="-128"/>
-              </a:rPr>
-              <a:t>エリア内の至るところに落ちている。</a:t>
-            </a:r>
-            <a:endParaRPr kumimoji="1" lang="en-US" altLang="ja-JP" sz="2800" dirty="0">
-              <a:latin typeface="しねきゃぷしょん" panose="02000600000000000000" pitchFamily="2" charset="-128"/>
-              <a:ea typeface="しねきゃぷしょん" panose="02000600000000000000" pitchFamily="2" charset="-128"/>
-            </a:endParaRPr>
-          </a:p>
-          <a:p>
-            <a:pPr>
-              <a:lnSpc>
-                <a:spcPct val="90000"/>
-              </a:lnSpc>
-            </a:pPr>
-            <a:r>
-              <a:rPr kumimoji="1" lang="en-US" altLang="ja-JP" sz="2800" dirty="0">
-                <a:latin typeface="しねきゃぷしょん" panose="02000600000000000000" pitchFamily="2" charset="-128"/>
-                <a:ea typeface="しねきゃぷしょん" panose="02000600000000000000" pitchFamily="2" charset="-128"/>
-              </a:rPr>
-              <a:t>1</a:t>
-            </a:r>
-            <a:r>
-              <a:rPr kumimoji="1" lang="ja-JP" altLang="en-US" sz="2800" dirty="0">
-                <a:latin typeface="しねきゃぷしょん" panose="02000600000000000000" pitchFamily="2" charset="-128"/>
-                <a:ea typeface="しねきゃぷしょん" panose="02000600000000000000" pitchFamily="2" charset="-128"/>
-              </a:rPr>
-              <a:t>回使用すると、無くなる。（説明有）</a:t>
-            </a:r>
-            <a:endParaRPr kumimoji="1" lang="en-US" altLang="ja-JP" sz="2800" dirty="0">
-              <a:latin typeface="g_コミック古印体-教漢(太字)" panose="02000600000000000000" pitchFamily="2" charset="-128"/>
-              <a:ea typeface="g_コミック古印体-教漢(太字)" panose="02000600000000000000" pitchFamily="2" charset="-128"/>
-            </a:endParaRPr>
-          </a:p>
-        </p:txBody>
-      </p:sp>
-    </p:spTree>
-    <p:extLst>
-      <p:ext uri="{BB962C8B-B14F-4D97-AF65-F5344CB8AC3E}">
-        <p14:creationId xmlns:p14="http://schemas.microsoft.com/office/powerpoint/2010/main" val="2610154590"/>
-      </p:ext>
-    </p:extLst>
-  </p:cSld>
-  <p:clrMapOvr>
-    <a:masterClrMapping/>
-  </p:clrMapOvr>
-  <mc:AlternateContent xmlns:mc="http://schemas.openxmlformats.org/markup-compatibility/2006" xmlns:p14="http://schemas.microsoft.com/office/powerpoint/2010/main">
-    <mc:Choice Requires="p14">
-      <p:transition spd="med" p14:dur="700">
-        <p:fade/>
-      </p:transition>
-    </mc:Choice>
-    <mc:Fallback xmlns="">
-      <p:transition spd="med">
-        <p:fade/>
-      </p:transition>
-    </mc:Fallback>
-  </mc:AlternateContent>
-</p:sld>
-</file>
-
-<file path=ppt/slides/slide13.xml><?xml version="1.0" encoding="utf-8"?>
-<p:sld xmlns:a="http://schemas.openxmlformats.org/drawingml/2006/main" xmlns:r="http://schemas.openxmlformats.org/officeDocument/2006/relationships" xmlns:p="http://schemas.openxmlformats.org/presentationml/2006/main">
-  <p:cSld>
-    <p:spTree>
-      <p:nvGrpSpPr>
-        <p:cNvPr id="1" name=""/>
-        <p:cNvGrpSpPr/>
-        <p:nvPr/>
-      </p:nvGrpSpPr>
-      <p:grpSpPr>
-        <a:xfrm>
-          <a:off x="0" y="0"/>
-          <a:ext cx="0" cy="0"/>
-          <a:chOff x="0" y="0"/>
-          <a:chExt cx="0" cy="0"/>
-        </a:xfrm>
-      </p:grpSpPr>
-      <p:sp>
-        <p:nvSpPr>
-          <p:cNvPr id="2" name="タイトル 1"/>
-          <p:cNvSpPr>
-            <a:spLocks noGrp="1"/>
-          </p:cNvSpPr>
-          <p:nvPr>
-            <p:ph type="title"/>
-          </p:nvPr>
-        </p:nvSpPr>
-        <p:spPr>
-          <a:xfrm>
-            <a:off x="2494012" y="1412776"/>
-            <a:ext cx="7668852" cy="1152128"/>
-          </a:xfrm>
-        </p:spPr>
-        <p:txBody>
-          <a:bodyPr rtlCol="0">
-            <a:normAutofit fontScale="90000"/>
-          </a:bodyPr>
-          <a:lstStyle/>
-          <a:p>
-            <a:pPr rtl="0"/>
-            <a:r>
-              <a:rPr lang="en-US" altLang="ja-JP" sz="7200" dirty="0">
-                <a:latin typeface="Brush Script MT" panose="03060802040406070304" pitchFamily="66" charset="0"/>
-                <a:sym typeface="ＭＳ Ｐ明朝" panose="02020600040205080304" pitchFamily="18" charset="-128"/>
-              </a:rPr>
-              <a:t>        4:   </a:t>
-            </a:r>
-            <a:r>
-              <a:rPr lang="en-US" altLang="ja-JP" sz="7200" dirty="0">
-                <a:latin typeface="DK Face Your Fears" panose="000907010108010A0105" pitchFamily="18" charset="0"/>
-                <a:sym typeface="ＭＳ Ｐ明朝" panose="02020600040205080304" pitchFamily="18" charset="-128"/>
-              </a:rPr>
-              <a:t>ITEMS</a:t>
-            </a:r>
-            <a:br>
-              <a:rPr lang="en-US" altLang="ja-JP" sz="7200" dirty="0">
-                <a:latin typeface="DK Face Your Fears" panose="000907010108010A0105" pitchFamily="18" charset="0"/>
-                <a:sym typeface="ＭＳ Ｐ明朝" panose="02020600040205080304" pitchFamily="18" charset="-128"/>
-              </a:rPr>
-            </a:br>
-            <a:br>
-              <a:rPr lang="en-US" altLang="ja-JP" sz="7200" dirty="0">
-                <a:latin typeface="DK Face Your Fears" panose="000907010108010A0105" pitchFamily="18" charset="0"/>
-                <a:sym typeface="ＭＳ Ｐ明朝" panose="02020600040205080304" pitchFamily="18" charset="-128"/>
-              </a:rPr>
-            </a:br>
-            <a:r>
-              <a:rPr lang="en-US" altLang="ja-JP" sz="7200" dirty="0">
-                <a:latin typeface="DK Face Your Fears" panose="000907010108010A0105" pitchFamily="18" charset="0"/>
-                <a:sym typeface="ＭＳ Ｐ明朝" panose="02020600040205080304" pitchFamily="18" charset="-128"/>
-              </a:rPr>
-              <a:t>      3</a:t>
-            </a:r>
-            <a:r>
-              <a:rPr lang="en-US" altLang="ja-JP" sz="6700" dirty="0">
-                <a:latin typeface="DK Face Your Fears" panose="000907010108010A0105" pitchFamily="18" charset="0"/>
-                <a:sym typeface="ＭＳ Ｐ明朝" panose="02020600040205080304" pitchFamily="18" charset="-128"/>
-              </a:rPr>
-              <a:t>,   </a:t>
-            </a:r>
-            <a:r>
-              <a:rPr lang="en-US" altLang="ja-JP" sz="6700" dirty="0">
-                <a:solidFill>
-                  <a:srgbClr val="00B0F0"/>
-                </a:solidFill>
-                <a:latin typeface="Chiller" panose="04020404031007020602" pitchFamily="82" charset="0"/>
-                <a:sym typeface="ＭＳ Ｐ明朝" panose="02020600040205080304" pitchFamily="18" charset="-128"/>
-              </a:rPr>
-              <a:t>rune</a:t>
-            </a:r>
-          </a:p>
-        </p:txBody>
-      </p:sp>
-      <p:sp>
-        <p:nvSpPr>
-          <p:cNvPr id="7" name="テキスト ボックス 6">
-            <a:extLst>
-              <a:ext uri="{FF2B5EF4-FFF2-40B4-BE49-F238E27FC236}">
-                <a16:creationId xmlns:a16="http://schemas.microsoft.com/office/drawing/2014/main" id="{007F6989-FD92-4B89-B7F8-9B4E0DE798BE}"/>
-              </a:ext>
-            </a:extLst>
-          </p:cNvPr>
-          <p:cNvSpPr txBox="1"/>
-          <p:nvPr/>
-        </p:nvSpPr>
-        <p:spPr>
-          <a:xfrm>
-            <a:off x="765820" y="2608550"/>
-            <a:ext cx="9937104" cy="480131"/>
-          </a:xfrm>
-          <a:prstGeom prst="rect">
-            <a:avLst/>
-          </a:prstGeom>
-          <a:noFill/>
-        </p:spPr>
-        <p:txBody>
-          <a:bodyPr wrap="square" rtlCol="0">
-            <a:spAutoFit/>
-          </a:bodyPr>
-          <a:lstStyle/>
-          <a:p>
-            <a:pPr>
-              <a:lnSpc>
-                <a:spcPct val="90000"/>
-              </a:lnSpc>
-            </a:pPr>
-            <a:r>
-              <a:rPr kumimoji="1" lang="ja-JP" altLang="en-US" sz="2800" dirty="0">
-                <a:latin typeface="g_コミック古印体-教漢(太字)" panose="02000600000000000000" pitchFamily="2" charset="-128"/>
-                <a:ea typeface="g_コミック古印体-教漢(太字)" panose="02000600000000000000" pitchFamily="2" charset="-128"/>
-              </a:rPr>
-              <a:t>ルーンの画像を追加</a:t>
-            </a:r>
-            <a:endParaRPr kumimoji="1" lang="en-US" altLang="ja-JP" sz="2800" dirty="0">
-              <a:latin typeface="g_コミック古印体-教漢(太字)" panose="02000600000000000000" pitchFamily="2" charset="-128"/>
-              <a:ea typeface="g_コミック古印体-教漢(太字)" panose="02000600000000000000" pitchFamily="2" charset="-128"/>
-            </a:endParaRPr>
-          </a:p>
-        </p:txBody>
-      </p:sp>
-    </p:spTree>
-    <p:extLst>
-      <p:ext uri="{BB962C8B-B14F-4D97-AF65-F5344CB8AC3E}">
-        <p14:creationId xmlns:p14="http://schemas.microsoft.com/office/powerpoint/2010/main" val="149209299"/>
-      </p:ext>
-    </p:extLst>
-  </p:cSld>
-  <p:clrMapOvr>
-    <a:masterClrMapping/>
-  </p:clrMapOvr>
-  <mc:AlternateContent xmlns:mc="http://schemas.openxmlformats.org/markup-compatibility/2006" xmlns:p14="http://schemas.microsoft.com/office/powerpoint/2010/main">
-    <mc:Choice Requires="p14">
-      <p:transition spd="med" p14:dur="700">
-        <p:fade/>
-      </p:transition>
-    </mc:Choice>
-    <mc:Fallback xmlns="">
-      <p:transition spd="med">
-        <p:fade/>
-      </p:transition>
-    </mc:Fallback>
-  </mc:AlternateContent>
-</p:sld>
-</file>
-
-<file path=ppt/slides/slide14.xml><?xml version="1.0" encoding="utf-8"?>
-<p:sld xmlns:a="http://schemas.openxmlformats.org/drawingml/2006/main" xmlns:r="http://schemas.openxmlformats.org/officeDocument/2006/relationships" xmlns:p="http://schemas.openxmlformats.org/presentationml/2006/main">
-  <p:cSld>
-    <p:spTree>
-      <p:nvGrpSpPr>
-        <p:cNvPr id="1" name=""/>
-        <p:cNvGrpSpPr/>
-        <p:nvPr/>
-      </p:nvGrpSpPr>
-      <p:grpSpPr>
-        <a:xfrm>
-          <a:off x="0" y="0"/>
-          <a:ext cx="0" cy="0"/>
-          <a:chOff x="0" y="0"/>
-          <a:chExt cx="0" cy="0"/>
-        </a:xfrm>
-      </p:grpSpPr>
-      <p:sp>
-        <p:nvSpPr>
-          <p:cNvPr id="2" name="テキスト ボックス 1">
-            <a:extLst>
-              <a:ext uri="{FF2B5EF4-FFF2-40B4-BE49-F238E27FC236}">
-                <a16:creationId xmlns:a16="http://schemas.microsoft.com/office/drawing/2014/main" id="{4CE22599-8A41-41DE-BED3-21BE7B0FCB81}"/>
-              </a:ext>
-            </a:extLst>
-          </p:cNvPr>
-          <p:cNvSpPr txBox="1"/>
-          <p:nvPr/>
-        </p:nvSpPr>
-        <p:spPr>
-          <a:xfrm>
-            <a:off x="1053852" y="260648"/>
-            <a:ext cx="10513168" cy="1117229"/>
-          </a:xfrm>
-          <a:prstGeom prst="rect">
-            <a:avLst/>
-          </a:prstGeom>
-          <a:noFill/>
-        </p:spPr>
-        <p:txBody>
-          <a:bodyPr wrap="square" rtlCol="0">
-            <a:spAutoFit/>
-          </a:bodyPr>
-          <a:lstStyle/>
-          <a:p>
-            <a:pPr>
-              <a:lnSpc>
-                <a:spcPct val="90000"/>
-              </a:lnSpc>
-            </a:pPr>
-            <a:r>
-              <a:rPr kumimoji="1" lang="en-US" altLang="ja-JP" sz="7200" dirty="0">
-                <a:latin typeface="Brush Script MT" panose="03060802040406070304" pitchFamily="66" charset="0"/>
-              </a:rPr>
-              <a:t>5:    </a:t>
-            </a:r>
-            <a:r>
-              <a:rPr kumimoji="1" lang="en-US" altLang="ja-JP" sz="6000" dirty="0" err="1">
-                <a:latin typeface="DK Face Your Fears" panose="000907010108010A0105" pitchFamily="18" charset="0"/>
-              </a:rPr>
-              <a:t>etc</a:t>
-            </a:r>
-            <a:r>
-              <a:rPr kumimoji="1" lang="en-US" altLang="ja-JP" sz="6000" dirty="0">
-                <a:latin typeface="DK Face Your Fears" panose="000907010108010A0105" pitchFamily="18" charset="0"/>
-              </a:rPr>
-              <a:t>…</a:t>
-            </a:r>
-          </a:p>
-        </p:txBody>
-      </p:sp>
-      <p:sp>
-        <p:nvSpPr>
-          <p:cNvPr id="3" name="テキスト ボックス 2">
-            <a:extLst>
-              <a:ext uri="{FF2B5EF4-FFF2-40B4-BE49-F238E27FC236}">
-                <a16:creationId xmlns:a16="http://schemas.microsoft.com/office/drawing/2014/main" id="{17D9965A-5243-41F6-AB49-D319A565BF80}"/>
-              </a:ext>
-            </a:extLst>
-          </p:cNvPr>
-          <p:cNvSpPr txBox="1"/>
-          <p:nvPr/>
-        </p:nvSpPr>
-        <p:spPr>
-          <a:xfrm>
-            <a:off x="1341884" y="1196752"/>
-            <a:ext cx="10513168" cy="7072705"/>
-          </a:xfrm>
-          <a:prstGeom prst="rect">
-            <a:avLst/>
-          </a:prstGeom>
-          <a:noFill/>
-        </p:spPr>
-        <p:txBody>
-          <a:bodyPr wrap="square" rtlCol="0">
-            <a:spAutoFit/>
-          </a:bodyPr>
-          <a:lstStyle/>
-          <a:p>
-            <a:pPr>
-              <a:lnSpc>
-                <a:spcPct val="90000"/>
-              </a:lnSpc>
-            </a:pPr>
-            <a:r>
-              <a:rPr kumimoji="1" lang="en-US" altLang="ja-JP" sz="2800" dirty="0">
-                <a:latin typeface="g_コミック古印体-教漢(太字)" panose="02000600000000000000" pitchFamily="2" charset="-128"/>
-                <a:ea typeface="g_コミック古印体-教漢(太字)" panose="02000600000000000000" pitchFamily="2" charset="-128"/>
-              </a:rPr>
-              <a:t>Development</a:t>
-            </a:r>
-            <a:r>
-              <a:rPr kumimoji="1" lang="ja-JP" altLang="en-US" sz="2800" dirty="0">
-                <a:latin typeface="g_コミック古印体-教漢(太字)" panose="02000600000000000000" pitchFamily="2" charset="-128"/>
-                <a:ea typeface="g_コミック古印体-教漢(太字)" panose="02000600000000000000" pitchFamily="2" charset="-128"/>
-              </a:rPr>
-              <a:t> </a:t>
-            </a:r>
-            <a:r>
-              <a:rPr kumimoji="1" lang="en-US" altLang="ja-JP" sz="2800" dirty="0">
-                <a:latin typeface="g_コミック古印体-教漢(太字)" panose="02000600000000000000" pitchFamily="2" charset="-128"/>
-                <a:ea typeface="g_コミック古印体-教漢(太字)" panose="02000600000000000000" pitchFamily="2" charset="-128"/>
-              </a:rPr>
-              <a:t>environment</a:t>
-            </a:r>
-            <a:r>
-              <a:rPr kumimoji="1" lang="ja-JP" altLang="en-US" sz="2800" dirty="0"/>
-              <a:t>：　</a:t>
-            </a:r>
-            <a:r>
-              <a:rPr kumimoji="1" lang="en-US" altLang="ja-JP" sz="2800" dirty="0">
-                <a:latin typeface="g_コミック古印体-教漢(太字)" panose="02000600000000000000" pitchFamily="2" charset="-128"/>
-                <a:ea typeface="g_コミック古印体-教漢(太字)" panose="02000600000000000000" pitchFamily="2" charset="-128"/>
-              </a:rPr>
-              <a:t>UnrealEngine4(Ver.4.20.9)</a:t>
-            </a:r>
-          </a:p>
-          <a:p>
-            <a:pPr>
-              <a:lnSpc>
-                <a:spcPct val="90000"/>
-              </a:lnSpc>
-            </a:pPr>
-            <a:endParaRPr kumimoji="1" lang="en-US" altLang="ja-JP" sz="2800" dirty="0"/>
-          </a:p>
-          <a:p>
-            <a:pPr>
-              <a:lnSpc>
-                <a:spcPct val="90000"/>
-              </a:lnSpc>
-            </a:pPr>
-            <a:r>
-              <a:rPr kumimoji="1" lang="en-US" altLang="ja-JP" sz="2800" dirty="0">
-                <a:latin typeface="g_コミック古印体-教漢(太字)" panose="02000600000000000000" pitchFamily="2" charset="-128"/>
-                <a:ea typeface="g_コミック古印体-教漢(太字)" panose="02000600000000000000" pitchFamily="2" charset="-128"/>
-              </a:rPr>
-              <a:t>Team Member : Yuya Tokuda, Hiromu Nitta, Takuya Hara</a:t>
-            </a:r>
-          </a:p>
-          <a:p>
-            <a:pPr>
-              <a:lnSpc>
-                <a:spcPct val="90000"/>
-              </a:lnSpc>
-            </a:pPr>
-            <a:endParaRPr kumimoji="1" lang="en-US" altLang="ja-JP" sz="2800" dirty="0">
-              <a:latin typeface="g_コミック古印体-教漢(太字)" panose="02000600000000000000" pitchFamily="2" charset="-128"/>
-              <a:ea typeface="g_コミック古印体-教漢(太字)" panose="02000600000000000000" pitchFamily="2" charset="-128"/>
-            </a:endParaRPr>
-          </a:p>
-          <a:p>
-            <a:pPr>
-              <a:lnSpc>
-                <a:spcPct val="90000"/>
-              </a:lnSpc>
-            </a:pPr>
-            <a:r>
-              <a:rPr kumimoji="1" lang="en-US" altLang="ja-JP" sz="2800" dirty="0">
-                <a:latin typeface="g_コミック古印体-教漢(太字)" panose="02000600000000000000" pitchFamily="2" charset="-128"/>
-                <a:ea typeface="g_コミック古印体-教漢(太字)" panose="02000600000000000000" pitchFamily="2" charset="-128"/>
-              </a:rPr>
-              <a:t>Individual Rolls : </a:t>
-            </a:r>
-          </a:p>
-          <a:p>
-            <a:pPr>
-              <a:lnSpc>
-                <a:spcPct val="90000"/>
-              </a:lnSpc>
-            </a:pPr>
-            <a:endParaRPr kumimoji="1" lang="en-US" altLang="ja-JP" sz="2800" dirty="0">
-              <a:latin typeface="g_コミック古印体-教漢(太字)" panose="02000600000000000000" pitchFamily="2" charset="-128"/>
-              <a:ea typeface="g_コミック古印体-教漢(太字)" panose="02000600000000000000" pitchFamily="2" charset="-128"/>
-            </a:endParaRPr>
-          </a:p>
-          <a:p>
-            <a:pPr>
-              <a:lnSpc>
-                <a:spcPct val="90000"/>
-              </a:lnSpc>
-            </a:pPr>
-            <a:r>
-              <a:rPr kumimoji="1" lang="en-US" altLang="ja-JP" sz="2800" dirty="0">
-                <a:latin typeface="g_コミック古印体-教漢(太字)" panose="02000600000000000000" pitchFamily="2" charset="-128"/>
-                <a:ea typeface="g_コミック古印体-教漢(太字)" panose="02000600000000000000" pitchFamily="2" charset="-128"/>
-              </a:rPr>
-              <a:t> Yuya Tokuda  : Build NetWork System.</a:t>
-            </a:r>
-          </a:p>
-          <a:p>
-            <a:pPr>
-              <a:lnSpc>
-                <a:spcPct val="90000"/>
-              </a:lnSpc>
-            </a:pPr>
-            <a:endParaRPr kumimoji="1" lang="en-US" altLang="ja-JP" sz="2800" dirty="0">
-              <a:latin typeface="g_コミック古印体-教漢(太字)" panose="02000600000000000000" pitchFamily="2" charset="-128"/>
-              <a:ea typeface="g_コミック古印体-教漢(太字)" panose="02000600000000000000" pitchFamily="2" charset="-128"/>
-            </a:endParaRPr>
-          </a:p>
-          <a:p>
-            <a:pPr>
-              <a:lnSpc>
-                <a:spcPct val="90000"/>
-              </a:lnSpc>
-            </a:pPr>
-            <a:r>
-              <a:rPr kumimoji="1" lang="en-US" altLang="ja-JP" sz="2800" dirty="0">
-                <a:latin typeface="g_コミック古印体-教漢(太字)" panose="02000600000000000000" pitchFamily="2" charset="-128"/>
-                <a:ea typeface="g_コミック古印体-教漢(太字)" panose="02000600000000000000" pitchFamily="2" charset="-128"/>
-              </a:rPr>
-              <a:t> Hiromu Nitta : Made 3D Models(Lantern,Rune)</a:t>
-            </a:r>
-          </a:p>
-          <a:p>
-            <a:pPr>
-              <a:lnSpc>
-                <a:spcPct val="90000"/>
-              </a:lnSpc>
-            </a:pPr>
-            <a:r>
-              <a:rPr kumimoji="1" lang="en-US" altLang="ja-JP" sz="2800" dirty="0">
-                <a:latin typeface="g_コミック古印体-教漢(太字)" panose="02000600000000000000" pitchFamily="2" charset="-128"/>
-                <a:ea typeface="g_コミック古印体-教漢(太字)" panose="02000600000000000000" pitchFamily="2" charset="-128"/>
-              </a:rPr>
-              <a:t> 		   &amp; Main System of this Game.</a:t>
-            </a:r>
-          </a:p>
-          <a:p>
-            <a:pPr>
-              <a:lnSpc>
-                <a:spcPct val="90000"/>
-              </a:lnSpc>
-            </a:pPr>
-            <a:endParaRPr kumimoji="1" lang="en-US" altLang="ja-JP" sz="2800" dirty="0">
-              <a:latin typeface="g_コミック古印体-教漢(太字)" panose="02000600000000000000" pitchFamily="2" charset="-128"/>
-              <a:ea typeface="g_コミック古印体-教漢(太字)" panose="02000600000000000000" pitchFamily="2" charset="-128"/>
-            </a:endParaRPr>
-          </a:p>
-          <a:p>
-            <a:pPr>
-              <a:lnSpc>
-                <a:spcPct val="90000"/>
-              </a:lnSpc>
-            </a:pPr>
-            <a:r>
-              <a:rPr kumimoji="1" lang="en-US" altLang="ja-JP" sz="2800" dirty="0">
-                <a:latin typeface="g_コミック古印体-教漢(太字)" panose="02000600000000000000" pitchFamily="2" charset="-128"/>
-                <a:ea typeface="g_コミック古印体-教漢(太字)" panose="02000600000000000000" pitchFamily="2" charset="-128"/>
-              </a:rPr>
-              <a:t> Takuya Hara  : Made 3D Models(Five Stone slabs,Oil Tank)</a:t>
-            </a:r>
-          </a:p>
-          <a:p>
-            <a:pPr>
-              <a:lnSpc>
-                <a:spcPct val="90000"/>
-              </a:lnSpc>
-            </a:pPr>
-            <a:r>
-              <a:rPr kumimoji="1" lang="en-US" altLang="ja-JP" sz="2800" dirty="0">
-                <a:latin typeface="g_コミック古印体-教漢(太字)" panose="02000600000000000000" pitchFamily="2" charset="-128"/>
-                <a:ea typeface="g_コミック古印体-教漢(太字)" panose="02000600000000000000" pitchFamily="2" charset="-128"/>
-              </a:rPr>
-              <a:t>                 &amp; Build AI System(Enemy)</a:t>
-            </a:r>
-          </a:p>
-          <a:p>
-            <a:pPr>
-              <a:lnSpc>
-                <a:spcPct val="90000"/>
-              </a:lnSpc>
-            </a:pPr>
-            <a:r>
-              <a:rPr kumimoji="1" lang="en-US" altLang="ja-JP" sz="2800" dirty="0">
-                <a:latin typeface="g_コミック古印体-教漢(太字)" panose="02000600000000000000" pitchFamily="2" charset="-128"/>
-                <a:ea typeface="g_コミック古印体-教漢(太字)" panose="02000600000000000000" pitchFamily="2" charset="-128"/>
-              </a:rPr>
-              <a:t>		   &amp; Made Map &amp; Sound Effect </a:t>
-            </a:r>
-          </a:p>
-          <a:p>
-            <a:pPr>
-              <a:lnSpc>
-                <a:spcPct val="90000"/>
-              </a:lnSpc>
-            </a:pPr>
-            <a:endParaRPr kumimoji="1" lang="en-US" altLang="ja-JP" sz="2800" dirty="0">
-              <a:latin typeface="g_コミック古印体-教漢(太字)" panose="02000600000000000000" pitchFamily="2" charset="-128"/>
-              <a:ea typeface="g_コミック古印体-教漢(太字)" panose="02000600000000000000" pitchFamily="2" charset="-128"/>
-            </a:endParaRPr>
-          </a:p>
-          <a:p>
-            <a:pPr>
-              <a:lnSpc>
-                <a:spcPct val="90000"/>
-              </a:lnSpc>
-            </a:pPr>
-            <a:endParaRPr kumimoji="1" lang="en-US" altLang="ja-JP" sz="2800" dirty="0">
-              <a:latin typeface="g_コミック古印体-教漢(太字)" panose="02000600000000000000" pitchFamily="2" charset="-128"/>
-              <a:ea typeface="g_コミック古印体-教漢(太字)" panose="02000600000000000000" pitchFamily="2" charset="-128"/>
-            </a:endParaRPr>
-          </a:p>
-          <a:p>
-            <a:pPr>
-              <a:lnSpc>
-                <a:spcPct val="90000"/>
-              </a:lnSpc>
-            </a:pPr>
-            <a:endParaRPr kumimoji="1" lang="en-US" altLang="ja-JP" sz="2800" dirty="0"/>
-          </a:p>
-          <a:p>
-            <a:pPr>
-              <a:lnSpc>
-                <a:spcPct val="90000"/>
-              </a:lnSpc>
-            </a:pPr>
-            <a:endParaRPr kumimoji="1" lang="ja-JP" altLang="en-US" sz="2800" dirty="0"/>
-          </a:p>
-        </p:txBody>
-      </p:sp>
-    </p:spTree>
-    <p:extLst>
-      <p:ext uri="{BB962C8B-B14F-4D97-AF65-F5344CB8AC3E}">
-        <p14:creationId xmlns:p14="http://schemas.microsoft.com/office/powerpoint/2010/main" val="1336900524"/>
-      </p:ext>
-    </p:extLst>
-  </p:cSld>
-  <p:clrMapOvr>
-    <a:masterClrMapping/>
-  </p:clrMapOvr>
-  <mc:AlternateContent xmlns:mc="http://schemas.openxmlformats.org/markup-compatibility/2006" xmlns:p14="http://schemas.microsoft.com/office/powerpoint/2010/main">
-    <mc:Choice Requires="p14">
-      <p:transition spd="med" p14:dur="700">
-        <p:fade/>
-      </p:transition>
-    </mc:Choice>
-    <mc:Fallback xmlns="">
-      <p:transition spd="med">
-        <p:fade/>
-      </p:transition>
-    </mc:Fallback>
-  </mc:AlternateContent>
-</p:sld>
-</file>
-
-<file path=ppt/slides/slide15.xml><?xml version="1.0" encoding="utf-8"?>
-<p:sld xmlns:a="http://schemas.openxmlformats.org/drawingml/2006/main" xmlns:r="http://schemas.openxmlformats.org/officeDocument/2006/relationships" xmlns:p="http://schemas.openxmlformats.org/presentationml/2006/main">
-  <p:cSld>
-    <p:spTree>
-      <p:nvGrpSpPr>
-        <p:cNvPr id="1" name=""/>
-        <p:cNvGrpSpPr/>
-        <p:nvPr/>
-      </p:nvGrpSpPr>
-      <p:grpSpPr>
-        <a:xfrm>
-          <a:off x="0" y="0"/>
-          <a:ext cx="0" cy="0"/>
-          <a:chOff x="0" y="0"/>
-          <a:chExt cx="0" cy="0"/>
-        </a:xfrm>
-      </p:grpSpPr>
-      <p:sp>
-        <p:nvSpPr>
-          <p:cNvPr id="2" name="タイトル 1"/>
-          <p:cNvSpPr>
-            <a:spLocks noGrp="1"/>
-          </p:cNvSpPr>
-          <p:nvPr>
-            <p:ph type="title"/>
-          </p:nvPr>
-        </p:nvSpPr>
-        <p:spPr/>
-        <p:txBody>
-          <a:bodyPr rtlCol="0">
-            <a:normAutofit/>
-          </a:bodyPr>
-          <a:lstStyle/>
-          <a:p>
-            <a:pPr rtl="0"/>
-            <a:r>
-              <a:rPr lang="ja-JP" altLang="en-US" dirty="0">
-                <a:latin typeface="ＭＳ Ｐ明朝" panose="02020600040205080304" pitchFamily="18" charset="-128"/>
-                <a:ea typeface="ＭＳ Ｐ明朝" panose="02020600040205080304" pitchFamily="18" charset="-128"/>
-                <a:sym typeface="ＭＳ Ｐ明朝" panose="02020600040205080304" pitchFamily="18" charset="-128"/>
-              </a:rPr>
-              <a:t>スライドのタイトルを追加 </a:t>
-            </a:r>
-            <a:r>
-              <a:rPr lang="en-US" altLang="ja-JP" dirty="0">
-                <a:latin typeface="ＭＳ Ｐ明朝" panose="02020600040205080304" pitchFamily="18" charset="-128"/>
-                <a:ea typeface="ＭＳ Ｐ明朝" panose="02020600040205080304" pitchFamily="18" charset="-128"/>
-                <a:sym typeface="ＭＳ Ｐ明朝" panose="02020600040205080304" pitchFamily="18" charset="-128"/>
-              </a:rPr>
-              <a:t>- 3</a:t>
-            </a:r>
-          </a:p>
-        </p:txBody>
-      </p:sp>
-    </p:spTree>
-    <p:extLst>
-      <p:ext uri="{BB962C8B-B14F-4D97-AF65-F5344CB8AC3E}">
-        <p14:creationId xmlns:p14="http://schemas.microsoft.com/office/powerpoint/2010/main" val="3287000155"/>
-      </p:ext>
-    </p:extLst>
-  </p:cSld>
-  <p:clrMapOvr>
-    <a:masterClrMapping/>
-  </p:clrMapOvr>
-  <mc:AlternateContent xmlns:mc="http://schemas.openxmlformats.org/markup-compatibility/2006" xmlns:p14="http://schemas.microsoft.com/office/powerpoint/2010/main">
-    <mc:Choice Requires="p14">
-      <p:transition spd="med" p14:dur="700">
-        <p:fade/>
-      </p:transition>
-    </mc:Choice>
-    <mc:Fallback xmlns="">
-      <p:transition spd="med">
-        <p:fade/>
-      </p:transition>
-    </mc:Fallback>
-  </mc:AlternateContent>
-</p:sld>
-</file>
-
-<file path=ppt/slides/slide16.xml><?xml version="1.0" encoding="utf-8"?>
-<p:sld xmlns:a="http://schemas.openxmlformats.org/drawingml/2006/main" xmlns:r="http://schemas.openxmlformats.org/officeDocument/2006/relationships" xmlns:p="http://schemas.openxmlformats.org/presentationml/2006/main">
-  <p:cSld>
-    <p:spTree>
-      <p:nvGrpSpPr>
-        <p:cNvPr id="1" name=""/>
-        <p:cNvGrpSpPr/>
-        <p:nvPr/>
-      </p:nvGrpSpPr>
-      <p:grpSpPr>
-        <a:xfrm>
-          <a:off x="0" y="0"/>
-          <a:ext cx="0" cy="0"/>
-          <a:chOff x="0" y="0"/>
-          <a:chExt cx="0" cy="0"/>
-        </a:xfrm>
-      </p:grpSpPr>
-      <p:sp>
-        <p:nvSpPr>
-          <p:cNvPr id="2" name="タイトル 1"/>
-          <p:cNvSpPr>
-            <a:spLocks noGrp="1"/>
-          </p:cNvSpPr>
-          <p:nvPr>
-            <p:ph type="title"/>
-          </p:nvPr>
-        </p:nvSpPr>
-        <p:spPr/>
-        <p:txBody>
-          <a:bodyPr rtlCol="0"/>
-          <a:lstStyle/>
-          <a:p>
-            <a:pPr rtl="0"/>
-            <a:r>
-              <a:rPr lang="ja-JP" altLang="en-US" dirty="0">
-                <a:latin typeface="ＭＳ Ｐ明朝" panose="02020600040205080304" pitchFamily="18" charset="-128"/>
-                <a:ea typeface="ＭＳ Ｐ明朝" panose="02020600040205080304" pitchFamily="18" charset="-128"/>
-                <a:sym typeface="ＭＳ Ｐ明朝" panose="02020600040205080304" pitchFamily="18" charset="-128"/>
-              </a:rPr>
-              <a:t>スライドのタイトルを追加 </a:t>
-            </a:r>
-            <a:r>
-              <a:rPr lang="en-US" altLang="ja-JP" dirty="0">
-                <a:latin typeface="ＭＳ Ｐ明朝" panose="02020600040205080304" pitchFamily="18" charset="-128"/>
-                <a:ea typeface="ＭＳ Ｐ明朝" panose="02020600040205080304" pitchFamily="18" charset="-128"/>
-                <a:sym typeface="ＭＳ Ｐ明朝" panose="02020600040205080304" pitchFamily="18" charset="-128"/>
-              </a:rPr>
-              <a:t>- 4</a:t>
-            </a:r>
-          </a:p>
-        </p:txBody>
-      </p:sp>
-      <p:sp>
-        <p:nvSpPr>
-          <p:cNvPr id="3" name="コンテンツ プレースホルダー 2"/>
-          <p:cNvSpPr>
-            <a:spLocks noGrp="1"/>
-          </p:cNvSpPr>
-          <p:nvPr>
-            <p:ph idx="1"/>
-          </p:nvPr>
-        </p:nvSpPr>
-        <p:spPr/>
-        <p:txBody>
-          <a:bodyPr rtlCol="0"/>
-          <a:lstStyle/>
-          <a:p>
-            <a:pPr rtl="0"/>
-            <a:endParaRPr lang="ja-JP" altLang="en-US" dirty="0">
-              <a:latin typeface="ＭＳ Ｐ明朝" panose="02020600040205080304" pitchFamily="18" charset="-128"/>
-              <a:ea typeface="ＭＳ Ｐ明朝" panose="02020600040205080304" pitchFamily="18" charset="-128"/>
-              <a:sym typeface="ＭＳ Ｐ明朝" panose="02020600040205080304" pitchFamily="18" charset="-128"/>
-            </a:endParaRPr>
-          </a:p>
-        </p:txBody>
-      </p:sp>
-      <p:sp>
-        <p:nvSpPr>
-          <p:cNvPr id="4" name="テキスト プレースホルダー 3"/>
-          <p:cNvSpPr>
-            <a:spLocks noGrp="1"/>
-          </p:cNvSpPr>
-          <p:nvPr>
-            <p:ph type="body" sz="half" idx="2"/>
-          </p:nvPr>
-        </p:nvSpPr>
-        <p:spPr/>
-        <p:txBody>
-          <a:bodyPr rtlCol="0"/>
-          <a:lstStyle/>
-          <a:p>
-            <a:pPr rtl="0"/>
-            <a:endParaRPr lang="ja-JP" altLang="en-US" dirty="0">
-              <a:latin typeface="ＭＳ Ｐ明朝" panose="02020600040205080304" pitchFamily="18" charset="-128"/>
-              <a:ea typeface="ＭＳ Ｐ明朝" panose="02020600040205080304" pitchFamily="18" charset="-128"/>
-              <a:sym typeface="ＭＳ Ｐ明朝" panose="02020600040205080304" pitchFamily="18" charset="-128"/>
-            </a:endParaRPr>
-          </a:p>
-        </p:txBody>
-      </p:sp>
-    </p:spTree>
-    <p:extLst>
-      <p:ext uri="{BB962C8B-B14F-4D97-AF65-F5344CB8AC3E}">
-        <p14:creationId xmlns:p14="http://schemas.microsoft.com/office/powerpoint/2010/main" val="2611363983"/>
-      </p:ext>
-    </p:extLst>
-  </p:cSld>
-  <p:clrMapOvr>
-    <a:masterClrMapping/>
-  </p:clrMapOvr>
-  <mc:AlternateContent xmlns:mc="http://schemas.openxmlformats.org/markup-compatibility/2006" xmlns:p14="http://schemas.microsoft.com/office/powerpoint/2010/main">
-    <mc:Choice Requires="p14">
-      <p:transition spd="med" p14:dur="700">
-        <p:fade/>
-      </p:transition>
-    </mc:Choice>
-    <mc:Fallback xmlns="">
-      <p:transition spd="med">
-        <p:fade/>
-      </p:transition>
-    </mc:Fallback>
-  </mc:AlternateContent>
-</p:sld>
-</file>
-
-<file path=ppt/slides/slide17.xml><?xml version="1.0" encoding="utf-8"?>
-<p:sld xmlns:a="http://schemas.openxmlformats.org/drawingml/2006/main" xmlns:r="http://schemas.openxmlformats.org/officeDocument/2006/relationships" xmlns:p="http://schemas.openxmlformats.org/presentationml/2006/main">
-  <p:cSld>
-    <p:spTree>
-      <p:nvGrpSpPr>
-        <p:cNvPr id="1" name=""/>
-        <p:cNvGrpSpPr/>
-        <p:nvPr/>
-      </p:nvGrpSpPr>
-      <p:grpSpPr>
-        <a:xfrm>
-          <a:off x="0" y="0"/>
-          <a:ext cx="0" cy="0"/>
-          <a:chOff x="0" y="0"/>
-          <a:chExt cx="0" cy="0"/>
-        </a:xfrm>
-      </p:grpSpPr>
-      <p:sp>
-        <p:nvSpPr>
-          <p:cNvPr id="2" name="タイトル 1"/>
-          <p:cNvSpPr>
-            <a:spLocks noGrp="1"/>
-          </p:cNvSpPr>
-          <p:nvPr>
-            <p:ph type="title"/>
-          </p:nvPr>
-        </p:nvSpPr>
-        <p:spPr/>
-        <p:txBody>
-          <a:bodyPr rtlCol="0"/>
-          <a:lstStyle/>
-          <a:p>
-            <a:pPr rtl="0"/>
-            <a:r>
-              <a:rPr lang="ja-JP" altLang="en-US" dirty="0">
-                <a:latin typeface="ＭＳ Ｐ明朝" panose="02020600040205080304" pitchFamily="18" charset="-128"/>
-                <a:ea typeface="ＭＳ Ｐ明朝" panose="02020600040205080304" pitchFamily="18" charset="-128"/>
-                <a:sym typeface="ＭＳ Ｐ明朝" panose="02020600040205080304" pitchFamily="18" charset="-128"/>
-              </a:rPr>
-              <a:t>スライドのタイトルを追加 </a:t>
-            </a:r>
-            <a:r>
-              <a:rPr lang="en-US" altLang="ja-JP" dirty="0">
-                <a:latin typeface="ＭＳ Ｐ明朝" panose="02020600040205080304" pitchFamily="18" charset="-128"/>
-                <a:ea typeface="ＭＳ Ｐ明朝" panose="02020600040205080304" pitchFamily="18" charset="-128"/>
-                <a:sym typeface="ＭＳ Ｐ明朝" panose="02020600040205080304" pitchFamily="18" charset="-128"/>
-              </a:rPr>
-              <a:t>- 5</a:t>
-            </a:r>
-          </a:p>
-        </p:txBody>
-      </p:sp>
-      <p:sp>
-        <p:nvSpPr>
-          <p:cNvPr id="3" name="図プレースホルダー 2" descr="画像を追加する空のプレースホルダー。プレースホルダーをクリックし、追加する画像を選択します。&#10;"/>
-          <p:cNvSpPr>
-            <a:spLocks noGrp="1"/>
-          </p:cNvSpPr>
-          <p:nvPr>
-            <p:ph type="pic" idx="1"/>
-          </p:nvPr>
-        </p:nvSpPr>
-        <p:spPr/>
-      </p:sp>
-      <p:sp>
-        <p:nvSpPr>
-          <p:cNvPr id="4" name="テキスト プレースホルダー 3"/>
-          <p:cNvSpPr>
-            <a:spLocks noGrp="1"/>
-          </p:cNvSpPr>
-          <p:nvPr>
-            <p:ph type="body" sz="half" idx="2"/>
-          </p:nvPr>
-        </p:nvSpPr>
-        <p:spPr/>
-        <p:txBody>
-          <a:bodyPr rtlCol="0"/>
-          <a:lstStyle/>
-          <a:p>
-            <a:pPr rtl="0"/>
-            <a:endParaRPr lang="ja-JP" altLang="en-US" dirty="0">
-              <a:latin typeface="ＭＳ Ｐ明朝" panose="02020600040205080304" pitchFamily="18" charset="-128"/>
-              <a:ea typeface="ＭＳ Ｐ明朝" panose="02020600040205080304" pitchFamily="18" charset="-128"/>
-              <a:sym typeface="ＭＳ Ｐ明朝" panose="02020600040205080304" pitchFamily="18" charset="-128"/>
-            </a:endParaRPr>
-          </a:p>
-        </p:txBody>
-      </p:sp>
-    </p:spTree>
-    <p:extLst>
-      <p:ext uri="{BB962C8B-B14F-4D97-AF65-F5344CB8AC3E}">
-        <p14:creationId xmlns:p14="http://schemas.microsoft.com/office/powerpoint/2010/main" val="3632661304"/>
-      </p:ext>
-    </p:extLst>
-  </p:cSld>
-  <p:clrMapOvr>
-    <a:masterClrMapping/>
-  </p:clrMapOvr>
-  <mc:AlternateContent xmlns:mc="http://schemas.openxmlformats.org/markup-compatibility/2006" xmlns:p14="http://schemas.microsoft.com/office/powerpoint/2010/main">
-    <mc:Choice Requires="p14">
-      <p:transition spd="med" p14:dur="700">
-        <p:fade/>
-      </p:transition>
-    </mc:Choice>
-    <mc:Fallback xmlns="">
-      <p:transition spd="med">
-        <p:fade/>
-      </p:transition>
-    </mc:Fallback>
-  </mc:AlternateContent>
-</p:sld>
-</file>
-
-<file path=ppt/slides/slide18.xml><?xml version="1.0" encoding="utf-8"?>
-<p:sld xmlns:a="http://schemas.openxmlformats.org/drawingml/2006/main" xmlns:r="http://schemas.openxmlformats.org/officeDocument/2006/relationships" xmlns:p="http://schemas.openxmlformats.org/presentationml/2006/main">
-  <p:cSld>
-    <p:spTree>
-      <p:nvGrpSpPr>
-        <p:cNvPr id="1" name=""/>
-        <p:cNvGrpSpPr/>
-        <p:nvPr/>
-      </p:nvGrpSpPr>
-      <p:grpSpPr>
-        <a:xfrm>
-          <a:off x="0" y="0"/>
-          <a:ext cx="0" cy="0"/>
-          <a:chOff x="0" y="0"/>
-          <a:chExt cx="0" cy="0"/>
-        </a:xfrm>
-      </p:grpSpPr>
-      <p:sp>
-        <p:nvSpPr>
-          <p:cNvPr id="2" name="タイトル 1"/>
-          <p:cNvSpPr>
-            <a:spLocks noGrp="1"/>
-          </p:cNvSpPr>
-          <p:nvPr>
-            <p:ph type="title"/>
-          </p:nvPr>
-        </p:nvSpPr>
-        <p:spPr/>
-        <p:txBody>
-          <a:bodyPr rtlCol="0"/>
-          <a:lstStyle/>
-          <a:p>
-            <a:pPr rtl="0"/>
-            <a:r>
-              <a:rPr lang="ja-JP" altLang="en-US" dirty="0">
-                <a:latin typeface="ＭＳ Ｐ明朝" panose="02020600040205080304" pitchFamily="18" charset="-128"/>
-                <a:ea typeface="ＭＳ Ｐ明朝" panose="02020600040205080304" pitchFamily="18" charset="-128"/>
-                <a:sym typeface="ＭＳ Ｐ明朝" panose="02020600040205080304" pitchFamily="18" charset="-128"/>
-              </a:rPr>
-              <a:t>スライドのタイトルを追加 </a:t>
-            </a:r>
-            <a:r>
-              <a:rPr lang="en-US" altLang="ja-JP" dirty="0">
-                <a:latin typeface="ＭＳ Ｐ明朝" panose="02020600040205080304" pitchFamily="18" charset="-128"/>
-                <a:ea typeface="ＭＳ Ｐ明朝" panose="02020600040205080304" pitchFamily="18" charset="-128"/>
-                <a:sym typeface="ＭＳ Ｐ明朝" panose="02020600040205080304" pitchFamily="18" charset="-128"/>
-              </a:rPr>
-              <a:t>- 6</a:t>
-            </a:r>
-          </a:p>
-        </p:txBody>
-      </p:sp>
-      <p:sp>
-        <p:nvSpPr>
-          <p:cNvPr id="3" name="図プレースホルダー 2" descr="画像を追加する空のプレースホルダー。プレースホルダーをクリックし、追加する画像を選択します。&#10;"/>
-          <p:cNvSpPr>
-            <a:spLocks noGrp="1"/>
-          </p:cNvSpPr>
-          <p:nvPr>
-            <p:ph type="pic" idx="1"/>
-          </p:nvPr>
-        </p:nvSpPr>
-        <p:spPr/>
-      </p:sp>
-      <p:sp>
-        <p:nvSpPr>
-          <p:cNvPr id="4" name="テキスト プレースホルダー 3"/>
-          <p:cNvSpPr>
-            <a:spLocks noGrp="1"/>
-          </p:cNvSpPr>
-          <p:nvPr>
-            <p:ph type="body" sz="half" idx="2"/>
-          </p:nvPr>
-        </p:nvSpPr>
-        <p:spPr/>
-        <p:txBody>
-          <a:bodyPr rtlCol="0"/>
-          <a:lstStyle/>
-          <a:p>
-            <a:pPr rtl="0"/>
-            <a:endParaRPr lang="ja-JP" altLang="en-US" dirty="0">
-              <a:latin typeface="ＭＳ Ｐ明朝" panose="02020600040205080304" pitchFamily="18" charset="-128"/>
-              <a:ea typeface="ＭＳ Ｐ明朝" panose="02020600040205080304" pitchFamily="18" charset="-128"/>
-              <a:sym typeface="ＭＳ Ｐ明朝" panose="02020600040205080304" pitchFamily="18" charset="-128"/>
-            </a:endParaRPr>
-          </a:p>
-        </p:txBody>
-      </p:sp>
-    </p:spTree>
-    <p:extLst>
-      <p:ext uri="{BB962C8B-B14F-4D97-AF65-F5344CB8AC3E}">
-        <p14:creationId xmlns:p14="http://schemas.microsoft.com/office/powerpoint/2010/main" val="3186028678"/>
-      </p:ext>
-    </p:extLst>
-  </p:cSld>
-  <p:clrMapOvr>
-    <a:masterClrMapping/>
-  </p:clrMapOvr>
-  <mc:AlternateContent xmlns:mc="http://schemas.openxmlformats.org/markup-compatibility/2006" xmlns:p14="http://schemas.microsoft.com/office/powerpoint/2010/main">
-    <mc:Choice Requires="p14">
-      <p:transition spd="med" p14:dur="700">
-        <p:fade/>
-      </p:transition>
-    </mc:Choice>
-    <mc:Fallback xmlns="">
-      <p:transition spd="med">
-        <p:fade/>
-      </p:transition>
-    </mc:Fallback>
-  </mc:AlternateContent>
-</p:sld>
-</file>
-
-<file path=ppt/slides/slide2.xml><?xml version="1.0" encoding="utf-8"?>
-<p:sld xmlns:a="http://schemas.openxmlformats.org/drawingml/2006/main" xmlns:r="http://schemas.openxmlformats.org/officeDocument/2006/relationships" xmlns:p="http://schemas.openxmlformats.org/presentationml/2006/main">
-  <p:cSld>
-    <p:spTree>
-      <p:nvGrpSpPr>
-        <p:cNvPr id="1" name=""/>
-        <p:cNvGrpSpPr/>
-        <p:nvPr/>
-      </p:nvGrpSpPr>
-      <p:grpSpPr>
-        <a:xfrm>
-          <a:off x="0" y="0"/>
-          <a:ext cx="0" cy="0"/>
-          <a:chOff x="0" y="0"/>
-          <a:chExt cx="0" cy="0"/>
-        </a:xfrm>
-      </p:grpSpPr>
-      <p:sp>
-        <p:nvSpPr>
-          <p:cNvPr id="13" name="タイトル 12"/>
-          <p:cNvSpPr>
-            <a:spLocks noGrp="1"/>
-          </p:cNvSpPr>
-          <p:nvPr>
-            <p:ph type="title"/>
-          </p:nvPr>
-        </p:nvSpPr>
-        <p:spPr>
-          <a:xfrm>
-            <a:off x="1125860" y="476672"/>
-            <a:ext cx="10360501" cy="1219200"/>
-          </a:xfrm>
-        </p:spPr>
-        <p:txBody>
-          <a:bodyPr rtlCol="0">
-            <a:normAutofit fontScale="90000"/>
-          </a:bodyPr>
-          <a:lstStyle/>
-          <a:p>
-            <a:pPr rtl="0"/>
-            <a:r>
-              <a:rPr lang="en-US" altLang="ja-JP" sz="6000" dirty="0">
-                <a:latin typeface="DK Face Your Fears" panose="000907010108010A0105" pitchFamily="18" charset="0"/>
-                <a:sym typeface="ＭＳ Ｐ明朝" panose="02020600040205080304" pitchFamily="18" charset="-128"/>
-              </a:rPr>
-              <a:t>     </a:t>
-            </a:r>
-            <a:r>
-              <a:rPr lang="en-US" altLang="ja-JP" sz="8800" dirty="0">
-                <a:latin typeface="Brush Script MT" panose="03060802040406070304" pitchFamily="66" charset="0"/>
-                <a:sym typeface="ＭＳ Ｐ明朝" panose="02020600040205080304" pitchFamily="18" charset="-128"/>
-              </a:rPr>
-              <a:t>1:</a:t>
-            </a:r>
-            <a:r>
-              <a:rPr lang="en-US" altLang="ja-JP" sz="8800" dirty="0">
-                <a:latin typeface="DK Face Your Fears" panose="000907010108010A0105" pitchFamily="18" charset="0"/>
-                <a:sym typeface="ＭＳ Ｐ明朝" panose="02020600040205080304" pitchFamily="18" charset="-128"/>
-              </a:rPr>
-              <a:t>   </a:t>
-            </a:r>
-            <a:r>
-              <a:rPr lang="ja-JP" altLang="en-US" sz="8800" dirty="0">
-                <a:latin typeface="DK Face Your Fears" panose="000907010108010A0105" pitchFamily="18" charset="0"/>
-                <a:sym typeface="ＭＳ Ｐ明朝" panose="02020600040205080304" pitchFamily="18" charset="-128"/>
-              </a:rPr>
-              <a:t>　</a:t>
-            </a:r>
-            <a:r>
-              <a:rPr lang="en-US" altLang="ja-JP" sz="8000" dirty="0">
-                <a:latin typeface="DK Face Your Fears" panose="000907010108010A0105" pitchFamily="18" charset="0"/>
-                <a:sym typeface="ＭＳ Ｐ明朝" panose="02020600040205080304" pitchFamily="18" charset="-128"/>
-              </a:rPr>
-              <a:t>Scenario</a:t>
-            </a:r>
-            <a:endParaRPr lang="ja-JP" altLang="en-US" sz="8000" dirty="0">
-              <a:latin typeface="DK Face Your Fears" panose="000907010108010A0105" pitchFamily="18" charset="0"/>
-              <a:sym typeface="ＭＳ Ｐ明朝" panose="02020600040205080304" pitchFamily="18" charset="-128"/>
-            </a:endParaRPr>
-          </a:p>
-        </p:txBody>
-      </p:sp>
-      <p:sp>
-        <p:nvSpPr>
-          <p:cNvPr id="4" name="テキスト ボックス 3">
-            <a:extLst>
-              <a:ext uri="{FF2B5EF4-FFF2-40B4-BE49-F238E27FC236}">
-                <a16:creationId xmlns:a16="http://schemas.microsoft.com/office/drawing/2014/main" id="{3CCA663A-D121-4FD4-BEC5-01A9E54A4D54}"/>
-              </a:ext>
-            </a:extLst>
-          </p:cNvPr>
-          <p:cNvSpPr txBox="1"/>
-          <p:nvPr/>
-        </p:nvSpPr>
-        <p:spPr>
-          <a:xfrm>
-            <a:off x="477788" y="1695872"/>
-            <a:ext cx="11161240" cy="480131"/>
-          </a:xfrm>
-          <a:prstGeom prst="rect">
-            <a:avLst/>
-          </a:prstGeom>
-          <a:noFill/>
-        </p:spPr>
-        <p:txBody>
-          <a:bodyPr wrap="square" rtlCol="0">
-            <a:spAutoFit/>
-          </a:bodyPr>
-          <a:lstStyle/>
-          <a:p>
-            <a:pPr>
-              <a:lnSpc>
-                <a:spcPct val="90000"/>
-              </a:lnSpc>
-            </a:pPr>
-            <a:r>
-              <a:rPr kumimoji="1" lang="ja-JP" altLang="en-US" sz="2800" dirty="0"/>
-              <a:t>ある日、</a:t>
-            </a:r>
-          </a:p>
-        </p:txBody>
-      </p:sp>
-    </p:spTree>
-    <p:extLst>
-      <p:ext uri="{BB962C8B-B14F-4D97-AF65-F5344CB8AC3E}">
-        <p14:creationId xmlns:p14="http://schemas.microsoft.com/office/powerpoint/2010/main" val="1795219737"/>
-      </p:ext>
-    </p:extLst>
-  </p:cSld>
-  <p:clrMapOvr>
-    <a:masterClrMapping/>
-  </p:clrMapOvr>
-  <mc:AlternateContent xmlns:mc="http://schemas.openxmlformats.org/markup-compatibility/2006" xmlns:p14="http://schemas.microsoft.com/office/powerpoint/2010/main">
-    <mc:Choice Requires="p14">
-      <p:transition spd="med" p14:dur="700">
-        <p:fade/>
-      </p:transition>
-    </mc:Choice>
-    <mc:Fallback xmlns="">
-      <p:transition spd="med">
-        <p:fade/>
-      </p:transition>
-    </mc:Fallback>
-  </mc:AlternateContent>
-</p:sld>
-</file>
-
-<file path=ppt/slides/slide3.xml><?xml version="1.0" encoding="utf-8"?>
-<p:sld xmlns:a="http://schemas.openxmlformats.org/drawingml/2006/main" xmlns:r="http://schemas.openxmlformats.org/officeDocument/2006/relationships" xmlns:p="http://schemas.openxmlformats.org/presentationml/2006/main">
-  <p:cSld>
-    <p:spTree>
-      <p:nvGrpSpPr>
-        <p:cNvPr id="1" name=""/>
-        <p:cNvGrpSpPr/>
-        <p:nvPr/>
-      </p:nvGrpSpPr>
-      <p:grpSpPr>
-        <a:xfrm>
-          <a:off x="0" y="0"/>
-          <a:ext cx="0" cy="0"/>
-          <a:chOff x="0" y="0"/>
-          <a:chExt cx="0" cy="0"/>
-        </a:xfrm>
-      </p:grpSpPr>
-      <p:sp>
-        <p:nvSpPr>
-          <p:cNvPr id="37" name="正方形/長方形 36">
-            <a:extLst>
-              <a:ext uri="{FF2B5EF4-FFF2-40B4-BE49-F238E27FC236}">
-                <a16:creationId xmlns:a16="http://schemas.microsoft.com/office/drawing/2014/main" id="{B21F044B-6CA3-41CF-89BB-6A5E477E4C83}"/>
-              </a:ext>
-            </a:extLst>
-          </p:cNvPr>
-          <p:cNvSpPr/>
-          <p:nvPr/>
-        </p:nvSpPr>
-        <p:spPr>
-          <a:xfrm>
-            <a:off x="3646142" y="1407840"/>
-            <a:ext cx="3096342" cy="4181370"/>
-          </a:xfrm>
-          <a:prstGeom prst="rect">
-            <a:avLst/>
-          </a:prstGeom>
-          <a:solidFill>
-            <a:schemeClr val="accent3">
-              <a:alpha val="50000"/>
-            </a:schemeClr>
-          </a:solidFill>
-          <a:ln>
-            <a:noFill/>
-          </a:ln>
-        </p:spPr>
-        <p:style>
-          <a:lnRef idx="0">
-            <a:scrgbClr r="0" g="0" b="0"/>
-          </a:lnRef>
-          <a:fillRef idx="0">
-            <a:scrgbClr r="0" g="0" b="0"/>
-          </a:fillRef>
-          <a:effectRef idx="0">
-            <a:scrgbClr r="0" g="0" b="0"/>
-          </a:effectRef>
-          <a:fontRef idx="minor">
-            <a:schemeClr val="lt1"/>
-          </a:fontRef>
-        </p:style>
-        <p:txBody>
-          <a:bodyPr rtlCol="0" anchor="ctr"/>
-          <a:lstStyle/>
-          <a:p>
-            <a:pPr algn="ctr"/>
-            <a:endParaRPr kumimoji="1" lang="ja-JP" altLang="en-US"/>
-          </a:p>
-        </p:txBody>
-      </p:sp>
-      <p:sp>
-        <p:nvSpPr>
-          <p:cNvPr id="2" name="タイトル 1"/>
-          <p:cNvSpPr>
-            <a:spLocks noGrp="1"/>
-          </p:cNvSpPr>
-          <p:nvPr>
-            <p:ph type="title"/>
-          </p:nvPr>
-        </p:nvSpPr>
-        <p:spPr>
-          <a:xfrm>
-            <a:off x="914161" y="188640"/>
-            <a:ext cx="10360501" cy="1219200"/>
-          </a:xfrm>
-          <a:effectLst/>
-        </p:spPr>
-        <p:txBody>
-          <a:bodyPr rtlCol="0">
-            <a:normAutofit/>
-          </a:bodyPr>
-          <a:lstStyle/>
-          <a:p>
-            <a:pPr rtl="0"/>
-            <a:r>
-              <a:rPr lang="en-US" altLang="ja-JP" sz="7200" dirty="0">
-                <a:latin typeface="Brush Script MT" panose="03060802040406070304" pitchFamily="66" charset="0"/>
-                <a:sym typeface="ＭＳ Ｐ明朝" panose="02020600040205080304" pitchFamily="18" charset="-128"/>
-              </a:rPr>
-              <a:t>       2:    </a:t>
-            </a:r>
-            <a:r>
-              <a:rPr lang="en-US" altLang="ja-JP" sz="7200" dirty="0">
-                <a:latin typeface="DK Face Your Fears" panose="000907010108010A0105" pitchFamily="18" charset="0"/>
-                <a:sym typeface="ＭＳ Ｐ明朝" panose="02020600040205080304" pitchFamily="18" charset="-128"/>
-              </a:rPr>
-              <a:t>GAMESYSTEM</a:t>
-            </a:r>
-            <a:endParaRPr lang="ja-JP" altLang="en-US" sz="7200" dirty="0">
-              <a:latin typeface="DK Face Your Fears" panose="000907010108010A0105" pitchFamily="18" charset="0"/>
-              <a:sym typeface="ＭＳ Ｐ明朝" panose="02020600040205080304" pitchFamily="18" charset="-128"/>
-            </a:endParaRPr>
-          </a:p>
-        </p:txBody>
-      </p:sp>
-      <p:sp>
-        <p:nvSpPr>
-          <p:cNvPr id="9" name="正方形/長方形 8">
-            <a:extLst>
-              <a:ext uri="{FF2B5EF4-FFF2-40B4-BE49-F238E27FC236}">
-                <a16:creationId xmlns:a16="http://schemas.microsoft.com/office/drawing/2014/main" id="{D0CD292B-3638-4D57-9015-A4FDFBEC0809}"/>
-              </a:ext>
-            </a:extLst>
-          </p:cNvPr>
-          <p:cNvSpPr/>
-          <p:nvPr/>
-        </p:nvSpPr>
-        <p:spPr>
-          <a:xfrm>
-            <a:off x="904668" y="1706156"/>
-            <a:ext cx="2232248" cy="576057"/>
-          </a:xfrm>
-          <a:prstGeom prst="rect">
-            <a:avLst/>
-          </a:prstGeom>
-          <a:solidFill>
-            <a:srgbClr val="00B0F0"/>
-          </a:solidFill>
-          <a:ln/>
-          <a:scene3d>
-            <a:camera prst="orthographicFront"/>
-            <a:lightRig rig="threePt" dir="t"/>
-          </a:scene3d>
-          <a:sp3d>
-            <a:bevelT w="139700" h="139700" prst="divot"/>
-          </a:sp3d>
-        </p:spPr>
-        <p:style>
-          <a:lnRef idx="3">
-            <a:schemeClr val="lt1"/>
-          </a:lnRef>
-          <a:fillRef idx="1">
-            <a:schemeClr val="accent5"/>
-          </a:fillRef>
-          <a:effectRef idx="1">
-            <a:schemeClr val="accent5"/>
-          </a:effectRef>
-          <a:fontRef idx="minor">
-            <a:schemeClr val="lt1"/>
-          </a:fontRef>
-        </p:style>
-        <p:txBody>
-          <a:bodyPr rtlCol="0" anchor="ctr"/>
-          <a:lstStyle/>
-          <a:p>
-            <a:pPr algn="ctr"/>
-            <a:r>
-              <a:rPr kumimoji="1" lang="ja-JP" altLang="en-US" sz="2000" dirty="0">
-                <a:solidFill>
-                  <a:schemeClr val="bg1"/>
-                </a:solidFill>
-                <a:latin typeface="g_コミック古印体-教漢(太字)" panose="02000600000000000000" pitchFamily="2" charset="-128"/>
-                <a:ea typeface="g_コミック古印体-教漢(太字)" panose="02000600000000000000" pitchFamily="2" charset="-128"/>
-              </a:rPr>
-              <a:t>ゲームスタート</a:t>
-            </a:r>
-          </a:p>
-        </p:txBody>
-      </p:sp>
-      <p:cxnSp>
-        <p:nvCxnSpPr>
-          <p:cNvPr id="15" name="直線コネクタ 14">
-            <a:extLst>
-              <a:ext uri="{FF2B5EF4-FFF2-40B4-BE49-F238E27FC236}">
-                <a16:creationId xmlns:a16="http://schemas.microsoft.com/office/drawing/2014/main" id="{44B334BE-5B53-4115-A07C-93BE08D70E71}"/>
-              </a:ext>
-            </a:extLst>
-          </p:cNvPr>
-          <p:cNvCxnSpPr>
-            <a:cxnSpLocks/>
-          </p:cNvCxnSpPr>
-          <p:nvPr/>
-        </p:nvCxnSpPr>
-        <p:spPr>
-          <a:xfrm>
-            <a:off x="1557908" y="2303492"/>
-            <a:ext cx="0" cy="1728202"/>
-          </a:xfrm>
-          <a:prstGeom prst="line">
-            <a:avLst/>
-          </a:prstGeom>
-          <a:ln w="19050">
-            <a:miter lim="800000"/>
-          </a:ln>
-        </p:spPr>
-        <p:style>
-          <a:lnRef idx="1">
-            <a:schemeClr val="accent1"/>
-          </a:lnRef>
-          <a:fillRef idx="0">
-            <a:schemeClr val="accent1"/>
-          </a:fillRef>
-          <a:effectRef idx="0">
-            <a:schemeClr val="accent1"/>
-          </a:effectRef>
-          <a:fontRef idx="minor">
-            <a:schemeClr val="tx1"/>
-          </a:fontRef>
-        </p:style>
-      </p:cxnSp>
-      <p:cxnSp>
-        <p:nvCxnSpPr>
-          <p:cNvPr id="17" name="直線矢印コネクタ 16">
-            <a:extLst>
-              <a:ext uri="{FF2B5EF4-FFF2-40B4-BE49-F238E27FC236}">
-                <a16:creationId xmlns:a16="http://schemas.microsoft.com/office/drawing/2014/main" id="{118A44F9-CEB5-40CE-8D4D-78957B8FB5AA}"/>
-              </a:ext>
-            </a:extLst>
-          </p:cNvPr>
-          <p:cNvCxnSpPr>
-            <a:cxnSpLocks/>
-          </p:cNvCxnSpPr>
-          <p:nvPr/>
-        </p:nvCxnSpPr>
-        <p:spPr>
-          <a:xfrm>
-            <a:off x="1557908" y="4031694"/>
-            <a:ext cx="2232248" cy="0"/>
-          </a:xfrm>
-          <a:prstGeom prst="straightConnector1">
-            <a:avLst/>
-          </a:prstGeom>
-          <a:ln w="19050">
-            <a:miter lim="800000"/>
-            <a:tailEnd type="triangle"/>
-          </a:ln>
-        </p:spPr>
-        <p:style>
-          <a:lnRef idx="1">
-            <a:schemeClr val="accent1"/>
-          </a:lnRef>
-          <a:fillRef idx="0">
-            <a:schemeClr val="accent1"/>
-          </a:fillRef>
-          <a:effectRef idx="0">
-            <a:schemeClr val="accent1"/>
-          </a:effectRef>
-          <a:fontRef idx="minor">
-            <a:schemeClr val="tx1"/>
-          </a:fontRef>
-        </p:style>
-      </p:cxnSp>
-      <p:sp>
-        <p:nvSpPr>
-          <p:cNvPr id="18" name="正方形/長方形 17">
-            <a:extLst>
-              <a:ext uri="{FF2B5EF4-FFF2-40B4-BE49-F238E27FC236}">
-                <a16:creationId xmlns:a16="http://schemas.microsoft.com/office/drawing/2014/main" id="{1CBCD2C1-9126-4D10-A481-447BECFF9C62}"/>
-              </a:ext>
-            </a:extLst>
-          </p:cNvPr>
-          <p:cNvSpPr/>
-          <p:nvPr/>
-        </p:nvSpPr>
-        <p:spPr>
-          <a:xfrm>
-            <a:off x="3862166" y="2543856"/>
-            <a:ext cx="2736302" cy="2880327"/>
-          </a:xfrm>
-          <a:prstGeom prst="rect">
-            <a:avLst/>
-          </a:prstGeom>
-          <a:ln>
-            <a:miter lim="800000"/>
-          </a:ln>
-          <a:effectLst/>
-          <a:scene3d>
-            <a:camera prst="orthographicFront"/>
-            <a:lightRig rig="threePt" dir="t"/>
-          </a:scene3d>
-          <a:sp3d>
-            <a:bevelT/>
-          </a:sp3d>
-        </p:spPr>
-        <p:style>
-          <a:lnRef idx="2">
-            <a:schemeClr val="accent1">
-              <a:shade val="50000"/>
-            </a:schemeClr>
-          </a:lnRef>
-          <a:fillRef idx="1">
-            <a:schemeClr val="accent1"/>
-          </a:fillRef>
-          <a:effectRef idx="0">
-            <a:schemeClr val="accent1"/>
-          </a:effectRef>
-          <a:fontRef idx="minor">
-            <a:schemeClr val="lt1"/>
-          </a:fontRef>
-        </p:style>
-        <p:txBody>
-          <a:bodyPr rtlCol="0" anchor="ctr"/>
-          <a:lstStyle/>
-          <a:p>
-            <a:pPr algn="ctr"/>
-            <a:r>
-              <a:rPr kumimoji="1" lang="ja-JP" altLang="en-US" dirty="0">
-                <a:latin typeface="しねきゃぷしょん" panose="02000600000000000000" pitchFamily="2" charset="-128"/>
-                <a:ea typeface="しねきゃぷしょん" panose="02000600000000000000" pitchFamily="2" charset="-128"/>
-              </a:rPr>
-              <a:t>敵を避けながら</a:t>
-            </a:r>
-            <a:endParaRPr kumimoji="1" lang="en-US" altLang="ja-JP" dirty="0">
-              <a:latin typeface="しねきゃぷしょん" panose="02000600000000000000" pitchFamily="2" charset="-128"/>
-              <a:ea typeface="しねきゃぷしょん" panose="02000600000000000000" pitchFamily="2" charset="-128"/>
-            </a:endParaRPr>
-          </a:p>
-          <a:p>
-            <a:pPr algn="ctr"/>
-            <a:r>
-              <a:rPr kumimoji="1" lang="ja-JP" altLang="en-US" dirty="0">
-                <a:latin typeface="しねきゃぷしょん" panose="02000600000000000000" pitchFamily="2" charset="-128"/>
-                <a:ea typeface="しねきゃぷしょん" panose="02000600000000000000" pitchFamily="2" charset="-128"/>
-              </a:rPr>
-              <a:t>ゴールに必要な</a:t>
-            </a:r>
-            <a:endParaRPr kumimoji="1" lang="en-US" altLang="ja-JP" dirty="0">
-              <a:latin typeface="しねきゃぷしょん" panose="02000600000000000000" pitchFamily="2" charset="-128"/>
-              <a:ea typeface="しねきゃぷしょん" panose="02000600000000000000" pitchFamily="2" charset="-128"/>
-            </a:endParaRPr>
-          </a:p>
-          <a:p>
-            <a:pPr algn="ctr"/>
-            <a:r>
-              <a:rPr kumimoji="1" lang="ja-JP" altLang="en-US" dirty="0">
-                <a:latin typeface="しねきゃぷしょん" panose="02000600000000000000" pitchFamily="2" charset="-128"/>
-                <a:ea typeface="しねきゃぷしょん" panose="02000600000000000000" pitchFamily="2" charset="-128"/>
-              </a:rPr>
-              <a:t>アイテムを</a:t>
-            </a:r>
-            <a:endParaRPr kumimoji="1" lang="en-US" altLang="ja-JP" dirty="0">
-              <a:latin typeface="しねきゃぷしょん" panose="02000600000000000000" pitchFamily="2" charset="-128"/>
-              <a:ea typeface="しねきゃぷしょん" panose="02000600000000000000" pitchFamily="2" charset="-128"/>
-            </a:endParaRPr>
-          </a:p>
-          <a:p>
-            <a:pPr algn="ctr"/>
-            <a:r>
-              <a:rPr kumimoji="1" lang="ja-JP" altLang="en-US" dirty="0">
-                <a:latin typeface="しねきゃぷしょん" panose="02000600000000000000" pitchFamily="2" charset="-128"/>
-                <a:ea typeface="しねきゃぷしょん" panose="02000600000000000000" pitchFamily="2" charset="-128"/>
-              </a:rPr>
-              <a:t>　取得していく。</a:t>
-            </a:r>
-          </a:p>
-        </p:txBody>
-      </p:sp>
-      <p:sp>
-        <p:nvSpPr>
-          <p:cNvPr id="24" name="矢印: 右 23">
-            <a:extLst>
-              <a:ext uri="{FF2B5EF4-FFF2-40B4-BE49-F238E27FC236}">
-                <a16:creationId xmlns:a16="http://schemas.microsoft.com/office/drawing/2014/main" id="{9F974D64-2E14-459C-91FB-2DB7A50B607E}"/>
-              </a:ext>
-            </a:extLst>
-          </p:cNvPr>
-          <p:cNvSpPr/>
-          <p:nvPr/>
-        </p:nvSpPr>
-        <p:spPr>
-          <a:xfrm>
-            <a:off x="6742484" y="3582866"/>
-            <a:ext cx="885036" cy="504056"/>
-          </a:xfrm>
-          <a:prstGeom prst="rightArrow">
-            <a:avLst/>
-          </a:prstGeom>
-          <a:solidFill>
-            <a:schemeClr val="tx1"/>
-          </a:solidFill>
-          <a:ln>
-            <a:noFill/>
-          </a:ln>
-        </p:spPr>
-        <p:style>
-          <a:lnRef idx="0">
-            <a:scrgbClr r="0" g="0" b="0"/>
-          </a:lnRef>
-          <a:fillRef idx="0">
-            <a:scrgbClr r="0" g="0" b="0"/>
-          </a:fillRef>
-          <a:effectRef idx="0">
-            <a:scrgbClr r="0" g="0" b="0"/>
-          </a:effectRef>
-          <a:fontRef idx="minor">
-            <a:schemeClr val="lt1"/>
-          </a:fontRef>
-        </p:style>
-        <p:txBody>
-          <a:bodyPr rtlCol="0" anchor="ctr"/>
-          <a:lstStyle/>
-          <a:p>
-            <a:pPr algn="ctr"/>
-            <a:endParaRPr kumimoji="1" lang="ja-JP" altLang="en-US"/>
-          </a:p>
-        </p:txBody>
-      </p:sp>
-      <p:sp>
-        <p:nvSpPr>
-          <p:cNvPr id="25" name="矢印: 右 24">
-            <a:extLst>
-              <a:ext uri="{FF2B5EF4-FFF2-40B4-BE49-F238E27FC236}">
-                <a16:creationId xmlns:a16="http://schemas.microsoft.com/office/drawing/2014/main" id="{200120B7-2A94-4E60-9A14-5F7C01E6FDBE}"/>
-              </a:ext>
-            </a:extLst>
-          </p:cNvPr>
-          <p:cNvSpPr/>
-          <p:nvPr/>
-        </p:nvSpPr>
-        <p:spPr>
-          <a:xfrm>
-            <a:off x="7318548" y="6079257"/>
-            <a:ext cx="1130228" cy="504056"/>
-          </a:xfrm>
-          <a:prstGeom prst="rightArrow">
-            <a:avLst/>
-          </a:prstGeom>
-          <a:solidFill>
-            <a:schemeClr val="tx1"/>
-          </a:solidFill>
-          <a:ln>
-            <a:noFill/>
-          </a:ln>
-        </p:spPr>
-        <p:style>
-          <a:lnRef idx="0">
-            <a:scrgbClr r="0" g="0" b="0"/>
-          </a:lnRef>
-          <a:fillRef idx="0">
-            <a:scrgbClr r="0" g="0" b="0"/>
-          </a:fillRef>
-          <a:effectRef idx="0">
-            <a:scrgbClr r="0" g="0" b="0"/>
-          </a:effectRef>
-          <a:fontRef idx="minor">
-            <a:schemeClr val="lt1"/>
-          </a:fontRef>
-        </p:style>
-        <p:txBody>
-          <a:bodyPr rtlCol="0" anchor="ctr"/>
-          <a:lstStyle/>
-          <a:p>
-            <a:pPr algn="ctr"/>
-            <a:endParaRPr kumimoji="1" lang="ja-JP" altLang="en-US"/>
-          </a:p>
-        </p:txBody>
-      </p:sp>
-      <p:sp>
-        <p:nvSpPr>
-          <p:cNvPr id="26" name="テキスト ボックス 25">
-            <a:extLst>
-              <a:ext uri="{FF2B5EF4-FFF2-40B4-BE49-F238E27FC236}">
-                <a16:creationId xmlns:a16="http://schemas.microsoft.com/office/drawing/2014/main" id="{758CB738-131B-4C03-92D9-B52F16250A31}"/>
-              </a:ext>
-            </a:extLst>
-          </p:cNvPr>
-          <p:cNvSpPr txBox="1"/>
-          <p:nvPr/>
-        </p:nvSpPr>
-        <p:spPr>
-          <a:xfrm>
-            <a:off x="7595630" y="2779243"/>
-            <a:ext cx="3168366" cy="480131"/>
-          </a:xfrm>
-          <a:prstGeom prst="rect">
-            <a:avLst/>
-          </a:prstGeom>
-          <a:noFill/>
-        </p:spPr>
-        <p:txBody>
-          <a:bodyPr wrap="square" rtlCol="0">
-            <a:spAutoFit/>
-          </a:bodyPr>
-          <a:lstStyle/>
-          <a:p>
-            <a:pPr>
-              <a:lnSpc>
-                <a:spcPct val="90000"/>
-              </a:lnSpc>
-            </a:pPr>
-            <a:r>
-              <a:rPr kumimoji="1" lang="ja-JP" altLang="en-US" sz="2800" dirty="0">
-                <a:latin typeface="しねきゃぷしょん" panose="02000600000000000000" pitchFamily="2" charset="-128"/>
-                <a:ea typeface="しねきゃぷしょん" panose="02000600000000000000" pitchFamily="2" charset="-128"/>
-              </a:rPr>
-              <a:t>敵に捕まった場合。</a:t>
-            </a:r>
-          </a:p>
-        </p:txBody>
-      </p:sp>
-      <p:sp>
-        <p:nvSpPr>
-          <p:cNvPr id="28" name="テキスト ボックス 27">
-            <a:extLst>
-              <a:ext uri="{FF2B5EF4-FFF2-40B4-BE49-F238E27FC236}">
-                <a16:creationId xmlns:a16="http://schemas.microsoft.com/office/drawing/2014/main" id="{A476408E-134D-4AEB-8E6F-AB1324314878}"/>
-              </a:ext>
-            </a:extLst>
-          </p:cNvPr>
-          <p:cNvSpPr txBox="1"/>
-          <p:nvPr/>
-        </p:nvSpPr>
-        <p:spPr>
-          <a:xfrm>
-            <a:off x="2494012" y="5526852"/>
-            <a:ext cx="4525700" cy="480131"/>
-          </a:xfrm>
-          <a:prstGeom prst="rect">
-            <a:avLst/>
-          </a:prstGeom>
-          <a:noFill/>
-        </p:spPr>
-        <p:txBody>
-          <a:bodyPr wrap="square" rtlCol="0">
-            <a:spAutoFit/>
-          </a:bodyPr>
-          <a:lstStyle/>
-          <a:p>
-            <a:pPr>
-              <a:lnSpc>
-                <a:spcPct val="90000"/>
-              </a:lnSpc>
-            </a:pPr>
-            <a:r>
-              <a:rPr kumimoji="1" lang="ja-JP" altLang="en-US" sz="2800" dirty="0">
-                <a:latin typeface="しねきゃぷしょん" panose="02000600000000000000" pitchFamily="2" charset="-128"/>
-                <a:ea typeface="しねきゃぷしょん" panose="02000600000000000000" pitchFamily="2" charset="-128"/>
-              </a:rPr>
-              <a:t>アイテムを全て揃えた場合。</a:t>
-            </a:r>
-          </a:p>
-        </p:txBody>
-      </p:sp>
-      <p:sp>
-        <p:nvSpPr>
-          <p:cNvPr id="30" name="正方形/長方形 29">
-            <a:extLst>
-              <a:ext uri="{FF2B5EF4-FFF2-40B4-BE49-F238E27FC236}">
-                <a16:creationId xmlns:a16="http://schemas.microsoft.com/office/drawing/2014/main" id="{2B074B88-AEF8-4A53-9F91-9DFD66AEBA93}"/>
-              </a:ext>
-            </a:extLst>
-          </p:cNvPr>
-          <p:cNvSpPr/>
-          <p:nvPr/>
-        </p:nvSpPr>
-        <p:spPr>
-          <a:xfrm>
-            <a:off x="8470874" y="5526852"/>
-            <a:ext cx="3550292" cy="1219200"/>
-          </a:xfrm>
-          <a:prstGeom prst="rect">
-            <a:avLst/>
-          </a:prstGeom>
-          <a:solidFill>
-            <a:srgbClr val="FFFF00"/>
-          </a:solidFill>
-          <a:ln/>
-        </p:spPr>
-        <p:style>
-          <a:lnRef idx="3">
-            <a:schemeClr val="lt1"/>
-          </a:lnRef>
-          <a:fillRef idx="1">
-            <a:schemeClr val="accent2"/>
-          </a:fillRef>
-          <a:effectRef idx="1">
-            <a:schemeClr val="accent2"/>
-          </a:effectRef>
-          <a:fontRef idx="minor">
-            <a:schemeClr val="lt1"/>
-          </a:fontRef>
-        </p:style>
-        <p:txBody>
-          <a:bodyPr rtlCol="0" anchor="ctr"/>
-          <a:lstStyle/>
-          <a:p>
-            <a:pPr algn="ctr"/>
-            <a:r>
-              <a:rPr kumimoji="1" lang="en-US" altLang="ja-JP" sz="4400" dirty="0">
-                <a:solidFill>
-                  <a:schemeClr val="bg1"/>
-                </a:solidFill>
-                <a:latin typeface="Impact" panose="020B0806030902050204" pitchFamily="34" charset="0"/>
-              </a:rPr>
-              <a:t>GAME CLEAR!!</a:t>
-            </a:r>
-            <a:endParaRPr kumimoji="1" lang="ja-JP" altLang="en-US" sz="4400" dirty="0">
-              <a:solidFill>
-                <a:schemeClr val="bg1"/>
-              </a:solidFill>
-              <a:latin typeface="Impact" panose="020B0806030902050204" pitchFamily="34" charset="0"/>
-            </a:endParaRPr>
-          </a:p>
-        </p:txBody>
-      </p:sp>
-      <p:sp>
-        <p:nvSpPr>
-          <p:cNvPr id="33" name="正方形/長方形 32">
-            <a:extLst>
-              <a:ext uri="{FF2B5EF4-FFF2-40B4-BE49-F238E27FC236}">
-                <a16:creationId xmlns:a16="http://schemas.microsoft.com/office/drawing/2014/main" id="{4F2DEEAD-6212-4113-9712-A9CB8F30E883}"/>
-              </a:ext>
-            </a:extLst>
-          </p:cNvPr>
-          <p:cNvSpPr/>
-          <p:nvPr/>
-        </p:nvSpPr>
-        <p:spPr>
-          <a:xfrm>
-            <a:off x="7700686" y="3448975"/>
-            <a:ext cx="4320480" cy="861689"/>
-          </a:xfrm>
-          <a:prstGeom prst="rect">
-            <a:avLst/>
-          </a:prstGeom>
-          <a:solidFill>
-            <a:srgbClr val="FF0000"/>
-          </a:solidFill>
-          <a:ln/>
-        </p:spPr>
-        <p:style>
-          <a:lnRef idx="3">
-            <a:schemeClr val="lt1"/>
-          </a:lnRef>
-          <a:fillRef idx="1">
-            <a:schemeClr val="accent3"/>
-          </a:fillRef>
-          <a:effectRef idx="1">
-            <a:schemeClr val="accent3"/>
-          </a:effectRef>
-          <a:fontRef idx="minor">
-            <a:schemeClr val="lt1"/>
-          </a:fontRef>
-        </p:style>
-        <p:txBody>
-          <a:bodyPr rtlCol="0" anchor="ctr"/>
-          <a:lstStyle/>
-          <a:p>
-            <a:pPr algn="ctr"/>
-            <a:r>
-              <a:rPr kumimoji="1" lang="en-US" altLang="ja-JP" sz="5400" dirty="0">
-                <a:solidFill>
-                  <a:schemeClr val="bg1">
-                    <a:lumMod val="95000"/>
-                    <a:lumOff val="5000"/>
-                  </a:schemeClr>
-                </a:solidFill>
-                <a:latin typeface="g_コミック古印体-教漢(太字)" panose="02000600000000000000" pitchFamily="2" charset="-128"/>
-                <a:ea typeface="g_コミック古印体-教漢(太字)" panose="02000600000000000000" pitchFamily="2" charset="-128"/>
-              </a:rPr>
-              <a:t>GAME OVER…</a:t>
-            </a:r>
-            <a:endParaRPr kumimoji="1" lang="ja-JP" altLang="en-US" sz="5400" dirty="0">
-              <a:solidFill>
-                <a:schemeClr val="bg1">
-                  <a:lumMod val="95000"/>
-                  <a:lumOff val="5000"/>
-                </a:schemeClr>
-              </a:solidFill>
-              <a:latin typeface="g_コミック古印体-教漢(太字)" panose="02000600000000000000" pitchFamily="2" charset="-128"/>
-              <a:ea typeface="g_コミック古印体-教漢(太字)" panose="02000600000000000000" pitchFamily="2" charset="-128"/>
-            </a:endParaRPr>
-          </a:p>
-        </p:txBody>
-      </p:sp>
-      <p:sp>
-        <p:nvSpPr>
-          <p:cNvPr id="34" name="テキスト ボックス 33">
-            <a:extLst>
-              <a:ext uri="{FF2B5EF4-FFF2-40B4-BE49-F238E27FC236}">
-                <a16:creationId xmlns:a16="http://schemas.microsoft.com/office/drawing/2014/main" id="{879E4FFE-A8AF-4D5B-B724-1A2C1814FAF7}"/>
-              </a:ext>
-            </a:extLst>
-          </p:cNvPr>
-          <p:cNvSpPr txBox="1"/>
-          <p:nvPr/>
-        </p:nvSpPr>
-        <p:spPr>
-          <a:xfrm>
-            <a:off x="460414" y="6078557"/>
-            <a:ext cx="7007046" cy="480131"/>
-          </a:xfrm>
-          <a:prstGeom prst="rect">
-            <a:avLst/>
-          </a:prstGeom>
-          <a:noFill/>
-        </p:spPr>
-        <p:txBody>
-          <a:bodyPr wrap="none" rtlCol="0">
-            <a:spAutoFit/>
-          </a:bodyPr>
-          <a:lstStyle/>
-          <a:p>
-            <a:pPr>
-              <a:lnSpc>
-                <a:spcPct val="90000"/>
-              </a:lnSpc>
-            </a:pPr>
-            <a:r>
-              <a:rPr kumimoji="1" lang="ja-JP" altLang="en-US" sz="2800" dirty="0"/>
-              <a:t>そのアイテムを持ってゴール地点に向かう</a:t>
-            </a:r>
-          </a:p>
-        </p:txBody>
-      </p:sp>
-      <p:sp>
-        <p:nvSpPr>
-          <p:cNvPr id="41" name="テキスト ボックス 40">
-            <a:extLst>
-              <a:ext uri="{FF2B5EF4-FFF2-40B4-BE49-F238E27FC236}">
-                <a16:creationId xmlns:a16="http://schemas.microsoft.com/office/drawing/2014/main" id="{AFC35099-B398-40F8-9122-44E08F3B2FC3}"/>
-              </a:ext>
-            </a:extLst>
-          </p:cNvPr>
-          <p:cNvSpPr txBox="1"/>
-          <p:nvPr/>
-        </p:nvSpPr>
-        <p:spPr>
-          <a:xfrm>
-            <a:off x="4430344" y="1435799"/>
-            <a:ext cx="2736302" cy="1200329"/>
-          </a:xfrm>
-          <a:prstGeom prst="rect">
-            <a:avLst/>
-          </a:prstGeom>
-          <a:noFill/>
-        </p:spPr>
-        <p:txBody>
-          <a:bodyPr wrap="square" rtlCol="0">
-            <a:spAutoFit/>
-          </a:bodyPr>
-          <a:lstStyle/>
-          <a:p>
-            <a:pPr>
-              <a:lnSpc>
-                <a:spcPct val="90000"/>
-              </a:lnSpc>
-            </a:pPr>
-            <a:r>
-              <a:rPr kumimoji="1" lang="en-US" altLang="ja-JP" sz="8000" dirty="0">
-                <a:latin typeface="Juice ITC" panose="04040403040A02020202" pitchFamily="82" charset="0"/>
-              </a:rPr>
-              <a:t>MAIN</a:t>
-            </a:r>
-            <a:endParaRPr kumimoji="1" lang="ja-JP" altLang="en-US" sz="8000" dirty="0">
-              <a:latin typeface="Juice ITC" panose="04040403040A02020202" pitchFamily="82" charset="0"/>
-            </a:endParaRPr>
-          </a:p>
-        </p:txBody>
-      </p:sp>
-    </p:spTree>
-    <p:extLst>
-      <p:ext uri="{BB962C8B-B14F-4D97-AF65-F5344CB8AC3E}">
-        <p14:creationId xmlns:p14="http://schemas.microsoft.com/office/powerpoint/2010/main" val="471475862"/>
-      </p:ext>
-    </p:extLst>
-  </p:cSld>
-  <p:clrMapOvr>
-    <a:masterClrMapping/>
-  </p:clrMapOvr>
-  <mc:AlternateContent xmlns:mc="http://schemas.openxmlformats.org/markup-compatibility/2006" xmlns:p14="http://schemas.microsoft.com/office/powerpoint/2010/main">
-    <mc:Choice Requires="p14">
-      <p:transition spd="med" p14:dur="700">
-        <p:fade/>
-      </p:transition>
-    </mc:Choice>
-    <mc:Fallback xmlns="">
-      <p:transition spd="med">
-        <p:fade/>
-      </p:transition>
-    </mc:Fallback>
-  </mc:AlternateContent>
-</p:sld>
-</file>
-
-<file path=ppt/slides/slide4.xml><?xml version="1.0" encoding="utf-8"?>
-<p:sld xmlns:a="http://schemas.openxmlformats.org/drawingml/2006/main" xmlns:r="http://schemas.openxmlformats.org/officeDocument/2006/relationships" xmlns:p="http://schemas.openxmlformats.org/presentationml/2006/main">
-  <p:cSld>
-    <p:spTree>
-      <p:nvGrpSpPr>
-        <p:cNvPr id="1" name=""/>
-        <p:cNvGrpSpPr/>
-        <p:nvPr/>
-      </p:nvGrpSpPr>
-      <p:grpSpPr>
-        <a:xfrm>
-          <a:off x="0" y="0"/>
-          <a:ext cx="0" cy="0"/>
-          <a:chOff x="0" y="0"/>
-          <a:chExt cx="0" cy="0"/>
-        </a:xfrm>
-      </p:grpSpPr>
-      <p:sp>
-        <p:nvSpPr>
-          <p:cNvPr id="2" name="タイトル 1"/>
-          <p:cNvSpPr>
-            <a:spLocks noGrp="1"/>
-          </p:cNvSpPr>
-          <p:nvPr>
-            <p:ph type="title"/>
-          </p:nvPr>
-        </p:nvSpPr>
-        <p:spPr>
-          <a:xfrm>
-            <a:off x="1086797" y="260648"/>
-            <a:ext cx="10360501" cy="1080120"/>
-          </a:xfrm>
-        </p:spPr>
-        <p:txBody>
-          <a:bodyPr rtlCol="0">
-            <a:normAutofit/>
-          </a:bodyPr>
-          <a:lstStyle/>
-          <a:p>
-            <a:pPr rtl="0"/>
-            <a:r>
-              <a:rPr lang="ja-JP" altLang="en-US" sz="7200" dirty="0">
-                <a:latin typeface="Brush Script MT" panose="03060802040406070304" pitchFamily="66" charset="0"/>
-                <a:sym typeface="ＭＳ Ｐ明朝" panose="02020600040205080304" pitchFamily="18" charset="-128"/>
-              </a:rPr>
-              <a:t>　　 </a:t>
-            </a:r>
-            <a:r>
-              <a:rPr lang="en-US" altLang="ja-JP" sz="7200" dirty="0">
-                <a:latin typeface="Brush Script MT" panose="03060802040406070304" pitchFamily="66" charset="0"/>
-                <a:sym typeface="ＭＳ Ｐ明朝" panose="02020600040205080304" pitchFamily="18" charset="-128"/>
-              </a:rPr>
-              <a:t>3:      </a:t>
-            </a:r>
-            <a:r>
-              <a:rPr lang="en-US" altLang="ja-JP" sz="7200" dirty="0">
-                <a:latin typeface="DK Face Your Fears" panose="000907010108010A0105" pitchFamily="18" charset="0"/>
-                <a:sym typeface="ＭＳ Ｐ明朝" panose="02020600040205080304" pitchFamily="18" charset="-128"/>
-              </a:rPr>
-              <a:t>NetWork</a:t>
-            </a:r>
-            <a:endParaRPr lang="en-US" altLang="ja-JP" sz="6000" dirty="0">
-              <a:latin typeface="Chiller" panose="04020404031007020602" pitchFamily="82" charset="0"/>
-              <a:ea typeface="なきむしポルカFREE-flopdesign" panose="02000600000000000000" pitchFamily="50" charset="-128"/>
-              <a:sym typeface="ＭＳ Ｐ明朝" panose="02020600040205080304" pitchFamily="18" charset="-128"/>
-            </a:endParaRPr>
-          </a:p>
-        </p:txBody>
-      </p:sp>
-      <p:sp>
-        <p:nvSpPr>
-          <p:cNvPr id="4" name="コンテンツ プレースホルダー 3">
-            <a:extLst>
-              <a:ext uri="{FF2B5EF4-FFF2-40B4-BE49-F238E27FC236}">
-                <a16:creationId xmlns:a16="http://schemas.microsoft.com/office/drawing/2014/main" id="{FDA85A48-A83F-494C-9B68-E945C1BA58E8}"/>
-              </a:ext>
-            </a:extLst>
-          </p:cNvPr>
-          <p:cNvSpPr>
-            <a:spLocks noGrp="1"/>
-          </p:cNvSpPr>
-          <p:nvPr>
-            <p:ph idx="1"/>
-          </p:nvPr>
-        </p:nvSpPr>
-        <p:spPr>
-          <a:xfrm>
-            <a:off x="914161" y="1340768"/>
-            <a:ext cx="10360501" cy="4464496"/>
-          </a:xfrm>
-        </p:spPr>
-        <p:txBody>
-          <a:bodyPr>
-            <a:normAutofit/>
-          </a:bodyPr>
-          <a:lstStyle/>
-          <a:p>
-            <a:pPr marL="0" indent="0">
-              <a:buNone/>
-            </a:pPr>
-            <a:r>
-              <a:rPr lang="ja-JP" altLang="en-US" dirty="0">
-                <a:latin typeface="しねきゃぷしょん" panose="02000600000000000000" pitchFamily="2" charset="-128"/>
-                <a:ea typeface="しねきゃぷしょん" panose="02000600000000000000" pitchFamily="2" charset="-128"/>
-              </a:rPr>
-              <a:t>このゲームはネット接続で、</a:t>
-            </a:r>
-            <a:r>
-              <a:rPr lang="en-US" altLang="ja-JP" dirty="0">
-                <a:latin typeface="しねきゃぷしょん" panose="02000600000000000000" pitchFamily="2" charset="-128"/>
-                <a:ea typeface="しねきゃぷしょん" panose="02000600000000000000" pitchFamily="2" charset="-128"/>
-              </a:rPr>
-              <a:t>2</a:t>
-            </a:r>
-            <a:r>
-              <a:rPr lang="ja-JP" altLang="en-US" dirty="0">
-                <a:latin typeface="しねきゃぷしょん" panose="02000600000000000000" pitchFamily="2" charset="-128"/>
-                <a:ea typeface="しねきゃぷしょん" panose="02000600000000000000" pitchFamily="2" charset="-128"/>
-              </a:rPr>
-              <a:t>人で協力してゴールに向かう。</a:t>
-            </a:r>
-            <a:endParaRPr lang="en-US" altLang="ja-JP" dirty="0">
-              <a:latin typeface="しねきゃぷしょん" panose="02000600000000000000" pitchFamily="2" charset="-128"/>
-              <a:ea typeface="しねきゃぷしょん" panose="02000600000000000000" pitchFamily="2" charset="-128"/>
-            </a:endParaRPr>
-          </a:p>
-          <a:p>
-            <a:pPr marL="0" indent="0">
-              <a:buNone/>
-            </a:pPr>
-            <a:r>
-              <a:rPr lang="ja-JP" altLang="en-US" dirty="0">
-                <a:latin typeface="しねきゃぷしょん" panose="02000600000000000000" pitchFamily="2" charset="-128"/>
-                <a:ea typeface="しねきゃぷしょん" panose="02000600000000000000" pitchFamily="2" charset="-128"/>
-              </a:rPr>
-              <a:t>接続された</a:t>
-            </a:r>
-            <a:r>
-              <a:rPr lang="en-US" altLang="ja-JP" dirty="0">
-                <a:latin typeface="しねきゃぷしょん" panose="02000600000000000000" pitchFamily="2" charset="-128"/>
-                <a:ea typeface="しねきゃぷしょん" panose="02000600000000000000" pitchFamily="2" charset="-128"/>
-              </a:rPr>
-              <a:t>2</a:t>
-            </a:r>
-            <a:r>
-              <a:rPr lang="ja-JP" altLang="en-US" dirty="0">
-                <a:latin typeface="しねきゃぷしょん" panose="02000600000000000000" pitchFamily="2" charset="-128"/>
-                <a:ea typeface="しねきゃぷしょん" panose="02000600000000000000" pitchFamily="2" charset="-128"/>
-              </a:rPr>
-              <a:t>人には</a:t>
-            </a:r>
-            <a:r>
-              <a:rPr lang="ja-JP" altLang="en-US" dirty="0">
-                <a:solidFill>
-                  <a:srgbClr val="FFFF00"/>
-                </a:solidFill>
-                <a:latin typeface="しねきゃぷしょん" panose="02000600000000000000" pitchFamily="2" charset="-128"/>
-                <a:ea typeface="しねきゃぷしょん" panose="02000600000000000000" pitchFamily="2" charset="-128"/>
-              </a:rPr>
-              <a:t>役割</a:t>
-            </a:r>
-            <a:r>
-              <a:rPr lang="ja-JP" altLang="en-US" dirty="0">
-                <a:latin typeface="しねきゃぷしょん" panose="02000600000000000000" pitchFamily="2" charset="-128"/>
-                <a:ea typeface="しねきゃぷしょん" panose="02000600000000000000" pitchFamily="2" charset="-128"/>
-              </a:rPr>
-              <a:t>が割り振られている。</a:t>
-            </a:r>
-            <a:endParaRPr lang="en-US" altLang="ja-JP" dirty="0">
-              <a:latin typeface="しねきゃぷしょん" panose="02000600000000000000" pitchFamily="2" charset="-128"/>
-              <a:ea typeface="しねきゃぷしょん" panose="02000600000000000000" pitchFamily="2" charset="-128"/>
-            </a:endParaRPr>
-          </a:p>
-          <a:p>
-            <a:pPr marL="0" indent="0">
-              <a:buNone/>
-            </a:pPr>
-            <a:endParaRPr lang="en-US" altLang="ja-JP" dirty="0">
-              <a:latin typeface="しねきゃぷしょん" panose="02000600000000000000" pitchFamily="2" charset="-128"/>
-              <a:ea typeface="しねきゃぷしょん" panose="02000600000000000000" pitchFamily="2" charset="-128"/>
-            </a:endParaRPr>
-          </a:p>
-          <a:p>
-            <a:pPr marL="0" indent="0">
-              <a:buNone/>
-            </a:pPr>
-            <a:r>
-              <a:rPr lang="en-US" altLang="ja-JP" dirty="0">
-                <a:latin typeface="しねきゃぷしょん" panose="02000600000000000000" pitchFamily="2" charset="-128"/>
-                <a:ea typeface="しねきゃぷしょん" panose="02000600000000000000" pitchFamily="2" charset="-128"/>
-              </a:rPr>
-              <a:t>1</a:t>
-            </a:r>
-            <a:r>
-              <a:rPr lang="ja-JP" altLang="en-US" dirty="0">
-                <a:latin typeface="しねきゃぷしょん" panose="02000600000000000000" pitchFamily="2" charset="-128"/>
-                <a:ea typeface="しねきゃぷしょん" panose="02000600000000000000" pitchFamily="2" charset="-128"/>
-              </a:rPr>
-              <a:t>人は “</a:t>
-            </a:r>
-            <a:r>
-              <a:rPr lang="ja-JP" altLang="en-US" dirty="0">
-                <a:solidFill>
-                  <a:schemeClr val="bg2">
-                    <a:lumMod val="40000"/>
-                    <a:lumOff val="60000"/>
-                  </a:schemeClr>
-                </a:solidFill>
-                <a:latin typeface="g_コミック古印体-教漢(太字)" panose="02000600000000000000" pitchFamily="2" charset="-128"/>
-                <a:ea typeface="g_コミック古印体-教漢(太字)" panose="02000600000000000000" pitchFamily="2" charset="-128"/>
-              </a:rPr>
-              <a:t>処刑人</a:t>
-            </a:r>
-            <a:r>
-              <a:rPr lang="ja-JP" altLang="en-US" dirty="0">
-                <a:latin typeface="しねきゃぷしょん" panose="02000600000000000000" pitchFamily="2" charset="-128"/>
-                <a:ea typeface="しねきゃぷしょん" panose="02000600000000000000" pitchFamily="2" charset="-128"/>
-              </a:rPr>
-              <a:t>”から捕まらないようにプレイヤーを操作。</a:t>
-            </a:r>
-            <a:endParaRPr lang="en-US" altLang="ja-JP" dirty="0">
-              <a:latin typeface="しねきゃぷしょん" panose="02000600000000000000" pitchFamily="2" charset="-128"/>
-              <a:ea typeface="しねきゃぷしょん" panose="02000600000000000000" pitchFamily="2" charset="-128"/>
-            </a:endParaRPr>
-          </a:p>
-          <a:p>
-            <a:pPr marL="0" indent="0">
-              <a:buNone/>
-            </a:pPr>
-            <a:endParaRPr lang="en-US" altLang="ja-JP" dirty="0">
-              <a:latin typeface="しねきゃぷしょん" panose="02000600000000000000" pitchFamily="2" charset="-128"/>
-              <a:ea typeface="しねきゃぷしょん" panose="02000600000000000000" pitchFamily="2" charset="-128"/>
-            </a:endParaRPr>
-          </a:p>
-          <a:p>
-            <a:pPr marL="0" indent="0">
-              <a:buNone/>
-            </a:pPr>
-            <a:r>
-              <a:rPr lang="ja-JP" altLang="en-US" dirty="0">
-                <a:latin typeface="しねきゃぷしょん" panose="02000600000000000000" pitchFamily="2" charset="-128"/>
-                <a:ea typeface="しねきゃぷしょん" panose="02000600000000000000" pitchFamily="2" charset="-128"/>
-              </a:rPr>
-              <a:t>もう一人は一方が操作しているプレイヤーが“</a:t>
-            </a:r>
-            <a:r>
-              <a:rPr lang="ja-JP" altLang="en-US" dirty="0">
-                <a:solidFill>
-                  <a:schemeClr val="bg2">
-                    <a:lumMod val="40000"/>
-                    <a:lumOff val="60000"/>
-                  </a:schemeClr>
-                </a:solidFill>
-                <a:latin typeface="g_コミック古印体-教漢(太字)" panose="02000600000000000000" pitchFamily="2" charset="-128"/>
-                <a:ea typeface="g_コミック古印体-教漢(太字)" panose="02000600000000000000" pitchFamily="2" charset="-128"/>
-              </a:rPr>
-              <a:t>処刑人</a:t>
-            </a:r>
-            <a:r>
-              <a:rPr lang="ja-JP" altLang="en-US" dirty="0">
-                <a:latin typeface="しねきゃぷしょん" panose="02000600000000000000" pitchFamily="2" charset="-128"/>
-                <a:ea typeface="しねきゃぷしょん" panose="02000600000000000000" pitchFamily="2" charset="-128"/>
-              </a:rPr>
-              <a:t>”から捕まらないようにサポートする。</a:t>
-            </a:r>
-            <a:endParaRPr lang="en-US" altLang="ja-JP" dirty="0">
-              <a:latin typeface="しねきゃぷしょん" panose="02000600000000000000" pitchFamily="2" charset="-128"/>
-              <a:ea typeface="しねきゃぷしょん" panose="02000600000000000000" pitchFamily="2" charset="-128"/>
-            </a:endParaRPr>
-          </a:p>
-          <a:p>
-            <a:pPr marL="0" indent="0">
-              <a:buNone/>
-            </a:pPr>
-            <a:endParaRPr lang="en-US" altLang="ja-JP" dirty="0"/>
-          </a:p>
-        </p:txBody>
-      </p:sp>
-    </p:spTree>
-    <p:extLst>
-      <p:ext uri="{BB962C8B-B14F-4D97-AF65-F5344CB8AC3E}">
-        <p14:creationId xmlns:p14="http://schemas.microsoft.com/office/powerpoint/2010/main" val="4182371509"/>
-      </p:ext>
-    </p:extLst>
-  </p:cSld>
-  <p:clrMapOvr>
-    <a:masterClrMapping/>
-  </p:clrMapOvr>
-  <mc:AlternateContent xmlns:mc="http://schemas.openxmlformats.org/markup-compatibility/2006" xmlns:p14="http://schemas.microsoft.com/office/powerpoint/2010/main">
-    <mc:Choice Requires="p14">
-      <p:transition spd="med" p14:dur="700">
-        <p:fade/>
-      </p:transition>
-    </mc:Choice>
-    <mc:Fallback xmlns="">
-      <p:transition spd="med">
-        <p:fade/>
-      </p:transition>
-    </mc:Fallback>
-  </mc:AlternateContent>
-</p:sld>
-</file>
-
-<file path=ppt/slides/slide5.xml><?xml version="1.0" encoding="utf-8"?>
-<p:sld xmlns:a="http://schemas.openxmlformats.org/drawingml/2006/main" xmlns:r="http://schemas.openxmlformats.org/officeDocument/2006/relationships" xmlns:p="http://schemas.openxmlformats.org/presentationml/2006/main">
-  <p:cSld>
-    <p:spTree>
-      <p:nvGrpSpPr>
-        <p:cNvPr id="1" name=""/>
-        <p:cNvGrpSpPr/>
-        <p:nvPr/>
-      </p:nvGrpSpPr>
-      <p:grpSpPr>
-        <a:xfrm>
-          <a:off x="0" y="0"/>
-          <a:ext cx="0" cy="0"/>
-          <a:chOff x="0" y="0"/>
-          <a:chExt cx="0" cy="0"/>
-        </a:xfrm>
-      </p:grpSpPr>
-      <p:sp>
-        <p:nvSpPr>
-          <p:cNvPr id="2" name="タイトル 1"/>
-          <p:cNvSpPr>
-            <a:spLocks noGrp="1"/>
-          </p:cNvSpPr>
-          <p:nvPr>
-            <p:ph type="title"/>
-          </p:nvPr>
-        </p:nvSpPr>
-        <p:spPr>
-          <a:xfrm>
-            <a:off x="1197868" y="1417712"/>
-            <a:ext cx="10360501" cy="1219200"/>
-          </a:xfrm>
-        </p:spPr>
-        <p:txBody>
-          <a:bodyPr rtlCol="0">
-            <a:normAutofit fontScale="90000"/>
-          </a:bodyPr>
-          <a:lstStyle/>
-          <a:p>
-            <a:pPr rtl="0"/>
-            <a:r>
-              <a:rPr lang="ja-JP" altLang="en-US" sz="7200" dirty="0">
-                <a:latin typeface="Brush Script MT" panose="03060802040406070304" pitchFamily="66" charset="0"/>
-                <a:sym typeface="ＭＳ Ｐ明朝" panose="02020600040205080304" pitchFamily="18" charset="-128"/>
-              </a:rPr>
-              <a:t>　　</a:t>
-            </a:r>
-            <a:r>
-              <a:rPr lang="en-US" altLang="ja-JP" sz="7200" dirty="0">
-                <a:latin typeface="Brush Script MT" panose="03060802040406070304" pitchFamily="66" charset="0"/>
-                <a:sym typeface="ＭＳ Ｐ明朝" panose="02020600040205080304" pitchFamily="18" charset="-128"/>
-              </a:rPr>
-              <a:t>3:   </a:t>
-            </a:r>
-            <a:r>
-              <a:rPr lang="en-US" altLang="ja-JP" sz="7200" dirty="0">
-                <a:latin typeface="DK Face Your Fears" panose="000907010108010A0105" pitchFamily="18" charset="0"/>
-                <a:sym typeface="ＭＳ Ｐ明朝" panose="02020600040205080304" pitchFamily="18" charset="-128"/>
-              </a:rPr>
-              <a:t>PLAYER and ENEMY</a:t>
-            </a:r>
-            <a:br>
-              <a:rPr lang="en-US" altLang="ja-JP" sz="7200" dirty="0">
-                <a:latin typeface="DK Face Your Fears" panose="000907010108010A0105" pitchFamily="18" charset="0"/>
-                <a:sym typeface="ＭＳ Ｐ明朝" panose="02020600040205080304" pitchFamily="18" charset="-128"/>
-              </a:rPr>
-            </a:br>
-            <a:br>
-              <a:rPr lang="en-US" altLang="ja-JP" sz="7200" dirty="0">
-                <a:latin typeface="DK Face Your Fears" panose="000907010108010A0105" pitchFamily="18" charset="0"/>
-                <a:sym typeface="ＭＳ Ｐ明朝" panose="02020600040205080304" pitchFamily="18" charset="-128"/>
-              </a:rPr>
-            </a:br>
-            <a:r>
-              <a:rPr lang="en-US" altLang="ja-JP" sz="7200" dirty="0">
-                <a:latin typeface="DK Face Your Fears" panose="000907010108010A0105" pitchFamily="18" charset="0"/>
-                <a:sym typeface="ＭＳ Ｐ明朝" panose="02020600040205080304" pitchFamily="18" charset="-128"/>
-              </a:rPr>
-              <a:t>		   </a:t>
-            </a:r>
-            <a:r>
-              <a:rPr lang="en-US" altLang="ja-JP" sz="6000" dirty="0">
-                <a:latin typeface="Chiller" panose="04020404031007020602" pitchFamily="82" charset="0"/>
-                <a:ea typeface="なきむしポルカFREE-flopdesign" panose="02000600000000000000" pitchFamily="50" charset="-128"/>
-                <a:sym typeface="ＭＳ Ｐ明朝" panose="02020600040205080304" pitchFamily="18" charset="-128"/>
-              </a:rPr>
-              <a:t>1, PLAYER(1P)</a:t>
-            </a:r>
-          </a:p>
-        </p:txBody>
-      </p:sp>
-      <p:sp>
-        <p:nvSpPr>
-          <p:cNvPr id="4" name="コンテンツ プレースホルダー 3">
-            <a:extLst>
-              <a:ext uri="{FF2B5EF4-FFF2-40B4-BE49-F238E27FC236}">
-                <a16:creationId xmlns:a16="http://schemas.microsoft.com/office/drawing/2014/main" id="{FDA85A48-A83F-494C-9B68-E945C1BA58E8}"/>
-              </a:ext>
-            </a:extLst>
-          </p:cNvPr>
-          <p:cNvSpPr>
-            <a:spLocks noGrp="1"/>
-          </p:cNvSpPr>
-          <p:nvPr>
-            <p:ph idx="1"/>
-          </p:nvPr>
-        </p:nvSpPr>
-        <p:spPr>
-          <a:xfrm>
-            <a:off x="914161" y="3068960"/>
-            <a:ext cx="10360501" cy="1473448"/>
-          </a:xfrm>
-        </p:spPr>
-        <p:txBody>
-          <a:bodyPr>
-            <a:normAutofit lnSpcReduction="10000"/>
-          </a:bodyPr>
-          <a:lstStyle/>
-          <a:p>
-            <a:pPr marL="0" indent="0">
-              <a:buNone/>
-            </a:pPr>
-            <a:r>
-              <a:rPr lang="ja-JP" altLang="en-US" dirty="0">
-                <a:latin typeface="しねきゃぷしょん" panose="02000600000000000000" pitchFamily="2" charset="-128"/>
-                <a:ea typeface="しねきゃぷしょん" panose="02000600000000000000" pitchFamily="2" charset="-128"/>
-              </a:rPr>
-              <a:t>エリアの中を巡回している敵を避けつつ、エリアに散らばったアイテムを拾って、ゴールの扉に向かう（脱出）。</a:t>
-            </a:r>
-            <a:endParaRPr lang="en-US" altLang="ja-JP" dirty="0">
-              <a:latin typeface="しねきゃぷしょん" panose="02000600000000000000" pitchFamily="2" charset="-128"/>
-              <a:ea typeface="しねきゃぷしょん" panose="02000600000000000000" pitchFamily="2" charset="-128"/>
-            </a:endParaRPr>
-          </a:p>
-          <a:p>
-            <a:pPr marL="0" indent="0">
-              <a:buNone/>
-            </a:pPr>
-            <a:r>
-              <a:rPr lang="ja-JP" altLang="en-US" dirty="0">
-                <a:latin typeface="しねきゃぷしょん" panose="02000600000000000000" pitchFamily="2" charset="-128"/>
-                <a:ea typeface="しねきゃぷしょん" panose="02000600000000000000" pitchFamily="2" charset="-128"/>
-              </a:rPr>
-              <a:t>動きについては、スニーク、通常の歩き、走りの</a:t>
-            </a:r>
-            <a:r>
-              <a:rPr lang="en-US" altLang="ja-JP" dirty="0">
-                <a:latin typeface="しねきゃぷしょん" panose="02000600000000000000" pitchFamily="2" charset="-128"/>
-                <a:ea typeface="しねきゃぷしょん" panose="02000600000000000000" pitchFamily="2" charset="-128"/>
-              </a:rPr>
-              <a:t>3</a:t>
-            </a:r>
-            <a:r>
-              <a:rPr lang="ja-JP" altLang="en-US" dirty="0">
-                <a:latin typeface="しねきゃぷしょん" panose="02000600000000000000" pitchFamily="2" charset="-128"/>
-                <a:ea typeface="しねきゃぷしょん" panose="02000600000000000000" pitchFamily="2" charset="-128"/>
-              </a:rPr>
-              <a:t>パターン。</a:t>
-            </a:r>
-            <a:endParaRPr lang="en-US" altLang="ja-JP" dirty="0">
-              <a:latin typeface="しねきゃぷしょん" panose="02000600000000000000" pitchFamily="2" charset="-128"/>
-              <a:ea typeface="しねきゃぷしょん" panose="02000600000000000000" pitchFamily="2" charset="-128"/>
-            </a:endParaRPr>
-          </a:p>
-          <a:p>
-            <a:pPr marL="0" indent="0">
-              <a:buNone/>
-            </a:pPr>
-            <a:endParaRPr lang="en-US" altLang="ja-JP" dirty="0"/>
-          </a:p>
-          <a:p>
-            <a:pPr marL="0" indent="0">
-              <a:buNone/>
-            </a:pPr>
-            <a:endParaRPr lang="en-US" altLang="ja-JP" dirty="0"/>
-          </a:p>
-          <a:p>
-            <a:pPr marL="0" indent="0">
-              <a:buNone/>
-            </a:pPr>
-            <a:endParaRPr lang="en-US" altLang="ja-JP" dirty="0"/>
-          </a:p>
-        </p:txBody>
-      </p:sp>
-    </p:spTree>
-    <p:extLst>
-      <p:ext uri="{BB962C8B-B14F-4D97-AF65-F5344CB8AC3E}">
-        <p14:creationId xmlns:p14="http://schemas.microsoft.com/office/powerpoint/2010/main" val="1640185142"/>
-      </p:ext>
-    </p:extLst>
-  </p:cSld>
-  <p:clrMapOvr>
-    <a:masterClrMapping/>
-  </p:clrMapOvr>
-  <mc:AlternateContent xmlns:mc="http://schemas.openxmlformats.org/markup-compatibility/2006" xmlns:p14="http://schemas.microsoft.com/office/powerpoint/2010/main">
-    <mc:Choice Requires="p14">
-      <p:transition spd="med" p14:dur="700">
-        <p:fade/>
-      </p:transition>
-    </mc:Choice>
-    <mc:Fallback xmlns="">
-      <p:transition spd="med">
-        <p:fade/>
-      </p:transition>
-    </mc:Fallback>
-  </mc:AlternateContent>
-</p:sld>
-</file>
-
-<file path=ppt/slides/slide6.xml><?xml version="1.0" encoding="utf-8"?>
-<p:sld xmlns:a="http://schemas.openxmlformats.org/drawingml/2006/main" xmlns:r="http://schemas.openxmlformats.org/officeDocument/2006/relationships" xmlns:p="http://schemas.openxmlformats.org/presentationml/2006/main">
-  <p:cSld>
-    <p:spTree>
-      <p:nvGrpSpPr>
-        <p:cNvPr id="1" name=""/>
-        <p:cNvGrpSpPr/>
-        <p:nvPr/>
-      </p:nvGrpSpPr>
-      <p:grpSpPr>
-        <a:xfrm>
-          <a:off x="0" y="0"/>
-          <a:ext cx="0" cy="0"/>
-          <a:chOff x="0" y="0"/>
-          <a:chExt cx="0" cy="0"/>
-        </a:xfrm>
-      </p:grpSpPr>
-      <p:sp>
-        <p:nvSpPr>
-          <p:cNvPr id="2" name="タイトル 1"/>
-          <p:cNvSpPr>
-            <a:spLocks noGrp="1"/>
-          </p:cNvSpPr>
-          <p:nvPr>
-            <p:ph type="title"/>
-          </p:nvPr>
-        </p:nvSpPr>
-        <p:spPr>
-          <a:xfrm>
-            <a:off x="1197868" y="1417712"/>
-            <a:ext cx="10360501" cy="1219200"/>
-          </a:xfrm>
-        </p:spPr>
-        <p:txBody>
-          <a:bodyPr rtlCol="0">
-            <a:normAutofit fontScale="90000"/>
-          </a:bodyPr>
-          <a:lstStyle/>
-          <a:p>
-            <a:pPr rtl="0"/>
-            <a:r>
-              <a:rPr lang="ja-JP" altLang="en-US" sz="7200" dirty="0">
-                <a:latin typeface="Brush Script MT" panose="03060802040406070304" pitchFamily="66" charset="0"/>
-                <a:sym typeface="ＭＳ Ｐ明朝" panose="02020600040205080304" pitchFamily="18" charset="-128"/>
-              </a:rPr>
-              <a:t>　　</a:t>
-            </a:r>
-            <a:r>
-              <a:rPr lang="en-US" altLang="ja-JP" sz="7200" dirty="0">
-                <a:latin typeface="Brush Script MT" panose="03060802040406070304" pitchFamily="66" charset="0"/>
-                <a:sym typeface="ＭＳ Ｐ明朝" panose="02020600040205080304" pitchFamily="18" charset="-128"/>
-              </a:rPr>
-              <a:t>3:   </a:t>
-            </a:r>
-            <a:r>
-              <a:rPr lang="en-US" altLang="ja-JP" sz="7200" dirty="0">
-                <a:latin typeface="DK Face Your Fears" panose="000907010108010A0105" pitchFamily="18" charset="0"/>
-                <a:sym typeface="ＭＳ Ｐ明朝" panose="02020600040205080304" pitchFamily="18" charset="-128"/>
-              </a:rPr>
-              <a:t>PLAYER and ENEMY</a:t>
-            </a:r>
-            <a:br>
-              <a:rPr lang="en-US" altLang="ja-JP" sz="7200" dirty="0">
-                <a:latin typeface="DK Face Your Fears" panose="000907010108010A0105" pitchFamily="18" charset="0"/>
-                <a:sym typeface="ＭＳ Ｐ明朝" panose="02020600040205080304" pitchFamily="18" charset="-128"/>
-              </a:rPr>
-            </a:br>
-            <a:br>
-              <a:rPr lang="en-US" altLang="ja-JP" sz="7200" dirty="0">
-                <a:latin typeface="DK Face Your Fears" panose="000907010108010A0105" pitchFamily="18" charset="0"/>
-                <a:sym typeface="ＭＳ Ｐ明朝" panose="02020600040205080304" pitchFamily="18" charset="-128"/>
-              </a:rPr>
-            </a:br>
-            <a:r>
-              <a:rPr lang="en-US" altLang="ja-JP" sz="7200" dirty="0">
-                <a:latin typeface="DK Face Your Fears" panose="000907010108010A0105" pitchFamily="18" charset="0"/>
-                <a:sym typeface="ＭＳ Ｐ明朝" panose="02020600040205080304" pitchFamily="18" charset="-128"/>
-              </a:rPr>
-              <a:t>		   </a:t>
-            </a:r>
-            <a:r>
-              <a:rPr lang="en-US" altLang="ja-JP" sz="6000" dirty="0">
-                <a:latin typeface="Chiller" panose="04020404031007020602" pitchFamily="82" charset="0"/>
-                <a:ea typeface="なきむしポルカFREE-flopdesign" panose="02000600000000000000" pitchFamily="50" charset="-128"/>
-                <a:sym typeface="ＭＳ Ｐ明朝" panose="02020600040205080304" pitchFamily="18" charset="-128"/>
-              </a:rPr>
-              <a:t>1, PLAYER(2P)</a:t>
-            </a:r>
-          </a:p>
-        </p:txBody>
-      </p:sp>
-      <p:sp>
-        <p:nvSpPr>
-          <p:cNvPr id="4" name="コンテンツ プレースホルダー 3">
-            <a:extLst>
-              <a:ext uri="{FF2B5EF4-FFF2-40B4-BE49-F238E27FC236}">
-                <a16:creationId xmlns:a16="http://schemas.microsoft.com/office/drawing/2014/main" id="{FDA85A48-A83F-494C-9B68-E945C1BA58E8}"/>
-              </a:ext>
-            </a:extLst>
-          </p:cNvPr>
-          <p:cNvSpPr>
-            <a:spLocks noGrp="1"/>
-          </p:cNvSpPr>
-          <p:nvPr>
-            <p:ph idx="1"/>
-          </p:nvPr>
-        </p:nvSpPr>
-        <p:spPr>
-          <a:xfrm>
-            <a:off x="981844" y="3140968"/>
-            <a:ext cx="10360501" cy="1473448"/>
-          </a:xfrm>
-        </p:spPr>
-        <p:txBody>
-          <a:bodyPr>
-            <a:normAutofit/>
-          </a:bodyPr>
-          <a:lstStyle/>
-          <a:p>
-            <a:pPr marL="0" indent="0">
-              <a:buNone/>
-            </a:pPr>
-            <a:endParaRPr lang="en-US" altLang="ja-JP" dirty="0"/>
-          </a:p>
-          <a:p>
-            <a:pPr marL="0" indent="0">
-              <a:buNone/>
-            </a:pPr>
-            <a:endParaRPr lang="en-US" altLang="ja-JP" dirty="0"/>
-          </a:p>
-          <a:p>
-            <a:pPr marL="0" indent="0">
-              <a:buNone/>
-            </a:pPr>
-            <a:endParaRPr lang="en-US" altLang="ja-JP" dirty="0"/>
-          </a:p>
-        </p:txBody>
-      </p:sp>
-    </p:spTree>
-    <p:extLst>
-      <p:ext uri="{BB962C8B-B14F-4D97-AF65-F5344CB8AC3E}">
-        <p14:creationId xmlns:p14="http://schemas.microsoft.com/office/powerpoint/2010/main" val="4006018440"/>
-      </p:ext>
-    </p:extLst>
-  </p:cSld>
-  <p:clrMapOvr>
-    <a:masterClrMapping/>
-  </p:clrMapOvr>
-  <mc:AlternateContent xmlns:mc="http://schemas.openxmlformats.org/markup-compatibility/2006" xmlns:p14="http://schemas.microsoft.com/office/powerpoint/2010/main">
-    <mc:Choice Requires="p14">
-      <p:transition spd="med" p14:dur="700">
-        <p:fade/>
-      </p:transition>
-    </mc:Choice>
-    <mc:Fallback xmlns="">
-      <p:transition spd="med">
-        <p:fade/>
-      </p:transition>
-    </mc:Fallback>
-  </mc:AlternateContent>
-</p:sld>
-</file>
-
-<file path=ppt/slides/slide7.xml><?xml version="1.0" encoding="utf-8"?>
-<p:sld xmlns:a="http://schemas.openxmlformats.org/drawingml/2006/main" xmlns:r="http://schemas.openxmlformats.org/officeDocument/2006/relationships" xmlns:p="http://schemas.openxmlformats.org/presentationml/2006/main">
-  <p:cSld>
-    <p:spTree>
-      <p:nvGrpSpPr>
-        <p:cNvPr id="1" name=""/>
-        <p:cNvGrpSpPr/>
-        <p:nvPr/>
-      </p:nvGrpSpPr>
-      <p:grpSpPr>
-        <a:xfrm>
-          <a:off x="0" y="0"/>
-          <a:ext cx="0" cy="0"/>
-          <a:chOff x="0" y="0"/>
-          <a:chExt cx="0" cy="0"/>
-        </a:xfrm>
-      </p:grpSpPr>
-      <p:sp>
-        <p:nvSpPr>
-          <p:cNvPr id="2" name="タイトル 1"/>
-          <p:cNvSpPr>
-            <a:spLocks noGrp="1"/>
-          </p:cNvSpPr>
-          <p:nvPr>
-            <p:ph type="title"/>
-          </p:nvPr>
-        </p:nvSpPr>
-        <p:spPr>
-          <a:xfrm>
-            <a:off x="1413892" y="1340768"/>
-            <a:ext cx="10360501" cy="1219200"/>
-          </a:xfrm>
-        </p:spPr>
-        <p:txBody>
-          <a:bodyPr rtlCol="0">
-            <a:normAutofit fontScale="90000"/>
-          </a:bodyPr>
-          <a:lstStyle/>
-          <a:p>
-            <a:pPr rtl="0"/>
-            <a:r>
-              <a:rPr lang="en-US" altLang="ja-JP" sz="7200" dirty="0">
-                <a:latin typeface="Brush Script MT" panose="03060802040406070304" pitchFamily="66" charset="0"/>
-                <a:sym typeface="ＭＳ Ｐ明朝" panose="02020600040205080304" pitchFamily="18" charset="-128"/>
-              </a:rPr>
-              <a:t>    3:   </a:t>
-            </a:r>
-            <a:r>
-              <a:rPr lang="en-US" altLang="ja-JP" sz="7200" dirty="0">
-                <a:latin typeface="DK Face Your Fears" panose="000907010108010A0105" pitchFamily="18" charset="0"/>
-                <a:sym typeface="ＭＳ Ｐ明朝" panose="02020600040205080304" pitchFamily="18" charset="-128"/>
-              </a:rPr>
-              <a:t>PLAYER AND ENEMY</a:t>
-            </a:r>
-            <a:br>
-              <a:rPr lang="en-US" altLang="ja-JP" sz="7200" dirty="0">
-                <a:latin typeface="DK Face Your Fears" panose="000907010108010A0105" pitchFamily="18" charset="0"/>
-                <a:sym typeface="ＭＳ Ｐ明朝" panose="02020600040205080304" pitchFamily="18" charset="-128"/>
-              </a:rPr>
-            </a:br>
-            <a:br>
-              <a:rPr lang="en-US" altLang="ja-JP" sz="7200" dirty="0">
-                <a:latin typeface="DK Face Your Fears" panose="000907010108010A0105" pitchFamily="18" charset="0"/>
-                <a:sym typeface="ＭＳ Ｐ明朝" panose="02020600040205080304" pitchFamily="18" charset="-128"/>
-              </a:rPr>
-            </a:br>
-            <a:r>
-              <a:rPr lang="en-US" altLang="ja-JP" sz="6000" dirty="0">
-                <a:latin typeface="DK Face Your Fears" panose="000907010108010A0105" pitchFamily="18" charset="0"/>
-                <a:sym typeface="ＭＳ Ｐ明朝" panose="02020600040205080304" pitchFamily="18" charset="-128"/>
-              </a:rPr>
-              <a:t>             </a:t>
-            </a:r>
-            <a:r>
-              <a:rPr lang="en-US" altLang="ja-JP" sz="6000" dirty="0">
-                <a:latin typeface="Chiller" panose="04020404031007020602" pitchFamily="82" charset="0"/>
-                <a:sym typeface="ＭＳ Ｐ明朝" panose="02020600040205080304" pitchFamily="18" charset="-128"/>
-              </a:rPr>
-              <a:t>1, ENEMY</a:t>
-            </a:r>
-            <a:endParaRPr lang="ja-JP" altLang="en-US" sz="6000" dirty="0">
-              <a:latin typeface="Chiller" panose="04020404031007020602" pitchFamily="82" charset="0"/>
-              <a:sym typeface="ＭＳ Ｐ明朝" panose="02020600040205080304" pitchFamily="18" charset="-128"/>
-            </a:endParaRPr>
-          </a:p>
-        </p:txBody>
-      </p:sp>
-      <p:sp>
-        <p:nvSpPr>
-          <p:cNvPr id="7" name="テキスト ボックス 6">
-            <a:extLst>
-              <a:ext uri="{FF2B5EF4-FFF2-40B4-BE49-F238E27FC236}">
-                <a16:creationId xmlns:a16="http://schemas.microsoft.com/office/drawing/2014/main" id="{CCC66221-7F5B-403B-AD92-CC1F84529C16}"/>
-              </a:ext>
-            </a:extLst>
-          </p:cNvPr>
-          <p:cNvSpPr txBox="1"/>
-          <p:nvPr/>
-        </p:nvSpPr>
-        <p:spPr>
-          <a:xfrm>
-            <a:off x="1161864" y="2492896"/>
-            <a:ext cx="9865096" cy="2031325"/>
-          </a:xfrm>
-          <a:prstGeom prst="rect">
-            <a:avLst/>
-          </a:prstGeom>
-          <a:noFill/>
-        </p:spPr>
-        <p:txBody>
-          <a:bodyPr wrap="square" rtlCol="0">
-            <a:spAutoFit/>
-          </a:bodyPr>
-          <a:lstStyle/>
-          <a:p>
-            <a:pPr>
-              <a:lnSpc>
-                <a:spcPct val="90000"/>
-              </a:lnSpc>
-            </a:pPr>
-            <a:r>
-              <a:rPr kumimoji="1" lang="ja-JP" altLang="en-US" sz="2800" dirty="0">
-                <a:latin typeface="しねきゃぷしょん" panose="02000600000000000000" pitchFamily="2" charset="-128"/>
-                <a:ea typeface="しねきゃぷしょん" panose="02000600000000000000" pitchFamily="2" charset="-128"/>
-              </a:rPr>
-              <a:t>エリア内をランダムに巡回している</a:t>
-            </a:r>
-            <a:r>
-              <a:rPr kumimoji="1" lang="en-US" altLang="ja-JP" sz="2800" dirty="0">
-                <a:latin typeface="しねきゃぷしょん" panose="02000600000000000000" pitchFamily="2" charset="-128"/>
-                <a:ea typeface="しねきゃぷしょん" panose="02000600000000000000" pitchFamily="2" charset="-128"/>
-              </a:rPr>
-              <a:t>AI</a:t>
-            </a:r>
-            <a:r>
-              <a:rPr kumimoji="1" lang="ja-JP" altLang="en-US" sz="2800" dirty="0">
-                <a:latin typeface="しねきゃぷしょん" panose="02000600000000000000" pitchFamily="2" charset="-128"/>
-                <a:ea typeface="しねきゃぷしょん" panose="02000600000000000000" pitchFamily="2" charset="-128"/>
-              </a:rPr>
-              <a:t>。</a:t>
-            </a:r>
-            <a:endParaRPr kumimoji="1" lang="en-US" altLang="ja-JP" sz="2800" dirty="0">
-              <a:latin typeface="しねきゃぷしょん" panose="02000600000000000000" pitchFamily="2" charset="-128"/>
-              <a:ea typeface="しねきゃぷしょん" panose="02000600000000000000" pitchFamily="2" charset="-128"/>
-            </a:endParaRPr>
-          </a:p>
-          <a:p>
-            <a:pPr>
-              <a:lnSpc>
-                <a:spcPct val="90000"/>
-              </a:lnSpc>
-            </a:pPr>
-            <a:r>
-              <a:rPr kumimoji="1" lang="ja-JP" altLang="en-US" sz="2800" dirty="0">
-                <a:latin typeface="しねきゃぷしょん" panose="02000600000000000000" pitchFamily="2" charset="-128"/>
-                <a:ea typeface="しねきゃぷしょん" panose="02000600000000000000" pitchFamily="2" charset="-128"/>
-              </a:rPr>
-              <a:t>聴覚と触覚以外はない。</a:t>
-            </a:r>
-            <a:endParaRPr kumimoji="1" lang="en-US" altLang="ja-JP" sz="2800" dirty="0">
-              <a:latin typeface="しねきゃぷしょん" panose="02000600000000000000" pitchFamily="2" charset="-128"/>
-              <a:ea typeface="しねきゃぷしょん" panose="02000600000000000000" pitchFamily="2" charset="-128"/>
-            </a:endParaRPr>
-          </a:p>
-          <a:p>
-            <a:pPr>
-              <a:lnSpc>
-                <a:spcPct val="90000"/>
-              </a:lnSpc>
-            </a:pPr>
-            <a:r>
-              <a:rPr kumimoji="1" lang="ja-JP" altLang="en-US" sz="2800" dirty="0">
-                <a:latin typeface="しねきゃぷしょん" panose="02000600000000000000" pitchFamily="2" charset="-128"/>
-                <a:ea typeface="しねきゃぷしょん" panose="02000600000000000000" pitchFamily="2" charset="-128"/>
-              </a:rPr>
-              <a:t>なので、敵が追いかけてくる条件は</a:t>
-            </a:r>
-            <a:endParaRPr kumimoji="1" lang="en-US" altLang="ja-JP" sz="2800" dirty="0">
-              <a:latin typeface="しねきゃぷしょん" panose="02000600000000000000" pitchFamily="2" charset="-128"/>
-              <a:ea typeface="しねきゃぷしょん" panose="02000600000000000000" pitchFamily="2" charset="-128"/>
-            </a:endParaRPr>
-          </a:p>
-          <a:p>
-            <a:pPr>
-              <a:lnSpc>
-                <a:spcPct val="90000"/>
-              </a:lnSpc>
-            </a:pPr>
-            <a:r>
-              <a:rPr kumimoji="1" lang="ja-JP" altLang="en-US" sz="2800" dirty="0">
-                <a:latin typeface="しねきゃぷしょん" panose="02000600000000000000" pitchFamily="2" charset="-128"/>
-                <a:ea typeface="しねきゃぷしょん" panose="02000600000000000000" pitchFamily="2" charset="-128"/>
-              </a:rPr>
-              <a:t>プレイヤーがある一定距離敵に近づいた時のみ。</a:t>
-            </a:r>
-            <a:endParaRPr kumimoji="1" lang="en-US" altLang="ja-JP" sz="2800" dirty="0">
-              <a:latin typeface="しねきゃぷしょん" panose="02000600000000000000" pitchFamily="2" charset="-128"/>
-              <a:ea typeface="しねきゃぷしょん" panose="02000600000000000000" pitchFamily="2" charset="-128"/>
-            </a:endParaRPr>
-          </a:p>
-          <a:p>
-            <a:pPr>
-              <a:lnSpc>
-                <a:spcPct val="90000"/>
-              </a:lnSpc>
-            </a:pPr>
-            <a:r>
-              <a:rPr kumimoji="1" lang="ja-JP" altLang="en-US" sz="2800" dirty="0">
-                <a:latin typeface="しねきゃぷしょん" panose="02000600000000000000" pitchFamily="2" charset="-128"/>
-                <a:ea typeface="しねきゃぷしょん" panose="02000600000000000000" pitchFamily="2" charset="-128"/>
-              </a:rPr>
-              <a:t>動きは通常の歩き、追いかけてくる際の走りの</a:t>
-            </a:r>
-            <a:r>
-              <a:rPr kumimoji="1" lang="en-US" altLang="ja-JP" sz="2800" dirty="0">
-                <a:latin typeface="しねきゃぷしょん" panose="02000600000000000000" pitchFamily="2" charset="-128"/>
-                <a:ea typeface="しねきゃぷしょん" panose="02000600000000000000" pitchFamily="2" charset="-128"/>
-              </a:rPr>
-              <a:t>2</a:t>
-            </a:r>
-            <a:r>
-              <a:rPr kumimoji="1" lang="ja-JP" altLang="en-US" sz="2800" dirty="0">
-                <a:latin typeface="しねきゃぷしょん" panose="02000600000000000000" pitchFamily="2" charset="-128"/>
-                <a:ea typeface="しねきゃぷしょん" panose="02000600000000000000" pitchFamily="2" charset="-128"/>
-              </a:rPr>
-              <a:t>パターン。</a:t>
-            </a:r>
-          </a:p>
-        </p:txBody>
-      </p:sp>
-    </p:spTree>
-    <p:extLst>
-      <p:ext uri="{BB962C8B-B14F-4D97-AF65-F5344CB8AC3E}">
-        <p14:creationId xmlns:p14="http://schemas.microsoft.com/office/powerpoint/2010/main" val="2693084093"/>
-      </p:ext>
-    </p:extLst>
-  </p:cSld>
-  <p:clrMapOvr>
-    <a:masterClrMapping/>
-  </p:clrMapOvr>
-  <mc:AlternateContent xmlns:mc="http://schemas.openxmlformats.org/markup-compatibility/2006" xmlns:p14="http://schemas.microsoft.com/office/powerpoint/2010/main">
-    <mc:Choice Requires="p14">
-      <p:transition spd="med" p14:dur="700">
-        <p:fade/>
-      </p:transition>
-    </mc:Choice>
-    <mc:Fallback xmlns="">
-      <p:transition spd="med">
-        <p:fade/>
-      </p:transition>
-    </mc:Fallback>
-  </mc:AlternateContent>
-</p:sld>
-</file>
-
-<file path=ppt/slides/slide8.xml><?xml version="1.0" encoding="utf-8"?>
-<p:sld xmlns:a="http://schemas.openxmlformats.org/drawingml/2006/main" xmlns:r="http://schemas.openxmlformats.org/officeDocument/2006/relationships" xmlns:p="http://schemas.openxmlformats.org/presentationml/2006/main">
-  <p:cSld>
-    <p:spTree>
-      <p:nvGrpSpPr>
-        <p:cNvPr id="1" name=""/>
-        <p:cNvGrpSpPr/>
-        <p:nvPr/>
-      </p:nvGrpSpPr>
-      <p:grpSpPr>
-        <a:xfrm>
-          <a:off x="0" y="0"/>
-          <a:ext cx="0" cy="0"/>
-          <a:chOff x="0" y="0"/>
-          <a:chExt cx="0" cy="0"/>
-        </a:xfrm>
-      </p:grpSpPr>
-      <p:sp>
-        <p:nvSpPr>
-          <p:cNvPr id="2" name="タイトル 1"/>
-          <p:cNvSpPr>
-            <a:spLocks noGrp="1"/>
-          </p:cNvSpPr>
-          <p:nvPr>
-            <p:ph type="title"/>
-          </p:nvPr>
-        </p:nvSpPr>
-        <p:spPr>
-          <a:xfrm>
-            <a:off x="1218883" y="188640"/>
-            <a:ext cx="9751060" cy="1992597"/>
-          </a:xfrm>
-        </p:spPr>
-        <p:txBody>
-          <a:bodyPr rtlCol="0"/>
-          <a:lstStyle/>
-          <a:p>
-            <a:pPr rtl="0"/>
-            <a:r>
-              <a:rPr lang="en-US" altLang="ja-JP" sz="7200" dirty="0">
-                <a:latin typeface="Brush Script MT" panose="03060802040406070304" pitchFamily="66" charset="0"/>
-                <a:sym typeface="ＭＳ Ｐ明朝" panose="02020600040205080304" pitchFamily="18" charset="-128"/>
-              </a:rPr>
-              <a:t>4:   </a:t>
-            </a:r>
-            <a:r>
-              <a:rPr lang="en-US" altLang="ja-JP" sz="7200" dirty="0">
-                <a:latin typeface="DK Face Your Fears" panose="000907010108010A0105" pitchFamily="18" charset="0"/>
-                <a:sym typeface="ＭＳ Ｐ明朝" panose="02020600040205080304" pitchFamily="18" charset="-128"/>
-              </a:rPr>
-              <a:t>ITEMS</a:t>
-            </a:r>
-          </a:p>
-        </p:txBody>
-      </p:sp>
-      <p:sp>
-        <p:nvSpPr>
-          <p:cNvPr id="3" name="テキスト プレースホルダー 2"/>
-          <p:cNvSpPr>
-            <a:spLocks noGrp="1"/>
-          </p:cNvSpPr>
-          <p:nvPr>
-            <p:ph type="body" idx="1"/>
-          </p:nvPr>
-        </p:nvSpPr>
-        <p:spPr>
-          <a:xfrm>
-            <a:off x="13613" y="2420888"/>
-            <a:ext cx="12185462" cy="3960440"/>
-          </a:xfrm>
-        </p:spPr>
-        <p:txBody>
-          <a:bodyPr rtlCol="0"/>
-          <a:lstStyle/>
-          <a:p>
-            <a:pPr rtl="0"/>
-            <a:r>
-              <a:rPr lang="ja-JP" altLang="en-US" dirty="0">
-                <a:latin typeface="しねきゃぷしょん" panose="02000600000000000000" pitchFamily="2" charset="-128"/>
-                <a:ea typeface="しねきゃぷしょん" panose="02000600000000000000" pitchFamily="2" charset="-128"/>
-                <a:sym typeface="ＭＳ Ｐ明朝" panose="02020600040205080304" pitchFamily="18" charset="-128"/>
-              </a:rPr>
-              <a:t>ゲーム中のアイテムは大きく分けて</a:t>
-            </a:r>
-            <a:r>
-              <a:rPr lang="en-US" altLang="ja-JP" dirty="0">
-                <a:latin typeface="しねきゃぷしょん" panose="02000600000000000000" pitchFamily="2" charset="-128"/>
-                <a:ea typeface="しねきゃぷしょん" panose="02000600000000000000" pitchFamily="2" charset="-128"/>
-                <a:sym typeface="ＭＳ Ｐ明朝" panose="02020600040205080304" pitchFamily="18" charset="-128"/>
-              </a:rPr>
-              <a:t>3</a:t>
-            </a:r>
-            <a:r>
-              <a:rPr lang="ja-JP" altLang="en-US" dirty="0">
-                <a:latin typeface="しねきゃぷしょん" panose="02000600000000000000" pitchFamily="2" charset="-128"/>
-                <a:ea typeface="しねきゃぷしょん" panose="02000600000000000000" pitchFamily="2" charset="-128"/>
-                <a:sym typeface="ＭＳ Ｐ明朝" panose="02020600040205080304" pitchFamily="18" charset="-128"/>
-              </a:rPr>
-              <a:t>つ。</a:t>
-            </a:r>
-            <a:endParaRPr lang="en-US" altLang="ja-JP" dirty="0">
-              <a:latin typeface="しねきゃぷしょん" panose="02000600000000000000" pitchFamily="2" charset="-128"/>
-              <a:ea typeface="しねきゃぷしょん" panose="02000600000000000000" pitchFamily="2" charset="-128"/>
-              <a:sym typeface="ＭＳ Ｐ明朝" panose="02020600040205080304" pitchFamily="18" charset="-128"/>
-            </a:endParaRPr>
-          </a:p>
-          <a:p>
-            <a:pPr rtl="0"/>
-            <a:endParaRPr lang="en-US" altLang="ja-JP" dirty="0">
-              <a:latin typeface="しねきゃぷしょん" panose="02000600000000000000" pitchFamily="2" charset="-128"/>
-              <a:ea typeface="しねきゃぷしょん" panose="02000600000000000000" pitchFamily="2" charset="-128"/>
-              <a:sym typeface="ＭＳ Ｐ明朝" panose="02020600040205080304" pitchFamily="18" charset="-128"/>
-            </a:endParaRPr>
-          </a:p>
-          <a:p>
-            <a:pPr rtl="0"/>
-            <a:endParaRPr lang="en-US" altLang="ja-JP" dirty="0">
-              <a:latin typeface="しねきゃぷしょん" panose="02000600000000000000" pitchFamily="2" charset="-128"/>
-              <a:ea typeface="しねきゃぷしょん" panose="02000600000000000000" pitchFamily="2" charset="-128"/>
-              <a:sym typeface="ＭＳ Ｐ明朝" panose="02020600040205080304" pitchFamily="18" charset="-128"/>
-            </a:endParaRPr>
-          </a:p>
-          <a:p>
-            <a:pPr rtl="0"/>
-            <a:r>
-              <a:rPr lang="ja-JP" altLang="en-US" dirty="0">
-                <a:latin typeface="しねきゃぷしょん" panose="02000600000000000000" pitchFamily="2" charset="-128"/>
-                <a:ea typeface="しねきゃぷしょん" panose="02000600000000000000" pitchFamily="2" charset="-128"/>
-                <a:sym typeface="ＭＳ Ｐ明朝" panose="02020600040205080304" pitchFamily="18" charset="-128"/>
-              </a:rPr>
-              <a:t>１、ゴールに必要不可欠なアイテム</a:t>
-            </a:r>
-            <a:r>
-              <a:rPr lang="en-US" altLang="ja-JP" dirty="0">
-                <a:latin typeface="しねきゃぷしょん" panose="02000600000000000000" pitchFamily="2" charset="-128"/>
-                <a:ea typeface="しねきゃぷしょん" panose="02000600000000000000" pitchFamily="2" charset="-128"/>
-                <a:sym typeface="ＭＳ Ｐ明朝" panose="02020600040205080304" pitchFamily="18" charset="-128"/>
-              </a:rPr>
-              <a:t>-</a:t>
-            </a:r>
-            <a:r>
-              <a:rPr lang="ja-JP" altLang="en-US" dirty="0">
-                <a:latin typeface="しねきゃぷしょん" panose="02000600000000000000" pitchFamily="2" charset="-128"/>
-                <a:ea typeface="しねきゃぷしょん" panose="02000600000000000000" pitchFamily="2" charset="-128"/>
-                <a:sym typeface="ＭＳ Ｐ明朝" panose="02020600040205080304" pitchFamily="18" charset="-128"/>
-              </a:rPr>
-              <a:t>“</a:t>
-            </a:r>
-            <a:r>
-              <a:rPr lang="en-US" altLang="ja-JP" dirty="0">
-                <a:solidFill>
-                  <a:schemeClr val="accent2"/>
-                </a:solidFill>
-                <a:latin typeface="しねきゃぷしょん" panose="02000600000000000000" pitchFamily="2" charset="-128"/>
-                <a:ea typeface="しねきゃぷしょん" panose="02000600000000000000" pitchFamily="2" charset="-128"/>
-                <a:sym typeface="ＭＳ Ｐ明朝" panose="02020600040205080304" pitchFamily="18" charset="-128"/>
-              </a:rPr>
-              <a:t>3</a:t>
-            </a:r>
-            <a:r>
-              <a:rPr lang="ja-JP" altLang="en-US" dirty="0">
-                <a:solidFill>
-                  <a:schemeClr val="accent2"/>
-                </a:solidFill>
-                <a:latin typeface="しねきゃぷしょん" panose="02000600000000000000" pitchFamily="2" charset="-128"/>
-                <a:ea typeface="しねきゃぷしょん" panose="02000600000000000000" pitchFamily="2" charset="-128"/>
-                <a:sym typeface="ＭＳ Ｐ明朝" panose="02020600040205080304" pitchFamily="18" charset="-128"/>
-              </a:rPr>
-              <a:t>つの石板</a:t>
-            </a:r>
-            <a:r>
-              <a:rPr lang="en-US" altLang="ja-JP" dirty="0">
-                <a:latin typeface="しねきゃぷしょん" panose="02000600000000000000" pitchFamily="2" charset="-128"/>
-                <a:ea typeface="しねきゃぷしょん" panose="02000600000000000000" pitchFamily="2" charset="-128"/>
-                <a:sym typeface="ＭＳ Ｐ明朝" panose="02020600040205080304" pitchFamily="18" charset="-128"/>
-              </a:rPr>
-              <a:t>”</a:t>
-            </a:r>
-          </a:p>
-          <a:p>
-            <a:pPr rtl="0"/>
-            <a:r>
-              <a:rPr lang="en-US" altLang="ja-JP" dirty="0">
-                <a:latin typeface="しねきゃぷしょん" panose="02000600000000000000" pitchFamily="2" charset="-128"/>
-                <a:ea typeface="しねきゃぷしょん" panose="02000600000000000000" pitchFamily="2" charset="-128"/>
-                <a:sym typeface="ＭＳ Ｐ明朝" panose="02020600040205080304" pitchFamily="18" charset="-128"/>
-              </a:rPr>
-              <a:t>2,</a:t>
-            </a:r>
-            <a:r>
-              <a:rPr lang="ja-JP" altLang="en-US" dirty="0">
-                <a:latin typeface="しねきゃぷしょん" panose="02000600000000000000" pitchFamily="2" charset="-128"/>
-                <a:ea typeface="しねきゃぷしょん" panose="02000600000000000000" pitchFamily="2" charset="-128"/>
-                <a:sym typeface="ＭＳ Ｐ明朝" panose="02020600040205080304" pitchFamily="18" charset="-128"/>
-              </a:rPr>
-              <a:t>プレイヤーが闇を探索するのに必要不可欠なアイテム</a:t>
-            </a:r>
-            <a:r>
-              <a:rPr lang="en-US" altLang="ja-JP" dirty="0">
-                <a:latin typeface="しねきゃぷしょん" panose="02000600000000000000" pitchFamily="2" charset="-128"/>
-                <a:ea typeface="しねきゃぷしょん" panose="02000600000000000000" pitchFamily="2" charset="-128"/>
-                <a:sym typeface="ＭＳ Ｐ明朝" panose="02020600040205080304" pitchFamily="18" charset="-128"/>
-              </a:rPr>
-              <a:t>-</a:t>
-            </a:r>
-            <a:r>
-              <a:rPr lang="ja-JP" altLang="en-US" dirty="0">
-                <a:latin typeface="しねきゃぷしょん" panose="02000600000000000000" pitchFamily="2" charset="-128"/>
-                <a:ea typeface="しねきゃぷしょん" panose="02000600000000000000" pitchFamily="2" charset="-128"/>
-                <a:sym typeface="ＭＳ Ｐ明朝" panose="02020600040205080304" pitchFamily="18" charset="-128"/>
-              </a:rPr>
-              <a:t>“</a:t>
-            </a:r>
-            <a:r>
-              <a:rPr lang="ja-JP" altLang="en-US" dirty="0">
-                <a:solidFill>
-                  <a:srgbClr val="FFFF00"/>
-                </a:solidFill>
-                <a:latin typeface="しねきゃぷしょん" panose="02000600000000000000" pitchFamily="2" charset="-128"/>
-                <a:ea typeface="しねきゃぷしょん" panose="02000600000000000000" pitchFamily="2" charset="-128"/>
-                <a:sym typeface="ＭＳ Ｐ明朝" panose="02020600040205080304" pitchFamily="18" charset="-128"/>
-              </a:rPr>
-              <a:t>ランタン</a:t>
-            </a:r>
-            <a:r>
-              <a:rPr lang="ja-JP" altLang="en-US" dirty="0">
-                <a:latin typeface="しねきゃぷしょん" panose="02000600000000000000" pitchFamily="2" charset="-128"/>
-                <a:ea typeface="しねきゃぷしょん" panose="02000600000000000000" pitchFamily="2" charset="-128"/>
-                <a:sym typeface="ＭＳ Ｐ明朝" panose="02020600040205080304" pitchFamily="18" charset="-128"/>
-              </a:rPr>
-              <a:t>”</a:t>
-            </a:r>
-            <a:endParaRPr lang="en-US" altLang="ja-JP" dirty="0">
-              <a:latin typeface="しねきゃぷしょん" panose="02000600000000000000" pitchFamily="2" charset="-128"/>
-              <a:ea typeface="しねきゃぷしょん" panose="02000600000000000000" pitchFamily="2" charset="-128"/>
-              <a:sym typeface="ＭＳ Ｐ明朝" panose="02020600040205080304" pitchFamily="18" charset="-128"/>
-            </a:endParaRPr>
-          </a:p>
-          <a:p>
-            <a:pPr rtl="0"/>
-            <a:r>
-              <a:rPr lang="ja-JP" altLang="en-US" dirty="0">
-                <a:latin typeface="しねきゃぷしょん" panose="02000600000000000000" pitchFamily="2" charset="-128"/>
-                <a:ea typeface="しねきゃぷしょん" panose="02000600000000000000" pitchFamily="2" charset="-128"/>
-                <a:sym typeface="ＭＳ Ｐ明朝" panose="02020600040205080304" pitchFamily="18" charset="-128"/>
-              </a:rPr>
-              <a:t>３、敵から逃げる手段になるアイテム</a:t>
-            </a:r>
-            <a:r>
-              <a:rPr lang="en-US" altLang="ja-JP" dirty="0">
-                <a:latin typeface="しねきゃぷしょん" panose="02000600000000000000" pitchFamily="2" charset="-128"/>
-                <a:ea typeface="しねきゃぷしょん" panose="02000600000000000000" pitchFamily="2" charset="-128"/>
-                <a:sym typeface="ＭＳ Ｐ明朝" panose="02020600040205080304" pitchFamily="18" charset="-128"/>
-              </a:rPr>
-              <a:t>-</a:t>
-            </a:r>
-            <a:r>
-              <a:rPr lang="ja-JP" altLang="en-US" dirty="0">
-                <a:latin typeface="しねきゃぷしょん" panose="02000600000000000000" pitchFamily="2" charset="-128"/>
-                <a:ea typeface="しねきゃぷしょん" panose="02000600000000000000" pitchFamily="2" charset="-128"/>
-                <a:sym typeface="ＭＳ Ｐ明朝" panose="02020600040205080304" pitchFamily="18" charset="-128"/>
-              </a:rPr>
-              <a:t>“</a:t>
-            </a:r>
-            <a:r>
-              <a:rPr lang="ja-JP" altLang="en-US" dirty="0">
-                <a:solidFill>
-                  <a:srgbClr val="00B0F0"/>
-                </a:solidFill>
-                <a:latin typeface="しねきゃぷしょん" panose="02000600000000000000" pitchFamily="2" charset="-128"/>
-                <a:ea typeface="しねきゃぷしょん" panose="02000600000000000000" pitchFamily="2" charset="-128"/>
-                <a:sym typeface="ＭＳ Ｐ明朝" panose="02020600040205080304" pitchFamily="18" charset="-128"/>
-              </a:rPr>
-              <a:t>ルーン</a:t>
-            </a:r>
-            <a:r>
-              <a:rPr lang="ja-JP" altLang="en-US" dirty="0">
-                <a:latin typeface="しねきゃぷしょん" panose="02000600000000000000" pitchFamily="2" charset="-128"/>
-                <a:ea typeface="しねきゃぷしょん" panose="02000600000000000000" pitchFamily="2" charset="-128"/>
-                <a:sym typeface="ＭＳ Ｐ明朝" panose="02020600040205080304" pitchFamily="18" charset="-128"/>
-              </a:rPr>
-              <a:t>”</a:t>
-            </a:r>
-          </a:p>
-        </p:txBody>
-      </p:sp>
-    </p:spTree>
-    <p:extLst>
-      <p:ext uri="{BB962C8B-B14F-4D97-AF65-F5344CB8AC3E}">
-        <p14:creationId xmlns:p14="http://schemas.microsoft.com/office/powerpoint/2010/main" val="3969558106"/>
-      </p:ext>
-    </p:extLst>
-  </p:cSld>
-  <p:clrMapOvr>
-    <a:masterClrMapping/>
-  </p:clrMapOvr>
-  <mc:AlternateContent xmlns:mc="http://schemas.openxmlformats.org/markup-compatibility/2006" xmlns:p14="http://schemas.microsoft.com/office/powerpoint/2010/main">
-    <mc:Choice Requires="p14">
-      <p:transition spd="med" p14:dur="700">
-        <p:fade/>
-      </p:transition>
-    </mc:Choice>
-    <mc:Fallback xmlns="">
-      <p:transition spd="med">
-        <p:fade/>
-      </p:transition>
-    </mc:Fallback>
-  </mc:AlternateContent>
-</p:sld>
-</file>
-
-<file path=ppt/slides/slide9.xml><?xml version="1.0" encoding="utf-8"?>
-<p:sld xmlns:a="http://schemas.openxmlformats.org/drawingml/2006/main" xmlns:r="http://schemas.openxmlformats.org/officeDocument/2006/relationships" xmlns:p="http://schemas.openxmlformats.org/presentationml/2006/main">
-  <p:cSld>
-    <p:spTree>
-      <p:nvGrpSpPr>
-        <p:cNvPr id="1" name=""/>
-        <p:cNvGrpSpPr/>
-        <p:nvPr/>
-      </p:nvGrpSpPr>
-      <p:grpSpPr>
-        <a:xfrm>
-          <a:off x="0" y="0"/>
-          <a:ext cx="0" cy="0"/>
-          <a:chOff x="0" y="0"/>
-          <a:chExt cx="0" cy="0"/>
-        </a:xfrm>
-      </p:grpSpPr>
-      <p:sp>
-        <p:nvSpPr>
-          <p:cNvPr id="8" name="四角形: 角を丸くする 7">
-            <a:extLst>
-              <a:ext uri="{FF2B5EF4-FFF2-40B4-BE49-F238E27FC236}">
-                <a16:creationId xmlns:a16="http://schemas.microsoft.com/office/drawing/2014/main" id="{6CBC0903-C767-4C35-B499-2CE0B6A6BBCB}"/>
-              </a:ext>
-            </a:extLst>
-          </p:cNvPr>
-          <p:cNvSpPr/>
-          <p:nvPr/>
-        </p:nvSpPr>
-        <p:spPr>
-          <a:xfrm>
-            <a:off x="9766820" y="4797152"/>
-            <a:ext cx="2088232" cy="2060848"/>
-          </a:xfrm>
-          <a:prstGeom prst="roundRect">
-            <a:avLst/>
-          </a:prstGeom>
-          <a:solidFill>
-            <a:schemeClr val="accent3">
-              <a:lumMod val="60000"/>
-              <a:lumOff val="40000"/>
-            </a:schemeClr>
-          </a:solidFill>
-          <a:ln/>
-        </p:spPr>
-        <p:style>
-          <a:lnRef idx="3">
-            <a:schemeClr val="lt1"/>
-          </a:lnRef>
-          <a:fillRef idx="1">
-            <a:schemeClr val="dk1"/>
-          </a:fillRef>
-          <a:effectRef idx="1">
-            <a:schemeClr val="dk1"/>
-          </a:effectRef>
-          <a:fontRef idx="minor">
-            <a:schemeClr val="lt1"/>
-          </a:fontRef>
-        </p:style>
-        <p:txBody>
-          <a:bodyPr rtlCol="0" anchor="ctr"/>
-          <a:lstStyle/>
-          <a:p>
-            <a:pPr algn="ctr"/>
-            <a:endParaRPr kumimoji="1" lang="ja-JP" altLang="en-US"/>
-          </a:p>
-        </p:txBody>
-      </p:sp>
-      <p:sp>
-        <p:nvSpPr>
-          <p:cNvPr id="2" name="タイトル 1"/>
-          <p:cNvSpPr>
-            <a:spLocks noGrp="1"/>
-          </p:cNvSpPr>
-          <p:nvPr>
-            <p:ph type="title"/>
-          </p:nvPr>
-        </p:nvSpPr>
-        <p:spPr>
-          <a:xfrm>
-            <a:off x="2494012" y="1484784"/>
-            <a:ext cx="7668852" cy="1152128"/>
-          </a:xfrm>
-        </p:spPr>
-        <p:txBody>
-          <a:bodyPr rtlCol="0">
-            <a:normAutofit fontScale="90000"/>
-          </a:bodyPr>
-          <a:lstStyle/>
-          <a:p>
-            <a:pPr rtl="0"/>
-            <a:r>
-              <a:rPr lang="en-US" altLang="ja-JP" sz="7200" dirty="0">
-                <a:latin typeface="Brush Script MT" panose="03060802040406070304" pitchFamily="66" charset="0"/>
-                <a:sym typeface="ＭＳ Ｐ明朝" panose="02020600040205080304" pitchFamily="18" charset="-128"/>
-              </a:rPr>
-              <a:t>        4:   </a:t>
-            </a:r>
-            <a:r>
-              <a:rPr lang="en-US" altLang="ja-JP" sz="7200" dirty="0">
-                <a:latin typeface="DK Face Your Fears" panose="000907010108010A0105" pitchFamily="18" charset="0"/>
-                <a:sym typeface="ＭＳ Ｐ明朝" panose="02020600040205080304" pitchFamily="18" charset="-128"/>
-              </a:rPr>
-              <a:t>ITEMS</a:t>
-            </a:r>
-            <a:br>
-              <a:rPr lang="en-US" altLang="ja-JP" sz="7200" dirty="0">
-                <a:latin typeface="DK Face Your Fears" panose="000907010108010A0105" pitchFamily="18" charset="0"/>
-                <a:sym typeface="ＭＳ Ｐ明朝" panose="02020600040205080304" pitchFamily="18" charset="-128"/>
-              </a:rPr>
-            </a:br>
-            <a:br>
-              <a:rPr lang="en-US" altLang="ja-JP" sz="7200" dirty="0">
-                <a:latin typeface="DK Face Your Fears" panose="000907010108010A0105" pitchFamily="18" charset="0"/>
-                <a:sym typeface="ＭＳ Ｐ明朝" panose="02020600040205080304" pitchFamily="18" charset="-128"/>
-              </a:rPr>
-            </a:br>
-            <a:r>
-              <a:rPr lang="en-US" altLang="ja-JP" sz="7200" dirty="0">
-                <a:latin typeface="DK Face Your Fears" panose="000907010108010A0105" pitchFamily="18" charset="0"/>
-                <a:sym typeface="ＭＳ Ｐ明朝" panose="02020600040205080304" pitchFamily="18" charset="-128"/>
-              </a:rPr>
-              <a:t>   </a:t>
-            </a:r>
-            <a:r>
-              <a:rPr lang="en-US" altLang="ja-JP" sz="6700" dirty="0">
-                <a:latin typeface="DK Face Your Fears" panose="000907010108010A0105" pitchFamily="18" charset="0"/>
-                <a:sym typeface="ＭＳ Ｐ明朝" panose="02020600040205080304" pitchFamily="18" charset="-128"/>
-              </a:rPr>
-              <a:t>1, </a:t>
-            </a:r>
-            <a:r>
-              <a:rPr lang="en-US" altLang="ja-JP" sz="6700" dirty="0">
-                <a:solidFill>
-                  <a:schemeClr val="tx1">
-                    <a:lumMod val="65000"/>
-                  </a:schemeClr>
-                </a:solidFill>
-                <a:latin typeface="Chiller" panose="04020404031007020602" pitchFamily="82" charset="0"/>
-                <a:sym typeface="ＭＳ Ｐ明朝" panose="02020600040205080304" pitchFamily="18" charset="-128"/>
-              </a:rPr>
-              <a:t>FIVE Stone Slabs</a:t>
-            </a:r>
-          </a:p>
-        </p:txBody>
-      </p:sp>
-      <p:sp>
-        <p:nvSpPr>
-          <p:cNvPr id="7" name="テキスト ボックス 6">
-            <a:extLst>
-              <a:ext uri="{FF2B5EF4-FFF2-40B4-BE49-F238E27FC236}">
-                <a16:creationId xmlns:a16="http://schemas.microsoft.com/office/drawing/2014/main" id="{007F6989-FD92-4B89-B7F8-9B4E0DE798BE}"/>
-              </a:ext>
-            </a:extLst>
-          </p:cNvPr>
-          <p:cNvSpPr txBox="1"/>
-          <p:nvPr/>
-        </p:nvSpPr>
-        <p:spPr>
-          <a:xfrm>
-            <a:off x="621804" y="2780928"/>
-            <a:ext cx="9937104" cy="3139321"/>
-          </a:xfrm>
-          <a:prstGeom prst="rect">
-            <a:avLst/>
-          </a:prstGeom>
-          <a:noFill/>
-        </p:spPr>
-        <p:txBody>
-          <a:bodyPr wrap="square" rtlCol="0">
-            <a:spAutoFit/>
-          </a:bodyPr>
-          <a:lstStyle/>
-          <a:p>
-            <a:pPr>
-              <a:lnSpc>
-                <a:spcPct val="90000"/>
-              </a:lnSpc>
-            </a:pPr>
-            <a:r>
-              <a:rPr kumimoji="1" lang="ja-JP" altLang="en-US" sz="4000" dirty="0">
-                <a:latin typeface="g_コミック古印体-教漢(太字)" panose="02000600000000000000" pitchFamily="2" charset="-128"/>
-                <a:ea typeface="g_コミック古印体-教漢(太字)" panose="02000600000000000000" pitchFamily="2" charset="-128"/>
-              </a:rPr>
-              <a:t>“</a:t>
-            </a:r>
-            <a:r>
-              <a:rPr kumimoji="1" lang="en-US" altLang="ja-JP" sz="4000" dirty="0">
-                <a:solidFill>
-                  <a:schemeClr val="tx1">
-                    <a:lumMod val="65000"/>
-                  </a:schemeClr>
-                </a:solidFill>
-                <a:latin typeface="g_コミック古印体-教漢(太字)" panose="02000600000000000000" pitchFamily="2" charset="-128"/>
-                <a:ea typeface="g_コミック古印体-教漢(太字)" panose="02000600000000000000" pitchFamily="2" charset="-128"/>
-              </a:rPr>
-              <a:t>5</a:t>
-            </a:r>
-            <a:r>
-              <a:rPr kumimoji="1" lang="ja-JP" altLang="en-US" sz="4000" dirty="0">
-                <a:solidFill>
-                  <a:schemeClr val="tx1">
-                    <a:lumMod val="65000"/>
-                  </a:schemeClr>
-                </a:solidFill>
-                <a:latin typeface="g_コミック古印体-教漢(太字)" panose="02000600000000000000" pitchFamily="2" charset="-128"/>
-                <a:ea typeface="g_コミック古印体-教漢(太字)" panose="02000600000000000000" pitchFamily="2" charset="-128"/>
-              </a:rPr>
-              <a:t>つの石板</a:t>
-            </a:r>
-            <a:r>
-              <a:rPr kumimoji="1" lang="ja-JP" altLang="en-US" sz="4000" dirty="0">
-                <a:latin typeface="g_コミック古印体-教漢(太字)" panose="02000600000000000000" pitchFamily="2" charset="-128"/>
-                <a:ea typeface="g_コミック古印体-教漢(太字)" panose="02000600000000000000" pitchFamily="2" charset="-128"/>
-              </a:rPr>
-              <a:t>”</a:t>
-            </a:r>
-            <a:endParaRPr kumimoji="1" lang="en-US" altLang="ja-JP" sz="4000" dirty="0">
-              <a:latin typeface="g_コミック古印体-教漢(太字)" panose="02000600000000000000" pitchFamily="2" charset="-128"/>
-              <a:ea typeface="g_コミック古印体-教漢(太字)" panose="02000600000000000000" pitchFamily="2" charset="-128"/>
-            </a:endParaRPr>
-          </a:p>
-          <a:p>
-            <a:pPr>
-              <a:lnSpc>
-                <a:spcPct val="90000"/>
-              </a:lnSpc>
-            </a:pPr>
-            <a:endParaRPr kumimoji="1" lang="en-US" altLang="ja-JP" sz="4000" dirty="0">
-              <a:latin typeface="g_コミック古印体-教漢(太字)" panose="02000600000000000000" pitchFamily="2" charset="-128"/>
-              <a:ea typeface="g_コミック古印体-教漢(太字)" panose="02000600000000000000" pitchFamily="2" charset="-128"/>
-            </a:endParaRPr>
-          </a:p>
-          <a:p>
-            <a:pPr>
-              <a:lnSpc>
-                <a:spcPct val="90000"/>
-              </a:lnSpc>
-            </a:pPr>
-            <a:r>
-              <a:rPr kumimoji="1" lang="ja-JP" altLang="en-US" sz="2800" dirty="0">
-                <a:latin typeface="しねきゃぷしょん" panose="02000600000000000000" pitchFamily="2" charset="-128"/>
-                <a:ea typeface="しねきゃぷしょん" panose="02000600000000000000" pitchFamily="2" charset="-128"/>
-              </a:rPr>
-              <a:t>このアイテムはゴールに必要不可欠なアイテム。</a:t>
-            </a:r>
-            <a:endParaRPr kumimoji="1" lang="en-US" altLang="ja-JP" sz="2800" dirty="0">
-              <a:latin typeface="しねきゃぷしょん" panose="02000600000000000000" pitchFamily="2" charset="-128"/>
-              <a:ea typeface="しねきゃぷしょん" panose="02000600000000000000" pitchFamily="2" charset="-128"/>
-            </a:endParaRPr>
-          </a:p>
-          <a:p>
-            <a:pPr>
-              <a:lnSpc>
-                <a:spcPct val="90000"/>
-              </a:lnSpc>
-            </a:pPr>
-            <a:r>
-              <a:rPr kumimoji="1" lang="ja-JP" altLang="en-US" sz="2800" dirty="0">
-                <a:latin typeface="しねきゃぷしょん" panose="02000600000000000000" pitchFamily="2" charset="-128"/>
-                <a:ea typeface="しねきゃぷしょん" panose="02000600000000000000" pitchFamily="2" charset="-128"/>
-              </a:rPr>
-              <a:t>プレイヤーは脱出が目的だが、エリア内に散らばったこれらのアイテムを全て揃えないと、目的達成にならない。</a:t>
-            </a:r>
-            <a:endParaRPr kumimoji="1" lang="en-US" altLang="ja-JP" sz="2800" dirty="0">
-              <a:latin typeface="しねきゃぷしょん" panose="02000600000000000000" pitchFamily="2" charset="-128"/>
-              <a:ea typeface="しねきゃぷしょん" panose="02000600000000000000" pitchFamily="2" charset="-128"/>
-            </a:endParaRPr>
-          </a:p>
-          <a:p>
-            <a:pPr>
-              <a:lnSpc>
-                <a:spcPct val="90000"/>
-              </a:lnSpc>
-            </a:pPr>
-            <a:endParaRPr kumimoji="1" lang="en-US" altLang="ja-JP" sz="2800" b="1" dirty="0">
-              <a:latin typeface="しねきゃぷしょん" panose="02000600000000000000" pitchFamily="2" charset="-128"/>
-              <a:ea typeface="しねきゃぷしょん" panose="02000600000000000000" pitchFamily="2" charset="-128"/>
-            </a:endParaRPr>
-          </a:p>
-          <a:p>
-            <a:pPr>
-              <a:lnSpc>
-                <a:spcPct val="90000"/>
-              </a:lnSpc>
-            </a:pPr>
-            <a:r>
-              <a:rPr kumimoji="1" lang="ja-JP" altLang="en-US" sz="2800" dirty="0">
-                <a:latin typeface="しねきゃぷしょん" panose="02000600000000000000" pitchFamily="2" charset="-128"/>
-                <a:ea typeface="しねきゃぷしょん" panose="02000600000000000000" pitchFamily="2" charset="-128"/>
-              </a:rPr>
-              <a:t>これらをはめ込む土台はゴールの扉に設置されている。</a:t>
-            </a:r>
-            <a:endParaRPr kumimoji="1" lang="en-US" altLang="ja-JP" sz="2800" dirty="0">
-              <a:latin typeface="しねきゃぷしょん" panose="02000600000000000000" pitchFamily="2" charset="-128"/>
-              <a:ea typeface="しねきゃぷしょん" panose="02000600000000000000" pitchFamily="2" charset="-128"/>
-            </a:endParaRPr>
-          </a:p>
-        </p:txBody>
-      </p:sp>
-      <p:pic>
-        <p:nvPicPr>
-          <p:cNvPr id="4" name="図 3">
-            <a:extLst>
-              <a:ext uri="{FF2B5EF4-FFF2-40B4-BE49-F238E27FC236}">
-                <a16:creationId xmlns:a16="http://schemas.microsoft.com/office/drawing/2014/main" id="{61A540B1-CDC1-43B6-82AE-BF889405FD1F}"/>
-              </a:ext>
-            </a:extLst>
-          </p:cNvPr>
-          <p:cNvPicPr>
-            <a:picLocks noChangeAspect="1"/>
-          </p:cNvPicPr>
-          <p:nvPr/>
-        </p:nvPicPr>
-        <p:blipFill>
-          <a:blip r:embed="rId3">
-            <a:extLst>
-              <a:ext uri="{28A0092B-C50C-407E-A947-70E740481C1C}">
-                <a14:useLocalDpi xmlns:a14="http://schemas.microsoft.com/office/drawing/2010/main" val="0"/>
-              </a:ext>
-            </a:extLst>
-          </a:blip>
-          <a:stretch>
-            <a:fillRect/>
-          </a:stretch>
-        </p:blipFill>
-        <p:spPr>
-          <a:xfrm rot="1374824">
-            <a:off x="10107917" y="4814633"/>
-            <a:ext cx="1350589" cy="2025884"/>
-          </a:xfrm>
-          <a:prstGeom prst="rect">
-            <a:avLst/>
-          </a:prstGeom>
-        </p:spPr>
-      </p:pic>
-      <p:sp>
-        <p:nvSpPr>
-          <p:cNvPr id="12" name="矢印: 右 11">
-            <a:extLst>
-              <a:ext uri="{FF2B5EF4-FFF2-40B4-BE49-F238E27FC236}">
-                <a16:creationId xmlns:a16="http://schemas.microsoft.com/office/drawing/2014/main" id="{86B31C1C-623A-430E-B069-69E1E647AF40}"/>
-              </a:ext>
-            </a:extLst>
-          </p:cNvPr>
-          <p:cNvSpPr/>
-          <p:nvPr/>
-        </p:nvSpPr>
-        <p:spPr>
-          <a:xfrm>
-            <a:off x="7822603" y="6039832"/>
-            <a:ext cx="1888767" cy="432048"/>
-          </a:xfrm>
-          <a:prstGeom prst="rightArrow">
-            <a:avLst/>
-          </a:prstGeom>
-          <a:solidFill>
-            <a:schemeClr val="bg1"/>
-          </a:solidFill>
-          <a:ln/>
-        </p:spPr>
-        <p:style>
-          <a:lnRef idx="3">
-            <a:schemeClr val="lt1"/>
-          </a:lnRef>
-          <a:fillRef idx="1">
-            <a:schemeClr val="accent1"/>
-          </a:fillRef>
-          <a:effectRef idx="1">
-            <a:schemeClr val="accent1"/>
-          </a:effectRef>
-          <a:fontRef idx="minor">
-            <a:schemeClr val="lt1"/>
-          </a:fontRef>
-        </p:style>
-        <p:txBody>
-          <a:bodyPr rtlCol="0" anchor="ctr"/>
-          <a:lstStyle/>
-          <a:p>
-            <a:pPr algn="ctr"/>
-            <a:endParaRPr kumimoji="1" lang="ja-JP" altLang="en-US"/>
-          </a:p>
-        </p:txBody>
-      </p:sp>
-    </p:spTree>
-    <p:extLst>
-      <p:ext uri="{BB962C8B-B14F-4D97-AF65-F5344CB8AC3E}">
-        <p14:creationId xmlns:p14="http://schemas.microsoft.com/office/powerpoint/2010/main" val="1816923565"/>
       </p:ext>
     </p:extLst>
   </p:cSld>
@@ -13674,133 +14258,6 @@
 </file>
 
 <file path=customXml/item1.xml><?xml version="1.0" encoding="utf-8"?>
-<p:properties xmlns:p="http://schemas.microsoft.com/office/2006/metadata/properties" xmlns:xsi="http://www.w3.org/2001/XMLSchema-instance" xmlns:pc="http://schemas.microsoft.com/office/infopath/2007/PartnerControls">
-  <documentManagement>
-    <DirectSourceMarket xmlns="4873beb7-5857-4685-be1f-d57550cc96cc" xsi:nil="true"/>
-    <ApprovalStatus xmlns="4873beb7-5857-4685-be1f-d57550cc96cc">InProgress</ApprovalStatus>
-    <MarketSpecific xmlns="4873beb7-5857-4685-be1f-d57550cc96cc">false</MarketSpecific>
-    <LocComments xmlns="4873beb7-5857-4685-be1f-d57550cc96cc" xsi:nil="true"/>
-    <ThumbnailAssetId xmlns="4873beb7-5857-4685-be1f-d57550cc96cc" xsi:nil="true"/>
-    <PrimaryImageGen xmlns="4873beb7-5857-4685-be1f-d57550cc96cc">false</PrimaryImageGen>
-    <LegacyData xmlns="4873beb7-5857-4685-be1f-d57550cc96cc" xsi:nil="true"/>
-    <LocRecommendedHandoff xmlns="4873beb7-5857-4685-be1f-d57550cc96cc" xsi:nil="true"/>
-    <BusinessGroup xmlns="4873beb7-5857-4685-be1f-d57550cc96cc" xsi:nil="true"/>
-    <BlockPublish xmlns="4873beb7-5857-4685-be1f-d57550cc96cc">false</BlockPublish>
-    <TPFriendlyName xmlns="4873beb7-5857-4685-be1f-d57550cc96cc" xsi:nil="true"/>
-    <NumericId xmlns="4873beb7-5857-4685-be1f-d57550cc96cc" xsi:nil="true"/>
-    <APEditor xmlns="4873beb7-5857-4685-be1f-d57550cc96cc">
-      <UserInfo>
-        <DisplayName/>
-        <AccountId xsi:nil="true"/>
-        <AccountType/>
-      </UserInfo>
-    </APEditor>
-    <SourceTitle xmlns="4873beb7-5857-4685-be1f-d57550cc96cc" xsi:nil="true"/>
-    <OpenTemplate xmlns="4873beb7-5857-4685-be1f-d57550cc96cc">true</OpenTemplate>
-    <UALocComments xmlns="4873beb7-5857-4685-be1f-d57550cc96cc" xsi:nil="true"/>
-    <ParentAssetId xmlns="4873beb7-5857-4685-be1f-d57550cc96cc" xsi:nil="true"/>
-    <IntlLangReviewDate xmlns="4873beb7-5857-4685-be1f-d57550cc96cc" xsi:nil="true"/>
-    <FeatureTagsTaxHTField0 xmlns="4873beb7-5857-4685-be1f-d57550cc96cc">
-      <Terms xmlns="http://schemas.microsoft.com/office/infopath/2007/PartnerControls"/>
-    </FeatureTagsTaxHTField0>
-    <PublishStatusLookup xmlns="4873beb7-5857-4685-be1f-d57550cc96cc">
-      <Value>1380992</Value>
-    </PublishStatusLookup>
-    <Providers xmlns="4873beb7-5857-4685-be1f-d57550cc96cc" xsi:nil="true"/>
-    <MachineTranslated xmlns="4873beb7-5857-4685-be1f-d57550cc96cc">false</MachineTranslated>
-    <OriginalSourceMarket xmlns="4873beb7-5857-4685-be1f-d57550cc96cc" xsi:nil="true"/>
-    <APDescription xmlns="4873beb7-5857-4685-be1f-d57550cc96cc">This template makes an impression with its bold red background, radial sunburst pattern, and contrasting black title bar. Consider it for your small business or marketing presentation. Or, take advantage of the red color scheme to make a holiday-themed presentation.  Compatible with PowerPoint 2013 and later, this template offers a variety of slide layouts including title slides, bulleted lists, photo with captions, a sample chart, and blank slide, all in a widescreen (16X9) format.
-</APDescription>
-    <ClipArtFilename xmlns="4873beb7-5857-4685-be1f-d57550cc96cc" xsi:nil="true"/>
-    <ContentItem xmlns="4873beb7-5857-4685-be1f-d57550cc96cc" xsi:nil="true"/>
-    <TPInstallLocation xmlns="4873beb7-5857-4685-be1f-d57550cc96cc" xsi:nil="true"/>
-    <PublishTargets xmlns="4873beb7-5857-4685-be1f-d57550cc96cc">OfficeOnlineVNext</PublishTargets>
-    <TimesCloned xmlns="4873beb7-5857-4685-be1f-d57550cc96cc" xsi:nil="true"/>
-    <AssetStart xmlns="4873beb7-5857-4685-be1f-d57550cc96cc">2011-12-19T18:35:00+00:00</AssetStart>
-    <Provider xmlns="4873beb7-5857-4685-be1f-d57550cc96cc" xsi:nil="true"/>
-    <AcquiredFrom xmlns="4873beb7-5857-4685-be1f-d57550cc96cc">Internal MS</AcquiredFrom>
-    <FriendlyTitle xmlns="4873beb7-5857-4685-be1f-d57550cc96cc" xsi:nil="true"/>
-    <LastHandOff xmlns="4873beb7-5857-4685-be1f-d57550cc96cc" xsi:nil="true"/>
-    <TPClientViewer xmlns="4873beb7-5857-4685-be1f-d57550cc96cc" xsi:nil="true"/>
-    <UACurrentWords xmlns="4873beb7-5857-4685-be1f-d57550cc96cc" xsi:nil="true"/>
-    <ArtSampleDocs xmlns="4873beb7-5857-4685-be1f-d57550cc96cc" xsi:nil="true"/>
-    <UALocRecommendation xmlns="4873beb7-5857-4685-be1f-d57550cc96cc">Localize</UALocRecommendation>
-    <Manager xmlns="4873beb7-5857-4685-be1f-d57550cc96cc" xsi:nil="true"/>
-    <ShowIn xmlns="4873beb7-5857-4685-be1f-d57550cc96cc">Show everywhere</ShowIn>
-    <UANotes xmlns="4873beb7-5857-4685-be1f-d57550cc96cc" xsi:nil="true"/>
-    <TemplateStatus xmlns="4873beb7-5857-4685-be1f-d57550cc96cc">Complete</TemplateStatus>
-    <InternalTagsTaxHTField0 xmlns="4873beb7-5857-4685-be1f-d57550cc96cc">
-      <Terms xmlns="http://schemas.microsoft.com/office/infopath/2007/PartnerControls"/>
-    </InternalTagsTaxHTField0>
-    <CSXHash xmlns="4873beb7-5857-4685-be1f-d57550cc96cc" xsi:nil="true"/>
-    <Downloads xmlns="4873beb7-5857-4685-be1f-d57550cc96cc">0</Downloads>
-    <VoteCount xmlns="4873beb7-5857-4685-be1f-d57550cc96cc" xsi:nil="true"/>
-    <OOCacheId xmlns="4873beb7-5857-4685-be1f-d57550cc96cc" xsi:nil="true"/>
-    <IsDeleted xmlns="4873beb7-5857-4685-be1f-d57550cc96cc">false</IsDeleted>
-    <AssetExpire xmlns="4873beb7-5857-4685-be1f-d57550cc96cc">2035-01-01T08:00:00+00:00</AssetExpire>
-    <DSATActionTaken xmlns="4873beb7-5857-4685-be1f-d57550cc96cc" xsi:nil="true"/>
-    <CSXSubmissionMarket xmlns="4873beb7-5857-4685-be1f-d57550cc96cc" xsi:nil="true"/>
-    <TPExecutable xmlns="4873beb7-5857-4685-be1f-d57550cc96cc" xsi:nil="true"/>
-    <SubmitterId xmlns="4873beb7-5857-4685-be1f-d57550cc96cc" xsi:nil="true"/>
-    <EditorialTags xmlns="4873beb7-5857-4685-be1f-d57550cc96cc" xsi:nil="true"/>
-    <ApprovalLog xmlns="4873beb7-5857-4685-be1f-d57550cc96cc" xsi:nil="true"/>
-    <AssetType xmlns="4873beb7-5857-4685-be1f-d57550cc96cc">TP</AssetType>
-    <BugNumber xmlns="4873beb7-5857-4685-be1f-d57550cc96cc" xsi:nil="true"/>
-    <CSXSubmissionDate xmlns="4873beb7-5857-4685-be1f-d57550cc96cc" xsi:nil="true"/>
-    <CSXUpdate xmlns="4873beb7-5857-4685-be1f-d57550cc96cc">false</CSXUpdate>
-    <Milestone xmlns="4873beb7-5857-4685-be1f-d57550cc96cc" xsi:nil="true"/>
-    <RecommendationsModifier xmlns="4873beb7-5857-4685-be1f-d57550cc96cc" xsi:nil="true"/>
-    <OriginAsset xmlns="4873beb7-5857-4685-be1f-d57550cc96cc" xsi:nil="true"/>
-    <TPComponent xmlns="4873beb7-5857-4685-be1f-d57550cc96cc" xsi:nil="true"/>
-    <AssetId xmlns="4873beb7-5857-4685-be1f-d57550cc96cc">TP102804893</AssetId>
-    <IntlLocPriority xmlns="4873beb7-5857-4685-be1f-d57550cc96cc" xsi:nil="true"/>
-    <PolicheckWords xmlns="4873beb7-5857-4685-be1f-d57550cc96cc" xsi:nil="true"/>
-    <TPLaunchHelpLink xmlns="4873beb7-5857-4685-be1f-d57550cc96cc" xsi:nil="true"/>
-    <TPApplication xmlns="4873beb7-5857-4685-be1f-d57550cc96cc" xsi:nil="true"/>
-    <CrawlForDependencies xmlns="4873beb7-5857-4685-be1f-d57550cc96cc">false</CrawlForDependencies>
-    <HandoffToMSDN xmlns="4873beb7-5857-4685-be1f-d57550cc96cc" xsi:nil="true"/>
-    <PlannedPubDate xmlns="4873beb7-5857-4685-be1f-d57550cc96cc" xsi:nil="true"/>
-    <IntlLangReviewer xmlns="4873beb7-5857-4685-be1f-d57550cc96cc" xsi:nil="true"/>
-    <TrustLevel xmlns="4873beb7-5857-4685-be1f-d57550cc96cc">1 Microsoft Managed Content</TrustLevel>
-    <LocLastLocAttemptVersionLookup xmlns="4873beb7-5857-4685-be1f-d57550cc96cc">725212</LocLastLocAttemptVersionLookup>
-    <IsSearchable xmlns="4873beb7-5857-4685-be1f-d57550cc96cc">true</IsSearchable>
-    <TemplateTemplateType xmlns="4873beb7-5857-4685-be1f-d57550cc96cc">PowerPoint Presentation Template</TemplateTemplateType>
-    <CampaignTagsTaxHTField0 xmlns="4873beb7-5857-4685-be1f-d57550cc96cc">
-      <Terms xmlns="http://schemas.microsoft.com/office/infopath/2007/PartnerControls"/>
-    </CampaignTagsTaxHTField0>
-    <TPNamespace xmlns="4873beb7-5857-4685-be1f-d57550cc96cc" xsi:nil="true"/>
-    <TaxCatchAll xmlns="4873beb7-5857-4685-be1f-d57550cc96cc"/>
-    <Markets xmlns="4873beb7-5857-4685-be1f-d57550cc96cc"/>
-    <UAProjectedTotalWords xmlns="4873beb7-5857-4685-be1f-d57550cc96cc" xsi:nil="true"/>
-    <IntlLangReview xmlns="4873beb7-5857-4685-be1f-d57550cc96cc">false</IntlLangReview>
-    <OutputCachingOn xmlns="4873beb7-5857-4685-be1f-d57550cc96cc">false</OutputCachingOn>
-    <AverageRating xmlns="4873beb7-5857-4685-be1f-d57550cc96cc" xsi:nil="true"/>
-    <APAuthor xmlns="4873beb7-5857-4685-be1f-d57550cc96cc">
-      <UserInfo>
-        <DisplayName>REDMOND\v-vaddu</DisplayName>
-        <AccountId>2567</AccountId>
-        <AccountType/>
-      </UserInfo>
-    </APAuthor>
-    <LocManualTestRequired xmlns="4873beb7-5857-4685-be1f-d57550cc96cc">false</LocManualTestRequired>
-    <TPCommandLine xmlns="4873beb7-5857-4685-be1f-d57550cc96cc" xsi:nil="true"/>
-    <TPAppVersion xmlns="4873beb7-5857-4685-be1f-d57550cc96cc" xsi:nil="true"/>
-    <EditorialStatus xmlns="4873beb7-5857-4685-be1f-d57550cc96cc">Complete</EditorialStatus>
-    <LastModifiedDateTime xmlns="4873beb7-5857-4685-be1f-d57550cc96cc" xsi:nil="true"/>
-    <ScenarioTagsTaxHTField0 xmlns="4873beb7-5857-4685-be1f-d57550cc96cc">
-      <Terms xmlns="http://schemas.microsoft.com/office/infopath/2007/PartnerControls"/>
-    </ScenarioTagsTaxHTField0>
-    <OriginalRelease xmlns="4873beb7-5857-4685-be1f-d57550cc96cc">14</OriginalRelease>
-    <TPLaunchHelpLinkType xmlns="4873beb7-5857-4685-be1f-d57550cc96cc">Template</TPLaunchHelpLinkType>
-    <LocalizationTagsTaxHTField0 xmlns="4873beb7-5857-4685-be1f-d57550cc96cc">
-      <Terms xmlns="http://schemas.microsoft.com/office/infopath/2007/PartnerControls"/>
-    </LocalizationTagsTaxHTField0>
-    <LocMarketGroupTiers2 xmlns="4873beb7-5857-4685-be1f-d57550cc96cc" xsi:nil="true"/>
-  </documentManagement>
-</p:properties>
-</file>
-
-<file path=customXml/item2.xml><?xml version="1.0" encoding="utf-8"?>
 <ct:contentTypeSchema xmlns:ct="http://schemas.microsoft.com/office/2006/metadata/contentType" xmlns:ma="http://schemas.microsoft.com/office/2006/metadata/properties/metaAttributes" ct:_="" ma:_="" ma:contentTypeName="TemplateFile" ma:contentTypeID="0x0101006EDDDB5EE6D98C44930B742096920B300400F5B6D36B3EF94B4E9A635CDF2A18F5B8" ma:contentTypeVersion="72" ma:contentTypeDescription="Create a new document." ma:contentTypeScope="" ma:versionID="a23e56308344d904b51738559c3d67c9">
   <xsd:schema xmlns:xsd="http://www.w3.org/2001/XMLSchema" xmlns:xs="http://www.w3.org/2001/XMLSchema" xmlns:p="http://schemas.microsoft.com/office/2006/metadata/properties" xmlns:ns2="4873beb7-5857-4685-be1f-d57550cc96cc" targetNamespace="http://schemas.microsoft.com/office/2006/metadata/properties" ma:root="true" ma:fieldsID="cd0908cc4600e77bf5da051303e00c8d" ns2:_="">
     <xsd:import namespace="4873beb7-5857-4685-be1f-d57550cc96cc"/>
@@ -14840,6 +15297,133 @@
 </ct:contentTypeSchema>
 </file>
 
+<file path=customXml/item2.xml><?xml version="1.0" encoding="utf-8"?>
+<p:properties xmlns:p="http://schemas.microsoft.com/office/2006/metadata/properties" xmlns:xsi="http://www.w3.org/2001/XMLSchema-instance" xmlns:pc="http://schemas.microsoft.com/office/infopath/2007/PartnerControls">
+  <documentManagement>
+    <DirectSourceMarket xmlns="4873beb7-5857-4685-be1f-d57550cc96cc" xsi:nil="true"/>
+    <ApprovalStatus xmlns="4873beb7-5857-4685-be1f-d57550cc96cc">InProgress</ApprovalStatus>
+    <MarketSpecific xmlns="4873beb7-5857-4685-be1f-d57550cc96cc">false</MarketSpecific>
+    <LocComments xmlns="4873beb7-5857-4685-be1f-d57550cc96cc" xsi:nil="true"/>
+    <ThumbnailAssetId xmlns="4873beb7-5857-4685-be1f-d57550cc96cc" xsi:nil="true"/>
+    <PrimaryImageGen xmlns="4873beb7-5857-4685-be1f-d57550cc96cc">false</PrimaryImageGen>
+    <LegacyData xmlns="4873beb7-5857-4685-be1f-d57550cc96cc" xsi:nil="true"/>
+    <LocRecommendedHandoff xmlns="4873beb7-5857-4685-be1f-d57550cc96cc" xsi:nil="true"/>
+    <BusinessGroup xmlns="4873beb7-5857-4685-be1f-d57550cc96cc" xsi:nil="true"/>
+    <BlockPublish xmlns="4873beb7-5857-4685-be1f-d57550cc96cc">false</BlockPublish>
+    <TPFriendlyName xmlns="4873beb7-5857-4685-be1f-d57550cc96cc" xsi:nil="true"/>
+    <NumericId xmlns="4873beb7-5857-4685-be1f-d57550cc96cc" xsi:nil="true"/>
+    <APEditor xmlns="4873beb7-5857-4685-be1f-d57550cc96cc">
+      <UserInfo>
+        <DisplayName/>
+        <AccountId xsi:nil="true"/>
+        <AccountType/>
+      </UserInfo>
+    </APEditor>
+    <SourceTitle xmlns="4873beb7-5857-4685-be1f-d57550cc96cc" xsi:nil="true"/>
+    <OpenTemplate xmlns="4873beb7-5857-4685-be1f-d57550cc96cc">true</OpenTemplate>
+    <UALocComments xmlns="4873beb7-5857-4685-be1f-d57550cc96cc" xsi:nil="true"/>
+    <ParentAssetId xmlns="4873beb7-5857-4685-be1f-d57550cc96cc" xsi:nil="true"/>
+    <IntlLangReviewDate xmlns="4873beb7-5857-4685-be1f-d57550cc96cc" xsi:nil="true"/>
+    <FeatureTagsTaxHTField0 xmlns="4873beb7-5857-4685-be1f-d57550cc96cc">
+      <Terms xmlns="http://schemas.microsoft.com/office/infopath/2007/PartnerControls"/>
+    </FeatureTagsTaxHTField0>
+    <PublishStatusLookup xmlns="4873beb7-5857-4685-be1f-d57550cc96cc">
+      <Value>1380992</Value>
+    </PublishStatusLookup>
+    <Providers xmlns="4873beb7-5857-4685-be1f-d57550cc96cc" xsi:nil="true"/>
+    <MachineTranslated xmlns="4873beb7-5857-4685-be1f-d57550cc96cc">false</MachineTranslated>
+    <OriginalSourceMarket xmlns="4873beb7-5857-4685-be1f-d57550cc96cc" xsi:nil="true"/>
+    <APDescription xmlns="4873beb7-5857-4685-be1f-d57550cc96cc">This template makes an impression with its bold red background, radial sunburst pattern, and contrasting black title bar. Consider it for your small business or marketing presentation. Or, take advantage of the red color scheme to make a holiday-themed presentation.  Compatible with PowerPoint 2013 and later, this template offers a variety of slide layouts including title slides, bulleted lists, photo with captions, a sample chart, and blank slide, all in a widescreen (16X9) format.
+</APDescription>
+    <ClipArtFilename xmlns="4873beb7-5857-4685-be1f-d57550cc96cc" xsi:nil="true"/>
+    <ContentItem xmlns="4873beb7-5857-4685-be1f-d57550cc96cc" xsi:nil="true"/>
+    <TPInstallLocation xmlns="4873beb7-5857-4685-be1f-d57550cc96cc" xsi:nil="true"/>
+    <PublishTargets xmlns="4873beb7-5857-4685-be1f-d57550cc96cc">OfficeOnlineVNext</PublishTargets>
+    <TimesCloned xmlns="4873beb7-5857-4685-be1f-d57550cc96cc" xsi:nil="true"/>
+    <AssetStart xmlns="4873beb7-5857-4685-be1f-d57550cc96cc">2011-12-19T18:35:00+00:00</AssetStart>
+    <Provider xmlns="4873beb7-5857-4685-be1f-d57550cc96cc" xsi:nil="true"/>
+    <AcquiredFrom xmlns="4873beb7-5857-4685-be1f-d57550cc96cc">Internal MS</AcquiredFrom>
+    <FriendlyTitle xmlns="4873beb7-5857-4685-be1f-d57550cc96cc" xsi:nil="true"/>
+    <LastHandOff xmlns="4873beb7-5857-4685-be1f-d57550cc96cc" xsi:nil="true"/>
+    <TPClientViewer xmlns="4873beb7-5857-4685-be1f-d57550cc96cc" xsi:nil="true"/>
+    <UACurrentWords xmlns="4873beb7-5857-4685-be1f-d57550cc96cc" xsi:nil="true"/>
+    <ArtSampleDocs xmlns="4873beb7-5857-4685-be1f-d57550cc96cc" xsi:nil="true"/>
+    <UALocRecommendation xmlns="4873beb7-5857-4685-be1f-d57550cc96cc">Localize</UALocRecommendation>
+    <Manager xmlns="4873beb7-5857-4685-be1f-d57550cc96cc" xsi:nil="true"/>
+    <ShowIn xmlns="4873beb7-5857-4685-be1f-d57550cc96cc">Show everywhere</ShowIn>
+    <UANotes xmlns="4873beb7-5857-4685-be1f-d57550cc96cc" xsi:nil="true"/>
+    <TemplateStatus xmlns="4873beb7-5857-4685-be1f-d57550cc96cc">Complete</TemplateStatus>
+    <InternalTagsTaxHTField0 xmlns="4873beb7-5857-4685-be1f-d57550cc96cc">
+      <Terms xmlns="http://schemas.microsoft.com/office/infopath/2007/PartnerControls"/>
+    </InternalTagsTaxHTField0>
+    <CSXHash xmlns="4873beb7-5857-4685-be1f-d57550cc96cc" xsi:nil="true"/>
+    <Downloads xmlns="4873beb7-5857-4685-be1f-d57550cc96cc">0</Downloads>
+    <VoteCount xmlns="4873beb7-5857-4685-be1f-d57550cc96cc" xsi:nil="true"/>
+    <OOCacheId xmlns="4873beb7-5857-4685-be1f-d57550cc96cc" xsi:nil="true"/>
+    <IsDeleted xmlns="4873beb7-5857-4685-be1f-d57550cc96cc">false</IsDeleted>
+    <AssetExpire xmlns="4873beb7-5857-4685-be1f-d57550cc96cc">2035-01-01T08:00:00+00:00</AssetExpire>
+    <DSATActionTaken xmlns="4873beb7-5857-4685-be1f-d57550cc96cc" xsi:nil="true"/>
+    <CSXSubmissionMarket xmlns="4873beb7-5857-4685-be1f-d57550cc96cc" xsi:nil="true"/>
+    <TPExecutable xmlns="4873beb7-5857-4685-be1f-d57550cc96cc" xsi:nil="true"/>
+    <SubmitterId xmlns="4873beb7-5857-4685-be1f-d57550cc96cc" xsi:nil="true"/>
+    <EditorialTags xmlns="4873beb7-5857-4685-be1f-d57550cc96cc" xsi:nil="true"/>
+    <ApprovalLog xmlns="4873beb7-5857-4685-be1f-d57550cc96cc" xsi:nil="true"/>
+    <AssetType xmlns="4873beb7-5857-4685-be1f-d57550cc96cc">TP</AssetType>
+    <BugNumber xmlns="4873beb7-5857-4685-be1f-d57550cc96cc" xsi:nil="true"/>
+    <CSXSubmissionDate xmlns="4873beb7-5857-4685-be1f-d57550cc96cc" xsi:nil="true"/>
+    <CSXUpdate xmlns="4873beb7-5857-4685-be1f-d57550cc96cc">false</CSXUpdate>
+    <Milestone xmlns="4873beb7-5857-4685-be1f-d57550cc96cc" xsi:nil="true"/>
+    <RecommendationsModifier xmlns="4873beb7-5857-4685-be1f-d57550cc96cc" xsi:nil="true"/>
+    <OriginAsset xmlns="4873beb7-5857-4685-be1f-d57550cc96cc" xsi:nil="true"/>
+    <TPComponent xmlns="4873beb7-5857-4685-be1f-d57550cc96cc" xsi:nil="true"/>
+    <AssetId xmlns="4873beb7-5857-4685-be1f-d57550cc96cc">TP102804893</AssetId>
+    <IntlLocPriority xmlns="4873beb7-5857-4685-be1f-d57550cc96cc" xsi:nil="true"/>
+    <PolicheckWords xmlns="4873beb7-5857-4685-be1f-d57550cc96cc" xsi:nil="true"/>
+    <TPLaunchHelpLink xmlns="4873beb7-5857-4685-be1f-d57550cc96cc" xsi:nil="true"/>
+    <TPApplication xmlns="4873beb7-5857-4685-be1f-d57550cc96cc" xsi:nil="true"/>
+    <CrawlForDependencies xmlns="4873beb7-5857-4685-be1f-d57550cc96cc">false</CrawlForDependencies>
+    <HandoffToMSDN xmlns="4873beb7-5857-4685-be1f-d57550cc96cc" xsi:nil="true"/>
+    <PlannedPubDate xmlns="4873beb7-5857-4685-be1f-d57550cc96cc" xsi:nil="true"/>
+    <IntlLangReviewer xmlns="4873beb7-5857-4685-be1f-d57550cc96cc" xsi:nil="true"/>
+    <TrustLevel xmlns="4873beb7-5857-4685-be1f-d57550cc96cc">1 Microsoft Managed Content</TrustLevel>
+    <LocLastLocAttemptVersionLookup xmlns="4873beb7-5857-4685-be1f-d57550cc96cc">725212</LocLastLocAttemptVersionLookup>
+    <IsSearchable xmlns="4873beb7-5857-4685-be1f-d57550cc96cc">true</IsSearchable>
+    <TemplateTemplateType xmlns="4873beb7-5857-4685-be1f-d57550cc96cc">PowerPoint Presentation Template</TemplateTemplateType>
+    <CampaignTagsTaxHTField0 xmlns="4873beb7-5857-4685-be1f-d57550cc96cc">
+      <Terms xmlns="http://schemas.microsoft.com/office/infopath/2007/PartnerControls"/>
+    </CampaignTagsTaxHTField0>
+    <TPNamespace xmlns="4873beb7-5857-4685-be1f-d57550cc96cc" xsi:nil="true"/>
+    <TaxCatchAll xmlns="4873beb7-5857-4685-be1f-d57550cc96cc"/>
+    <Markets xmlns="4873beb7-5857-4685-be1f-d57550cc96cc"/>
+    <UAProjectedTotalWords xmlns="4873beb7-5857-4685-be1f-d57550cc96cc" xsi:nil="true"/>
+    <IntlLangReview xmlns="4873beb7-5857-4685-be1f-d57550cc96cc">false</IntlLangReview>
+    <OutputCachingOn xmlns="4873beb7-5857-4685-be1f-d57550cc96cc">false</OutputCachingOn>
+    <AverageRating xmlns="4873beb7-5857-4685-be1f-d57550cc96cc" xsi:nil="true"/>
+    <APAuthor xmlns="4873beb7-5857-4685-be1f-d57550cc96cc">
+      <UserInfo>
+        <DisplayName>REDMOND\v-vaddu</DisplayName>
+        <AccountId>2567</AccountId>
+        <AccountType/>
+      </UserInfo>
+    </APAuthor>
+    <LocManualTestRequired xmlns="4873beb7-5857-4685-be1f-d57550cc96cc">false</LocManualTestRequired>
+    <TPCommandLine xmlns="4873beb7-5857-4685-be1f-d57550cc96cc" xsi:nil="true"/>
+    <TPAppVersion xmlns="4873beb7-5857-4685-be1f-d57550cc96cc" xsi:nil="true"/>
+    <EditorialStatus xmlns="4873beb7-5857-4685-be1f-d57550cc96cc">Complete</EditorialStatus>
+    <LastModifiedDateTime xmlns="4873beb7-5857-4685-be1f-d57550cc96cc" xsi:nil="true"/>
+    <ScenarioTagsTaxHTField0 xmlns="4873beb7-5857-4685-be1f-d57550cc96cc">
+      <Terms xmlns="http://schemas.microsoft.com/office/infopath/2007/PartnerControls"/>
+    </ScenarioTagsTaxHTField0>
+    <OriginalRelease xmlns="4873beb7-5857-4685-be1f-d57550cc96cc">14</OriginalRelease>
+    <TPLaunchHelpLinkType xmlns="4873beb7-5857-4685-be1f-d57550cc96cc">Template</TPLaunchHelpLinkType>
+    <LocalizationTagsTaxHTField0 xmlns="4873beb7-5857-4685-be1f-d57550cc96cc">
+      <Terms xmlns="http://schemas.microsoft.com/office/infopath/2007/PartnerControls"/>
+    </LocalizationTagsTaxHTField0>
+    <LocMarketGroupTiers2 xmlns="4873beb7-5857-4685-be1f-d57550cc96cc" xsi:nil="true"/>
+  </documentManagement>
+</p:properties>
+</file>
+
 <file path=customXml/item3.xml><?xml version="1.0" encoding="utf-8"?>
 <?mso-contentType ?>
 <FormTemplates xmlns="http://schemas.microsoft.com/sharepoint/v3/contenttype/forms">
@@ -14850,22 +15434,6 @@
 </file>
 
 <file path=customXml/itemProps1.xml><?xml version="1.0" encoding="utf-8"?>
-<ds:datastoreItem xmlns:ds="http://schemas.openxmlformats.org/officeDocument/2006/customXml" ds:itemID="{45076977-ECB7-44C2-A70D-853BB6B41242}">
-  <ds:schemaRefs>
-    <ds:schemaRef ds:uri="http://schemas.openxmlformats.org/package/2006/metadata/core-properties"/>
-    <ds:schemaRef ds:uri="http://schemas.microsoft.com/office/2006/documentManagement/types"/>
-    <ds:schemaRef ds:uri="http://schemas.microsoft.com/office/infopath/2007/PartnerControls"/>
-    <ds:schemaRef ds:uri="http://purl.org/dc/elements/1.1/"/>
-    <ds:schemaRef ds:uri="http://schemas.microsoft.com/office/2006/metadata/properties"/>
-    <ds:schemaRef ds:uri="http://purl.org/dc/terms/"/>
-    <ds:schemaRef ds:uri="4873beb7-5857-4685-be1f-d57550cc96cc"/>
-    <ds:schemaRef ds:uri="http://www.w3.org/XML/1998/namespace"/>
-    <ds:schemaRef ds:uri="http://purl.org/dc/dcmitype/"/>
-  </ds:schemaRefs>
-</ds:datastoreItem>
-</file>
-
-<file path=customXml/itemProps2.xml><?xml version="1.0" encoding="utf-8"?>
 <ds:datastoreItem xmlns:ds="http://schemas.openxmlformats.org/officeDocument/2006/customXml" ds:itemID="{41BC18E0-614B-4152-A3EE-8AA2B60C721E}">
   <ds:schemaRefs>
     <ds:schemaRef ds:uri="http://schemas.microsoft.com/office/2006/metadata/contentType"/>
@@ -14883,6 +15451,22 @@
 </ds:datastoreItem>
 </file>
 
+<file path=customXml/itemProps2.xml><?xml version="1.0" encoding="utf-8"?>
+<ds:datastoreItem xmlns:ds="http://schemas.openxmlformats.org/officeDocument/2006/customXml" ds:itemID="{45076977-ECB7-44C2-A70D-853BB6B41242}">
+  <ds:schemaRefs>
+    <ds:schemaRef ds:uri="http://schemas.openxmlformats.org/package/2006/metadata/core-properties"/>
+    <ds:schemaRef ds:uri="http://schemas.microsoft.com/office/2006/documentManagement/types"/>
+    <ds:schemaRef ds:uri="http://schemas.microsoft.com/office/infopath/2007/PartnerControls"/>
+    <ds:schemaRef ds:uri="http://purl.org/dc/elements/1.1/"/>
+    <ds:schemaRef ds:uri="http://schemas.microsoft.com/office/2006/metadata/properties"/>
+    <ds:schemaRef ds:uri="http://purl.org/dc/terms/"/>
+    <ds:schemaRef ds:uri="4873beb7-5857-4685-be1f-d57550cc96cc"/>
+    <ds:schemaRef ds:uri="http://www.w3.org/XML/1998/namespace"/>
+    <ds:schemaRef ds:uri="http://purl.org/dc/dcmitype/"/>
+  </ds:schemaRefs>
+</ds:datastoreItem>
+</file>
+
 <file path=customXml/itemProps3.xml><?xml version="1.0" encoding="utf-8"?>
 <ds:datastoreItem xmlns:ds="http://schemas.openxmlformats.org/officeDocument/2006/customXml" ds:itemID="{0A765CE0-A8A0-42E0-82D2-3F870DB4D5F7}">
   <ds:schemaRefs>

--- a/TEAM2020.pptx
+++ b/TEAM2020.pptx
@@ -32,7 +32,7 @@
   <p:notesSz cx="6858000" cy="9144000"/>
   <p:defaultTextStyle>
     <a:defPPr rtl="0">
-      <a:defRPr lang="ja-jp"/>
+      <a:defRPr lang="ja-JP"/>
     </a:defPPr>
     <a:lvl1pPr marL="0" algn="l" defTabSz="1218987" rtl="0" eaLnBrk="1" latinLnBrk="0" hangingPunct="1">
       <a:defRPr sz="2400" kern="1200">
@@ -7577,7 +7577,7 @@
           <p:cNvPr id="4" name="テキスト ボックス 3">
             <a:extLst>
               <a:ext uri="{FF2B5EF4-FFF2-40B4-BE49-F238E27FC236}">
-                <a16:creationId xmlns:a16="http://schemas.microsoft.com/office/drawing/2014/main" id="{115DCFF0-F784-4DDD-A222-FC147D2272EF}"/>
+                <a16:creationId xmlns:a16="http://schemas.microsoft.com/office/drawing/2014/main" xmlns="" id="{115DCFF0-F784-4DDD-A222-FC147D2272EF}"/>
               </a:ext>
             </a:extLst>
           </p:cNvPr>
@@ -7651,6 +7651,13 @@
       </p:transition>
     </mc:Fallback>
   </mc:AlternateContent>
+  <p:timing>
+    <p:tnLst>
+      <p:par>
+        <p:cTn id="1" dur="indefinite" restart="never" nodeType="tmRoot"/>
+      </p:par>
+    </p:tnLst>
+  </p:timing>
 </p:sld>
 </file>
 
@@ -7683,7 +7690,7 @@
         </p:nvSpPr>
         <p:spPr>
           <a:xfrm>
-            <a:off x="2494012" y="1412776"/>
+            <a:off x="2259987" y="1412776"/>
             <a:ext cx="7668852" cy="1152128"/>
           </a:xfrm>
         </p:spPr>
@@ -7699,7 +7706,14 @@
                 <a:latin typeface="Brush Script MT" panose="03060802040406070304" pitchFamily="66" charset="0"/>
                 <a:sym typeface="ＭＳ Ｐ明朝" panose="02020600040205080304" pitchFamily="18" charset="-128"/>
               </a:rPr>
-              <a:t>        4:   </a:t>
+              <a:t>        4</a:t>
+            </a:r>
+            <a:r>
+              <a:rPr lang="en-US" altLang="ja-JP" sz="7200" dirty="0" smtClean="0">
+                <a:latin typeface="Brush Script MT" panose="03060802040406070304" pitchFamily="66" charset="0"/>
+                <a:sym typeface="ＭＳ Ｐ明朝" panose="02020600040205080304" pitchFamily="18" charset="-128"/>
+              </a:rPr>
+              <a:t>: </a:t>
             </a:r>
             <a:r>
               <a:rPr lang="en-US" altLang="ja-JP" sz="7200" dirty="0">
@@ -7714,6 +7728,13 @@
                 <a:sym typeface="ＭＳ Ｐ明朝" panose="02020600040205080304" pitchFamily="18" charset="-128"/>
               </a:rPr>
             </a:br>
+            <a:r>
+              <a:rPr lang="en-US" altLang="ja-JP" sz="7200" dirty="0">
+                <a:latin typeface="DK Face Your Fears" panose="000907010108010A0105" pitchFamily="18" charset="0"/>
+                <a:sym typeface="ＭＳ Ｐ明朝" panose="02020600040205080304" pitchFamily="18" charset="-128"/>
+              </a:rPr>
+              <a:t/>
+            </a:r>
             <a:br>
               <a:rPr lang="en-US" altLang="ja-JP" sz="7200" dirty="0">
                 <a:latin typeface="DK Face Your Fears" panose="000907010108010A0105" pitchFamily="18" charset="0"/>
@@ -7752,7 +7773,7 @@
           <p:cNvPr id="7" name="テキスト ボックス 6">
             <a:extLst>
               <a:ext uri="{FF2B5EF4-FFF2-40B4-BE49-F238E27FC236}">
-                <a16:creationId xmlns:a16="http://schemas.microsoft.com/office/drawing/2014/main" id="{007F6989-FD92-4B89-B7F8-9B4E0DE798BE}"/>
+                <a16:creationId xmlns:a16="http://schemas.microsoft.com/office/drawing/2014/main" xmlns="" id="{007F6989-FD92-4B89-B7F8-9B4E0DE798BE}"/>
               </a:ext>
             </a:extLst>
           </p:cNvPr>
@@ -7928,7 +7949,7 @@
           <p:cNvPr id="3" name="テキスト ボックス 2">
             <a:extLst>
               <a:ext uri="{FF2B5EF4-FFF2-40B4-BE49-F238E27FC236}">
-                <a16:creationId xmlns:a16="http://schemas.microsoft.com/office/drawing/2014/main" id="{4C6D6350-FA0B-468D-A0CC-27B245628968}"/>
+                <a16:creationId xmlns:a16="http://schemas.microsoft.com/office/drawing/2014/main" xmlns="" id="{4C6D6350-FA0B-468D-A0CC-27B245628968}"/>
               </a:ext>
             </a:extLst>
           </p:cNvPr>
@@ -7985,6 +8006,13 @@
       </p:transition>
     </mc:Fallback>
   </mc:AlternateContent>
+  <p:timing>
+    <p:tnLst>
+      <p:par>
+        <p:cTn id="1" dur="indefinite" restart="never" nodeType="tmRoot"/>
+      </p:par>
+    </p:tnLst>
+  </p:timing>
 </p:sld>
 </file>
 
@@ -8048,6 +8076,13 @@
                 <a:sym typeface="ＭＳ Ｐ明朝" panose="02020600040205080304" pitchFamily="18" charset="-128"/>
               </a:rPr>
             </a:br>
+            <a:r>
+              <a:rPr lang="en-US" altLang="ja-JP" sz="7200" dirty="0">
+                <a:latin typeface="DK Face Your Fears" panose="000907010108010A0105" pitchFamily="18" charset="0"/>
+                <a:sym typeface="ＭＳ Ｐ明朝" panose="02020600040205080304" pitchFamily="18" charset="-128"/>
+              </a:rPr>
+              <a:t/>
+            </a:r>
             <a:br>
               <a:rPr lang="en-US" altLang="ja-JP" sz="7200" dirty="0">
                 <a:latin typeface="DK Face Your Fears" panose="000907010108010A0105" pitchFamily="18" charset="0"/>
@@ -8086,7 +8121,7 @@
           <p:cNvPr id="7" name="テキスト ボックス 6">
             <a:extLst>
               <a:ext uri="{FF2B5EF4-FFF2-40B4-BE49-F238E27FC236}">
-                <a16:creationId xmlns:a16="http://schemas.microsoft.com/office/drawing/2014/main" id="{007F6989-FD92-4B89-B7F8-9B4E0DE798BE}"/>
+                <a16:creationId xmlns:a16="http://schemas.microsoft.com/office/drawing/2014/main" xmlns="" id="{007F6989-FD92-4B89-B7F8-9B4E0DE798BE}"/>
               </a:ext>
             </a:extLst>
           </p:cNvPr>
@@ -8257,6 +8292,13 @@
       </p:transition>
     </mc:Fallback>
   </mc:AlternateContent>
+  <p:timing>
+    <p:tnLst>
+      <p:par>
+        <p:cTn id="1" dur="indefinite" restart="never" nodeType="tmRoot"/>
+      </p:par>
+    </p:tnLst>
+  </p:timing>
 </p:sld>
 </file>
 
@@ -8320,6 +8362,13 @@
                 <a:sym typeface="ＭＳ Ｐ明朝" panose="02020600040205080304" pitchFamily="18" charset="-128"/>
               </a:rPr>
             </a:br>
+            <a:r>
+              <a:rPr lang="en-US" altLang="ja-JP" sz="7200" dirty="0">
+                <a:latin typeface="DK Face Your Fears" panose="000907010108010A0105" pitchFamily="18" charset="0"/>
+                <a:sym typeface="ＭＳ Ｐ明朝" panose="02020600040205080304" pitchFamily="18" charset="-128"/>
+              </a:rPr>
+              <a:t/>
+            </a:r>
             <a:br>
               <a:rPr lang="en-US" altLang="ja-JP" sz="7200" dirty="0">
                 <a:latin typeface="DK Face Your Fears" panose="000907010108010A0105" pitchFamily="18" charset="0"/>
@@ -8358,7 +8407,7 @@
           <p:cNvPr id="7" name="テキスト ボックス 6">
             <a:extLst>
               <a:ext uri="{FF2B5EF4-FFF2-40B4-BE49-F238E27FC236}">
-                <a16:creationId xmlns:a16="http://schemas.microsoft.com/office/drawing/2014/main" id="{007F6989-FD92-4B89-B7F8-9B4E0DE798BE}"/>
+                <a16:creationId xmlns:a16="http://schemas.microsoft.com/office/drawing/2014/main" xmlns="" id="{007F6989-FD92-4B89-B7F8-9B4E0DE798BE}"/>
               </a:ext>
             </a:extLst>
           </p:cNvPr>
@@ -8418,6 +8467,13 @@
       </p:transition>
     </mc:Fallback>
   </mc:AlternateContent>
+  <p:timing>
+    <p:tnLst>
+      <p:par>
+        <p:cTn id="1" dur="indefinite" restart="never" nodeType="tmRoot"/>
+      </p:par>
+    </p:tnLst>
+  </p:timing>
 </p:sld>
 </file>
 
@@ -8450,7 +8506,7 @@
         </p:nvSpPr>
         <p:spPr>
           <a:xfrm>
-            <a:off x="2259986" y="1456422"/>
+            <a:off x="2259987" y="1340768"/>
             <a:ext cx="7668852" cy="1152128"/>
           </a:xfrm>
         </p:spPr>
@@ -8481,6 +8537,13 @@
                 <a:sym typeface="ＭＳ Ｐ明朝" panose="02020600040205080304" pitchFamily="18" charset="-128"/>
               </a:rPr>
             </a:br>
+            <a:r>
+              <a:rPr lang="en-US" altLang="ja-JP" sz="7200" dirty="0">
+                <a:latin typeface="DK Face Your Fears" panose="000907010108010A0105" pitchFamily="18" charset="0"/>
+                <a:sym typeface="ＭＳ Ｐ明朝" panose="02020600040205080304" pitchFamily="18" charset="-128"/>
+              </a:rPr>
+              <a:t/>
+            </a:r>
             <a:br>
               <a:rPr lang="en-US" altLang="ja-JP" sz="7200" dirty="0">
                 <a:latin typeface="DK Face Your Fears" panose="000907010108010A0105" pitchFamily="18" charset="0"/>
@@ -8519,7 +8582,7 @@
           <p:cNvPr id="7" name="テキスト ボックス 6">
             <a:extLst>
               <a:ext uri="{FF2B5EF4-FFF2-40B4-BE49-F238E27FC236}">
-                <a16:creationId xmlns:a16="http://schemas.microsoft.com/office/drawing/2014/main" id="{007F6989-FD92-4B89-B7F8-9B4E0DE798BE}"/>
+                <a16:creationId xmlns:a16="http://schemas.microsoft.com/office/drawing/2014/main" xmlns="" id="{007F6989-FD92-4B89-B7F8-9B4E0DE798BE}"/>
               </a:ext>
             </a:extLst>
           </p:cNvPr>
@@ -8732,6 +8795,13 @@
       </p:transition>
     </mc:Fallback>
   </mc:AlternateContent>
+  <p:timing>
+    <p:tnLst>
+      <p:par>
+        <p:cTn id="1" dur="indefinite" restart="never" nodeType="tmRoot"/>
+      </p:par>
+    </p:tnLst>
+  </p:timing>
 </p:sld>
 </file>
 
@@ -8764,7 +8834,7 @@
         </p:nvSpPr>
         <p:spPr>
           <a:xfrm>
-            <a:off x="2205980" y="1456422"/>
+            <a:off x="2259987" y="1432284"/>
             <a:ext cx="7668852" cy="1152128"/>
           </a:xfrm>
         </p:spPr>
@@ -8795,6 +8865,13 @@
                 <a:sym typeface="ＭＳ Ｐ明朝" panose="02020600040205080304" pitchFamily="18" charset="-128"/>
               </a:rPr>
             </a:br>
+            <a:r>
+              <a:rPr lang="en-US" altLang="ja-JP" sz="7200" dirty="0">
+                <a:latin typeface="DK Face Your Fears" panose="000907010108010A0105" pitchFamily="18" charset="0"/>
+                <a:sym typeface="ＭＳ Ｐ明朝" panose="02020600040205080304" pitchFamily="18" charset="-128"/>
+              </a:rPr>
+              <a:t/>
+            </a:r>
             <a:br>
               <a:rPr lang="en-US" altLang="ja-JP" sz="7200" dirty="0">
                 <a:latin typeface="DK Face Your Fears" panose="000907010108010A0105" pitchFamily="18" charset="0"/>
@@ -8830,7 +8907,7 @@
           <p:cNvPr id="7" name="テキスト ボックス 6">
             <a:extLst>
               <a:ext uri="{FF2B5EF4-FFF2-40B4-BE49-F238E27FC236}">
-                <a16:creationId xmlns:a16="http://schemas.microsoft.com/office/drawing/2014/main" id="{007F6989-FD92-4B89-B7F8-9B4E0DE798BE}"/>
+                <a16:creationId xmlns:a16="http://schemas.microsoft.com/office/drawing/2014/main" xmlns="" id="{007F6989-FD92-4B89-B7F8-9B4E0DE798BE}"/>
               </a:ext>
             </a:extLst>
           </p:cNvPr>
@@ -9037,6 +9114,13 @@
       </p:transition>
     </mc:Fallback>
   </mc:AlternateContent>
+  <p:timing>
+    <p:tnLst>
+      <p:par>
+        <p:cTn id="1" dur="indefinite" restart="never" nodeType="tmRoot"/>
+      </p:par>
+    </p:tnLst>
+  </p:timing>
 </p:sld>
 </file>
 
@@ -9062,7 +9146,7 @@
           <p:cNvPr id="2" name="テキスト ボックス 1">
             <a:extLst>
               <a:ext uri="{FF2B5EF4-FFF2-40B4-BE49-F238E27FC236}">
-                <a16:creationId xmlns:a16="http://schemas.microsoft.com/office/drawing/2014/main" id="{4CE22599-8A41-41DE-BED3-21BE7B0FCB81}"/>
+                <a16:creationId xmlns:a16="http://schemas.microsoft.com/office/drawing/2014/main" xmlns="" id="{4CE22599-8A41-41DE-BED3-21BE7B0FCB81}"/>
               </a:ext>
             </a:extLst>
           </p:cNvPr>
@@ -9110,7 +9194,7 @@
           <p:cNvPr id="3" name="テキスト ボックス 2">
             <a:extLst>
               <a:ext uri="{FF2B5EF4-FFF2-40B4-BE49-F238E27FC236}">
-                <a16:creationId xmlns:a16="http://schemas.microsoft.com/office/drawing/2014/main" id="{17D9965A-5243-41F6-AB49-D319A565BF80}"/>
+                <a16:creationId xmlns:a16="http://schemas.microsoft.com/office/drawing/2014/main" xmlns="" id="{17D9965A-5243-41F6-AB49-D319A565BF80}"/>
               </a:ext>
             </a:extLst>
           </p:cNvPr>
@@ -9425,6 +9509,13 @@
       </p:transition>
     </mc:Fallback>
   </mc:AlternateContent>
+  <p:timing>
+    <p:tnLst>
+      <p:par>
+        <p:cTn id="1" dur="indefinite" restart="never" nodeType="tmRoot"/>
+      </p:par>
+    </p:tnLst>
+  </p:timing>
 </p:sld>
 </file>
 
@@ -9450,7 +9541,7 @@
           <p:cNvPr id="3" name="テキスト ボックス 2">
             <a:extLst>
               <a:ext uri="{FF2B5EF4-FFF2-40B4-BE49-F238E27FC236}">
-                <a16:creationId xmlns:a16="http://schemas.microsoft.com/office/drawing/2014/main" id="{2C9D65FA-22BD-401E-A403-FBC5D282AC3E}"/>
+                <a16:creationId xmlns:a16="http://schemas.microsoft.com/office/drawing/2014/main" xmlns="" id="{2C9D65FA-22BD-401E-A403-FBC5D282AC3E}"/>
               </a:ext>
             </a:extLst>
           </p:cNvPr>
@@ -9497,7 +9588,7 @@
           <p:cNvPr id="6" name="テキスト ボックス 5">
             <a:extLst>
               <a:ext uri="{FF2B5EF4-FFF2-40B4-BE49-F238E27FC236}">
-                <a16:creationId xmlns:a16="http://schemas.microsoft.com/office/drawing/2014/main" id="{95168986-1F3F-4070-ADA7-8DBB84FF2265}"/>
+                <a16:creationId xmlns:a16="http://schemas.microsoft.com/office/drawing/2014/main" xmlns="" id="{95168986-1F3F-4070-ADA7-8DBB84FF2265}"/>
               </a:ext>
             </a:extLst>
           </p:cNvPr>
@@ -9622,6 +9713,13 @@
       </p:transition>
     </mc:Fallback>
   </mc:AlternateContent>
+  <p:timing>
+    <p:tnLst>
+      <p:par>
+        <p:cTn id="1" dur="indefinite" restart="never" nodeType="tmRoot"/>
+      </p:par>
+    </p:tnLst>
+  </p:timing>
 </p:sld>
 </file>
 
@@ -9647,7 +9745,7 @@
           <p:cNvPr id="37" name="正方形/長方形 36">
             <a:extLst>
               <a:ext uri="{FF2B5EF4-FFF2-40B4-BE49-F238E27FC236}">
-                <a16:creationId xmlns:a16="http://schemas.microsoft.com/office/drawing/2014/main" id="{B21F044B-6CA3-41CF-89BB-6A5E477E4C83}"/>
+                <a16:creationId xmlns:a16="http://schemas.microsoft.com/office/drawing/2014/main" xmlns="" id="{B21F044B-6CA3-41CF-89BB-6A5E477E4C83}"/>
               </a:ext>
             </a:extLst>
           </p:cNvPr>
@@ -9744,7 +9842,7 @@
           <p:cNvPr id="9" name="正方形/長方形 8">
             <a:extLst>
               <a:ext uri="{FF2B5EF4-FFF2-40B4-BE49-F238E27FC236}">
-                <a16:creationId xmlns:a16="http://schemas.microsoft.com/office/drawing/2014/main" id="{D0CD292B-3638-4D57-9015-A4FDFBEC0809}"/>
+                <a16:creationId xmlns:a16="http://schemas.microsoft.com/office/drawing/2014/main" xmlns="" id="{D0CD292B-3638-4D57-9015-A4FDFBEC0809}"/>
               </a:ext>
             </a:extLst>
           </p:cNvPr>
@@ -9808,7 +9906,7 @@
           <p:cNvPr id="15" name="直線コネクタ 14">
             <a:extLst>
               <a:ext uri="{FF2B5EF4-FFF2-40B4-BE49-F238E27FC236}">
-                <a16:creationId xmlns:a16="http://schemas.microsoft.com/office/drawing/2014/main" id="{44B334BE-5B53-4115-A07C-93BE08D70E71}"/>
+                <a16:creationId xmlns:a16="http://schemas.microsoft.com/office/drawing/2014/main" xmlns="" id="{44B334BE-5B53-4115-A07C-93BE08D70E71}"/>
               </a:ext>
             </a:extLst>
           </p:cNvPr>
@@ -9849,7 +9947,7 @@
           <p:cNvPr id="17" name="直線矢印コネクタ 16">
             <a:extLst>
               <a:ext uri="{FF2B5EF4-FFF2-40B4-BE49-F238E27FC236}">
-                <a16:creationId xmlns:a16="http://schemas.microsoft.com/office/drawing/2014/main" id="{118A44F9-CEB5-40CE-8D4D-78957B8FB5AA}"/>
+                <a16:creationId xmlns:a16="http://schemas.microsoft.com/office/drawing/2014/main" xmlns="" id="{118A44F9-CEB5-40CE-8D4D-78957B8FB5AA}"/>
               </a:ext>
             </a:extLst>
           </p:cNvPr>
@@ -9891,7 +9989,7 @@
           <p:cNvPr id="18" name="正方形/長方形 17">
             <a:extLst>
               <a:ext uri="{FF2B5EF4-FFF2-40B4-BE49-F238E27FC236}">
-                <a16:creationId xmlns:a16="http://schemas.microsoft.com/office/drawing/2014/main" id="{1CBCD2C1-9126-4D10-A481-447BECFF9C62}"/>
+                <a16:creationId xmlns:a16="http://schemas.microsoft.com/office/drawing/2014/main" xmlns="" id="{1CBCD2C1-9126-4D10-A481-447BECFF9C62}"/>
               </a:ext>
             </a:extLst>
           </p:cNvPr>
@@ -9996,7 +10094,7 @@
           <p:cNvPr id="24" name="矢印: 右 23">
             <a:extLst>
               <a:ext uri="{FF2B5EF4-FFF2-40B4-BE49-F238E27FC236}">
-                <a16:creationId xmlns:a16="http://schemas.microsoft.com/office/drawing/2014/main" id="{9F974D64-2E14-459C-91FB-2DB7A50B607E}"/>
+                <a16:creationId xmlns:a16="http://schemas.microsoft.com/office/drawing/2014/main" xmlns="" id="{9F974D64-2E14-459C-91FB-2DB7A50B607E}"/>
               </a:ext>
             </a:extLst>
           </p:cNvPr>
@@ -10049,7 +10147,7 @@
           <p:cNvPr id="25" name="矢印: 右 24">
             <a:extLst>
               <a:ext uri="{FF2B5EF4-FFF2-40B4-BE49-F238E27FC236}">
-                <a16:creationId xmlns:a16="http://schemas.microsoft.com/office/drawing/2014/main" id="{200120B7-2A94-4E60-9A14-5F7C01E6FDBE}"/>
+                <a16:creationId xmlns:a16="http://schemas.microsoft.com/office/drawing/2014/main" xmlns="" id="{200120B7-2A94-4E60-9A14-5F7C01E6FDBE}"/>
               </a:ext>
             </a:extLst>
           </p:cNvPr>
@@ -10099,7 +10197,7 @@
           <p:cNvPr id="26" name="テキスト ボックス 25">
             <a:extLst>
               <a:ext uri="{FF2B5EF4-FFF2-40B4-BE49-F238E27FC236}">
-                <a16:creationId xmlns:a16="http://schemas.microsoft.com/office/drawing/2014/main" id="{758CB738-131B-4C03-92D9-B52F16250A31}"/>
+                <a16:creationId xmlns:a16="http://schemas.microsoft.com/office/drawing/2014/main" xmlns="" id="{758CB738-131B-4C03-92D9-B52F16250A31}"/>
               </a:ext>
             </a:extLst>
           </p:cNvPr>
@@ -10142,7 +10240,7 @@
           <p:cNvPr id="28" name="テキスト ボックス 27">
             <a:extLst>
               <a:ext uri="{FF2B5EF4-FFF2-40B4-BE49-F238E27FC236}">
-                <a16:creationId xmlns:a16="http://schemas.microsoft.com/office/drawing/2014/main" id="{A476408E-134D-4AEB-8E6F-AB1324314878}"/>
+                <a16:creationId xmlns:a16="http://schemas.microsoft.com/office/drawing/2014/main" xmlns="" id="{A476408E-134D-4AEB-8E6F-AB1324314878}"/>
               </a:ext>
             </a:extLst>
           </p:cNvPr>
@@ -10185,7 +10283,7 @@
           <p:cNvPr id="30" name="正方形/長方形 29">
             <a:extLst>
               <a:ext uri="{FF2B5EF4-FFF2-40B4-BE49-F238E27FC236}">
-                <a16:creationId xmlns:a16="http://schemas.microsoft.com/office/drawing/2014/main" id="{2B074B88-AEF8-4A53-9F91-9DFD66AEBA93}"/>
+                <a16:creationId xmlns:a16="http://schemas.microsoft.com/office/drawing/2014/main" xmlns="" id="{2B074B88-AEF8-4A53-9F91-9DFD66AEBA93}"/>
               </a:ext>
             </a:extLst>
           </p:cNvPr>
@@ -10247,7 +10345,7 @@
           <p:cNvPr id="33" name="正方形/長方形 32">
             <a:extLst>
               <a:ext uri="{FF2B5EF4-FFF2-40B4-BE49-F238E27FC236}">
-                <a16:creationId xmlns:a16="http://schemas.microsoft.com/office/drawing/2014/main" id="{4F2DEEAD-6212-4113-9712-A9CB8F30E883}"/>
+                <a16:creationId xmlns:a16="http://schemas.microsoft.com/office/drawing/2014/main" xmlns="" id="{4F2DEEAD-6212-4113-9712-A9CB8F30E883}"/>
               </a:ext>
             </a:extLst>
           </p:cNvPr>
@@ -10317,7 +10415,7 @@
           <p:cNvPr id="34" name="テキスト ボックス 33">
             <a:extLst>
               <a:ext uri="{FF2B5EF4-FFF2-40B4-BE49-F238E27FC236}">
-                <a16:creationId xmlns:a16="http://schemas.microsoft.com/office/drawing/2014/main" id="{879E4FFE-A8AF-4D5B-B724-1A2C1814FAF7}"/>
+                <a16:creationId xmlns:a16="http://schemas.microsoft.com/office/drawing/2014/main" xmlns="" id="{879E4FFE-A8AF-4D5B-B724-1A2C1814FAF7}"/>
               </a:ext>
             </a:extLst>
           </p:cNvPr>
@@ -10357,7 +10455,7 @@
           <p:cNvPr id="41" name="テキスト ボックス 40">
             <a:extLst>
               <a:ext uri="{FF2B5EF4-FFF2-40B4-BE49-F238E27FC236}">
-                <a16:creationId xmlns:a16="http://schemas.microsoft.com/office/drawing/2014/main" id="{AFC35099-B398-40F8-9122-44E08F3B2FC3}"/>
+                <a16:creationId xmlns:a16="http://schemas.microsoft.com/office/drawing/2014/main" xmlns="" id="{AFC35099-B398-40F8-9122-44E08F3B2FC3}"/>
               </a:ext>
             </a:extLst>
           </p:cNvPr>
@@ -10402,7 +10500,7 @@
           <p:cNvPr id="5" name="テキスト ボックス 4">
             <a:extLst>
               <a:ext uri="{FF2B5EF4-FFF2-40B4-BE49-F238E27FC236}">
-                <a16:creationId xmlns:a16="http://schemas.microsoft.com/office/drawing/2014/main" id="{0809EFE7-538E-446D-AC4A-8F0FDD0CF083}"/>
+                <a16:creationId xmlns:a16="http://schemas.microsoft.com/office/drawing/2014/main" xmlns="" id="{0809EFE7-538E-446D-AC4A-8F0FDD0CF083}"/>
               </a:ext>
             </a:extLst>
           </p:cNvPr>
@@ -10463,7 +10561,7 @@
           <p:cNvPr id="19" name="矢印: 右 18">
             <a:extLst>
               <a:ext uri="{FF2B5EF4-FFF2-40B4-BE49-F238E27FC236}">
-                <a16:creationId xmlns:a16="http://schemas.microsoft.com/office/drawing/2014/main" id="{78316B13-B2A0-4FC0-B415-CE8F5CB6982E}"/>
+                <a16:creationId xmlns:a16="http://schemas.microsoft.com/office/drawing/2014/main" xmlns="" id="{78316B13-B2A0-4FC0-B415-CE8F5CB6982E}"/>
               </a:ext>
             </a:extLst>
           </p:cNvPr>
@@ -10516,7 +10614,7 @@
           <p:cNvPr id="7" name="テキスト ボックス 6">
             <a:extLst>
               <a:ext uri="{FF2B5EF4-FFF2-40B4-BE49-F238E27FC236}">
-                <a16:creationId xmlns:a16="http://schemas.microsoft.com/office/drawing/2014/main" id="{756BFCB4-43D3-4132-8130-BA86C97B6D4F}"/>
+                <a16:creationId xmlns:a16="http://schemas.microsoft.com/office/drawing/2014/main" xmlns="" id="{756BFCB4-43D3-4132-8130-BA86C97B6D4F}"/>
               </a:ext>
             </a:extLst>
           </p:cNvPr>
@@ -10590,7 +10688,7 @@
           <p:cNvPr id="8" name="矢印: 下 7">
             <a:extLst>
               <a:ext uri="{FF2B5EF4-FFF2-40B4-BE49-F238E27FC236}">
-                <a16:creationId xmlns:a16="http://schemas.microsoft.com/office/drawing/2014/main" id="{324F086E-3A36-46D3-B25F-87AAADD04788}"/>
+                <a16:creationId xmlns:a16="http://schemas.microsoft.com/office/drawing/2014/main" xmlns="" id="{324F086E-3A36-46D3-B25F-87AAADD04788}"/>
               </a:ext>
             </a:extLst>
           </p:cNvPr>
@@ -10646,7 +10744,7 @@
           <p:cNvPr id="10" name="テキスト ボックス 9">
             <a:extLst>
               <a:ext uri="{FF2B5EF4-FFF2-40B4-BE49-F238E27FC236}">
-                <a16:creationId xmlns:a16="http://schemas.microsoft.com/office/drawing/2014/main" id="{31BC3AEF-9519-4C1E-8699-9E96F2A1A645}"/>
+                <a16:creationId xmlns:a16="http://schemas.microsoft.com/office/drawing/2014/main" xmlns="" id="{31BC3AEF-9519-4C1E-8699-9E96F2A1A645}"/>
               </a:ext>
             </a:extLst>
           </p:cNvPr>
@@ -10706,7 +10804,7 @@
           <p:cNvPr id="27" name="矢印: 右 26">
             <a:extLst>
               <a:ext uri="{FF2B5EF4-FFF2-40B4-BE49-F238E27FC236}">
-                <a16:creationId xmlns:a16="http://schemas.microsoft.com/office/drawing/2014/main" id="{1D6F1ECE-ECFD-4F65-B91A-A7679467A5DF}"/>
+                <a16:creationId xmlns:a16="http://schemas.microsoft.com/office/drawing/2014/main" xmlns="" id="{1D6F1ECE-ECFD-4F65-B91A-A7679467A5DF}"/>
               </a:ext>
             </a:extLst>
           </p:cNvPr>
@@ -10759,7 +10857,7 @@
           <p:cNvPr id="11" name="テキスト ボックス 10">
             <a:extLst>
               <a:ext uri="{FF2B5EF4-FFF2-40B4-BE49-F238E27FC236}">
-                <a16:creationId xmlns:a16="http://schemas.microsoft.com/office/drawing/2014/main" id="{36065721-7646-467A-AB01-D225A8D4DF4B}"/>
+                <a16:creationId xmlns:a16="http://schemas.microsoft.com/office/drawing/2014/main" xmlns="" id="{36065721-7646-467A-AB01-D225A8D4DF4B}"/>
               </a:ext>
             </a:extLst>
           </p:cNvPr>
@@ -10826,6 +10924,13 @@
       </p:transition>
     </mc:Fallback>
   </mc:AlternateContent>
+  <p:timing>
+    <p:tnLst>
+      <p:par>
+        <p:cTn id="1" dur="indefinite" restart="never" nodeType="tmRoot"/>
+      </p:par>
+    </p:tnLst>
+  </p:timing>
 </p:sld>
 </file>
 
@@ -10903,7 +11008,7 @@
           <p:cNvPr id="4" name="コンテンツ プレースホルダー 3">
             <a:extLst>
               <a:ext uri="{FF2B5EF4-FFF2-40B4-BE49-F238E27FC236}">
-                <a16:creationId xmlns:a16="http://schemas.microsoft.com/office/drawing/2014/main" id="{FDA85A48-A83F-494C-9B68-E945C1BA58E8}"/>
+                <a16:creationId xmlns:a16="http://schemas.microsoft.com/office/drawing/2014/main" xmlns="" id="{FDA85A48-A83F-494C-9B68-E945C1BA58E8}"/>
               </a:ext>
             </a:extLst>
           </p:cNvPr>
@@ -11150,6 +11255,13 @@
       </p:transition>
     </mc:Fallback>
   </mc:AlternateContent>
+  <p:timing>
+    <p:tnLst>
+      <p:par>
+        <p:cTn id="1" dur="indefinite" restart="never" nodeType="tmRoot"/>
+      </p:par>
+    </p:tnLst>
+  </p:timing>
 </p:sld>
 </file>
 
@@ -11182,7 +11294,7 @@
         </p:nvSpPr>
         <p:spPr>
           <a:xfrm>
-            <a:off x="1197868" y="1417712"/>
+            <a:off x="837828" y="1340768"/>
             <a:ext cx="10360501" cy="1219200"/>
           </a:xfrm>
         </p:spPr>
@@ -11212,7 +11324,27 @@
                 <a:latin typeface="DK Face Your Fears" panose="000907010108010A0105" pitchFamily="18" charset="0"/>
                 <a:sym typeface="ＭＳ Ｐ明朝" panose="02020600040205080304" pitchFamily="18" charset="-128"/>
               </a:rPr>
-              <a:t>PLAYER and ENEMY</a:t>
+              <a:t>PLAYER and </a:t>
+            </a:r>
+            <a:r>
+              <a:rPr lang="en-US" altLang="ja-JP" sz="7200" dirty="0" smtClean="0">
+                <a:latin typeface="DK Face Your Fears" panose="000907010108010A0105" pitchFamily="18" charset="0"/>
+                <a:sym typeface="ＭＳ Ｐ明朝" panose="02020600040205080304" pitchFamily="18" charset="-128"/>
+              </a:rPr>
+              <a:t/>
+            </a:r>
+            <a:br>
+              <a:rPr lang="en-US" altLang="ja-JP" sz="7200" dirty="0" smtClean="0">
+                <a:latin typeface="DK Face Your Fears" panose="000907010108010A0105" pitchFamily="18" charset="0"/>
+                <a:sym typeface="ＭＳ Ｐ明朝" panose="02020600040205080304" pitchFamily="18" charset="-128"/>
+              </a:rPr>
+            </a:br>
+            <a:r>
+              <a:rPr lang="en-US" altLang="ja-JP" sz="7200" dirty="0">
+                <a:latin typeface="DK Face Your Fears" panose="000907010108010A0105" pitchFamily="18" charset="0"/>
+                <a:sym typeface="ＭＳ Ｐ明朝" panose="02020600040205080304" pitchFamily="18" charset="-128"/>
+              </a:rPr>
+              <a:t/>
             </a:r>
             <a:br>
               <a:rPr lang="en-US" altLang="ja-JP" sz="7200" dirty="0">
@@ -11220,6 +11352,20 @@
                 <a:sym typeface="ＭＳ Ｐ明朝" panose="02020600040205080304" pitchFamily="18" charset="-128"/>
               </a:rPr>
             </a:br>
+            <a:r>
+              <a:rPr lang="en-US" altLang="ja-JP" sz="7200" dirty="0" smtClean="0">
+                <a:latin typeface="DK Face Your Fears" panose="000907010108010A0105" pitchFamily="18" charset="0"/>
+                <a:sym typeface="ＭＳ Ｐ明朝" panose="02020600040205080304" pitchFamily="18" charset="-128"/>
+              </a:rPr>
+              <a:t>ENEMY</a:t>
+            </a:r>
+            <a:r>
+              <a:rPr lang="en-US" altLang="ja-JP" sz="7200" dirty="0">
+                <a:latin typeface="DK Face Your Fears" panose="000907010108010A0105" pitchFamily="18" charset="0"/>
+                <a:sym typeface="ＭＳ Ｐ明朝" panose="02020600040205080304" pitchFamily="18" charset="-128"/>
+              </a:rPr>
+              <a:t/>
+            </a:r>
             <a:br>
               <a:rPr lang="en-US" altLang="ja-JP" sz="7200" dirty="0">
                 <a:latin typeface="DK Face Your Fears" panose="000907010108010A0105" pitchFamily="18" charset="0"/>
@@ -11249,7 +11395,7 @@
           <p:cNvPr id="4" name="コンテンツ プレースホルダー 3">
             <a:extLst>
               <a:ext uri="{FF2B5EF4-FFF2-40B4-BE49-F238E27FC236}">
-                <a16:creationId xmlns:a16="http://schemas.microsoft.com/office/drawing/2014/main" id="{FDA85A48-A83F-494C-9B68-E945C1BA58E8}"/>
+                <a16:creationId xmlns:a16="http://schemas.microsoft.com/office/drawing/2014/main" xmlns="" id="{FDA85A48-A83F-494C-9B68-E945C1BA58E8}"/>
               </a:ext>
             </a:extLst>
           </p:cNvPr>
@@ -11359,6 +11505,13 @@
       </p:transition>
     </mc:Fallback>
   </mc:AlternateContent>
+  <p:timing>
+    <p:tnLst>
+      <p:par>
+        <p:cTn id="1" dur="indefinite" restart="never" nodeType="tmRoot"/>
+      </p:par>
+    </p:tnLst>
+  </p:timing>
 </p:sld>
 </file>
 
@@ -11429,6 +11582,13 @@
                 <a:sym typeface="ＭＳ Ｐ明朝" panose="02020600040205080304" pitchFamily="18" charset="-128"/>
               </a:rPr>
             </a:br>
+            <a:r>
+              <a:rPr lang="en-US" altLang="ja-JP" sz="7200" dirty="0">
+                <a:latin typeface="DK Face Your Fears" panose="000907010108010A0105" pitchFamily="18" charset="0"/>
+                <a:sym typeface="ＭＳ Ｐ明朝" panose="02020600040205080304" pitchFamily="18" charset="-128"/>
+              </a:rPr>
+              <a:t/>
+            </a:r>
             <a:br>
               <a:rPr lang="en-US" altLang="ja-JP" sz="7200" dirty="0">
                 <a:latin typeface="DK Face Your Fears" panose="000907010108010A0105" pitchFamily="18" charset="0"/>
@@ -11458,7 +11618,7 @@
           <p:cNvPr id="3" name="テキスト ボックス 2">
             <a:extLst>
               <a:ext uri="{FF2B5EF4-FFF2-40B4-BE49-F238E27FC236}">
-                <a16:creationId xmlns:a16="http://schemas.microsoft.com/office/drawing/2014/main" id="{484FF620-9A39-403E-B242-73D612F0151F}"/>
+                <a16:creationId xmlns:a16="http://schemas.microsoft.com/office/drawing/2014/main" xmlns="" id="{484FF620-9A39-403E-B242-73D612F0151F}"/>
               </a:ext>
             </a:extLst>
           </p:cNvPr>
@@ -11539,6 +11699,13 @@
       </p:transition>
     </mc:Fallback>
   </mc:AlternateContent>
+  <p:timing>
+    <p:tnLst>
+      <p:par>
+        <p:cTn id="1" dur="indefinite" restart="never" nodeType="tmRoot"/>
+      </p:par>
+    </p:tnLst>
+  </p:timing>
 </p:sld>
 </file>
 
@@ -11571,8 +11738,8 @@
         </p:nvSpPr>
         <p:spPr>
           <a:xfrm>
-            <a:off x="1413892" y="1340768"/>
-            <a:ext cx="10360501" cy="1219200"/>
+            <a:off x="1161864" y="0"/>
+            <a:ext cx="10360501" cy="2407146"/>
           </a:xfrm>
         </p:spPr>
         <p:txBody>
@@ -11587,14 +11754,68 @@
                 <a:latin typeface="Brush Script MT" panose="03060802040406070304" pitchFamily="66" charset="0"/>
                 <a:sym typeface="ＭＳ Ｐ明朝" panose="02020600040205080304" pitchFamily="18" charset="-128"/>
               </a:rPr>
-              <a:t>    3:   </a:t>
+              <a:t> </a:t>
+            </a:r>
+            <a:r>
+              <a:rPr lang="en-US" altLang="ja-JP" sz="7200" dirty="0" smtClean="0">
+                <a:latin typeface="Brush Script MT" panose="03060802040406070304" pitchFamily="66" charset="0"/>
+                <a:sym typeface="ＭＳ Ｐ明朝" panose="02020600040205080304" pitchFamily="18" charset="-128"/>
+              </a:rPr>
+              <a:t>   </a:t>
+            </a:r>
+            <a:r>
+              <a:rPr lang="en-US" altLang="ja-JP" sz="7200" dirty="0">
+                <a:latin typeface="Brush Script MT" panose="03060802040406070304" pitchFamily="66" charset="0"/>
+                <a:sym typeface="ＭＳ Ｐ明朝" panose="02020600040205080304" pitchFamily="18" charset="-128"/>
+              </a:rPr>
+              <a:t>3:   </a:t>
             </a:r>
             <a:r>
               <a:rPr lang="en-US" altLang="ja-JP" sz="7200" dirty="0">
                 <a:latin typeface="DK Face Your Fears" panose="000907010108010A0105" pitchFamily="18" charset="0"/>
                 <a:sym typeface="ＭＳ Ｐ明朝" panose="02020600040205080304" pitchFamily="18" charset="-128"/>
               </a:rPr>
-              <a:t>PLAYER AND ENEMY</a:t>
+              <a:t>PLAYER AND </a:t>
+            </a:r>
+            <a:r>
+              <a:rPr lang="en-US" altLang="ja-JP" sz="7200" dirty="0" smtClean="0">
+                <a:latin typeface="DK Face Your Fears" panose="000907010108010A0105" pitchFamily="18" charset="0"/>
+                <a:sym typeface="ＭＳ Ｐ明朝" panose="02020600040205080304" pitchFamily="18" charset="-128"/>
+              </a:rPr>
+              <a:t/>
+            </a:r>
+            <a:br>
+              <a:rPr lang="en-US" altLang="ja-JP" sz="7200" dirty="0" smtClean="0">
+                <a:latin typeface="DK Face Your Fears" panose="000907010108010A0105" pitchFamily="18" charset="0"/>
+                <a:sym typeface="ＭＳ Ｐ明朝" panose="02020600040205080304" pitchFamily="18" charset="-128"/>
+              </a:rPr>
+            </a:br>
+            <a:r>
+              <a:rPr lang="en-US" altLang="ja-JP" sz="7200" dirty="0" smtClean="0">
+                <a:latin typeface="DK Face Your Fears" panose="000907010108010A0105" pitchFamily="18" charset="0"/>
+                <a:sym typeface="ＭＳ Ｐ明朝" panose="02020600040205080304" pitchFamily="18" charset="-128"/>
+              </a:rPr>
+              <a:t/>
+            </a:r>
+            <a:br>
+              <a:rPr lang="en-US" altLang="ja-JP" sz="7200" dirty="0" smtClean="0">
+                <a:latin typeface="DK Face Your Fears" panose="000907010108010A0105" pitchFamily="18" charset="0"/>
+                <a:sym typeface="ＭＳ Ｐ明朝" panose="02020600040205080304" pitchFamily="18" charset="-128"/>
+              </a:rPr>
+            </a:br>
+            <a:r>
+              <a:rPr lang="en-US" altLang="ja-JP" sz="7200" dirty="0" smtClean="0">
+                <a:latin typeface="DK Face Your Fears" panose="000907010108010A0105" pitchFamily="18" charset="0"/>
+                <a:sym typeface="ＭＳ Ｐ明朝" panose="02020600040205080304" pitchFamily="18" charset="-128"/>
+              </a:rPr>
+              <a:t>ENEMY</a:t>
+            </a:r>
+            <a:r>
+              <a:rPr lang="en-US" altLang="ja-JP" sz="7200" dirty="0">
+                <a:latin typeface="DK Face Your Fears" panose="000907010108010A0105" pitchFamily="18" charset="0"/>
+                <a:sym typeface="ＭＳ Ｐ明朝" panose="02020600040205080304" pitchFamily="18" charset="-128"/>
+              </a:rPr>
+              <a:t/>
             </a:r>
             <a:br>
               <a:rPr lang="en-US" altLang="ja-JP" sz="7200" dirty="0">
@@ -11602,12 +11823,6 @@
                 <a:sym typeface="ＭＳ Ｐ明朝" panose="02020600040205080304" pitchFamily="18" charset="-128"/>
               </a:rPr>
             </a:br>
-            <a:br>
-              <a:rPr lang="en-US" altLang="ja-JP" sz="7200" dirty="0">
-                <a:latin typeface="DK Face Your Fears" panose="000907010108010A0105" pitchFamily="18" charset="0"/>
-                <a:sym typeface="ＭＳ Ｐ明朝" panose="02020600040205080304" pitchFamily="18" charset="-128"/>
-              </a:rPr>
-            </a:br>
             <a:r>
               <a:rPr lang="en-US" altLang="ja-JP" sz="6000" dirty="0">
                 <a:latin typeface="DK Face Your Fears" panose="000907010108010A0105" pitchFamily="18" charset="0"/>
@@ -11634,7 +11849,7 @@
           <p:cNvPr id="7" name="テキスト ボックス 6">
             <a:extLst>
               <a:ext uri="{FF2B5EF4-FFF2-40B4-BE49-F238E27FC236}">
-                <a16:creationId xmlns:a16="http://schemas.microsoft.com/office/drawing/2014/main" id="{CCC66221-7F5B-403B-AD92-CC1F84529C16}"/>
+                <a16:creationId xmlns:a16="http://schemas.microsoft.com/office/drawing/2014/main" xmlns="" id="{CCC66221-7F5B-403B-AD92-CC1F84529C16}"/>
               </a:ext>
             </a:extLst>
           </p:cNvPr>
@@ -11816,6 +12031,13 @@
       </p:transition>
     </mc:Fallback>
   </mc:AlternateContent>
+  <p:timing>
+    <p:tnLst>
+      <p:par>
+        <p:cTn id="1" dur="indefinite" restart="never" nodeType="tmRoot"/>
+      </p:par>
+    </p:tnLst>
+  </p:timing>
 </p:sld>
 </file>
 
@@ -11848,7 +12070,7 @@
         </p:nvSpPr>
         <p:spPr>
           <a:xfrm>
-            <a:off x="1218883" y="188640"/>
+            <a:off x="1230814" y="428291"/>
             <a:ext cx="9751060" cy="1992597"/>
           </a:xfrm>
         </p:spPr>
@@ -12143,6 +12365,13 @@
       </p:transition>
     </mc:Fallback>
   </mc:AlternateContent>
+  <p:timing>
+    <p:tnLst>
+      <p:par>
+        <p:cTn id="1" dur="indefinite" restart="never" nodeType="tmRoot"/>
+      </p:par>
+    </p:tnLst>
+  </p:timing>
 </p:sld>
 </file>
 
@@ -12168,7 +12397,7 @@
           <p:cNvPr id="8" name="四角形: 角を丸くする 7">
             <a:extLst>
               <a:ext uri="{FF2B5EF4-FFF2-40B4-BE49-F238E27FC236}">
-                <a16:creationId xmlns:a16="http://schemas.microsoft.com/office/drawing/2014/main" id="{6CBC0903-C767-4C35-B499-2CE0B6A6BBCB}"/>
+                <a16:creationId xmlns:a16="http://schemas.microsoft.com/office/drawing/2014/main" xmlns="" id="{6CBC0903-C767-4C35-B499-2CE0B6A6BBCB}"/>
               </a:ext>
             </a:extLst>
           </p:cNvPr>
@@ -12257,6 +12486,13 @@
                 <a:sym typeface="ＭＳ Ｐ明朝" panose="02020600040205080304" pitchFamily="18" charset="-128"/>
               </a:rPr>
             </a:br>
+            <a:r>
+              <a:rPr lang="en-US" altLang="ja-JP" sz="7200" dirty="0">
+                <a:latin typeface="DK Face Your Fears" panose="000907010108010A0105" pitchFamily="18" charset="0"/>
+                <a:sym typeface="ＭＳ Ｐ明朝" panose="02020600040205080304" pitchFamily="18" charset="-128"/>
+              </a:rPr>
+              <a:t/>
+            </a:r>
             <a:br>
               <a:rPr lang="en-US" altLang="ja-JP" sz="7200" dirty="0">
                 <a:latin typeface="DK Face Your Fears" panose="000907010108010A0105" pitchFamily="18" charset="0"/>
@@ -12297,7 +12533,7 @@
           <p:cNvPr id="7" name="テキスト ボックス 6">
             <a:extLst>
               <a:ext uri="{FF2B5EF4-FFF2-40B4-BE49-F238E27FC236}">
-                <a16:creationId xmlns:a16="http://schemas.microsoft.com/office/drawing/2014/main" id="{007F6989-FD92-4B89-B7F8-9B4E0DE798BE}"/>
+                <a16:creationId xmlns:a16="http://schemas.microsoft.com/office/drawing/2014/main" xmlns="" id="{007F6989-FD92-4B89-B7F8-9B4E0DE798BE}"/>
               </a:ext>
             </a:extLst>
           </p:cNvPr>
@@ -12451,7 +12687,7 @@
           <p:cNvPr id="4" name="図 3">
             <a:extLst>
               <a:ext uri="{FF2B5EF4-FFF2-40B4-BE49-F238E27FC236}">
-                <a16:creationId xmlns:a16="http://schemas.microsoft.com/office/drawing/2014/main" id="{61A540B1-CDC1-43B6-82AE-BF889405FD1F}"/>
+                <a16:creationId xmlns:a16="http://schemas.microsoft.com/office/drawing/2014/main" xmlns="" id="{61A540B1-CDC1-43B6-82AE-BF889405FD1F}"/>
               </a:ext>
             </a:extLst>
           </p:cNvPr>
@@ -12487,7 +12723,7 @@
           <p:cNvPr id="12" name="矢印: 右 11">
             <a:extLst>
               <a:ext uri="{FF2B5EF4-FFF2-40B4-BE49-F238E27FC236}">
-                <a16:creationId xmlns:a16="http://schemas.microsoft.com/office/drawing/2014/main" id="{86B31C1C-623A-430E-B069-69E1E647AF40}"/>
+                <a16:creationId xmlns:a16="http://schemas.microsoft.com/office/drawing/2014/main" xmlns="" id="{86B31C1C-623A-430E-B069-69E1E647AF40}"/>
               </a:ext>
             </a:extLst>
           </p:cNvPr>
@@ -12552,6 +12788,13 @@
       </p:transition>
     </mc:Fallback>
   </mc:AlternateContent>
+  <p:timing>
+    <p:tnLst>
+      <p:par>
+        <p:cTn id="1" dur="indefinite" restart="never" nodeType="tmRoot"/>
+      </p:par>
+    </p:tnLst>
+  </p:timing>
 </p:sld>
 </file>
 
@@ -12584,7 +12827,7 @@
         </p:nvSpPr>
         <p:spPr>
           <a:xfrm>
-            <a:off x="2494012" y="1484784"/>
+            <a:off x="2259987" y="1114799"/>
             <a:ext cx="7668852" cy="1152128"/>
           </a:xfrm>
         </p:spPr>
@@ -12615,6 +12858,13 @@
                 <a:sym typeface="ＭＳ Ｐ明朝" panose="02020600040205080304" pitchFamily="18" charset="-128"/>
               </a:rPr>
             </a:br>
+            <a:r>
+              <a:rPr lang="en-US" altLang="ja-JP" sz="7200" dirty="0">
+                <a:latin typeface="DK Face Your Fears" panose="000907010108010A0105" pitchFamily="18" charset="0"/>
+                <a:sym typeface="ＭＳ Ｐ明朝" panose="02020600040205080304" pitchFamily="18" charset="-128"/>
+              </a:rPr>
+              <a:t/>
+            </a:r>
             <a:br>
               <a:rPr lang="en-US" altLang="ja-JP" sz="7200" dirty="0">
                 <a:latin typeface="DK Face Your Fears" panose="000907010108010A0105" pitchFamily="18" charset="0"/>
@@ -12655,7 +12905,7 @@
           <p:cNvPr id="4" name="四角形: 角を丸くする 3">
             <a:extLst>
               <a:ext uri="{FF2B5EF4-FFF2-40B4-BE49-F238E27FC236}">
-                <a16:creationId xmlns:a16="http://schemas.microsoft.com/office/drawing/2014/main" id="{E52D2E73-3369-45FA-95BD-BE8482C7A869}"/>
+                <a16:creationId xmlns:a16="http://schemas.microsoft.com/office/drawing/2014/main" xmlns="" id="{E52D2E73-3369-45FA-95BD-BE8482C7A869}"/>
               </a:ext>
             </a:extLst>
           </p:cNvPr>
@@ -12700,7 +12950,7 @@
           <p:cNvPr id="6" name="図 5">
             <a:extLst>
               <a:ext uri="{FF2B5EF4-FFF2-40B4-BE49-F238E27FC236}">
-                <a16:creationId xmlns:a16="http://schemas.microsoft.com/office/drawing/2014/main" id="{1D5FF868-7403-4B61-A494-E19789DF42C4}"/>
+                <a16:creationId xmlns:a16="http://schemas.microsoft.com/office/drawing/2014/main" xmlns="" id="{1D5FF868-7403-4B61-A494-E19789DF42C4}"/>
               </a:ext>
             </a:extLst>
           </p:cNvPr>
@@ -12736,7 +12986,7 @@
           <p:cNvPr id="8" name="図 7">
             <a:extLst>
               <a:ext uri="{FF2B5EF4-FFF2-40B4-BE49-F238E27FC236}">
-                <a16:creationId xmlns:a16="http://schemas.microsoft.com/office/drawing/2014/main" id="{FE137CD1-8519-4190-90A0-BB68737337AD}"/>
+                <a16:creationId xmlns:a16="http://schemas.microsoft.com/office/drawing/2014/main" xmlns="" id="{FE137CD1-8519-4190-90A0-BB68737337AD}"/>
               </a:ext>
             </a:extLst>
           </p:cNvPr>
@@ -12772,7 +13022,7 @@
           <p:cNvPr id="10" name="図 9">
             <a:extLst>
               <a:ext uri="{FF2B5EF4-FFF2-40B4-BE49-F238E27FC236}">
-                <a16:creationId xmlns:a16="http://schemas.microsoft.com/office/drawing/2014/main" id="{98404CE4-2ECA-4A56-8EEF-0F29E65D7504}"/>
+                <a16:creationId xmlns:a16="http://schemas.microsoft.com/office/drawing/2014/main" xmlns="" id="{98404CE4-2ECA-4A56-8EEF-0F29E65D7504}"/>
               </a:ext>
             </a:extLst>
           </p:cNvPr>
@@ -12808,7 +13058,7 @@
           <p:cNvPr id="12" name="図 11">
             <a:extLst>
               <a:ext uri="{FF2B5EF4-FFF2-40B4-BE49-F238E27FC236}">
-                <a16:creationId xmlns:a16="http://schemas.microsoft.com/office/drawing/2014/main" id="{013AAD26-8E96-4C9A-8A91-EDB694BF720A}"/>
+                <a16:creationId xmlns:a16="http://schemas.microsoft.com/office/drawing/2014/main" xmlns="" id="{013AAD26-8E96-4C9A-8A91-EDB694BF720A}"/>
               </a:ext>
             </a:extLst>
           </p:cNvPr>
@@ -12844,7 +13094,7 @@
           <p:cNvPr id="14" name="図 13">
             <a:extLst>
               <a:ext uri="{FF2B5EF4-FFF2-40B4-BE49-F238E27FC236}">
-                <a16:creationId xmlns:a16="http://schemas.microsoft.com/office/drawing/2014/main" id="{1F1E05AD-6720-4C86-8921-0E189A21432A}"/>
+                <a16:creationId xmlns:a16="http://schemas.microsoft.com/office/drawing/2014/main" xmlns="" id="{1F1E05AD-6720-4C86-8921-0E189A21432A}"/>
               </a:ext>
             </a:extLst>
           </p:cNvPr>
@@ -12880,7 +13130,7 @@
           <p:cNvPr id="15" name="テキスト ボックス 14">
             <a:extLst>
               <a:ext uri="{FF2B5EF4-FFF2-40B4-BE49-F238E27FC236}">
-                <a16:creationId xmlns:a16="http://schemas.microsoft.com/office/drawing/2014/main" id="{688DE91B-5EBF-4A59-AD27-E5AEF70A8862}"/>
+                <a16:creationId xmlns:a16="http://schemas.microsoft.com/office/drawing/2014/main" xmlns="" id="{688DE91B-5EBF-4A59-AD27-E5AEF70A8862}"/>
               </a:ext>
             </a:extLst>
           </p:cNvPr>
@@ -12933,7 +13183,7 @@
           <p:cNvPr id="16" name="テキスト ボックス 15">
             <a:extLst>
               <a:ext uri="{FF2B5EF4-FFF2-40B4-BE49-F238E27FC236}">
-                <a16:creationId xmlns:a16="http://schemas.microsoft.com/office/drawing/2014/main" id="{878BA579-7D65-4F63-BCE0-07A5DB62F5DB}"/>
+                <a16:creationId xmlns:a16="http://schemas.microsoft.com/office/drawing/2014/main" xmlns="" id="{878BA579-7D65-4F63-BCE0-07A5DB62F5DB}"/>
               </a:ext>
             </a:extLst>
           </p:cNvPr>
@@ -12986,7 +13236,7 @@
           <p:cNvPr id="17" name="テキスト ボックス 16">
             <a:extLst>
               <a:ext uri="{FF2B5EF4-FFF2-40B4-BE49-F238E27FC236}">
-                <a16:creationId xmlns:a16="http://schemas.microsoft.com/office/drawing/2014/main" id="{653913BF-121D-4612-A559-A97F0677D5CE}"/>
+                <a16:creationId xmlns:a16="http://schemas.microsoft.com/office/drawing/2014/main" xmlns="" id="{653913BF-121D-4612-A559-A97F0677D5CE}"/>
               </a:ext>
             </a:extLst>
           </p:cNvPr>
@@ -13039,7 +13289,7 @@
           <p:cNvPr id="18" name="テキスト ボックス 17">
             <a:extLst>
               <a:ext uri="{FF2B5EF4-FFF2-40B4-BE49-F238E27FC236}">
-                <a16:creationId xmlns:a16="http://schemas.microsoft.com/office/drawing/2014/main" id="{49BF798A-BDD5-49C8-8DE5-1E17F48087D2}"/>
+                <a16:creationId xmlns:a16="http://schemas.microsoft.com/office/drawing/2014/main" xmlns="" id="{49BF798A-BDD5-49C8-8DE5-1E17F48087D2}"/>
               </a:ext>
             </a:extLst>
           </p:cNvPr>
@@ -13092,7 +13342,7 @@
           <p:cNvPr id="19" name="テキスト ボックス 18">
             <a:extLst>
               <a:ext uri="{FF2B5EF4-FFF2-40B4-BE49-F238E27FC236}">
-                <a16:creationId xmlns:a16="http://schemas.microsoft.com/office/drawing/2014/main" id="{4DA15CB1-E1CF-4D68-9276-F8D9B93908E6}"/>
+                <a16:creationId xmlns:a16="http://schemas.microsoft.com/office/drawing/2014/main" xmlns="" id="{4DA15CB1-E1CF-4D68-9276-F8D9B93908E6}"/>
               </a:ext>
             </a:extLst>
           </p:cNvPr>
@@ -13145,7 +13395,7 @@
           <p:cNvPr id="20" name="テキスト ボックス 19">
             <a:extLst>
               <a:ext uri="{FF2B5EF4-FFF2-40B4-BE49-F238E27FC236}">
-                <a16:creationId xmlns:a16="http://schemas.microsoft.com/office/drawing/2014/main" id="{B38C549B-BC1E-4AAA-82D3-8D60C46CCA65}"/>
+                <a16:creationId xmlns:a16="http://schemas.microsoft.com/office/drawing/2014/main" xmlns="" id="{B38C549B-BC1E-4AAA-82D3-8D60C46CCA65}"/>
               </a:ext>
             </a:extLst>
           </p:cNvPr>
@@ -13289,6 +13539,13 @@
       </p:transition>
     </mc:Fallback>
   </mc:AlternateContent>
+  <p:timing>
+    <p:tnLst>
+      <p:par>
+        <p:cTn id="1" dur="indefinite" restart="never" nodeType="tmRoot"/>
+      </p:par>
+    </p:tnLst>
+  </p:timing>
 </p:sld>
 </file>
 
@@ -14258,6 +14515,142 @@
 </file>
 
 <file path=customXml/item1.xml><?xml version="1.0" encoding="utf-8"?>
+<?mso-contentType ?>
+<FormTemplates xmlns="http://schemas.microsoft.com/sharepoint/v3/contenttype/forms">
+  <Display>DocumentLibraryForm</Display>
+  <Edit>AssetEditForm</Edit>
+  <New>DocumentLibraryForm</New>
+</FormTemplates>
+</file>
+
+<file path=customXml/item2.xml><?xml version="1.0" encoding="utf-8"?>
+<p:properties xmlns:p="http://schemas.microsoft.com/office/2006/metadata/properties" xmlns:xsi="http://www.w3.org/2001/XMLSchema-instance" xmlns:pc="http://schemas.microsoft.com/office/infopath/2007/PartnerControls">
+  <documentManagement>
+    <DirectSourceMarket xmlns="4873beb7-5857-4685-be1f-d57550cc96cc" xsi:nil="true"/>
+    <ApprovalStatus xmlns="4873beb7-5857-4685-be1f-d57550cc96cc">InProgress</ApprovalStatus>
+    <MarketSpecific xmlns="4873beb7-5857-4685-be1f-d57550cc96cc">false</MarketSpecific>
+    <LocComments xmlns="4873beb7-5857-4685-be1f-d57550cc96cc" xsi:nil="true"/>
+    <ThumbnailAssetId xmlns="4873beb7-5857-4685-be1f-d57550cc96cc" xsi:nil="true"/>
+    <PrimaryImageGen xmlns="4873beb7-5857-4685-be1f-d57550cc96cc">false</PrimaryImageGen>
+    <LegacyData xmlns="4873beb7-5857-4685-be1f-d57550cc96cc" xsi:nil="true"/>
+    <LocRecommendedHandoff xmlns="4873beb7-5857-4685-be1f-d57550cc96cc" xsi:nil="true"/>
+    <BusinessGroup xmlns="4873beb7-5857-4685-be1f-d57550cc96cc" xsi:nil="true"/>
+    <BlockPublish xmlns="4873beb7-5857-4685-be1f-d57550cc96cc">false</BlockPublish>
+    <TPFriendlyName xmlns="4873beb7-5857-4685-be1f-d57550cc96cc" xsi:nil="true"/>
+    <NumericId xmlns="4873beb7-5857-4685-be1f-d57550cc96cc" xsi:nil="true"/>
+    <APEditor xmlns="4873beb7-5857-4685-be1f-d57550cc96cc">
+      <UserInfo>
+        <DisplayName/>
+        <AccountId xsi:nil="true"/>
+        <AccountType/>
+      </UserInfo>
+    </APEditor>
+    <SourceTitle xmlns="4873beb7-5857-4685-be1f-d57550cc96cc" xsi:nil="true"/>
+    <OpenTemplate xmlns="4873beb7-5857-4685-be1f-d57550cc96cc">true</OpenTemplate>
+    <UALocComments xmlns="4873beb7-5857-4685-be1f-d57550cc96cc" xsi:nil="true"/>
+    <ParentAssetId xmlns="4873beb7-5857-4685-be1f-d57550cc96cc" xsi:nil="true"/>
+    <IntlLangReviewDate xmlns="4873beb7-5857-4685-be1f-d57550cc96cc" xsi:nil="true"/>
+    <FeatureTagsTaxHTField0 xmlns="4873beb7-5857-4685-be1f-d57550cc96cc">
+      <Terms xmlns="http://schemas.microsoft.com/office/infopath/2007/PartnerControls"/>
+    </FeatureTagsTaxHTField0>
+    <PublishStatusLookup xmlns="4873beb7-5857-4685-be1f-d57550cc96cc">
+      <Value>1380992</Value>
+    </PublishStatusLookup>
+    <Providers xmlns="4873beb7-5857-4685-be1f-d57550cc96cc" xsi:nil="true"/>
+    <MachineTranslated xmlns="4873beb7-5857-4685-be1f-d57550cc96cc">false</MachineTranslated>
+    <OriginalSourceMarket xmlns="4873beb7-5857-4685-be1f-d57550cc96cc" xsi:nil="true"/>
+    <APDescription xmlns="4873beb7-5857-4685-be1f-d57550cc96cc">This template makes an impression with its bold red background, radial sunburst pattern, and contrasting black title bar. Consider it for your small business or marketing presentation. Or, take advantage of the red color scheme to make a holiday-themed presentation.  Compatible with PowerPoint 2013 and later, this template offers a variety of slide layouts including title slides, bulleted lists, photo with captions, a sample chart, and blank slide, all in a widescreen (16X9) format.
+</APDescription>
+    <ClipArtFilename xmlns="4873beb7-5857-4685-be1f-d57550cc96cc" xsi:nil="true"/>
+    <ContentItem xmlns="4873beb7-5857-4685-be1f-d57550cc96cc" xsi:nil="true"/>
+    <TPInstallLocation xmlns="4873beb7-5857-4685-be1f-d57550cc96cc" xsi:nil="true"/>
+    <PublishTargets xmlns="4873beb7-5857-4685-be1f-d57550cc96cc">OfficeOnlineVNext</PublishTargets>
+    <TimesCloned xmlns="4873beb7-5857-4685-be1f-d57550cc96cc" xsi:nil="true"/>
+    <AssetStart xmlns="4873beb7-5857-4685-be1f-d57550cc96cc">2011-12-19T18:35:00+00:00</AssetStart>
+    <Provider xmlns="4873beb7-5857-4685-be1f-d57550cc96cc" xsi:nil="true"/>
+    <AcquiredFrom xmlns="4873beb7-5857-4685-be1f-d57550cc96cc">Internal MS</AcquiredFrom>
+    <FriendlyTitle xmlns="4873beb7-5857-4685-be1f-d57550cc96cc" xsi:nil="true"/>
+    <LastHandOff xmlns="4873beb7-5857-4685-be1f-d57550cc96cc" xsi:nil="true"/>
+    <TPClientViewer xmlns="4873beb7-5857-4685-be1f-d57550cc96cc" xsi:nil="true"/>
+    <UACurrentWords xmlns="4873beb7-5857-4685-be1f-d57550cc96cc" xsi:nil="true"/>
+    <ArtSampleDocs xmlns="4873beb7-5857-4685-be1f-d57550cc96cc" xsi:nil="true"/>
+    <UALocRecommendation xmlns="4873beb7-5857-4685-be1f-d57550cc96cc">Localize</UALocRecommendation>
+    <Manager xmlns="4873beb7-5857-4685-be1f-d57550cc96cc" xsi:nil="true"/>
+    <ShowIn xmlns="4873beb7-5857-4685-be1f-d57550cc96cc">Show everywhere</ShowIn>
+    <UANotes xmlns="4873beb7-5857-4685-be1f-d57550cc96cc" xsi:nil="true"/>
+    <TemplateStatus xmlns="4873beb7-5857-4685-be1f-d57550cc96cc">Complete</TemplateStatus>
+    <InternalTagsTaxHTField0 xmlns="4873beb7-5857-4685-be1f-d57550cc96cc">
+      <Terms xmlns="http://schemas.microsoft.com/office/infopath/2007/PartnerControls"/>
+    </InternalTagsTaxHTField0>
+    <CSXHash xmlns="4873beb7-5857-4685-be1f-d57550cc96cc" xsi:nil="true"/>
+    <Downloads xmlns="4873beb7-5857-4685-be1f-d57550cc96cc">0</Downloads>
+    <VoteCount xmlns="4873beb7-5857-4685-be1f-d57550cc96cc" xsi:nil="true"/>
+    <OOCacheId xmlns="4873beb7-5857-4685-be1f-d57550cc96cc" xsi:nil="true"/>
+    <IsDeleted xmlns="4873beb7-5857-4685-be1f-d57550cc96cc">false</IsDeleted>
+    <AssetExpire xmlns="4873beb7-5857-4685-be1f-d57550cc96cc">2035-01-01T08:00:00+00:00</AssetExpire>
+    <DSATActionTaken xmlns="4873beb7-5857-4685-be1f-d57550cc96cc" xsi:nil="true"/>
+    <CSXSubmissionMarket xmlns="4873beb7-5857-4685-be1f-d57550cc96cc" xsi:nil="true"/>
+    <TPExecutable xmlns="4873beb7-5857-4685-be1f-d57550cc96cc" xsi:nil="true"/>
+    <SubmitterId xmlns="4873beb7-5857-4685-be1f-d57550cc96cc" xsi:nil="true"/>
+    <EditorialTags xmlns="4873beb7-5857-4685-be1f-d57550cc96cc" xsi:nil="true"/>
+    <ApprovalLog xmlns="4873beb7-5857-4685-be1f-d57550cc96cc" xsi:nil="true"/>
+    <AssetType xmlns="4873beb7-5857-4685-be1f-d57550cc96cc">TP</AssetType>
+    <BugNumber xmlns="4873beb7-5857-4685-be1f-d57550cc96cc" xsi:nil="true"/>
+    <CSXSubmissionDate xmlns="4873beb7-5857-4685-be1f-d57550cc96cc" xsi:nil="true"/>
+    <CSXUpdate xmlns="4873beb7-5857-4685-be1f-d57550cc96cc">false</CSXUpdate>
+    <Milestone xmlns="4873beb7-5857-4685-be1f-d57550cc96cc" xsi:nil="true"/>
+    <RecommendationsModifier xmlns="4873beb7-5857-4685-be1f-d57550cc96cc" xsi:nil="true"/>
+    <OriginAsset xmlns="4873beb7-5857-4685-be1f-d57550cc96cc" xsi:nil="true"/>
+    <TPComponent xmlns="4873beb7-5857-4685-be1f-d57550cc96cc" xsi:nil="true"/>
+    <AssetId xmlns="4873beb7-5857-4685-be1f-d57550cc96cc">TP102804893</AssetId>
+    <IntlLocPriority xmlns="4873beb7-5857-4685-be1f-d57550cc96cc" xsi:nil="true"/>
+    <PolicheckWords xmlns="4873beb7-5857-4685-be1f-d57550cc96cc" xsi:nil="true"/>
+    <TPLaunchHelpLink xmlns="4873beb7-5857-4685-be1f-d57550cc96cc" xsi:nil="true"/>
+    <TPApplication xmlns="4873beb7-5857-4685-be1f-d57550cc96cc" xsi:nil="true"/>
+    <CrawlForDependencies xmlns="4873beb7-5857-4685-be1f-d57550cc96cc">false</CrawlForDependencies>
+    <HandoffToMSDN xmlns="4873beb7-5857-4685-be1f-d57550cc96cc" xsi:nil="true"/>
+    <PlannedPubDate xmlns="4873beb7-5857-4685-be1f-d57550cc96cc" xsi:nil="true"/>
+    <IntlLangReviewer xmlns="4873beb7-5857-4685-be1f-d57550cc96cc" xsi:nil="true"/>
+    <TrustLevel xmlns="4873beb7-5857-4685-be1f-d57550cc96cc">1 Microsoft Managed Content</TrustLevel>
+    <LocLastLocAttemptVersionLookup xmlns="4873beb7-5857-4685-be1f-d57550cc96cc">725212</LocLastLocAttemptVersionLookup>
+    <IsSearchable xmlns="4873beb7-5857-4685-be1f-d57550cc96cc">true</IsSearchable>
+    <TemplateTemplateType xmlns="4873beb7-5857-4685-be1f-d57550cc96cc">PowerPoint Presentation Template</TemplateTemplateType>
+    <CampaignTagsTaxHTField0 xmlns="4873beb7-5857-4685-be1f-d57550cc96cc">
+      <Terms xmlns="http://schemas.microsoft.com/office/infopath/2007/PartnerControls"/>
+    </CampaignTagsTaxHTField0>
+    <TPNamespace xmlns="4873beb7-5857-4685-be1f-d57550cc96cc" xsi:nil="true"/>
+    <TaxCatchAll xmlns="4873beb7-5857-4685-be1f-d57550cc96cc"/>
+    <Markets xmlns="4873beb7-5857-4685-be1f-d57550cc96cc"/>
+    <UAProjectedTotalWords xmlns="4873beb7-5857-4685-be1f-d57550cc96cc" xsi:nil="true"/>
+    <IntlLangReview xmlns="4873beb7-5857-4685-be1f-d57550cc96cc">false</IntlLangReview>
+    <OutputCachingOn xmlns="4873beb7-5857-4685-be1f-d57550cc96cc">false</OutputCachingOn>
+    <AverageRating xmlns="4873beb7-5857-4685-be1f-d57550cc96cc" xsi:nil="true"/>
+    <APAuthor xmlns="4873beb7-5857-4685-be1f-d57550cc96cc">
+      <UserInfo>
+        <DisplayName>REDMOND\v-vaddu</DisplayName>
+        <AccountId>2567</AccountId>
+        <AccountType/>
+      </UserInfo>
+    </APAuthor>
+    <LocManualTestRequired xmlns="4873beb7-5857-4685-be1f-d57550cc96cc">false</LocManualTestRequired>
+    <TPCommandLine xmlns="4873beb7-5857-4685-be1f-d57550cc96cc" xsi:nil="true"/>
+    <TPAppVersion xmlns="4873beb7-5857-4685-be1f-d57550cc96cc" xsi:nil="true"/>
+    <EditorialStatus xmlns="4873beb7-5857-4685-be1f-d57550cc96cc">Complete</EditorialStatus>
+    <LastModifiedDateTime xmlns="4873beb7-5857-4685-be1f-d57550cc96cc" xsi:nil="true"/>
+    <ScenarioTagsTaxHTField0 xmlns="4873beb7-5857-4685-be1f-d57550cc96cc">
+      <Terms xmlns="http://schemas.microsoft.com/office/infopath/2007/PartnerControls"/>
+    </ScenarioTagsTaxHTField0>
+    <OriginalRelease xmlns="4873beb7-5857-4685-be1f-d57550cc96cc">14</OriginalRelease>
+    <TPLaunchHelpLinkType xmlns="4873beb7-5857-4685-be1f-d57550cc96cc">Template</TPLaunchHelpLinkType>
+    <LocalizationTagsTaxHTField0 xmlns="4873beb7-5857-4685-be1f-d57550cc96cc">
+      <Terms xmlns="http://schemas.microsoft.com/office/infopath/2007/PartnerControls"/>
+    </LocalizationTagsTaxHTField0>
+    <LocMarketGroupTiers2 xmlns="4873beb7-5857-4685-be1f-d57550cc96cc" xsi:nil="true"/>
+  </documentManagement>
+</p:properties>
+</file>
+
+<file path=customXml/item3.xml><?xml version="1.0" encoding="utf-8"?>
 <ct:contentTypeSchema xmlns:ct="http://schemas.microsoft.com/office/2006/metadata/contentType" xmlns:ma="http://schemas.microsoft.com/office/2006/metadata/properties/metaAttributes" ct:_="" ma:_="" ma:contentTypeName="TemplateFile" ma:contentTypeID="0x0101006EDDDB5EE6D98C44930B742096920B300400F5B6D36B3EF94B4E9A635CDF2A18F5B8" ma:contentTypeVersion="72" ma:contentTypeDescription="Create a new document." ma:contentTypeScope="" ma:versionID="a23e56308344d904b51738559c3d67c9">
   <xsd:schema xmlns:xsd="http://www.w3.org/2001/XMLSchema" xmlns:xs="http://www.w3.org/2001/XMLSchema" xmlns:p="http://schemas.microsoft.com/office/2006/metadata/properties" xmlns:ns2="4873beb7-5857-4685-be1f-d57550cc96cc" targetNamespace="http://schemas.microsoft.com/office/2006/metadata/properties" ma:root="true" ma:fieldsID="cd0908cc4600e77bf5da051303e00c8d" ns2:_="">
     <xsd:import namespace="4873beb7-5857-4685-be1f-d57550cc96cc"/>
@@ -15297,156 +15690,10 @@
 </ct:contentTypeSchema>
 </file>
 
-<file path=customXml/item2.xml><?xml version="1.0" encoding="utf-8"?>
-<p:properties xmlns:p="http://schemas.microsoft.com/office/2006/metadata/properties" xmlns:xsi="http://www.w3.org/2001/XMLSchema-instance" xmlns:pc="http://schemas.microsoft.com/office/infopath/2007/PartnerControls">
-  <documentManagement>
-    <DirectSourceMarket xmlns="4873beb7-5857-4685-be1f-d57550cc96cc" xsi:nil="true"/>
-    <ApprovalStatus xmlns="4873beb7-5857-4685-be1f-d57550cc96cc">InProgress</ApprovalStatus>
-    <MarketSpecific xmlns="4873beb7-5857-4685-be1f-d57550cc96cc">false</MarketSpecific>
-    <LocComments xmlns="4873beb7-5857-4685-be1f-d57550cc96cc" xsi:nil="true"/>
-    <ThumbnailAssetId xmlns="4873beb7-5857-4685-be1f-d57550cc96cc" xsi:nil="true"/>
-    <PrimaryImageGen xmlns="4873beb7-5857-4685-be1f-d57550cc96cc">false</PrimaryImageGen>
-    <LegacyData xmlns="4873beb7-5857-4685-be1f-d57550cc96cc" xsi:nil="true"/>
-    <LocRecommendedHandoff xmlns="4873beb7-5857-4685-be1f-d57550cc96cc" xsi:nil="true"/>
-    <BusinessGroup xmlns="4873beb7-5857-4685-be1f-d57550cc96cc" xsi:nil="true"/>
-    <BlockPublish xmlns="4873beb7-5857-4685-be1f-d57550cc96cc">false</BlockPublish>
-    <TPFriendlyName xmlns="4873beb7-5857-4685-be1f-d57550cc96cc" xsi:nil="true"/>
-    <NumericId xmlns="4873beb7-5857-4685-be1f-d57550cc96cc" xsi:nil="true"/>
-    <APEditor xmlns="4873beb7-5857-4685-be1f-d57550cc96cc">
-      <UserInfo>
-        <DisplayName/>
-        <AccountId xsi:nil="true"/>
-        <AccountType/>
-      </UserInfo>
-    </APEditor>
-    <SourceTitle xmlns="4873beb7-5857-4685-be1f-d57550cc96cc" xsi:nil="true"/>
-    <OpenTemplate xmlns="4873beb7-5857-4685-be1f-d57550cc96cc">true</OpenTemplate>
-    <UALocComments xmlns="4873beb7-5857-4685-be1f-d57550cc96cc" xsi:nil="true"/>
-    <ParentAssetId xmlns="4873beb7-5857-4685-be1f-d57550cc96cc" xsi:nil="true"/>
-    <IntlLangReviewDate xmlns="4873beb7-5857-4685-be1f-d57550cc96cc" xsi:nil="true"/>
-    <FeatureTagsTaxHTField0 xmlns="4873beb7-5857-4685-be1f-d57550cc96cc">
-      <Terms xmlns="http://schemas.microsoft.com/office/infopath/2007/PartnerControls"/>
-    </FeatureTagsTaxHTField0>
-    <PublishStatusLookup xmlns="4873beb7-5857-4685-be1f-d57550cc96cc">
-      <Value>1380992</Value>
-    </PublishStatusLookup>
-    <Providers xmlns="4873beb7-5857-4685-be1f-d57550cc96cc" xsi:nil="true"/>
-    <MachineTranslated xmlns="4873beb7-5857-4685-be1f-d57550cc96cc">false</MachineTranslated>
-    <OriginalSourceMarket xmlns="4873beb7-5857-4685-be1f-d57550cc96cc" xsi:nil="true"/>
-    <APDescription xmlns="4873beb7-5857-4685-be1f-d57550cc96cc">This template makes an impression with its bold red background, radial sunburst pattern, and contrasting black title bar. Consider it for your small business or marketing presentation. Or, take advantage of the red color scheme to make a holiday-themed presentation.  Compatible with PowerPoint 2013 and later, this template offers a variety of slide layouts including title slides, bulleted lists, photo with captions, a sample chart, and blank slide, all in a widescreen (16X9) format.
-</APDescription>
-    <ClipArtFilename xmlns="4873beb7-5857-4685-be1f-d57550cc96cc" xsi:nil="true"/>
-    <ContentItem xmlns="4873beb7-5857-4685-be1f-d57550cc96cc" xsi:nil="true"/>
-    <TPInstallLocation xmlns="4873beb7-5857-4685-be1f-d57550cc96cc" xsi:nil="true"/>
-    <PublishTargets xmlns="4873beb7-5857-4685-be1f-d57550cc96cc">OfficeOnlineVNext</PublishTargets>
-    <TimesCloned xmlns="4873beb7-5857-4685-be1f-d57550cc96cc" xsi:nil="true"/>
-    <AssetStart xmlns="4873beb7-5857-4685-be1f-d57550cc96cc">2011-12-19T18:35:00+00:00</AssetStart>
-    <Provider xmlns="4873beb7-5857-4685-be1f-d57550cc96cc" xsi:nil="true"/>
-    <AcquiredFrom xmlns="4873beb7-5857-4685-be1f-d57550cc96cc">Internal MS</AcquiredFrom>
-    <FriendlyTitle xmlns="4873beb7-5857-4685-be1f-d57550cc96cc" xsi:nil="true"/>
-    <LastHandOff xmlns="4873beb7-5857-4685-be1f-d57550cc96cc" xsi:nil="true"/>
-    <TPClientViewer xmlns="4873beb7-5857-4685-be1f-d57550cc96cc" xsi:nil="true"/>
-    <UACurrentWords xmlns="4873beb7-5857-4685-be1f-d57550cc96cc" xsi:nil="true"/>
-    <ArtSampleDocs xmlns="4873beb7-5857-4685-be1f-d57550cc96cc" xsi:nil="true"/>
-    <UALocRecommendation xmlns="4873beb7-5857-4685-be1f-d57550cc96cc">Localize</UALocRecommendation>
-    <Manager xmlns="4873beb7-5857-4685-be1f-d57550cc96cc" xsi:nil="true"/>
-    <ShowIn xmlns="4873beb7-5857-4685-be1f-d57550cc96cc">Show everywhere</ShowIn>
-    <UANotes xmlns="4873beb7-5857-4685-be1f-d57550cc96cc" xsi:nil="true"/>
-    <TemplateStatus xmlns="4873beb7-5857-4685-be1f-d57550cc96cc">Complete</TemplateStatus>
-    <InternalTagsTaxHTField0 xmlns="4873beb7-5857-4685-be1f-d57550cc96cc">
-      <Terms xmlns="http://schemas.microsoft.com/office/infopath/2007/PartnerControls"/>
-    </InternalTagsTaxHTField0>
-    <CSXHash xmlns="4873beb7-5857-4685-be1f-d57550cc96cc" xsi:nil="true"/>
-    <Downloads xmlns="4873beb7-5857-4685-be1f-d57550cc96cc">0</Downloads>
-    <VoteCount xmlns="4873beb7-5857-4685-be1f-d57550cc96cc" xsi:nil="true"/>
-    <OOCacheId xmlns="4873beb7-5857-4685-be1f-d57550cc96cc" xsi:nil="true"/>
-    <IsDeleted xmlns="4873beb7-5857-4685-be1f-d57550cc96cc">false</IsDeleted>
-    <AssetExpire xmlns="4873beb7-5857-4685-be1f-d57550cc96cc">2035-01-01T08:00:00+00:00</AssetExpire>
-    <DSATActionTaken xmlns="4873beb7-5857-4685-be1f-d57550cc96cc" xsi:nil="true"/>
-    <CSXSubmissionMarket xmlns="4873beb7-5857-4685-be1f-d57550cc96cc" xsi:nil="true"/>
-    <TPExecutable xmlns="4873beb7-5857-4685-be1f-d57550cc96cc" xsi:nil="true"/>
-    <SubmitterId xmlns="4873beb7-5857-4685-be1f-d57550cc96cc" xsi:nil="true"/>
-    <EditorialTags xmlns="4873beb7-5857-4685-be1f-d57550cc96cc" xsi:nil="true"/>
-    <ApprovalLog xmlns="4873beb7-5857-4685-be1f-d57550cc96cc" xsi:nil="true"/>
-    <AssetType xmlns="4873beb7-5857-4685-be1f-d57550cc96cc">TP</AssetType>
-    <BugNumber xmlns="4873beb7-5857-4685-be1f-d57550cc96cc" xsi:nil="true"/>
-    <CSXSubmissionDate xmlns="4873beb7-5857-4685-be1f-d57550cc96cc" xsi:nil="true"/>
-    <CSXUpdate xmlns="4873beb7-5857-4685-be1f-d57550cc96cc">false</CSXUpdate>
-    <Milestone xmlns="4873beb7-5857-4685-be1f-d57550cc96cc" xsi:nil="true"/>
-    <RecommendationsModifier xmlns="4873beb7-5857-4685-be1f-d57550cc96cc" xsi:nil="true"/>
-    <OriginAsset xmlns="4873beb7-5857-4685-be1f-d57550cc96cc" xsi:nil="true"/>
-    <TPComponent xmlns="4873beb7-5857-4685-be1f-d57550cc96cc" xsi:nil="true"/>
-    <AssetId xmlns="4873beb7-5857-4685-be1f-d57550cc96cc">TP102804893</AssetId>
-    <IntlLocPriority xmlns="4873beb7-5857-4685-be1f-d57550cc96cc" xsi:nil="true"/>
-    <PolicheckWords xmlns="4873beb7-5857-4685-be1f-d57550cc96cc" xsi:nil="true"/>
-    <TPLaunchHelpLink xmlns="4873beb7-5857-4685-be1f-d57550cc96cc" xsi:nil="true"/>
-    <TPApplication xmlns="4873beb7-5857-4685-be1f-d57550cc96cc" xsi:nil="true"/>
-    <CrawlForDependencies xmlns="4873beb7-5857-4685-be1f-d57550cc96cc">false</CrawlForDependencies>
-    <HandoffToMSDN xmlns="4873beb7-5857-4685-be1f-d57550cc96cc" xsi:nil="true"/>
-    <PlannedPubDate xmlns="4873beb7-5857-4685-be1f-d57550cc96cc" xsi:nil="true"/>
-    <IntlLangReviewer xmlns="4873beb7-5857-4685-be1f-d57550cc96cc" xsi:nil="true"/>
-    <TrustLevel xmlns="4873beb7-5857-4685-be1f-d57550cc96cc">1 Microsoft Managed Content</TrustLevel>
-    <LocLastLocAttemptVersionLookup xmlns="4873beb7-5857-4685-be1f-d57550cc96cc">725212</LocLastLocAttemptVersionLookup>
-    <IsSearchable xmlns="4873beb7-5857-4685-be1f-d57550cc96cc">true</IsSearchable>
-    <TemplateTemplateType xmlns="4873beb7-5857-4685-be1f-d57550cc96cc">PowerPoint Presentation Template</TemplateTemplateType>
-    <CampaignTagsTaxHTField0 xmlns="4873beb7-5857-4685-be1f-d57550cc96cc">
-      <Terms xmlns="http://schemas.microsoft.com/office/infopath/2007/PartnerControls"/>
-    </CampaignTagsTaxHTField0>
-    <TPNamespace xmlns="4873beb7-5857-4685-be1f-d57550cc96cc" xsi:nil="true"/>
-    <TaxCatchAll xmlns="4873beb7-5857-4685-be1f-d57550cc96cc"/>
-    <Markets xmlns="4873beb7-5857-4685-be1f-d57550cc96cc"/>
-    <UAProjectedTotalWords xmlns="4873beb7-5857-4685-be1f-d57550cc96cc" xsi:nil="true"/>
-    <IntlLangReview xmlns="4873beb7-5857-4685-be1f-d57550cc96cc">false</IntlLangReview>
-    <OutputCachingOn xmlns="4873beb7-5857-4685-be1f-d57550cc96cc">false</OutputCachingOn>
-    <AverageRating xmlns="4873beb7-5857-4685-be1f-d57550cc96cc" xsi:nil="true"/>
-    <APAuthor xmlns="4873beb7-5857-4685-be1f-d57550cc96cc">
-      <UserInfo>
-        <DisplayName>REDMOND\v-vaddu</DisplayName>
-        <AccountId>2567</AccountId>
-        <AccountType/>
-      </UserInfo>
-    </APAuthor>
-    <LocManualTestRequired xmlns="4873beb7-5857-4685-be1f-d57550cc96cc">false</LocManualTestRequired>
-    <TPCommandLine xmlns="4873beb7-5857-4685-be1f-d57550cc96cc" xsi:nil="true"/>
-    <TPAppVersion xmlns="4873beb7-5857-4685-be1f-d57550cc96cc" xsi:nil="true"/>
-    <EditorialStatus xmlns="4873beb7-5857-4685-be1f-d57550cc96cc">Complete</EditorialStatus>
-    <LastModifiedDateTime xmlns="4873beb7-5857-4685-be1f-d57550cc96cc" xsi:nil="true"/>
-    <ScenarioTagsTaxHTField0 xmlns="4873beb7-5857-4685-be1f-d57550cc96cc">
-      <Terms xmlns="http://schemas.microsoft.com/office/infopath/2007/PartnerControls"/>
-    </ScenarioTagsTaxHTField0>
-    <OriginalRelease xmlns="4873beb7-5857-4685-be1f-d57550cc96cc">14</OriginalRelease>
-    <TPLaunchHelpLinkType xmlns="4873beb7-5857-4685-be1f-d57550cc96cc">Template</TPLaunchHelpLinkType>
-    <LocalizationTagsTaxHTField0 xmlns="4873beb7-5857-4685-be1f-d57550cc96cc">
-      <Terms xmlns="http://schemas.microsoft.com/office/infopath/2007/PartnerControls"/>
-    </LocalizationTagsTaxHTField0>
-    <LocMarketGroupTiers2 xmlns="4873beb7-5857-4685-be1f-d57550cc96cc" xsi:nil="true"/>
-  </documentManagement>
-</p:properties>
-</file>
-
-<file path=customXml/item3.xml><?xml version="1.0" encoding="utf-8"?>
-<?mso-contentType ?>
-<FormTemplates xmlns="http://schemas.microsoft.com/sharepoint/v3/contenttype/forms">
-  <Display>DocumentLibraryForm</Display>
-  <Edit>AssetEditForm</Edit>
-  <New>DocumentLibraryForm</New>
-</FormTemplates>
-</file>
-
 <file path=customXml/itemProps1.xml><?xml version="1.0" encoding="utf-8"?>
-<ds:datastoreItem xmlns:ds="http://schemas.openxmlformats.org/officeDocument/2006/customXml" ds:itemID="{41BC18E0-614B-4152-A3EE-8AA2B60C721E}">
+<ds:datastoreItem xmlns:ds="http://schemas.openxmlformats.org/officeDocument/2006/customXml" ds:itemID="{0A765CE0-A8A0-42E0-82D2-3F870DB4D5F7}">
   <ds:schemaRefs>
-    <ds:schemaRef ds:uri="http://schemas.microsoft.com/office/2006/metadata/contentType"/>
-    <ds:schemaRef ds:uri="http://schemas.microsoft.com/office/2006/metadata/properties/metaAttributes"/>
-    <ds:schemaRef ds:uri="http://www.w3.org/2001/XMLSchema"/>
-    <ds:schemaRef ds:uri="http://schemas.microsoft.com/office/2006/metadata/properties"/>
-    <ds:schemaRef ds:uri="4873beb7-5857-4685-be1f-d57550cc96cc"/>
-    <ds:schemaRef ds:uri="http://schemas.microsoft.com/office/2006/documentManagement/types"/>
-    <ds:schemaRef ds:uri="http://schemas.microsoft.com/office/infopath/2007/PartnerControls"/>
-    <ds:schemaRef ds:uri="http://schemas.openxmlformats.org/package/2006/metadata/core-properties"/>
-    <ds:schemaRef ds:uri="http://purl.org/dc/elements/1.1/"/>
-    <ds:schemaRef ds:uri="http://purl.org/dc/terms/"/>
-    <ds:schemaRef ds:uri="http://schemas.microsoft.com/internal/obd"/>
+    <ds:schemaRef ds:uri="http://schemas.microsoft.com/sharepoint/v3/contenttype/forms"/>
   </ds:schemaRefs>
 </ds:datastoreItem>
 </file>
@@ -15468,9 +15715,19 @@
 </file>
 
 <file path=customXml/itemProps3.xml><?xml version="1.0" encoding="utf-8"?>
-<ds:datastoreItem xmlns:ds="http://schemas.openxmlformats.org/officeDocument/2006/customXml" ds:itemID="{0A765CE0-A8A0-42E0-82D2-3F870DB4D5F7}">
+<ds:datastoreItem xmlns:ds="http://schemas.openxmlformats.org/officeDocument/2006/customXml" ds:itemID="{41BC18E0-614B-4152-A3EE-8AA2B60C721E}">
   <ds:schemaRefs>
-    <ds:schemaRef ds:uri="http://schemas.microsoft.com/sharepoint/v3/contenttype/forms"/>
+    <ds:schemaRef ds:uri="http://schemas.microsoft.com/office/2006/metadata/contentType"/>
+    <ds:schemaRef ds:uri="http://schemas.microsoft.com/office/2006/metadata/properties/metaAttributes"/>
+    <ds:schemaRef ds:uri="http://www.w3.org/2001/XMLSchema"/>
+    <ds:schemaRef ds:uri="http://schemas.microsoft.com/office/2006/metadata/properties"/>
+    <ds:schemaRef ds:uri="4873beb7-5857-4685-be1f-d57550cc96cc"/>
+    <ds:schemaRef ds:uri="http://schemas.microsoft.com/office/2006/documentManagement/types"/>
+    <ds:schemaRef ds:uri="http://schemas.microsoft.com/office/infopath/2007/PartnerControls"/>
+    <ds:schemaRef ds:uri="http://schemas.openxmlformats.org/package/2006/metadata/core-properties"/>
+    <ds:schemaRef ds:uri="http://purl.org/dc/elements/1.1/"/>
+    <ds:schemaRef ds:uri="http://purl.org/dc/terms/"/>
+    <ds:schemaRef ds:uri="http://schemas.microsoft.com/internal/obd"/>
   </ds:schemaRefs>
 </ds:datastoreItem>
 </file>